--- a/assets/user_guide.pptx
+++ b/assets/user_guide.pptx
@@ -104,6 +104,11 @@
       </a:defRPr>
     </a:lvl9pPr>
   </p:defaultTextStyle>
+  <p:extLst>
+    <p:ext uri="{EFAFB233-063F-42B5-8137-9DF3F51BA10A}">
+      <p15:sldGuideLst xmlns:p15="http://schemas.microsoft.com/office/powerpoint/2012/main"/>
+    </p:ext>
+  </p:extLst>
 </p:presentation>
 </file>
 
@@ -254,7 +259,7 @@
           <a:p>
             <a:fld id="{364A8CB1-ED7E-4E48-82AD-90C05FBA8E94}" type="datetimeFigureOut">
               <a:rPr lang="zh-TW" altLang="en-US" smtClean="0"/>
-              <a:t>2025/1/20</a:t>
+              <a:t>2025/1/22</a:t>
             </a:fld>
             <a:endParaRPr lang="zh-TW" altLang="en-US"/>
           </a:p>
@@ -452,7 +457,7 @@
           <a:p>
             <a:fld id="{364A8CB1-ED7E-4E48-82AD-90C05FBA8E94}" type="datetimeFigureOut">
               <a:rPr lang="zh-TW" altLang="en-US" smtClean="0"/>
-              <a:t>2025/1/20</a:t>
+              <a:t>2025/1/22</a:t>
             </a:fld>
             <a:endParaRPr lang="zh-TW" altLang="en-US"/>
           </a:p>
@@ -660,7 +665,7 @@
           <a:p>
             <a:fld id="{364A8CB1-ED7E-4E48-82AD-90C05FBA8E94}" type="datetimeFigureOut">
               <a:rPr lang="zh-TW" altLang="en-US" smtClean="0"/>
-              <a:t>2025/1/20</a:t>
+              <a:t>2025/1/22</a:t>
             </a:fld>
             <a:endParaRPr lang="zh-TW" altLang="en-US"/>
           </a:p>
@@ -858,7 +863,7 @@
           <a:p>
             <a:fld id="{364A8CB1-ED7E-4E48-82AD-90C05FBA8E94}" type="datetimeFigureOut">
               <a:rPr lang="zh-TW" altLang="en-US" smtClean="0"/>
-              <a:t>2025/1/20</a:t>
+              <a:t>2025/1/22</a:t>
             </a:fld>
             <a:endParaRPr lang="zh-TW" altLang="en-US"/>
           </a:p>
@@ -1133,7 +1138,7 @@
           <a:p>
             <a:fld id="{364A8CB1-ED7E-4E48-82AD-90C05FBA8E94}" type="datetimeFigureOut">
               <a:rPr lang="zh-TW" altLang="en-US" smtClean="0"/>
-              <a:t>2025/1/20</a:t>
+              <a:t>2025/1/22</a:t>
             </a:fld>
             <a:endParaRPr lang="zh-TW" altLang="en-US"/>
           </a:p>
@@ -1398,7 +1403,7 @@
           <a:p>
             <a:fld id="{364A8CB1-ED7E-4E48-82AD-90C05FBA8E94}" type="datetimeFigureOut">
               <a:rPr lang="zh-TW" altLang="en-US" smtClean="0"/>
-              <a:t>2025/1/20</a:t>
+              <a:t>2025/1/22</a:t>
             </a:fld>
             <a:endParaRPr lang="zh-TW" altLang="en-US"/>
           </a:p>
@@ -1810,7 +1815,7 @@
           <a:p>
             <a:fld id="{364A8CB1-ED7E-4E48-82AD-90C05FBA8E94}" type="datetimeFigureOut">
               <a:rPr lang="zh-TW" altLang="en-US" smtClean="0"/>
-              <a:t>2025/1/20</a:t>
+              <a:t>2025/1/22</a:t>
             </a:fld>
             <a:endParaRPr lang="zh-TW" altLang="en-US"/>
           </a:p>
@@ -1951,7 +1956,7 @@
           <a:p>
             <a:fld id="{364A8CB1-ED7E-4E48-82AD-90C05FBA8E94}" type="datetimeFigureOut">
               <a:rPr lang="zh-TW" altLang="en-US" smtClean="0"/>
-              <a:t>2025/1/20</a:t>
+              <a:t>2025/1/22</a:t>
             </a:fld>
             <a:endParaRPr lang="zh-TW" altLang="en-US"/>
           </a:p>
@@ -2064,7 +2069,7 @@
           <a:p>
             <a:fld id="{364A8CB1-ED7E-4E48-82AD-90C05FBA8E94}" type="datetimeFigureOut">
               <a:rPr lang="zh-TW" altLang="en-US" smtClean="0"/>
-              <a:t>2025/1/20</a:t>
+              <a:t>2025/1/22</a:t>
             </a:fld>
             <a:endParaRPr lang="zh-TW" altLang="en-US"/>
           </a:p>
@@ -2375,7 +2380,7 @@
           <a:p>
             <a:fld id="{364A8CB1-ED7E-4E48-82AD-90C05FBA8E94}" type="datetimeFigureOut">
               <a:rPr lang="zh-TW" altLang="en-US" smtClean="0"/>
-              <a:t>2025/1/20</a:t>
+              <a:t>2025/1/22</a:t>
             </a:fld>
             <a:endParaRPr lang="zh-TW" altLang="en-US"/>
           </a:p>
@@ -2663,7 +2668,7 @@
           <a:p>
             <a:fld id="{364A8CB1-ED7E-4E48-82AD-90C05FBA8E94}" type="datetimeFigureOut">
               <a:rPr lang="zh-TW" altLang="en-US" smtClean="0"/>
-              <a:t>2025/1/20</a:t>
+              <a:t>2025/1/22</a:t>
             </a:fld>
             <a:endParaRPr lang="zh-TW" altLang="en-US"/>
           </a:p>
@@ -2904,7 +2909,7 @@
           <a:p>
             <a:fld id="{364A8CB1-ED7E-4E48-82AD-90C05FBA8E94}" type="datetimeFigureOut">
               <a:rPr lang="zh-TW" altLang="en-US" smtClean="0"/>
-              <a:t>2025/1/20</a:t>
+              <a:t>2025/1/22</a:t>
             </a:fld>
             <a:endParaRPr lang="zh-TW" altLang="en-US"/>
           </a:p>
@@ -4240,6 +4245,88 @@
           </a:prstGeom>
         </p:spPr>
       </p:pic>
+      <p:pic>
+        <p:nvPicPr>
+          <p:cNvPr id="3" name="圖片 2">
+            <a:extLst>
+              <a:ext uri="{FF2B5EF4-FFF2-40B4-BE49-F238E27FC236}">
+                <a16:creationId xmlns:a16="http://schemas.microsoft.com/office/drawing/2014/main" id="{ABF5D554-6284-2652-75D7-9F5731F52B07}"/>
+              </a:ext>
+            </a:extLst>
+          </p:cNvPr>
+          <p:cNvPicPr>
+            <a:picLocks noChangeAspect="1"/>
+          </p:cNvPicPr>
+          <p:nvPr/>
+        </p:nvPicPr>
+        <p:blipFill>
+          <a:blip r:embed="rId5"/>
+          <a:stretch>
+            <a:fillRect/>
+          </a:stretch>
+        </p:blipFill>
+        <p:spPr>
+          <a:xfrm>
+            <a:off x="5726469" y="1212822"/>
+            <a:ext cx="3334215" cy="1286054"/>
+          </a:xfrm>
+          <a:prstGeom prst="rect">
+            <a:avLst/>
+          </a:prstGeom>
+        </p:spPr>
+      </p:pic>
+      <p:sp>
+        <p:nvSpPr>
+          <p:cNvPr id="4" name="矩形 3">
+            <a:extLst>
+              <a:ext uri="{FF2B5EF4-FFF2-40B4-BE49-F238E27FC236}">
+                <a16:creationId xmlns:a16="http://schemas.microsoft.com/office/drawing/2014/main" id="{787D6944-5E66-1FB6-447E-ED9430E72867}"/>
+              </a:ext>
+            </a:extLst>
+          </p:cNvPr>
+          <p:cNvSpPr/>
+          <p:nvPr/>
+        </p:nvSpPr>
+        <p:spPr>
+          <a:xfrm>
+            <a:off x="7184571" y="2220323"/>
+            <a:ext cx="1750423" cy="278553"/>
+          </a:xfrm>
+          <a:prstGeom prst="rect">
+            <a:avLst/>
+          </a:prstGeom>
+          <a:noFill/>
+          <a:ln w="38100">
+            <a:solidFill>
+              <a:srgbClr val="FF0000"/>
+            </a:solidFill>
+          </a:ln>
+        </p:spPr>
+        <p:style>
+          <a:lnRef idx="2">
+            <a:schemeClr val="accent1">
+              <a:shade val="15000"/>
+            </a:schemeClr>
+          </a:lnRef>
+          <a:fillRef idx="1">
+            <a:schemeClr val="accent1"/>
+          </a:fillRef>
+          <a:effectRef idx="0">
+            <a:schemeClr val="accent1"/>
+          </a:effectRef>
+          <a:fontRef idx="minor">
+            <a:schemeClr val="lt1"/>
+          </a:fontRef>
+        </p:style>
+        <p:txBody>
+          <a:bodyPr rtlCol="0" anchor="ctr"/>
+          <a:lstStyle/>
+          <a:p>
+            <a:pPr algn="ctr"/>
+            <a:endParaRPr lang="zh-TW" altLang="en-US"/>
+          </a:p>
+        </p:txBody>
+      </p:sp>
     </p:spTree>
     <p:extLst>
       <p:ext uri="{BB962C8B-B14F-4D97-AF65-F5344CB8AC3E}">

--- a/assets/user_guide.pptx
+++ b/assets/user_guide.pptx
@@ -4291,6 +4291,88 @@
           <a:xfrm>
             <a:off x="7184571" y="2220323"/>
             <a:ext cx="1750423" cy="278553"/>
+          </a:xfrm>
+          <a:prstGeom prst="rect">
+            <a:avLst/>
+          </a:prstGeom>
+          <a:noFill/>
+          <a:ln w="38100">
+            <a:solidFill>
+              <a:srgbClr val="FF0000"/>
+            </a:solidFill>
+          </a:ln>
+        </p:spPr>
+        <p:style>
+          <a:lnRef idx="2">
+            <a:schemeClr val="accent1">
+              <a:shade val="15000"/>
+            </a:schemeClr>
+          </a:lnRef>
+          <a:fillRef idx="1">
+            <a:schemeClr val="accent1"/>
+          </a:fillRef>
+          <a:effectRef idx="0">
+            <a:schemeClr val="accent1"/>
+          </a:effectRef>
+          <a:fontRef idx="minor">
+            <a:schemeClr val="lt1"/>
+          </a:fontRef>
+        </p:style>
+        <p:txBody>
+          <a:bodyPr rtlCol="0" anchor="ctr"/>
+          <a:lstStyle/>
+          <a:p>
+            <a:pPr algn="ctr"/>
+            <a:endParaRPr lang="zh-TW" altLang="en-US"/>
+          </a:p>
+        </p:txBody>
+      </p:sp>
+      <p:pic>
+        <p:nvPicPr>
+          <p:cNvPr id="5" name="圖片 4">
+            <a:extLst>
+              <a:ext uri="{FF2B5EF4-FFF2-40B4-BE49-F238E27FC236}">
+                <a16:creationId xmlns:a16="http://schemas.microsoft.com/office/drawing/2014/main" id="{3C1D3F2D-AD5D-6A7A-649F-C2E0C81ADEDB}"/>
+              </a:ext>
+            </a:extLst>
+          </p:cNvPr>
+          <p:cNvPicPr>
+            <a:picLocks noChangeAspect="1"/>
+          </p:cNvPicPr>
+          <p:nvPr/>
+        </p:nvPicPr>
+        <p:blipFill>
+          <a:blip r:embed="rId6"/>
+          <a:stretch>
+            <a:fillRect/>
+          </a:stretch>
+        </p:blipFill>
+        <p:spPr>
+          <a:xfrm>
+            <a:off x="5936801" y="2757936"/>
+            <a:ext cx="3623680" cy="3291292"/>
+          </a:xfrm>
+          <a:prstGeom prst="rect">
+            <a:avLst/>
+          </a:prstGeom>
+        </p:spPr>
+      </p:pic>
+      <p:sp>
+        <p:nvSpPr>
+          <p:cNvPr id="6" name="矩形 5">
+            <a:extLst>
+              <a:ext uri="{FF2B5EF4-FFF2-40B4-BE49-F238E27FC236}">
+                <a16:creationId xmlns:a16="http://schemas.microsoft.com/office/drawing/2014/main" id="{EF051872-86CB-CDCA-6EE1-33970895F591}"/>
+              </a:ext>
+            </a:extLst>
+          </p:cNvPr>
+          <p:cNvSpPr/>
+          <p:nvPr/>
+        </p:nvSpPr>
+        <p:spPr>
+          <a:xfrm>
+            <a:off x="7010400" y="4080418"/>
+            <a:ext cx="1532710" cy="295486"/>
           </a:xfrm>
           <a:prstGeom prst="rect">
             <a:avLst/>

--- a/assets/user_guide.pptx
+++ b/assets/user_guide.pptx
@@ -3328,10 +3328,10 @@
       </p:grpSpPr>
       <p:pic>
         <p:nvPicPr>
-          <p:cNvPr id="24" name="圖片 23">
-            <a:extLst>
-              <a:ext uri="{FF2B5EF4-FFF2-40B4-BE49-F238E27FC236}">
-                <a16:creationId xmlns:a16="http://schemas.microsoft.com/office/drawing/2014/main" id="{75F49FEE-E409-3A1A-3A7E-A174B3A58AB0}"/>
+          <p:cNvPr id="8" name="圖片 7">
+            <a:extLst>
+              <a:ext uri="{FF2B5EF4-FFF2-40B4-BE49-F238E27FC236}">
+                <a16:creationId xmlns:a16="http://schemas.microsoft.com/office/drawing/2014/main" id="{7AA2634F-2045-0F3B-CC86-8D72FE58D0CE}"/>
               </a:ext>
             </a:extLst>
           </p:cNvPr>
@@ -3348,8 +3348,8 @@
         </p:blipFill>
         <p:spPr>
           <a:xfrm>
-            <a:off x="545874" y="3429000"/>
-            <a:ext cx="3238952" cy="1276528"/>
+            <a:off x="6000687" y="2795002"/>
+            <a:ext cx="2934308" cy="3521170"/>
           </a:xfrm>
           <a:prstGeom prst="rect">
             <a:avLst/>
@@ -3358,10 +3358,10 @@
       </p:pic>
       <p:pic>
         <p:nvPicPr>
-          <p:cNvPr id="7" name="圖片 6">
-            <a:extLst>
-              <a:ext uri="{FF2B5EF4-FFF2-40B4-BE49-F238E27FC236}">
-                <a16:creationId xmlns:a16="http://schemas.microsoft.com/office/drawing/2014/main" id="{E06FB8C8-9EDE-14D4-2B3E-E9051FBA3D12}"/>
+          <p:cNvPr id="24" name="圖片 23">
+            <a:extLst>
+              <a:ext uri="{FF2B5EF4-FFF2-40B4-BE49-F238E27FC236}">
+                <a16:creationId xmlns:a16="http://schemas.microsoft.com/office/drawing/2014/main" id="{75F49FEE-E409-3A1A-3A7E-A174B3A58AB0}"/>
               </a:ext>
             </a:extLst>
           </p:cNvPr>
@@ -3372,6 +3372,36 @@
         </p:nvPicPr>
         <p:blipFill>
           <a:blip r:embed="rId3"/>
+          <a:stretch>
+            <a:fillRect/>
+          </a:stretch>
+        </p:blipFill>
+        <p:spPr>
+          <a:xfrm>
+            <a:off x="545874" y="3429000"/>
+            <a:ext cx="3238952" cy="1276528"/>
+          </a:xfrm>
+          <a:prstGeom prst="rect">
+            <a:avLst/>
+          </a:prstGeom>
+        </p:spPr>
+      </p:pic>
+      <p:pic>
+        <p:nvPicPr>
+          <p:cNvPr id="7" name="圖片 6">
+            <a:extLst>
+              <a:ext uri="{FF2B5EF4-FFF2-40B4-BE49-F238E27FC236}">
+                <a16:creationId xmlns:a16="http://schemas.microsoft.com/office/drawing/2014/main" id="{E06FB8C8-9EDE-14D4-2B3E-E9051FBA3D12}"/>
+              </a:ext>
+            </a:extLst>
+          </p:cNvPr>
+          <p:cNvPicPr>
+            <a:picLocks noChangeAspect="1"/>
+          </p:cNvPicPr>
+          <p:nvPr/>
+        </p:nvPicPr>
+        <p:blipFill>
+          <a:blip r:embed="rId4"/>
           <a:stretch>
             <a:fillRect/>
           </a:stretch>
@@ -4230,7 +4260,7 @@
           <p:nvPr/>
         </p:nvPicPr>
         <p:blipFill>
-          <a:blip r:embed="rId4"/>
+          <a:blip r:embed="rId5"/>
           <a:stretch>
             <a:fillRect/>
           </a:stretch>
@@ -4260,7 +4290,7 @@
           <p:nvPr/>
         </p:nvPicPr>
         <p:blipFill>
-          <a:blip r:embed="rId5"/>
+          <a:blip r:embed="rId6"/>
           <a:stretch>
             <a:fillRect/>
           </a:stretch>
@@ -4327,36 +4357,6 @@
           </a:p>
         </p:txBody>
       </p:sp>
-      <p:pic>
-        <p:nvPicPr>
-          <p:cNvPr id="5" name="圖片 4">
-            <a:extLst>
-              <a:ext uri="{FF2B5EF4-FFF2-40B4-BE49-F238E27FC236}">
-                <a16:creationId xmlns:a16="http://schemas.microsoft.com/office/drawing/2014/main" id="{3C1D3F2D-AD5D-6A7A-649F-C2E0C81ADEDB}"/>
-              </a:ext>
-            </a:extLst>
-          </p:cNvPr>
-          <p:cNvPicPr>
-            <a:picLocks noChangeAspect="1"/>
-          </p:cNvPicPr>
-          <p:nvPr/>
-        </p:nvPicPr>
-        <p:blipFill>
-          <a:blip r:embed="rId6"/>
-          <a:stretch>
-            <a:fillRect/>
-          </a:stretch>
-        </p:blipFill>
-        <p:spPr>
-          <a:xfrm>
-            <a:off x="5936801" y="2757936"/>
-            <a:ext cx="3623680" cy="3291292"/>
-          </a:xfrm>
-          <a:prstGeom prst="rect">
-            <a:avLst/>
-          </a:prstGeom>
-        </p:spPr>
-      </p:pic>
       <p:sp>
         <p:nvSpPr>
           <p:cNvPr id="6" name="矩形 5">
@@ -4371,8 +4371,8 @@
         </p:nvSpPr>
         <p:spPr>
           <a:xfrm>
-            <a:off x="7010400" y="4080418"/>
-            <a:ext cx="1532710" cy="295486"/>
+            <a:off x="6862354" y="2877663"/>
+            <a:ext cx="879566" cy="309674"/>
           </a:xfrm>
           <a:prstGeom prst="rect">
             <a:avLst/>

--- a/assets/user_guide.pptx
+++ b/assets/user_guide.pptx
@@ -6,6 +6,7 @@
   </p:sldMasterIdLst>
   <p:sldIdLst>
     <p:sldId id="256" r:id="rId2"/>
+    <p:sldId id="257" r:id="rId3"/>
   </p:sldIdLst>
   <p:sldSz cx="12192000" cy="6858000"/>
   <p:notesSz cx="6858000" cy="9144000"/>
@@ -259,7 +260,7 @@
           <a:p>
             <a:fld id="{364A8CB1-ED7E-4E48-82AD-90C05FBA8E94}" type="datetimeFigureOut">
               <a:rPr lang="zh-TW" altLang="en-US" smtClean="0"/>
-              <a:t>2025/1/22</a:t>
+              <a:t>2025/2/12</a:t>
             </a:fld>
             <a:endParaRPr lang="zh-TW" altLang="en-US"/>
           </a:p>
@@ -457,7 +458,7 @@
           <a:p>
             <a:fld id="{364A8CB1-ED7E-4E48-82AD-90C05FBA8E94}" type="datetimeFigureOut">
               <a:rPr lang="zh-TW" altLang="en-US" smtClean="0"/>
-              <a:t>2025/1/22</a:t>
+              <a:t>2025/2/12</a:t>
             </a:fld>
             <a:endParaRPr lang="zh-TW" altLang="en-US"/>
           </a:p>
@@ -665,7 +666,7 @@
           <a:p>
             <a:fld id="{364A8CB1-ED7E-4E48-82AD-90C05FBA8E94}" type="datetimeFigureOut">
               <a:rPr lang="zh-TW" altLang="en-US" smtClean="0"/>
-              <a:t>2025/1/22</a:t>
+              <a:t>2025/2/12</a:t>
             </a:fld>
             <a:endParaRPr lang="zh-TW" altLang="en-US"/>
           </a:p>
@@ -863,7 +864,7 @@
           <a:p>
             <a:fld id="{364A8CB1-ED7E-4E48-82AD-90C05FBA8E94}" type="datetimeFigureOut">
               <a:rPr lang="zh-TW" altLang="en-US" smtClean="0"/>
-              <a:t>2025/1/22</a:t>
+              <a:t>2025/2/12</a:t>
             </a:fld>
             <a:endParaRPr lang="zh-TW" altLang="en-US"/>
           </a:p>
@@ -1138,7 +1139,7 @@
           <a:p>
             <a:fld id="{364A8CB1-ED7E-4E48-82AD-90C05FBA8E94}" type="datetimeFigureOut">
               <a:rPr lang="zh-TW" altLang="en-US" smtClean="0"/>
-              <a:t>2025/1/22</a:t>
+              <a:t>2025/2/12</a:t>
             </a:fld>
             <a:endParaRPr lang="zh-TW" altLang="en-US"/>
           </a:p>
@@ -1403,7 +1404,7 @@
           <a:p>
             <a:fld id="{364A8CB1-ED7E-4E48-82AD-90C05FBA8E94}" type="datetimeFigureOut">
               <a:rPr lang="zh-TW" altLang="en-US" smtClean="0"/>
-              <a:t>2025/1/22</a:t>
+              <a:t>2025/2/12</a:t>
             </a:fld>
             <a:endParaRPr lang="zh-TW" altLang="en-US"/>
           </a:p>
@@ -1815,7 +1816,7 @@
           <a:p>
             <a:fld id="{364A8CB1-ED7E-4E48-82AD-90C05FBA8E94}" type="datetimeFigureOut">
               <a:rPr lang="zh-TW" altLang="en-US" smtClean="0"/>
-              <a:t>2025/1/22</a:t>
+              <a:t>2025/2/12</a:t>
             </a:fld>
             <a:endParaRPr lang="zh-TW" altLang="en-US"/>
           </a:p>
@@ -1956,7 +1957,7 @@
           <a:p>
             <a:fld id="{364A8CB1-ED7E-4E48-82AD-90C05FBA8E94}" type="datetimeFigureOut">
               <a:rPr lang="zh-TW" altLang="en-US" smtClean="0"/>
-              <a:t>2025/1/22</a:t>
+              <a:t>2025/2/12</a:t>
             </a:fld>
             <a:endParaRPr lang="zh-TW" altLang="en-US"/>
           </a:p>
@@ -2069,7 +2070,7 @@
           <a:p>
             <a:fld id="{364A8CB1-ED7E-4E48-82AD-90C05FBA8E94}" type="datetimeFigureOut">
               <a:rPr lang="zh-TW" altLang="en-US" smtClean="0"/>
-              <a:t>2025/1/22</a:t>
+              <a:t>2025/2/12</a:t>
             </a:fld>
             <a:endParaRPr lang="zh-TW" altLang="en-US"/>
           </a:p>
@@ -2380,7 +2381,7 @@
           <a:p>
             <a:fld id="{364A8CB1-ED7E-4E48-82AD-90C05FBA8E94}" type="datetimeFigureOut">
               <a:rPr lang="zh-TW" altLang="en-US" smtClean="0"/>
-              <a:t>2025/1/22</a:t>
+              <a:t>2025/2/12</a:t>
             </a:fld>
             <a:endParaRPr lang="zh-TW" altLang="en-US"/>
           </a:p>
@@ -2668,7 +2669,7 @@
           <a:p>
             <a:fld id="{364A8CB1-ED7E-4E48-82AD-90C05FBA8E94}" type="datetimeFigureOut">
               <a:rPr lang="zh-TW" altLang="en-US" smtClean="0"/>
-              <a:t>2025/1/22</a:t>
+              <a:t>2025/2/12</a:t>
             </a:fld>
             <a:endParaRPr lang="zh-TW" altLang="en-US"/>
           </a:p>
@@ -2909,7 +2910,7 @@
           <a:p>
             <a:fld id="{364A8CB1-ED7E-4E48-82AD-90C05FBA8E94}" type="datetimeFigureOut">
               <a:rPr lang="zh-TW" altLang="en-US" smtClean="0"/>
-              <a:t>2025/1/22</a:t>
+              <a:t>2025/2/12</a:t>
             </a:fld>
             <a:endParaRPr lang="zh-TW" altLang="en-US"/>
           </a:p>
@@ -4422,6 +4423,535 @@
 </p:sld>
 </file>
 
+<file path=ppt/slides/slide2.xml><?xml version="1.0" encoding="utf-8"?>
+<p:sld xmlns:a="http://schemas.openxmlformats.org/drawingml/2006/main" xmlns:r="http://schemas.openxmlformats.org/officeDocument/2006/relationships" xmlns:p="http://schemas.openxmlformats.org/presentationml/2006/main">
+  <p:cSld>
+    <p:spTree>
+      <p:nvGrpSpPr>
+        <p:cNvPr id="1" name=""/>
+        <p:cNvGrpSpPr/>
+        <p:nvPr/>
+      </p:nvGrpSpPr>
+      <p:grpSpPr>
+        <a:xfrm>
+          <a:off x="0" y="0"/>
+          <a:ext cx="0" cy="0"/>
+          <a:chOff x="0" y="0"/>
+          <a:chExt cx="0" cy="0"/>
+        </a:xfrm>
+      </p:grpSpPr>
+      <p:pic>
+        <p:nvPicPr>
+          <p:cNvPr id="2" name="圖片 1">
+            <a:extLst>
+              <a:ext uri="{FF2B5EF4-FFF2-40B4-BE49-F238E27FC236}">
+                <a16:creationId xmlns:a16="http://schemas.microsoft.com/office/drawing/2014/main" id="{3E7DF532-0148-B014-00E7-769E0459719A}"/>
+              </a:ext>
+            </a:extLst>
+          </p:cNvPr>
+          <p:cNvPicPr>
+            <a:picLocks noChangeAspect="1"/>
+          </p:cNvPicPr>
+          <p:nvPr/>
+        </p:nvPicPr>
+        <p:blipFill>
+          <a:blip r:embed="rId2"/>
+          <a:stretch>
+            <a:fillRect/>
+          </a:stretch>
+        </p:blipFill>
+        <p:spPr>
+          <a:xfrm>
+            <a:off x="1797285" y="1271829"/>
+            <a:ext cx="5096586" cy="447737"/>
+          </a:xfrm>
+          <a:prstGeom prst="rect">
+            <a:avLst/>
+          </a:prstGeom>
+        </p:spPr>
+      </p:pic>
+      <p:sp>
+        <p:nvSpPr>
+          <p:cNvPr id="3" name="文字方塊 2">
+            <a:extLst>
+              <a:ext uri="{FF2B5EF4-FFF2-40B4-BE49-F238E27FC236}">
+                <a16:creationId xmlns:a16="http://schemas.microsoft.com/office/drawing/2014/main" id="{23DB712C-7CAE-AC52-236E-C0CF8C36A8E7}"/>
+              </a:ext>
+            </a:extLst>
+          </p:cNvPr>
+          <p:cNvSpPr txBox="1"/>
+          <p:nvPr/>
+        </p:nvSpPr>
+        <p:spPr>
+          <a:xfrm>
+            <a:off x="1714500" y="1719566"/>
+            <a:ext cx="595035" cy="215444"/>
+          </a:xfrm>
+          <a:prstGeom prst="rect">
+            <a:avLst/>
+          </a:prstGeom>
+          <a:noFill/>
+        </p:spPr>
+        <p:txBody>
+          <a:bodyPr wrap="none" rtlCol="0">
+            <a:spAutoFit/>
+          </a:bodyPr>
+          <a:lstStyle/>
+          <a:p>
+            <a:r>
+              <a:rPr lang="zh-TW" altLang="en-US" sz="800" b="1" dirty="0">
+                <a:solidFill>
+                  <a:srgbClr val="FF0000"/>
+                </a:solidFill>
+              </a:rPr>
+              <a:t>解除保護</a:t>
+            </a:r>
+          </a:p>
+        </p:txBody>
+      </p:sp>
+      <p:sp>
+        <p:nvSpPr>
+          <p:cNvPr id="4" name="文字方塊 3">
+            <a:extLst>
+              <a:ext uri="{FF2B5EF4-FFF2-40B4-BE49-F238E27FC236}">
+                <a16:creationId xmlns:a16="http://schemas.microsoft.com/office/drawing/2014/main" id="{B3715F7E-52FF-A9E7-26A1-70666BA948D1}"/>
+              </a:ext>
+            </a:extLst>
+          </p:cNvPr>
+          <p:cNvSpPr txBox="1"/>
+          <p:nvPr/>
+        </p:nvSpPr>
+        <p:spPr>
+          <a:xfrm>
+            <a:off x="2247900" y="1719566"/>
+            <a:ext cx="595035" cy="338554"/>
+          </a:xfrm>
+          <a:prstGeom prst="rect">
+            <a:avLst/>
+          </a:prstGeom>
+          <a:noFill/>
+        </p:spPr>
+        <p:txBody>
+          <a:bodyPr wrap="none" rtlCol="0">
+            <a:spAutoFit/>
+          </a:bodyPr>
+          <a:lstStyle/>
+          <a:p>
+            <a:r>
+              <a:rPr lang="zh-TW" altLang="en-US" sz="800" b="1" dirty="0">
+                <a:solidFill>
+                  <a:srgbClr val="FF0000"/>
+                </a:solidFill>
+              </a:rPr>
+              <a:t>生成金鑰</a:t>
+            </a:r>
+          </a:p>
+          <a:p>
+            <a:endParaRPr lang="zh-TW" altLang="en-US" sz="800" b="1" dirty="0">
+              <a:solidFill>
+                <a:srgbClr val="FF0000"/>
+              </a:solidFill>
+            </a:endParaRPr>
+          </a:p>
+        </p:txBody>
+      </p:sp>
+      <p:sp>
+        <p:nvSpPr>
+          <p:cNvPr id="5" name="文字方塊 4">
+            <a:extLst>
+              <a:ext uri="{FF2B5EF4-FFF2-40B4-BE49-F238E27FC236}">
+                <a16:creationId xmlns:a16="http://schemas.microsoft.com/office/drawing/2014/main" id="{E889D636-6657-DFC6-3152-A837635AE9C3}"/>
+              </a:ext>
+            </a:extLst>
+          </p:cNvPr>
+          <p:cNvSpPr txBox="1"/>
+          <p:nvPr/>
+        </p:nvSpPr>
+        <p:spPr>
+          <a:xfrm>
+            <a:off x="3088547" y="1705582"/>
+            <a:ext cx="389850" cy="215444"/>
+          </a:xfrm>
+          <a:prstGeom prst="rect">
+            <a:avLst/>
+          </a:prstGeom>
+          <a:noFill/>
+        </p:spPr>
+        <p:txBody>
+          <a:bodyPr wrap="none" rtlCol="0">
+            <a:spAutoFit/>
+          </a:bodyPr>
+          <a:lstStyle/>
+          <a:p>
+            <a:r>
+              <a:rPr lang="zh-TW" altLang="en-US" sz="800" b="1" dirty="0">
+                <a:solidFill>
+                  <a:srgbClr val="FF0000"/>
+                </a:solidFill>
+              </a:rPr>
+              <a:t>金鑰</a:t>
+            </a:r>
+          </a:p>
+        </p:txBody>
+      </p:sp>
+      <p:sp>
+        <p:nvSpPr>
+          <p:cNvPr id="6" name="文字方塊 5">
+            <a:extLst>
+              <a:ext uri="{FF2B5EF4-FFF2-40B4-BE49-F238E27FC236}">
+                <a16:creationId xmlns:a16="http://schemas.microsoft.com/office/drawing/2014/main" id="{09A61ADF-3352-4141-5CC0-5BEBADDF2EF2}"/>
+              </a:ext>
+            </a:extLst>
+          </p:cNvPr>
+          <p:cNvSpPr txBox="1"/>
+          <p:nvPr/>
+        </p:nvSpPr>
+        <p:spPr>
+          <a:xfrm>
+            <a:off x="3823635" y="1705582"/>
+            <a:ext cx="389850" cy="215444"/>
+          </a:xfrm>
+          <a:prstGeom prst="rect">
+            <a:avLst/>
+          </a:prstGeom>
+          <a:noFill/>
+        </p:spPr>
+        <p:txBody>
+          <a:bodyPr wrap="none" rtlCol="0">
+            <a:spAutoFit/>
+          </a:bodyPr>
+          <a:lstStyle/>
+          <a:p>
+            <a:r>
+              <a:rPr lang="zh-TW" altLang="en-US" sz="800" b="1" dirty="0">
+                <a:solidFill>
+                  <a:srgbClr val="FF0000"/>
+                </a:solidFill>
+              </a:rPr>
+              <a:t>密碼</a:t>
+            </a:r>
+          </a:p>
+        </p:txBody>
+      </p:sp>
+      <p:sp>
+        <p:nvSpPr>
+          <p:cNvPr id="7" name="文字方塊 6">
+            <a:extLst>
+              <a:ext uri="{FF2B5EF4-FFF2-40B4-BE49-F238E27FC236}">
+                <a16:creationId xmlns:a16="http://schemas.microsoft.com/office/drawing/2014/main" id="{58E1E146-C914-C372-A079-3844319F4B0A}"/>
+              </a:ext>
+            </a:extLst>
+          </p:cNvPr>
+          <p:cNvSpPr txBox="1"/>
+          <p:nvPr/>
+        </p:nvSpPr>
+        <p:spPr>
+          <a:xfrm>
+            <a:off x="5798485" y="1537374"/>
+            <a:ext cx="394660" cy="215444"/>
+          </a:xfrm>
+          <a:prstGeom prst="rect">
+            <a:avLst/>
+          </a:prstGeom>
+          <a:solidFill>
+            <a:schemeClr val="bg1"/>
+          </a:solidFill>
+        </p:spPr>
+        <p:txBody>
+          <a:bodyPr wrap="none" rtlCol="0">
+            <a:spAutoFit/>
+          </a:bodyPr>
+          <a:lstStyle/>
+          <a:p>
+            <a:r>
+              <a:rPr lang="en-US" altLang="zh-TW" sz="800" b="1" dirty="0">
+                <a:solidFill>
+                  <a:srgbClr val="FF0000"/>
+                </a:solidFill>
+              </a:rPr>
+              <a:t>CRC</a:t>
+            </a:r>
+            <a:endParaRPr lang="zh-TW" altLang="en-US" sz="800" b="1" dirty="0">
+              <a:solidFill>
+                <a:srgbClr val="FF0000"/>
+              </a:solidFill>
+            </a:endParaRPr>
+          </a:p>
+        </p:txBody>
+      </p:sp>
+      <p:sp>
+        <p:nvSpPr>
+          <p:cNvPr id="8" name="矩形 7">
+            <a:extLst>
+              <a:ext uri="{FF2B5EF4-FFF2-40B4-BE49-F238E27FC236}">
+                <a16:creationId xmlns:a16="http://schemas.microsoft.com/office/drawing/2014/main" id="{AAEA93D4-9794-29F4-0F8B-827F7EF409B9}"/>
+              </a:ext>
+            </a:extLst>
+          </p:cNvPr>
+          <p:cNvSpPr/>
+          <p:nvPr/>
+        </p:nvSpPr>
+        <p:spPr>
+          <a:xfrm>
+            <a:off x="1797285" y="1537374"/>
+            <a:ext cx="441350" cy="383652"/>
+          </a:xfrm>
+          <a:prstGeom prst="rect">
+            <a:avLst/>
+          </a:prstGeom>
+          <a:noFill/>
+          <a:ln w="28575">
+            <a:solidFill>
+              <a:srgbClr val="FF0000"/>
+            </a:solidFill>
+          </a:ln>
+        </p:spPr>
+        <p:style>
+          <a:lnRef idx="2">
+            <a:schemeClr val="accent1">
+              <a:shade val="15000"/>
+            </a:schemeClr>
+          </a:lnRef>
+          <a:fillRef idx="1">
+            <a:schemeClr val="accent1"/>
+          </a:fillRef>
+          <a:effectRef idx="0">
+            <a:schemeClr val="accent1"/>
+          </a:effectRef>
+          <a:fontRef idx="minor">
+            <a:schemeClr val="lt1"/>
+          </a:fontRef>
+        </p:style>
+        <p:txBody>
+          <a:bodyPr rtlCol="0" anchor="ctr"/>
+          <a:lstStyle/>
+          <a:p>
+            <a:pPr algn="ctr"/>
+            <a:endParaRPr lang="zh-TW" altLang="en-US"/>
+          </a:p>
+        </p:txBody>
+      </p:sp>
+      <p:sp>
+        <p:nvSpPr>
+          <p:cNvPr id="9" name="矩形 8">
+            <a:extLst>
+              <a:ext uri="{FF2B5EF4-FFF2-40B4-BE49-F238E27FC236}">
+                <a16:creationId xmlns:a16="http://schemas.microsoft.com/office/drawing/2014/main" id="{326871CE-BAB0-8EEE-4E8E-B60D4A5AC787}"/>
+              </a:ext>
+            </a:extLst>
+          </p:cNvPr>
+          <p:cNvSpPr/>
+          <p:nvPr/>
+        </p:nvSpPr>
+        <p:spPr>
+          <a:xfrm>
+            <a:off x="2238634" y="1549618"/>
+            <a:ext cx="656965" cy="383652"/>
+          </a:xfrm>
+          <a:prstGeom prst="rect">
+            <a:avLst/>
+          </a:prstGeom>
+          <a:noFill/>
+          <a:ln w="28575">
+            <a:solidFill>
+              <a:srgbClr val="FF0000"/>
+            </a:solidFill>
+          </a:ln>
+        </p:spPr>
+        <p:style>
+          <a:lnRef idx="2">
+            <a:schemeClr val="accent1">
+              <a:shade val="15000"/>
+            </a:schemeClr>
+          </a:lnRef>
+          <a:fillRef idx="1">
+            <a:schemeClr val="accent1"/>
+          </a:fillRef>
+          <a:effectRef idx="0">
+            <a:schemeClr val="accent1"/>
+          </a:effectRef>
+          <a:fontRef idx="minor">
+            <a:schemeClr val="lt1"/>
+          </a:fontRef>
+        </p:style>
+        <p:txBody>
+          <a:bodyPr rtlCol="0" anchor="ctr"/>
+          <a:lstStyle/>
+          <a:p>
+            <a:pPr algn="ctr"/>
+            <a:endParaRPr lang="zh-TW" altLang="en-US"/>
+          </a:p>
+        </p:txBody>
+      </p:sp>
+      <p:sp>
+        <p:nvSpPr>
+          <p:cNvPr id="10" name="矩形 9">
+            <a:extLst>
+              <a:ext uri="{FF2B5EF4-FFF2-40B4-BE49-F238E27FC236}">
+                <a16:creationId xmlns:a16="http://schemas.microsoft.com/office/drawing/2014/main" id="{07D4A278-3B95-DB4B-AC74-6950440A751B}"/>
+              </a:ext>
+            </a:extLst>
+          </p:cNvPr>
+          <p:cNvSpPr/>
+          <p:nvPr/>
+        </p:nvSpPr>
+        <p:spPr>
+          <a:xfrm>
+            <a:off x="2895599" y="1544366"/>
+            <a:ext cx="656965" cy="376660"/>
+          </a:xfrm>
+          <a:prstGeom prst="rect">
+            <a:avLst/>
+          </a:prstGeom>
+          <a:noFill/>
+          <a:ln w="28575">
+            <a:solidFill>
+              <a:srgbClr val="FF0000"/>
+            </a:solidFill>
+          </a:ln>
+        </p:spPr>
+        <p:style>
+          <a:lnRef idx="2">
+            <a:schemeClr val="accent1">
+              <a:shade val="15000"/>
+            </a:schemeClr>
+          </a:lnRef>
+          <a:fillRef idx="1">
+            <a:schemeClr val="accent1"/>
+          </a:fillRef>
+          <a:effectRef idx="0">
+            <a:schemeClr val="accent1"/>
+          </a:effectRef>
+          <a:fontRef idx="minor">
+            <a:schemeClr val="lt1"/>
+          </a:fontRef>
+        </p:style>
+        <p:txBody>
+          <a:bodyPr rtlCol="0" anchor="ctr"/>
+          <a:lstStyle/>
+          <a:p>
+            <a:pPr algn="ctr"/>
+            <a:endParaRPr lang="zh-TW" altLang="en-US"/>
+          </a:p>
+        </p:txBody>
+      </p:sp>
+      <p:sp>
+        <p:nvSpPr>
+          <p:cNvPr id="11" name="矩形 10">
+            <a:extLst>
+              <a:ext uri="{FF2B5EF4-FFF2-40B4-BE49-F238E27FC236}">
+                <a16:creationId xmlns:a16="http://schemas.microsoft.com/office/drawing/2014/main" id="{697A3860-81F6-33B2-EF6F-5B86C7273235}"/>
+              </a:ext>
+            </a:extLst>
+          </p:cNvPr>
+          <p:cNvSpPr/>
+          <p:nvPr/>
+        </p:nvSpPr>
+        <p:spPr>
+          <a:xfrm>
+            <a:off x="3561182" y="1556610"/>
+            <a:ext cx="1842668" cy="364416"/>
+          </a:xfrm>
+          <a:prstGeom prst="rect">
+            <a:avLst/>
+          </a:prstGeom>
+          <a:noFill/>
+          <a:ln w="28575">
+            <a:solidFill>
+              <a:srgbClr val="FF0000"/>
+            </a:solidFill>
+          </a:ln>
+        </p:spPr>
+        <p:style>
+          <a:lnRef idx="2">
+            <a:schemeClr val="accent1">
+              <a:shade val="15000"/>
+            </a:schemeClr>
+          </a:lnRef>
+          <a:fillRef idx="1">
+            <a:schemeClr val="accent1"/>
+          </a:fillRef>
+          <a:effectRef idx="0">
+            <a:schemeClr val="accent1"/>
+          </a:effectRef>
+          <a:fontRef idx="minor">
+            <a:schemeClr val="lt1"/>
+          </a:fontRef>
+        </p:style>
+        <p:txBody>
+          <a:bodyPr rtlCol="0" anchor="ctr"/>
+          <a:lstStyle/>
+          <a:p>
+            <a:pPr algn="ctr"/>
+            <a:endParaRPr lang="zh-TW" altLang="en-US"/>
+          </a:p>
+        </p:txBody>
+      </p:sp>
+      <p:sp>
+        <p:nvSpPr>
+          <p:cNvPr id="12" name="矩形 11">
+            <a:extLst>
+              <a:ext uri="{FF2B5EF4-FFF2-40B4-BE49-F238E27FC236}">
+                <a16:creationId xmlns:a16="http://schemas.microsoft.com/office/drawing/2014/main" id="{AA87BB9F-84DA-5B37-AB19-603354FA9DC7}"/>
+              </a:ext>
+            </a:extLst>
+          </p:cNvPr>
+          <p:cNvSpPr/>
+          <p:nvPr/>
+        </p:nvSpPr>
+        <p:spPr>
+          <a:xfrm>
+            <a:off x="5466182" y="1332620"/>
+            <a:ext cx="726963" cy="420198"/>
+          </a:xfrm>
+          <a:prstGeom prst="rect">
+            <a:avLst/>
+          </a:prstGeom>
+          <a:noFill/>
+          <a:ln w="28575">
+            <a:solidFill>
+              <a:srgbClr val="FF0000"/>
+            </a:solidFill>
+          </a:ln>
+        </p:spPr>
+        <p:style>
+          <a:lnRef idx="2">
+            <a:schemeClr val="accent1">
+              <a:shade val="15000"/>
+            </a:schemeClr>
+          </a:lnRef>
+          <a:fillRef idx="1">
+            <a:schemeClr val="accent1"/>
+          </a:fillRef>
+          <a:effectRef idx="0">
+            <a:schemeClr val="accent1"/>
+          </a:effectRef>
+          <a:fontRef idx="minor">
+            <a:schemeClr val="lt1"/>
+          </a:fontRef>
+        </p:style>
+        <p:txBody>
+          <a:bodyPr rtlCol="0" anchor="ctr"/>
+          <a:lstStyle/>
+          <a:p>
+            <a:pPr algn="ctr"/>
+            <a:endParaRPr lang="zh-TW" altLang="en-US"/>
+          </a:p>
+        </p:txBody>
+      </p:sp>
+    </p:spTree>
+    <p:extLst>
+      <p:ext uri="{BB962C8B-B14F-4D97-AF65-F5344CB8AC3E}">
+        <p14:creationId xmlns:p14="http://schemas.microsoft.com/office/powerpoint/2010/main" val="4245148006"/>
+      </p:ext>
+    </p:extLst>
+  </p:cSld>
+  <p:clrMapOvr>
+    <a:masterClrMapping/>
+  </p:clrMapOvr>
+</p:sld>
+</file>
+
 <file path=ppt/theme/theme1.xml><?xml version="1.0" encoding="utf-8"?>
 <a:theme xmlns:a="http://schemas.openxmlformats.org/drawingml/2006/main" name="Office 佈景主題">
   <a:themeElements>

--- a/assets/user_guide.pptx
+++ b/assets/user_guide.pptx
@@ -7,6 +7,8 @@
   <p:sldIdLst>
     <p:sldId id="256" r:id="rId2"/>
     <p:sldId id="257" r:id="rId3"/>
+    <p:sldId id="258" r:id="rId4"/>
+    <p:sldId id="259" r:id="rId5"/>
   </p:sldIdLst>
   <p:sldSz cx="12192000" cy="6858000"/>
   <p:notesSz cx="6858000" cy="9144000"/>
@@ -260,7 +262,7 @@
           <a:p>
             <a:fld id="{364A8CB1-ED7E-4E48-82AD-90C05FBA8E94}" type="datetimeFigureOut">
               <a:rPr lang="zh-TW" altLang="en-US" smtClean="0"/>
-              <a:t>2025/2/12</a:t>
+              <a:t>2025/3/14</a:t>
             </a:fld>
             <a:endParaRPr lang="zh-TW" altLang="en-US"/>
           </a:p>
@@ -458,7 +460,7 @@
           <a:p>
             <a:fld id="{364A8CB1-ED7E-4E48-82AD-90C05FBA8E94}" type="datetimeFigureOut">
               <a:rPr lang="zh-TW" altLang="en-US" smtClean="0"/>
-              <a:t>2025/2/12</a:t>
+              <a:t>2025/3/14</a:t>
             </a:fld>
             <a:endParaRPr lang="zh-TW" altLang="en-US"/>
           </a:p>
@@ -666,7 +668,7 @@
           <a:p>
             <a:fld id="{364A8CB1-ED7E-4E48-82AD-90C05FBA8E94}" type="datetimeFigureOut">
               <a:rPr lang="zh-TW" altLang="en-US" smtClean="0"/>
-              <a:t>2025/2/12</a:t>
+              <a:t>2025/3/14</a:t>
             </a:fld>
             <a:endParaRPr lang="zh-TW" altLang="en-US"/>
           </a:p>
@@ -864,7 +866,7 @@
           <a:p>
             <a:fld id="{364A8CB1-ED7E-4E48-82AD-90C05FBA8E94}" type="datetimeFigureOut">
               <a:rPr lang="zh-TW" altLang="en-US" smtClean="0"/>
-              <a:t>2025/2/12</a:t>
+              <a:t>2025/3/14</a:t>
             </a:fld>
             <a:endParaRPr lang="zh-TW" altLang="en-US"/>
           </a:p>
@@ -1139,7 +1141,7 @@
           <a:p>
             <a:fld id="{364A8CB1-ED7E-4E48-82AD-90C05FBA8E94}" type="datetimeFigureOut">
               <a:rPr lang="zh-TW" altLang="en-US" smtClean="0"/>
-              <a:t>2025/2/12</a:t>
+              <a:t>2025/3/14</a:t>
             </a:fld>
             <a:endParaRPr lang="zh-TW" altLang="en-US"/>
           </a:p>
@@ -1404,7 +1406,7 @@
           <a:p>
             <a:fld id="{364A8CB1-ED7E-4E48-82AD-90C05FBA8E94}" type="datetimeFigureOut">
               <a:rPr lang="zh-TW" altLang="en-US" smtClean="0"/>
-              <a:t>2025/2/12</a:t>
+              <a:t>2025/3/14</a:t>
             </a:fld>
             <a:endParaRPr lang="zh-TW" altLang="en-US"/>
           </a:p>
@@ -1816,7 +1818,7 @@
           <a:p>
             <a:fld id="{364A8CB1-ED7E-4E48-82AD-90C05FBA8E94}" type="datetimeFigureOut">
               <a:rPr lang="zh-TW" altLang="en-US" smtClean="0"/>
-              <a:t>2025/2/12</a:t>
+              <a:t>2025/3/14</a:t>
             </a:fld>
             <a:endParaRPr lang="zh-TW" altLang="en-US"/>
           </a:p>
@@ -1957,7 +1959,7 @@
           <a:p>
             <a:fld id="{364A8CB1-ED7E-4E48-82AD-90C05FBA8E94}" type="datetimeFigureOut">
               <a:rPr lang="zh-TW" altLang="en-US" smtClean="0"/>
-              <a:t>2025/2/12</a:t>
+              <a:t>2025/3/14</a:t>
             </a:fld>
             <a:endParaRPr lang="zh-TW" altLang="en-US"/>
           </a:p>
@@ -2070,7 +2072,7 @@
           <a:p>
             <a:fld id="{364A8CB1-ED7E-4E48-82AD-90C05FBA8E94}" type="datetimeFigureOut">
               <a:rPr lang="zh-TW" altLang="en-US" smtClean="0"/>
-              <a:t>2025/2/12</a:t>
+              <a:t>2025/3/14</a:t>
             </a:fld>
             <a:endParaRPr lang="zh-TW" altLang="en-US"/>
           </a:p>
@@ -2381,7 +2383,7 @@
           <a:p>
             <a:fld id="{364A8CB1-ED7E-4E48-82AD-90C05FBA8E94}" type="datetimeFigureOut">
               <a:rPr lang="zh-TW" altLang="en-US" smtClean="0"/>
-              <a:t>2025/2/12</a:t>
+              <a:t>2025/3/14</a:t>
             </a:fld>
             <a:endParaRPr lang="zh-TW" altLang="en-US"/>
           </a:p>
@@ -2669,7 +2671,7 @@
           <a:p>
             <a:fld id="{364A8CB1-ED7E-4E48-82AD-90C05FBA8E94}" type="datetimeFigureOut">
               <a:rPr lang="zh-TW" altLang="en-US" smtClean="0"/>
-              <a:t>2025/2/12</a:t>
+              <a:t>2025/3/14</a:t>
             </a:fld>
             <a:endParaRPr lang="zh-TW" altLang="en-US"/>
           </a:p>
@@ -2910,7 +2912,7 @@
           <a:p>
             <a:fld id="{364A8CB1-ED7E-4E48-82AD-90C05FBA8E94}" type="datetimeFigureOut">
               <a:rPr lang="zh-TW" altLang="en-US" smtClean="0"/>
-              <a:t>2025/2/12</a:t>
+              <a:t>2025/3/14</a:t>
             </a:fld>
             <a:endParaRPr lang="zh-TW" altLang="en-US"/>
           </a:p>
@@ -4952,6 +4954,2304 @@
 </p:sld>
 </file>
 
+<file path=ppt/slides/slide3.xml><?xml version="1.0" encoding="utf-8"?>
+<p:sld xmlns:a="http://schemas.openxmlformats.org/drawingml/2006/main" xmlns:r="http://schemas.openxmlformats.org/officeDocument/2006/relationships" xmlns:p="http://schemas.openxmlformats.org/presentationml/2006/main">
+  <p:cSld>
+    <p:spTree>
+      <p:nvGrpSpPr>
+        <p:cNvPr id="1" name=""/>
+        <p:cNvGrpSpPr/>
+        <p:nvPr/>
+      </p:nvGrpSpPr>
+      <p:grpSpPr>
+        <a:xfrm>
+          <a:off x="0" y="0"/>
+          <a:ext cx="0" cy="0"/>
+          <a:chOff x="0" y="0"/>
+          <a:chExt cx="0" cy="0"/>
+        </a:xfrm>
+      </p:grpSpPr>
+      <p:grpSp>
+        <p:nvGrpSpPr>
+          <p:cNvPr id="23" name="群組 22">
+            <a:extLst>
+              <a:ext uri="{FF2B5EF4-FFF2-40B4-BE49-F238E27FC236}">
+                <a16:creationId xmlns:a16="http://schemas.microsoft.com/office/drawing/2014/main" id="{BB638F07-D0A0-063B-C50B-39E029C5C078}"/>
+              </a:ext>
+            </a:extLst>
+          </p:cNvPr>
+          <p:cNvGrpSpPr/>
+          <p:nvPr/>
+        </p:nvGrpSpPr>
+        <p:grpSpPr>
+          <a:xfrm>
+            <a:off x="443579" y="395316"/>
+            <a:ext cx="4611189" cy="3093720"/>
+            <a:chOff x="4624251" y="609600"/>
+            <a:chExt cx="6544243" cy="3990790"/>
+          </a:xfrm>
+        </p:grpSpPr>
+        <p:pic>
+          <p:nvPicPr>
+            <p:cNvPr id="3" name="圖片 2">
+              <a:extLst>
+                <a:ext uri="{FF2B5EF4-FFF2-40B4-BE49-F238E27FC236}">
+                  <a16:creationId xmlns:a16="http://schemas.microsoft.com/office/drawing/2014/main" id="{9053BA6D-A2C4-9FC5-3C4E-7608D953CCC4}"/>
+                </a:ext>
+              </a:extLst>
+            </p:cNvPr>
+            <p:cNvPicPr>
+              <a:picLocks noChangeAspect="1"/>
+            </p:cNvPicPr>
+            <p:nvPr/>
+          </p:nvPicPr>
+          <p:blipFill>
+            <a:blip r:embed="rId2"/>
+            <a:stretch>
+              <a:fillRect/>
+            </a:stretch>
+          </p:blipFill>
+          <p:spPr>
+            <a:xfrm>
+              <a:off x="4624251" y="609600"/>
+              <a:ext cx="6544243" cy="3990790"/>
+            </a:xfrm>
+            <a:prstGeom prst="rect">
+              <a:avLst/>
+            </a:prstGeom>
+          </p:spPr>
+        </p:pic>
+        <p:cxnSp>
+          <p:nvCxnSpPr>
+            <p:cNvPr id="5" name="直線接點 4">
+              <a:extLst>
+                <a:ext uri="{FF2B5EF4-FFF2-40B4-BE49-F238E27FC236}">
+                  <a16:creationId xmlns:a16="http://schemas.microsoft.com/office/drawing/2014/main" id="{2E2BC9B4-8FB9-DE11-D5D8-EB4B2ED85304}"/>
+                </a:ext>
+              </a:extLst>
+            </p:cNvPr>
+            <p:cNvCxnSpPr/>
+            <p:nvPr/>
+          </p:nvCxnSpPr>
+          <p:spPr>
+            <a:xfrm>
+              <a:off x="7203077" y="609600"/>
+              <a:ext cx="0" cy="161196"/>
+            </a:xfrm>
+            <a:prstGeom prst="line">
+              <a:avLst/>
+            </a:prstGeom>
+            <a:ln w="28575">
+              <a:solidFill>
+                <a:srgbClr val="FF0000"/>
+              </a:solidFill>
+            </a:ln>
+          </p:spPr>
+          <p:style>
+            <a:lnRef idx="2">
+              <a:schemeClr val="accent1"/>
+            </a:lnRef>
+            <a:fillRef idx="0">
+              <a:schemeClr val="accent1"/>
+            </a:fillRef>
+            <a:effectRef idx="1">
+              <a:schemeClr val="accent1"/>
+            </a:effectRef>
+            <a:fontRef idx="minor">
+              <a:schemeClr val="tx1"/>
+            </a:fontRef>
+          </p:style>
+        </p:cxnSp>
+        <p:cxnSp>
+          <p:nvCxnSpPr>
+            <p:cNvPr id="6" name="直線接點 5">
+              <a:extLst>
+                <a:ext uri="{FF2B5EF4-FFF2-40B4-BE49-F238E27FC236}">
+                  <a16:creationId xmlns:a16="http://schemas.microsoft.com/office/drawing/2014/main" id="{268D54D4-193D-B06C-505F-B940EFF673E1}"/>
+                </a:ext>
+              </a:extLst>
+            </p:cNvPr>
+            <p:cNvCxnSpPr/>
+            <p:nvPr/>
+          </p:nvCxnSpPr>
+          <p:spPr>
+            <a:xfrm>
+              <a:off x="7797437" y="609600"/>
+              <a:ext cx="0" cy="161196"/>
+            </a:xfrm>
+            <a:prstGeom prst="line">
+              <a:avLst/>
+            </a:prstGeom>
+            <a:ln w="28575">
+              <a:solidFill>
+                <a:srgbClr val="FF0000"/>
+              </a:solidFill>
+            </a:ln>
+          </p:spPr>
+          <p:style>
+            <a:lnRef idx="2">
+              <a:schemeClr val="accent1"/>
+            </a:lnRef>
+            <a:fillRef idx="0">
+              <a:schemeClr val="accent1"/>
+            </a:fillRef>
+            <a:effectRef idx="1">
+              <a:schemeClr val="accent1"/>
+            </a:effectRef>
+            <a:fontRef idx="minor">
+              <a:schemeClr val="tx1"/>
+            </a:fontRef>
+          </p:style>
+        </p:cxnSp>
+        <p:cxnSp>
+          <p:nvCxnSpPr>
+            <p:cNvPr id="7" name="直線接點 6">
+              <a:extLst>
+                <a:ext uri="{FF2B5EF4-FFF2-40B4-BE49-F238E27FC236}">
+                  <a16:creationId xmlns:a16="http://schemas.microsoft.com/office/drawing/2014/main" id="{E7764CA5-853C-4780-C780-13A24D626F47}"/>
+                </a:ext>
+              </a:extLst>
+            </p:cNvPr>
+            <p:cNvCxnSpPr>
+              <a:cxnSpLocks/>
+            </p:cNvCxnSpPr>
+            <p:nvPr/>
+          </p:nvCxnSpPr>
+          <p:spPr>
+            <a:xfrm>
+              <a:off x="4634048" y="770796"/>
+              <a:ext cx="0" cy="3829594"/>
+            </a:xfrm>
+            <a:prstGeom prst="line">
+              <a:avLst/>
+            </a:prstGeom>
+            <a:ln w="28575">
+              <a:solidFill>
+                <a:srgbClr val="FF0000"/>
+              </a:solidFill>
+            </a:ln>
+          </p:spPr>
+          <p:style>
+            <a:lnRef idx="2">
+              <a:schemeClr val="accent1"/>
+            </a:lnRef>
+            <a:fillRef idx="0">
+              <a:schemeClr val="accent1"/>
+            </a:fillRef>
+            <a:effectRef idx="1">
+              <a:schemeClr val="accent1"/>
+            </a:effectRef>
+            <a:fontRef idx="minor">
+              <a:schemeClr val="tx1"/>
+            </a:fontRef>
+          </p:style>
+        </p:cxnSp>
+        <p:cxnSp>
+          <p:nvCxnSpPr>
+            <p:cNvPr id="8" name="直線接點 7">
+              <a:extLst>
+                <a:ext uri="{FF2B5EF4-FFF2-40B4-BE49-F238E27FC236}">
+                  <a16:creationId xmlns:a16="http://schemas.microsoft.com/office/drawing/2014/main" id="{FC47BB60-6E4B-4847-6266-0B0C72A58957}"/>
+                </a:ext>
+              </a:extLst>
+            </p:cNvPr>
+            <p:cNvCxnSpPr>
+              <a:cxnSpLocks/>
+            </p:cNvCxnSpPr>
+            <p:nvPr/>
+          </p:nvCxnSpPr>
+          <p:spPr>
+            <a:xfrm>
+              <a:off x="7797437" y="770796"/>
+              <a:ext cx="3371057" cy="0"/>
+            </a:xfrm>
+            <a:prstGeom prst="line">
+              <a:avLst/>
+            </a:prstGeom>
+            <a:ln w="28575">
+              <a:solidFill>
+                <a:srgbClr val="FF0000"/>
+              </a:solidFill>
+            </a:ln>
+          </p:spPr>
+          <p:style>
+            <a:lnRef idx="2">
+              <a:schemeClr val="accent1"/>
+            </a:lnRef>
+            <a:fillRef idx="0">
+              <a:schemeClr val="accent1"/>
+            </a:fillRef>
+            <a:effectRef idx="1">
+              <a:schemeClr val="accent1"/>
+            </a:effectRef>
+            <a:fontRef idx="minor">
+              <a:schemeClr val="tx1"/>
+            </a:fontRef>
+          </p:style>
+        </p:cxnSp>
+        <p:cxnSp>
+          <p:nvCxnSpPr>
+            <p:cNvPr id="12" name="直線接點 11">
+              <a:extLst>
+                <a:ext uri="{FF2B5EF4-FFF2-40B4-BE49-F238E27FC236}">
+                  <a16:creationId xmlns:a16="http://schemas.microsoft.com/office/drawing/2014/main" id="{6D61C1D5-B299-B067-9AF7-88852916725A}"/>
+                </a:ext>
+              </a:extLst>
+            </p:cNvPr>
+            <p:cNvCxnSpPr>
+              <a:cxnSpLocks/>
+            </p:cNvCxnSpPr>
+            <p:nvPr/>
+          </p:nvCxnSpPr>
+          <p:spPr>
+            <a:xfrm>
+              <a:off x="4624251" y="770796"/>
+              <a:ext cx="2559231" cy="0"/>
+            </a:xfrm>
+            <a:prstGeom prst="line">
+              <a:avLst/>
+            </a:prstGeom>
+            <a:ln w="28575">
+              <a:solidFill>
+                <a:srgbClr val="FF0000"/>
+              </a:solidFill>
+            </a:ln>
+          </p:spPr>
+          <p:style>
+            <a:lnRef idx="2">
+              <a:schemeClr val="accent1"/>
+            </a:lnRef>
+            <a:fillRef idx="0">
+              <a:schemeClr val="accent1"/>
+            </a:fillRef>
+            <a:effectRef idx="1">
+              <a:schemeClr val="accent1"/>
+            </a:effectRef>
+            <a:fontRef idx="minor">
+              <a:schemeClr val="tx1"/>
+            </a:fontRef>
+          </p:style>
+        </p:cxnSp>
+        <p:cxnSp>
+          <p:nvCxnSpPr>
+            <p:cNvPr id="14" name="直線接點 13">
+              <a:extLst>
+                <a:ext uri="{FF2B5EF4-FFF2-40B4-BE49-F238E27FC236}">
+                  <a16:creationId xmlns:a16="http://schemas.microsoft.com/office/drawing/2014/main" id="{D4DD0C8B-571B-8CCB-7279-A3B9FB0C1425}"/>
+                </a:ext>
+              </a:extLst>
+            </p:cNvPr>
+            <p:cNvCxnSpPr>
+              <a:cxnSpLocks/>
+            </p:cNvCxnSpPr>
+            <p:nvPr/>
+          </p:nvCxnSpPr>
+          <p:spPr>
+            <a:xfrm>
+              <a:off x="4624251" y="4571086"/>
+              <a:ext cx="6544243" cy="0"/>
+            </a:xfrm>
+            <a:prstGeom prst="line">
+              <a:avLst/>
+            </a:prstGeom>
+            <a:ln w="28575">
+              <a:solidFill>
+                <a:srgbClr val="FF0000"/>
+              </a:solidFill>
+            </a:ln>
+          </p:spPr>
+          <p:style>
+            <a:lnRef idx="2">
+              <a:schemeClr val="accent1"/>
+            </a:lnRef>
+            <a:fillRef idx="0">
+              <a:schemeClr val="accent1"/>
+            </a:fillRef>
+            <a:effectRef idx="1">
+              <a:schemeClr val="accent1"/>
+            </a:effectRef>
+            <a:fontRef idx="minor">
+              <a:schemeClr val="tx1"/>
+            </a:fontRef>
+          </p:style>
+        </p:cxnSp>
+        <p:cxnSp>
+          <p:nvCxnSpPr>
+            <p:cNvPr id="18" name="直線接點 17">
+              <a:extLst>
+                <a:ext uri="{FF2B5EF4-FFF2-40B4-BE49-F238E27FC236}">
+                  <a16:creationId xmlns:a16="http://schemas.microsoft.com/office/drawing/2014/main" id="{A6B34D00-6DCE-6EE1-6D9C-B24E64463FC0}"/>
+                </a:ext>
+              </a:extLst>
+            </p:cNvPr>
+            <p:cNvCxnSpPr>
+              <a:cxnSpLocks/>
+            </p:cNvCxnSpPr>
+            <p:nvPr/>
+          </p:nvCxnSpPr>
+          <p:spPr>
+            <a:xfrm>
+              <a:off x="7203077" y="609600"/>
+              <a:ext cx="594360" cy="0"/>
+            </a:xfrm>
+            <a:prstGeom prst="line">
+              <a:avLst/>
+            </a:prstGeom>
+            <a:ln w="28575">
+              <a:solidFill>
+                <a:srgbClr val="FF0000"/>
+              </a:solidFill>
+            </a:ln>
+          </p:spPr>
+          <p:style>
+            <a:lnRef idx="2">
+              <a:schemeClr val="accent1"/>
+            </a:lnRef>
+            <a:fillRef idx="0">
+              <a:schemeClr val="accent1"/>
+            </a:fillRef>
+            <a:effectRef idx="1">
+              <a:schemeClr val="accent1"/>
+            </a:effectRef>
+            <a:fontRef idx="minor">
+              <a:schemeClr val="tx1"/>
+            </a:fontRef>
+          </p:style>
+        </p:cxnSp>
+        <p:cxnSp>
+          <p:nvCxnSpPr>
+            <p:cNvPr id="22" name="直線接點 21">
+              <a:extLst>
+                <a:ext uri="{FF2B5EF4-FFF2-40B4-BE49-F238E27FC236}">
+                  <a16:creationId xmlns:a16="http://schemas.microsoft.com/office/drawing/2014/main" id="{D18F8B46-E3CF-ABC1-A70D-93A7FF2C2D77}"/>
+                </a:ext>
+              </a:extLst>
+            </p:cNvPr>
+            <p:cNvCxnSpPr>
+              <a:cxnSpLocks/>
+            </p:cNvCxnSpPr>
+            <p:nvPr/>
+          </p:nvCxnSpPr>
+          <p:spPr>
+            <a:xfrm>
+              <a:off x="11168494" y="770796"/>
+              <a:ext cx="0" cy="3829594"/>
+            </a:xfrm>
+            <a:prstGeom prst="line">
+              <a:avLst/>
+            </a:prstGeom>
+            <a:ln w="28575">
+              <a:solidFill>
+                <a:srgbClr val="FF0000"/>
+              </a:solidFill>
+            </a:ln>
+          </p:spPr>
+          <p:style>
+            <a:lnRef idx="2">
+              <a:schemeClr val="accent1"/>
+            </a:lnRef>
+            <a:fillRef idx="0">
+              <a:schemeClr val="accent1"/>
+            </a:fillRef>
+            <a:effectRef idx="1">
+              <a:schemeClr val="accent1"/>
+            </a:effectRef>
+            <a:fontRef idx="minor">
+              <a:schemeClr val="tx1"/>
+            </a:fontRef>
+          </p:style>
+        </p:cxnSp>
+      </p:grpSp>
+      <p:pic>
+        <p:nvPicPr>
+          <p:cNvPr id="25" name="圖片 24">
+            <a:extLst>
+              <a:ext uri="{FF2B5EF4-FFF2-40B4-BE49-F238E27FC236}">
+                <a16:creationId xmlns:a16="http://schemas.microsoft.com/office/drawing/2014/main" id="{AD8BEDC6-57BB-DC60-EAA9-EBDA40637AD6}"/>
+              </a:ext>
+            </a:extLst>
+          </p:cNvPr>
+          <p:cNvPicPr>
+            <a:picLocks noChangeAspect="1"/>
+          </p:cNvPicPr>
+          <p:nvPr/>
+        </p:nvPicPr>
+        <p:blipFill>
+          <a:blip r:embed="rId3"/>
+          <a:stretch>
+            <a:fillRect/>
+          </a:stretch>
+        </p:blipFill>
+        <p:spPr>
+          <a:xfrm>
+            <a:off x="7147561" y="1144521"/>
+            <a:ext cx="3419952" cy="2000529"/>
+          </a:xfrm>
+          <a:prstGeom prst="rect">
+            <a:avLst/>
+          </a:prstGeom>
+        </p:spPr>
+      </p:pic>
+      <p:sp>
+        <p:nvSpPr>
+          <p:cNvPr id="26" name="矩形 25">
+            <a:extLst>
+              <a:ext uri="{FF2B5EF4-FFF2-40B4-BE49-F238E27FC236}">
+                <a16:creationId xmlns:a16="http://schemas.microsoft.com/office/drawing/2014/main" id="{DA3ED6EB-A01A-9A67-129A-8565D6840C90}"/>
+              </a:ext>
+            </a:extLst>
+          </p:cNvPr>
+          <p:cNvSpPr/>
+          <p:nvPr/>
+        </p:nvSpPr>
+        <p:spPr>
+          <a:xfrm>
+            <a:off x="7231381" y="1356360"/>
+            <a:ext cx="3261360" cy="297180"/>
+          </a:xfrm>
+          <a:prstGeom prst="rect">
+            <a:avLst/>
+          </a:prstGeom>
+          <a:noFill/>
+          <a:ln w="38100">
+            <a:solidFill>
+              <a:srgbClr val="FF0000"/>
+            </a:solidFill>
+          </a:ln>
+        </p:spPr>
+        <p:style>
+          <a:lnRef idx="2">
+            <a:schemeClr val="accent1">
+              <a:shade val="15000"/>
+            </a:schemeClr>
+          </a:lnRef>
+          <a:fillRef idx="1">
+            <a:schemeClr val="accent1"/>
+          </a:fillRef>
+          <a:effectRef idx="0">
+            <a:schemeClr val="accent1"/>
+          </a:effectRef>
+          <a:fontRef idx="minor">
+            <a:schemeClr val="lt1"/>
+          </a:fontRef>
+        </p:style>
+        <p:txBody>
+          <a:bodyPr rtlCol="0" anchor="ctr"/>
+          <a:lstStyle/>
+          <a:p>
+            <a:pPr algn="ctr"/>
+            <a:endParaRPr lang="zh-TW" altLang="en-US"/>
+          </a:p>
+        </p:txBody>
+      </p:sp>
+      <p:sp>
+        <p:nvSpPr>
+          <p:cNvPr id="27" name="箭號: 向右 26">
+            <a:extLst>
+              <a:ext uri="{FF2B5EF4-FFF2-40B4-BE49-F238E27FC236}">
+                <a16:creationId xmlns:a16="http://schemas.microsoft.com/office/drawing/2014/main" id="{D1FCDD92-3A4E-9D29-BEC0-D52EFFB18AD4}"/>
+              </a:ext>
+            </a:extLst>
+          </p:cNvPr>
+          <p:cNvSpPr/>
+          <p:nvPr/>
+        </p:nvSpPr>
+        <p:spPr>
+          <a:xfrm>
+            <a:off x="6858010" y="1611630"/>
+            <a:ext cx="214778" cy="83820"/>
+          </a:xfrm>
+          <a:prstGeom prst="rightArrow">
+            <a:avLst/>
+          </a:prstGeom>
+          <a:solidFill>
+            <a:srgbClr val="FF0000"/>
+          </a:solidFill>
+        </p:spPr>
+        <p:style>
+          <a:lnRef idx="2">
+            <a:schemeClr val="accent1">
+              <a:shade val="15000"/>
+            </a:schemeClr>
+          </a:lnRef>
+          <a:fillRef idx="1">
+            <a:schemeClr val="accent1"/>
+          </a:fillRef>
+          <a:effectRef idx="0">
+            <a:schemeClr val="accent1"/>
+          </a:effectRef>
+          <a:fontRef idx="minor">
+            <a:schemeClr val="lt1"/>
+          </a:fontRef>
+        </p:style>
+        <p:txBody>
+          <a:bodyPr rtlCol="0" anchor="ctr"/>
+          <a:lstStyle/>
+          <a:p>
+            <a:pPr algn="ctr"/>
+            <a:endParaRPr lang="zh-TW" altLang="en-US"/>
+          </a:p>
+        </p:txBody>
+      </p:sp>
+      <p:sp>
+        <p:nvSpPr>
+          <p:cNvPr id="28" name="文字方塊 27">
+            <a:extLst>
+              <a:ext uri="{FF2B5EF4-FFF2-40B4-BE49-F238E27FC236}">
+                <a16:creationId xmlns:a16="http://schemas.microsoft.com/office/drawing/2014/main" id="{C4178002-FB6D-A72A-FD02-E4811C05B89B}"/>
+              </a:ext>
+            </a:extLst>
+          </p:cNvPr>
+          <p:cNvSpPr txBox="1"/>
+          <p:nvPr/>
+        </p:nvSpPr>
+        <p:spPr>
+          <a:xfrm>
+            <a:off x="5598980" y="1524000"/>
+            <a:ext cx="925253" cy="276999"/>
+          </a:xfrm>
+          <a:prstGeom prst="rect">
+            <a:avLst/>
+          </a:prstGeom>
+          <a:noFill/>
+        </p:spPr>
+        <p:txBody>
+          <a:bodyPr wrap="none" rtlCol="0">
+            <a:spAutoFit/>
+          </a:bodyPr>
+          <a:lstStyle/>
+          <a:p>
+            <a:r>
+              <a:rPr lang="en-US" altLang="zh-TW" sz="1200" b="1" dirty="0">
+                <a:solidFill>
+                  <a:srgbClr val="FF0000"/>
+                </a:solidFill>
+              </a:rPr>
+              <a:t>1.</a:t>
+            </a:r>
+            <a:r>
+              <a:rPr lang="zh-TW" altLang="en-US" sz="1200" b="1" dirty="0">
+                <a:solidFill>
+                  <a:srgbClr val="FF0000"/>
+                </a:solidFill>
+              </a:rPr>
+              <a:t>設定參數</a:t>
+            </a:r>
+          </a:p>
+        </p:txBody>
+      </p:sp>
+      <p:sp>
+        <p:nvSpPr>
+          <p:cNvPr id="29" name="文字方塊 28">
+            <a:extLst>
+              <a:ext uri="{FF2B5EF4-FFF2-40B4-BE49-F238E27FC236}">
+                <a16:creationId xmlns:a16="http://schemas.microsoft.com/office/drawing/2014/main" id="{506A1335-10D5-683D-5D41-79C5337E5759}"/>
+              </a:ext>
+            </a:extLst>
+          </p:cNvPr>
+          <p:cNvSpPr txBox="1"/>
+          <p:nvPr/>
+        </p:nvSpPr>
+        <p:spPr>
+          <a:xfrm>
+            <a:off x="5598980" y="2260014"/>
+            <a:ext cx="1197315" cy="276999"/>
+          </a:xfrm>
+          <a:prstGeom prst="rect">
+            <a:avLst/>
+          </a:prstGeom>
+          <a:noFill/>
+        </p:spPr>
+        <p:txBody>
+          <a:bodyPr wrap="none" rtlCol="0">
+            <a:spAutoFit/>
+          </a:bodyPr>
+          <a:lstStyle/>
+          <a:p>
+            <a:r>
+              <a:rPr lang="en-US" altLang="zh-TW" sz="1200" b="1" dirty="0">
+                <a:solidFill>
+                  <a:srgbClr val="FF0000"/>
+                </a:solidFill>
+              </a:rPr>
+              <a:t>2.</a:t>
+            </a:r>
+            <a:r>
+              <a:rPr lang="zh-TW" altLang="en-US" sz="1200" b="1" dirty="0">
+                <a:solidFill>
+                  <a:srgbClr val="FF0000"/>
+                </a:solidFill>
+              </a:rPr>
+              <a:t>寫入</a:t>
+            </a:r>
+            <a:r>
+              <a:rPr lang="en-US" altLang="zh-TW" sz="1200" b="1" dirty="0">
+                <a:solidFill>
+                  <a:srgbClr val="FF0000"/>
+                </a:solidFill>
+              </a:rPr>
+              <a:t>Register</a:t>
+            </a:r>
+            <a:endParaRPr lang="zh-TW" altLang="en-US" sz="1200" b="1" dirty="0">
+              <a:solidFill>
+                <a:srgbClr val="FF0000"/>
+              </a:solidFill>
+            </a:endParaRPr>
+          </a:p>
+        </p:txBody>
+      </p:sp>
+      <p:sp>
+        <p:nvSpPr>
+          <p:cNvPr id="30" name="箭號: 向右 29">
+            <a:extLst>
+              <a:ext uri="{FF2B5EF4-FFF2-40B4-BE49-F238E27FC236}">
+                <a16:creationId xmlns:a16="http://schemas.microsoft.com/office/drawing/2014/main" id="{70264DCD-F93E-BD69-4DFC-6B29DB8EB49E}"/>
+              </a:ext>
+            </a:extLst>
+          </p:cNvPr>
+          <p:cNvSpPr/>
+          <p:nvPr/>
+        </p:nvSpPr>
+        <p:spPr>
+          <a:xfrm>
+            <a:off x="6827536" y="2356604"/>
+            <a:ext cx="214778" cy="83820"/>
+          </a:xfrm>
+          <a:prstGeom prst="rightArrow">
+            <a:avLst/>
+          </a:prstGeom>
+          <a:solidFill>
+            <a:srgbClr val="FF0000"/>
+          </a:solidFill>
+        </p:spPr>
+        <p:style>
+          <a:lnRef idx="2">
+            <a:schemeClr val="accent1">
+              <a:shade val="15000"/>
+            </a:schemeClr>
+          </a:lnRef>
+          <a:fillRef idx="1">
+            <a:schemeClr val="accent1"/>
+          </a:fillRef>
+          <a:effectRef idx="0">
+            <a:schemeClr val="accent1"/>
+          </a:effectRef>
+          <a:fontRef idx="minor">
+            <a:schemeClr val="lt1"/>
+          </a:fontRef>
+        </p:style>
+        <p:txBody>
+          <a:bodyPr rtlCol="0" anchor="ctr"/>
+          <a:lstStyle/>
+          <a:p>
+            <a:pPr algn="ctr"/>
+            <a:endParaRPr lang="zh-TW" altLang="en-US"/>
+          </a:p>
+        </p:txBody>
+      </p:sp>
+      <p:sp>
+        <p:nvSpPr>
+          <p:cNvPr id="31" name="文字方塊 30">
+            <a:extLst>
+              <a:ext uri="{FF2B5EF4-FFF2-40B4-BE49-F238E27FC236}">
+                <a16:creationId xmlns:a16="http://schemas.microsoft.com/office/drawing/2014/main" id="{FC7712F1-B8C7-CBC0-AFE1-7E40B488E112}"/>
+              </a:ext>
+            </a:extLst>
+          </p:cNvPr>
+          <p:cNvSpPr txBox="1"/>
+          <p:nvPr/>
+        </p:nvSpPr>
+        <p:spPr>
+          <a:xfrm>
+            <a:off x="5598980" y="2625774"/>
+            <a:ext cx="1079142" cy="276999"/>
+          </a:xfrm>
+          <a:prstGeom prst="rect">
+            <a:avLst/>
+          </a:prstGeom>
+          <a:noFill/>
+        </p:spPr>
+        <p:txBody>
+          <a:bodyPr wrap="none" rtlCol="0">
+            <a:spAutoFit/>
+          </a:bodyPr>
+          <a:lstStyle/>
+          <a:p>
+            <a:r>
+              <a:rPr lang="en-US" altLang="zh-TW" sz="1200" b="1" dirty="0">
+                <a:solidFill>
+                  <a:srgbClr val="FF0000"/>
+                </a:solidFill>
+              </a:rPr>
+              <a:t>3.</a:t>
+            </a:r>
+            <a:r>
+              <a:rPr lang="zh-TW" altLang="en-US" sz="1200" b="1" dirty="0">
+                <a:solidFill>
+                  <a:srgbClr val="FF0000"/>
+                </a:solidFill>
+              </a:rPr>
+              <a:t>設定燒錄器</a:t>
+            </a:r>
+          </a:p>
+        </p:txBody>
+      </p:sp>
+      <p:sp>
+        <p:nvSpPr>
+          <p:cNvPr id="32" name="箭號: 向右 31">
+            <a:extLst>
+              <a:ext uri="{FF2B5EF4-FFF2-40B4-BE49-F238E27FC236}">
+                <a16:creationId xmlns:a16="http://schemas.microsoft.com/office/drawing/2014/main" id="{38ED75BE-927E-8189-B0AD-9F611EE56017}"/>
+              </a:ext>
+            </a:extLst>
+          </p:cNvPr>
+          <p:cNvSpPr/>
+          <p:nvPr/>
+        </p:nvSpPr>
+        <p:spPr>
+          <a:xfrm>
+            <a:off x="6827536" y="2722364"/>
+            <a:ext cx="214778" cy="83820"/>
+          </a:xfrm>
+          <a:prstGeom prst="rightArrow">
+            <a:avLst/>
+          </a:prstGeom>
+          <a:solidFill>
+            <a:srgbClr val="FF0000"/>
+          </a:solidFill>
+        </p:spPr>
+        <p:style>
+          <a:lnRef idx="2">
+            <a:schemeClr val="accent1">
+              <a:shade val="15000"/>
+            </a:schemeClr>
+          </a:lnRef>
+          <a:fillRef idx="1">
+            <a:schemeClr val="accent1"/>
+          </a:fillRef>
+          <a:effectRef idx="0">
+            <a:schemeClr val="accent1"/>
+          </a:effectRef>
+          <a:fontRef idx="minor">
+            <a:schemeClr val="lt1"/>
+          </a:fontRef>
+        </p:style>
+        <p:txBody>
+          <a:bodyPr rtlCol="0" anchor="ctr"/>
+          <a:lstStyle/>
+          <a:p>
+            <a:pPr algn="ctr"/>
+            <a:endParaRPr lang="zh-TW" altLang="en-US"/>
+          </a:p>
+        </p:txBody>
+      </p:sp>
+      <p:sp>
+        <p:nvSpPr>
+          <p:cNvPr id="33" name="箭號: 向右 32">
+            <a:extLst>
+              <a:ext uri="{FF2B5EF4-FFF2-40B4-BE49-F238E27FC236}">
+                <a16:creationId xmlns:a16="http://schemas.microsoft.com/office/drawing/2014/main" id="{A27D81E5-AF9E-7189-207C-B7EB6C5B59CA}"/>
+              </a:ext>
+            </a:extLst>
+          </p:cNvPr>
+          <p:cNvSpPr/>
+          <p:nvPr/>
+        </p:nvSpPr>
+        <p:spPr>
+          <a:xfrm>
+            <a:off x="6827536" y="3004304"/>
+            <a:ext cx="214778" cy="83820"/>
+          </a:xfrm>
+          <a:prstGeom prst="rightArrow">
+            <a:avLst/>
+          </a:prstGeom>
+          <a:solidFill>
+            <a:srgbClr val="FF0000"/>
+          </a:solidFill>
+        </p:spPr>
+        <p:style>
+          <a:lnRef idx="2">
+            <a:schemeClr val="accent1">
+              <a:shade val="15000"/>
+            </a:schemeClr>
+          </a:lnRef>
+          <a:fillRef idx="1">
+            <a:schemeClr val="accent1"/>
+          </a:fillRef>
+          <a:effectRef idx="0">
+            <a:schemeClr val="accent1"/>
+          </a:effectRef>
+          <a:fontRef idx="minor">
+            <a:schemeClr val="lt1"/>
+          </a:fontRef>
+        </p:style>
+        <p:txBody>
+          <a:bodyPr rtlCol="0" anchor="ctr"/>
+          <a:lstStyle/>
+          <a:p>
+            <a:pPr algn="ctr"/>
+            <a:endParaRPr lang="zh-TW" altLang="en-US"/>
+          </a:p>
+        </p:txBody>
+      </p:sp>
+      <p:sp>
+        <p:nvSpPr>
+          <p:cNvPr id="34" name="文字方塊 33">
+            <a:extLst>
+              <a:ext uri="{FF2B5EF4-FFF2-40B4-BE49-F238E27FC236}">
+                <a16:creationId xmlns:a16="http://schemas.microsoft.com/office/drawing/2014/main" id="{1562B85D-6322-161F-4243-CC54FD44AAD7}"/>
+              </a:ext>
+            </a:extLst>
+          </p:cNvPr>
+          <p:cNvSpPr txBox="1"/>
+          <p:nvPr/>
+        </p:nvSpPr>
+        <p:spPr>
+          <a:xfrm>
+            <a:off x="5724015" y="2907714"/>
+            <a:ext cx="954107" cy="276999"/>
+          </a:xfrm>
+          <a:prstGeom prst="rect">
+            <a:avLst/>
+          </a:prstGeom>
+          <a:noFill/>
+        </p:spPr>
+        <p:txBody>
+          <a:bodyPr wrap="none" rtlCol="0">
+            <a:spAutoFit/>
+          </a:bodyPr>
+          <a:lstStyle/>
+          <a:p>
+            <a:r>
+              <a:rPr lang="zh-TW" altLang="en-US" sz="1200" b="1" dirty="0">
+                <a:solidFill>
+                  <a:srgbClr val="FF0000"/>
+                </a:solidFill>
+              </a:rPr>
+              <a:t>讀取燒錄器</a:t>
+            </a:r>
+          </a:p>
+        </p:txBody>
+      </p:sp>
+      <p:sp>
+        <p:nvSpPr>
+          <p:cNvPr id="35" name="文字方塊 34">
+            <a:extLst>
+              <a:ext uri="{FF2B5EF4-FFF2-40B4-BE49-F238E27FC236}">
+                <a16:creationId xmlns:a16="http://schemas.microsoft.com/office/drawing/2014/main" id="{A688ACCE-7249-B74B-2CCE-5450769D1CD2}"/>
+              </a:ext>
+            </a:extLst>
+          </p:cNvPr>
+          <p:cNvSpPr txBox="1"/>
+          <p:nvPr/>
+        </p:nvSpPr>
+        <p:spPr>
+          <a:xfrm>
+            <a:off x="5696303" y="3429000"/>
+            <a:ext cx="5025037" cy="1938992"/>
+          </a:xfrm>
+          <a:prstGeom prst="rect">
+            <a:avLst/>
+          </a:prstGeom>
+          <a:noFill/>
+        </p:spPr>
+        <p:txBody>
+          <a:bodyPr wrap="square" rtlCol="0">
+            <a:spAutoFit/>
+          </a:bodyPr>
+          <a:lstStyle/>
+          <a:p>
+            <a:r>
+              <a:rPr lang="zh-TW" altLang="en-US" sz="1000" b="1" dirty="0">
+                <a:solidFill>
+                  <a:srgbClr val="0070C0"/>
+                </a:solidFill>
+              </a:rPr>
+              <a:t>設定離線燒錄步驟</a:t>
+            </a:r>
+            <a:endParaRPr lang="en-US" altLang="zh-TW" sz="1000" b="1" dirty="0">
+              <a:solidFill>
+                <a:srgbClr val="0070C0"/>
+              </a:solidFill>
+            </a:endParaRPr>
+          </a:p>
+          <a:p>
+            <a:endParaRPr lang="en-US" altLang="zh-TW" sz="1000" b="1" dirty="0">
+              <a:solidFill>
+                <a:srgbClr val="0070C0"/>
+              </a:solidFill>
+            </a:endParaRPr>
+          </a:p>
+          <a:p>
+            <a:r>
+              <a:rPr lang="en-US" altLang="zh-TW" sz="1000" b="1" dirty="0">
+                <a:solidFill>
+                  <a:srgbClr val="0070C0"/>
+                </a:solidFill>
+              </a:rPr>
+              <a:t>1.</a:t>
+            </a:r>
+            <a:r>
+              <a:rPr lang="zh-TW" altLang="en-US" sz="1000" b="1" dirty="0">
+                <a:solidFill>
+                  <a:srgbClr val="0070C0"/>
+                </a:solidFill>
+              </a:rPr>
+              <a:t>設定參數</a:t>
+            </a:r>
+            <a:endParaRPr lang="en-US" altLang="zh-TW" sz="1000" b="1" dirty="0">
+              <a:solidFill>
+                <a:srgbClr val="0070C0"/>
+              </a:solidFill>
+            </a:endParaRPr>
+          </a:p>
+          <a:p>
+            <a:pPr marL="171450" indent="-171450">
+              <a:buFontTx/>
+              <a:buChar char="-"/>
+            </a:pPr>
+            <a:r>
+              <a:rPr lang="zh-TW" altLang="en-US" sz="1000" b="1" dirty="0">
+                <a:solidFill>
+                  <a:srgbClr val="0070C0"/>
+                </a:solidFill>
+              </a:rPr>
+              <a:t>選擇 </a:t>
+            </a:r>
+            <a:r>
+              <a:rPr lang="en-US" altLang="zh-TW" sz="1000" b="1" dirty="0">
+                <a:solidFill>
+                  <a:srgbClr val="0070C0"/>
+                </a:solidFill>
+              </a:rPr>
+              <a:t>Offline Burn</a:t>
+            </a:r>
+          </a:p>
+          <a:p>
+            <a:pPr marL="171450" indent="-171450">
+              <a:buFontTx/>
+              <a:buChar char="-"/>
+            </a:pPr>
+            <a:r>
+              <a:rPr lang="zh-TW" altLang="en-US" sz="1000" b="1" dirty="0">
+                <a:solidFill>
+                  <a:srgbClr val="0070C0"/>
+                </a:solidFill>
+              </a:rPr>
+              <a:t>必要時</a:t>
+            </a:r>
+            <a:r>
+              <a:rPr lang="en-US" altLang="zh-TW" sz="1000" b="1" dirty="0">
+                <a:solidFill>
+                  <a:srgbClr val="0070C0"/>
+                </a:solidFill>
+              </a:rPr>
+              <a:t>,</a:t>
+            </a:r>
+            <a:r>
+              <a:rPr lang="zh-TW" altLang="en-US" sz="1000" b="1" dirty="0">
+                <a:solidFill>
+                  <a:srgbClr val="0070C0"/>
+                </a:solidFill>
+              </a:rPr>
+              <a:t>調整 </a:t>
+            </a:r>
+            <a:r>
+              <a:rPr lang="en-US" altLang="zh-TW" sz="1000" b="1" dirty="0">
+                <a:solidFill>
+                  <a:srgbClr val="0070C0"/>
+                </a:solidFill>
+              </a:rPr>
+              <a:t>Debounce, Delay time</a:t>
+            </a:r>
+            <a:endParaRPr lang="zh-TW" altLang="en-US" sz="1000" b="1" dirty="0">
+              <a:solidFill>
+                <a:srgbClr val="0070C0"/>
+              </a:solidFill>
+            </a:endParaRPr>
+          </a:p>
+          <a:p>
+            <a:endParaRPr lang="en-US" altLang="zh-TW" sz="1000" b="1" dirty="0">
+              <a:solidFill>
+                <a:srgbClr val="0070C0"/>
+              </a:solidFill>
+            </a:endParaRPr>
+          </a:p>
+          <a:p>
+            <a:r>
+              <a:rPr lang="en-US" altLang="zh-TW" sz="1000" b="1" dirty="0">
+                <a:solidFill>
+                  <a:srgbClr val="0070C0"/>
+                </a:solidFill>
+              </a:rPr>
+              <a:t>2.</a:t>
+            </a:r>
+            <a:r>
+              <a:rPr lang="zh-TW" altLang="en-US" sz="1000" b="1" dirty="0">
+                <a:solidFill>
+                  <a:srgbClr val="0070C0"/>
+                </a:solidFill>
+              </a:rPr>
+              <a:t>寫入</a:t>
+            </a:r>
+            <a:r>
+              <a:rPr lang="en-US" altLang="zh-TW" sz="1000" b="1" dirty="0">
+                <a:solidFill>
+                  <a:srgbClr val="0070C0"/>
+                </a:solidFill>
+              </a:rPr>
+              <a:t>Register</a:t>
+            </a:r>
+          </a:p>
+          <a:p>
+            <a:pPr marL="171450" indent="-171450">
+              <a:buFontTx/>
+              <a:buChar char="-"/>
+            </a:pPr>
+            <a:r>
+              <a:rPr lang="zh-TW" altLang="en-US" sz="1000" b="1" dirty="0">
+                <a:solidFill>
+                  <a:srgbClr val="0070C0"/>
+                </a:solidFill>
+              </a:rPr>
+              <a:t>選擇燒錄檔寫入燒錄器</a:t>
+            </a:r>
+            <a:endParaRPr lang="en-US" altLang="zh-TW" sz="1000" b="1" dirty="0">
+              <a:solidFill>
+                <a:srgbClr val="0070C0"/>
+              </a:solidFill>
+            </a:endParaRPr>
+          </a:p>
+          <a:p>
+            <a:pPr marL="171450" indent="-171450">
+              <a:buFontTx/>
+              <a:buChar char="-"/>
+            </a:pPr>
+            <a:endParaRPr lang="en-US" altLang="zh-TW" sz="1000" b="1" dirty="0">
+              <a:solidFill>
+                <a:srgbClr val="0070C0"/>
+              </a:solidFill>
+            </a:endParaRPr>
+          </a:p>
+          <a:p>
+            <a:r>
+              <a:rPr lang="en-US" altLang="zh-TW" sz="1000" b="1" dirty="0">
+                <a:solidFill>
+                  <a:srgbClr val="0070C0"/>
+                </a:solidFill>
+              </a:rPr>
+              <a:t>3.</a:t>
+            </a:r>
+            <a:r>
+              <a:rPr lang="zh-TW" altLang="en-US" sz="1000" b="1" dirty="0">
+                <a:solidFill>
+                  <a:srgbClr val="0070C0"/>
+                </a:solidFill>
+              </a:rPr>
+              <a:t>設定燒錄器</a:t>
+            </a:r>
+          </a:p>
+          <a:p>
+            <a:r>
+              <a:rPr lang="en-US" altLang="zh-TW" sz="1000" b="1" dirty="0">
+                <a:solidFill>
+                  <a:srgbClr val="0070C0"/>
+                </a:solidFill>
+              </a:rPr>
+              <a:t>- </a:t>
+            </a:r>
+            <a:r>
+              <a:rPr lang="zh-TW" altLang="en-US" sz="1000" b="1" dirty="0">
+                <a:solidFill>
+                  <a:srgbClr val="0070C0"/>
+                </a:solidFill>
+              </a:rPr>
+              <a:t>將燒錄設定寫入燒錄器</a:t>
+            </a:r>
+            <a:endParaRPr lang="en-US" altLang="zh-TW" sz="1000" b="1" dirty="0">
+              <a:solidFill>
+                <a:srgbClr val="0070C0"/>
+              </a:solidFill>
+            </a:endParaRPr>
+          </a:p>
+          <a:p>
+            <a:endParaRPr lang="zh-TW" altLang="en-US" sz="1000" b="1" dirty="0">
+              <a:solidFill>
+                <a:srgbClr val="0070C0"/>
+              </a:solidFill>
+            </a:endParaRPr>
+          </a:p>
+        </p:txBody>
+      </p:sp>
+      <p:sp>
+        <p:nvSpPr>
+          <p:cNvPr id="36" name="文字方塊 35">
+            <a:extLst>
+              <a:ext uri="{FF2B5EF4-FFF2-40B4-BE49-F238E27FC236}">
+                <a16:creationId xmlns:a16="http://schemas.microsoft.com/office/drawing/2014/main" id="{98703808-8F55-9504-3AE0-C8D43258C092}"/>
+              </a:ext>
+            </a:extLst>
+          </p:cNvPr>
+          <p:cNvSpPr txBox="1"/>
+          <p:nvPr/>
+        </p:nvSpPr>
+        <p:spPr>
+          <a:xfrm>
+            <a:off x="8992900" y="1006021"/>
+            <a:ext cx="1364476" cy="276999"/>
+          </a:xfrm>
+          <a:prstGeom prst="rect">
+            <a:avLst/>
+          </a:prstGeom>
+          <a:noFill/>
+        </p:spPr>
+        <p:txBody>
+          <a:bodyPr wrap="none" rtlCol="0">
+            <a:spAutoFit/>
+          </a:bodyPr>
+          <a:lstStyle/>
+          <a:p>
+            <a:r>
+              <a:rPr lang="zh-TW" altLang="en-US" sz="1200" b="1" dirty="0">
+                <a:solidFill>
+                  <a:srgbClr val="FF0000"/>
+                </a:solidFill>
+              </a:rPr>
+              <a:t>選擇 </a:t>
+            </a:r>
+            <a:r>
+              <a:rPr lang="en-US" altLang="zh-TW" sz="1200" b="1" dirty="0">
+                <a:solidFill>
+                  <a:srgbClr val="FF0000"/>
+                </a:solidFill>
+              </a:rPr>
+              <a:t>Offline Burn</a:t>
+            </a:r>
+            <a:endParaRPr lang="zh-TW" altLang="en-US" sz="1200" b="1" dirty="0">
+              <a:solidFill>
+                <a:srgbClr val="FF0000"/>
+              </a:solidFill>
+            </a:endParaRPr>
+          </a:p>
+        </p:txBody>
+      </p:sp>
+      <p:grpSp>
+        <p:nvGrpSpPr>
+          <p:cNvPr id="48" name="群組 47">
+            <a:extLst>
+              <a:ext uri="{FF2B5EF4-FFF2-40B4-BE49-F238E27FC236}">
+                <a16:creationId xmlns:a16="http://schemas.microsoft.com/office/drawing/2014/main" id="{121B3E09-720A-1712-B4F8-5A46F4773C2E}"/>
+              </a:ext>
+            </a:extLst>
+          </p:cNvPr>
+          <p:cNvGrpSpPr/>
+          <p:nvPr/>
+        </p:nvGrpSpPr>
+        <p:grpSpPr>
+          <a:xfrm>
+            <a:off x="902076" y="3695662"/>
+            <a:ext cx="3493171" cy="1971950"/>
+            <a:chOff x="902076" y="3695662"/>
+            <a:chExt cx="3493171" cy="1971950"/>
+          </a:xfrm>
+        </p:grpSpPr>
+        <p:pic>
+          <p:nvPicPr>
+            <p:cNvPr id="42" name="圖片 41">
+              <a:extLst>
+                <a:ext uri="{FF2B5EF4-FFF2-40B4-BE49-F238E27FC236}">
+                  <a16:creationId xmlns:a16="http://schemas.microsoft.com/office/drawing/2014/main" id="{C495A2FA-722C-38DD-77B4-C11A2A43A64D}"/>
+                </a:ext>
+              </a:extLst>
+            </p:cNvPr>
+            <p:cNvPicPr>
+              <a:picLocks noChangeAspect="1"/>
+            </p:cNvPicPr>
+            <p:nvPr/>
+          </p:nvPicPr>
+          <p:blipFill>
+            <a:blip r:embed="rId4"/>
+            <a:stretch>
+              <a:fillRect/>
+            </a:stretch>
+          </p:blipFill>
+          <p:spPr>
+            <a:xfrm>
+              <a:off x="2223244" y="3695662"/>
+              <a:ext cx="2172003" cy="1971950"/>
+            </a:xfrm>
+            <a:prstGeom prst="rect">
+              <a:avLst/>
+            </a:prstGeom>
+          </p:spPr>
+        </p:pic>
+        <p:sp>
+          <p:nvSpPr>
+            <p:cNvPr id="39" name="矩形 38">
+              <a:extLst>
+                <a:ext uri="{FF2B5EF4-FFF2-40B4-BE49-F238E27FC236}">
+                  <a16:creationId xmlns:a16="http://schemas.microsoft.com/office/drawing/2014/main" id="{5F85A638-9DA8-57D5-6D5C-FE2294B66204}"/>
+                </a:ext>
+              </a:extLst>
+            </p:cNvPr>
+            <p:cNvSpPr/>
+            <p:nvPr/>
+          </p:nvSpPr>
+          <p:spPr>
+            <a:xfrm>
+              <a:off x="2297214" y="3876526"/>
+              <a:ext cx="2076745" cy="297180"/>
+            </a:xfrm>
+            <a:prstGeom prst="rect">
+              <a:avLst/>
+            </a:prstGeom>
+            <a:noFill/>
+            <a:ln w="38100">
+              <a:solidFill>
+                <a:srgbClr val="FF0000"/>
+              </a:solidFill>
+            </a:ln>
+          </p:spPr>
+          <p:style>
+            <a:lnRef idx="2">
+              <a:schemeClr val="accent1">
+                <a:shade val="15000"/>
+              </a:schemeClr>
+            </a:lnRef>
+            <a:fillRef idx="1">
+              <a:schemeClr val="accent1"/>
+            </a:fillRef>
+            <a:effectRef idx="0">
+              <a:schemeClr val="accent1"/>
+            </a:effectRef>
+            <a:fontRef idx="minor">
+              <a:schemeClr val="lt1"/>
+            </a:fontRef>
+          </p:style>
+          <p:txBody>
+            <a:bodyPr rtlCol="0" anchor="ctr"/>
+            <a:lstStyle/>
+            <a:p>
+              <a:pPr algn="ctr"/>
+              <a:endParaRPr lang="zh-TW" altLang="en-US"/>
+            </a:p>
+          </p:txBody>
+        </p:sp>
+        <p:sp>
+          <p:nvSpPr>
+            <p:cNvPr id="43" name="矩形 42">
+              <a:extLst>
+                <a:ext uri="{FF2B5EF4-FFF2-40B4-BE49-F238E27FC236}">
+                  <a16:creationId xmlns:a16="http://schemas.microsoft.com/office/drawing/2014/main" id="{FC8868C5-EE5D-A558-E6F4-FE82CADEBD84}"/>
+                </a:ext>
+              </a:extLst>
+            </p:cNvPr>
+            <p:cNvSpPr/>
+            <p:nvPr/>
+          </p:nvSpPr>
+          <p:spPr>
+            <a:xfrm>
+              <a:off x="2270872" y="5057626"/>
+              <a:ext cx="2124375" cy="297180"/>
+            </a:xfrm>
+            <a:prstGeom prst="rect">
+              <a:avLst/>
+            </a:prstGeom>
+            <a:noFill/>
+            <a:ln w="38100">
+              <a:solidFill>
+                <a:srgbClr val="FF0000"/>
+              </a:solidFill>
+            </a:ln>
+          </p:spPr>
+          <p:style>
+            <a:lnRef idx="2">
+              <a:schemeClr val="accent1">
+                <a:shade val="15000"/>
+              </a:schemeClr>
+            </a:lnRef>
+            <a:fillRef idx="1">
+              <a:schemeClr val="accent1"/>
+            </a:fillRef>
+            <a:effectRef idx="0">
+              <a:schemeClr val="accent1"/>
+            </a:effectRef>
+            <a:fontRef idx="minor">
+              <a:schemeClr val="lt1"/>
+            </a:fontRef>
+          </p:style>
+          <p:txBody>
+            <a:bodyPr rtlCol="0" anchor="ctr"/>
+            <a:lstStyle/>
+            <a:p>
+              <a:pPr algn="ctr"/>
+              <a:endParaRPr lang="zh-TW" altLang="en-US"/>
+            </a:p>
+          </p:txBody>
+        </p:sp>
+        <p:sp>
+          <p:nvSpPr>
+            <p:cNvPr id="44" name="文字方塊 43">
+              <a:extLst>
+                <a:ext uri="{FF2B5EF4-FFF2-40B4-BE49-F238E27FC236}">
+                  <a16:creationId xmlns:a16="http://schemas.microsoft.com/office/drawing/2014/main" id="{3BFFB47F-AD80-55CA-3556-56A9FACA0A95}"/>
+                </a:ext>
+              </a:extLst>
+            </p:cNvPr>
+            <p:cNvSpPr txBox="1"/>
+            <p:nvPr/>
+          </p:nvSpPr>
+          <p:spPr>
+            <a:xfrm>
+              <a:off x="908253" y="3876526"/>
+              <a:ext cx="1026243" cy="276999"/>
+            </a:xfrm>
+            <a:prstGeom prst="rect">
+              <a:avLst/>
+            </a:prstGeom>
+            <a:noFill/>
+          </p:spPr>
+          <p:txBody>
+            <a:bodyPr wrap="none" rtlCol="0">
+              <a:spAutoFit/>
+            </a:bodyPr>
+            <a:lstStyle/>
+            <a:p>
+              <a:r>
+                <a:rPr lang="en-US" altLang="zh-TW" sz="1200" b="1" dirty="0">
+                  <a:solidFill>
+                    <a:srgbClr val="FF0000"/>
+                  </a:solidFill>
+                </a:rPr>
+                <a:t>1.</a:t>
+              </a:r>
+              <a:r>
+                <a:rPr lang="zh-TW" altLang="en-US" sz="1200" b="1" dirty="0">
+                  <a:solidFill>
+                    <a:srgbClr val="FF0000"/>
+                  </a:solidFill>
+                </a:rPr>
+                <a:t>選擇 </a:t>
+              </a:r>
+              <a:r>
+                <a:rPr lang="en-US" altLang="zh-TW" sz="1200" b="1" dirty="0">
+                  <a:solidFill>
+                    <a:srgbClr val="FF0000"/>
+                  </a:solidFill>
+                </a:rPr>
+                <a:t>None</a:t>
+              </a:r>
+              <a:endParaRPr lang="zh-TW" altLang="en-US" sz="1200" b="1" dirty="0">
+                <a:solidFill>
+                  <a:srgbClr val="FF0000"/>
+                </a:solidFill>
+              </a:endParaRPr>
+            </a:p>
+          </p:txBody>
+        </p:sp>
+        <p:sp>
+          <p:nvSpPr>
+            <p:cNvPr id="45" name="文字方塊 44">
+              <a:extLst>
+                <a:ext uri="{FF2B5EF4-FFF2-40B4-BE49-F238E27FC236}">
+                  <a16:creationId xmlns:a16="http://schemas.microsoft.com/office/drawing/2014/main" id="{547DF9A4-3118-C90E-CE27-44FC4CCA1CF9}"/>
+                </a:ext>
+              </a:extLst>
+            </p:cNvPr>
+            <p:cNvSpPr txBox="1"/>
+            <p:nvPr/>
+          </p:nvSpPr>
+          <p:spPr>
+            <a:xfrm>
+              <a:off x="902076" y="5090993"/>
+              <a:ext cx="1082348" cy="276999"/>
+            </a:xfrm>
+            <a:prstGeom prst="rect">
+              <a:avLst/>
+            </a:prstGeom>
+            <a:noFill/>
+          </p:spPr>
+          <p:txBody>
+            <a:bodyPr wrap="none" rtlCol="0">
+              <a:spAutoFit/>
+            </a:bodyPr>
+            <a:lstStyle/>
+            <a:p>
+              <a:r>
+                <a:rPr lang="en-US" altLang="zh-TW" sz="1200" b="1" dirty="0">
+                  <a:solidFill>
+                    <a:srgbClr val="FF0000"/>
+                  </a:solidFill>
+                </a:rPr>
+                <a:t>2.</a:t>
+              </a:r>
+              <a:r>
+                <a:rPr lang="zh-TW" altLang="en-US" sz="1200" b="1" dirty="0">
+                  <a:solidFill>
+                    <a:srgbClr val="FF0000"/>
+                  </a:solidFill>
+                </a:rPr>
+                <a:t>設定燒錄器</a:t>
+              </a:r>
+            </a:p>
+          </p:txBody>
+        </p:sp>
+        <p:sp>
+          <p:nvSpPr>
+            <p:cNvPr id="46" name="箭號: 向右 45">
+              <a:extLst>
+                <a:ext uri="{FF2B5EF4-FFF2-40B4-BE49-F238E27FC236}">
+                  <a16:creationId xmlns:a16="http://schemas.microsoft.com/office/drawing/2014/main" id="{7500178C-AB08-77B7-E208-B7695AB70B04}"/>
+                </a:ext>
+              </a:extLst>
+            </p:cNvPr>
+            <p:cNvSpPr/>
+            <p:nvPr/>
+          </p:nvSpPr>
+          <p:spPr>
+            <a:xfrm>
+              <a:off x="1971481" y="3983205"/>
+              <a:ext cx="214778" cy="83820"/>
+            </a:xfrm>
+            <a:prstGeom prst="rightArrow">
+              <a:avLst/>
+            </a:prstGeom>
+            <a:solidFill>
+              <a:srgbClr val="FF0000"/>
+            </a:solidFill>
+          </p:spPr>
+          <p:style>
+            <a:lnRef idx="2">
+              <a:schemeClr val="accent1">
+                <a:shade val="15000"/>
+              </a:schemeClr>
+            </a:lnRef>
+            <a:fillRef idx="1">
+              <a:schemeClr val="accent1"/>
+            </a:fillRef>
+            <a:effectRef idx="0">
+              <a:schemeClr val="accent1"/>
+            </a:effectRef>
+            <a:fontRef idx="minor">
+              <a:schemeClr val="lt1"/>
+            </a:fontRef>
+          </p:style>
+          <p:txBody>
+            <a:bodyPr rtlCol="0" anchor="ctr"/>
+            <a:lstStyle/>
+            <a:p>
+              <a:pPr algn="ctr"/>
+              <a:endParaRPr lang="zh-TW" altLang="en-US"/>
+            </a:p>
+          </p:txBody>
+        </p:sp>
+        <p:sp>
+          <p:nvSpPr>
+            <p:cNvPr id="47" name="箭號: 向右 46">
+              <a:extLst>
+                <a:ext uri="{FF2B5EF4-FFF2-40B4-BE49-F238E27FC236}">
+                  <a16:creationId xmlns:a16="http://schemas.microsoft.com/office/drawing/2014/main" id="{21300BD3-2544-C55C-DC0E-EF3A231BA5BA}"/>
+                </a:ext>
+              </a:extLst>
+            </p:cNvPr>
+            <p:cNvSpPr/>
+            <p:nvPr/>
+          </p:nvSpPr>
+          <p:spPr>
+            <a:xfrm>
+              <a:off x="1960836" y="5206216"/>
+              <a:ext cx="214778" cy="83820"/>
+            </a:xfrm>
+            <a:prstGeom prst="rightArrow">
+              <a:avLst/>
+            </a:prstGeom>
+            <a:solidFill>
+              <a:srgbClr val="FF0000"/>
+            </a:solidFill>
+          </p:spPr>
+          <p:style>
+            <a:lnRef idx="2">
+              <a:schemeClr val="accent1">
+                <a:shade val="15000"/>
+              </a:schemeClr>
+            </a:lnRef>
+            <a:fillRef idx="1">
+              <a:schemeClr val="accent1"/>
+            </a:fillRef>
+            <a:effectRef idx="0">
+              <a:schemeClr val="accent1"/>
+            </a:effectRef>
+            <a:fontRef idx="minor">
+              <a:schemeClr val="lt1"/>
+            </a:fontRef>
+          </p:style>
+          <p:txBody>
+            <a:bodyPr rtlCol="0" anchor="ctr"/>
+            <a:lstStyle/>
+            <a:p>
+              <a:pPr algn="ctr"/>
+              <a:endParaRPr lang="zh-TW" altLang="en-US"/>
+            </a:p>
+          </p:txBody>
+        </p:sp>
+      </p:grpSp>
+    </p:spTree>
+    <p:extLst>
+      <p:ext uri="{BB962C8B-B14F-4D97-AF65-F5344CB8AC3E}">
+        <p14:creationId xmlns:p14="http://schemas.microsoft.com/office/powerpoint/2010/main" val="702883715"/>
+      </p:ext>
+    </p:extLst>
+  </p:cSld>
+  <p:clrMapOvr>
+    <a:masterClrMapping/>
+  </p:clrMapOvr>
+</p:sld>
+</file>
+
+<file path=ppt/slides/slide4.xml><?xml version="1.0" encoding="utf-8"?>
+<p:sld xmlns:a="http://schemas.openxmlformats.org/drawingml/2006/main" xmlns:r="http://schemas.openxmlformats.org/officeDocument/2006/relationships" xmlns:p="http://schemas.openxmlformats.org/presentationml/2006/main">
+  <p:cSld>
+    <p:spTree>
+      <p:nvGrpSpPr>
+        <p:cNvPr id="1" name=""/>
+        <p:cNvGrpSpPr/>
+        <p:nvPr/>
+      </p:nvGrpSpPr>
+      <p:grpSpPr>
+        <a:xfrm>
+          <a:off x="0" y="0"/>
+          <a:ext cx="0" cy="0"/>
+          <a:chOff x="0" y="0"/>
+          <a:chExt cx="0" cy="0"/>
+        </a:xfrm>
+      </p:grpSpPr>
+      <p:grpSp>
+        <p:nvGrpSpPr>
+          <p:cNvPr id="34" name="群組 33">
+            <a:extLst>
+              <a:ext uri="{FF2B5EF4-FFF2-40B4-BE49-F238E27FC236}">
+                <a16:creationId xmlns:a16="http://schemas.microsoft.com/office/drawing/2014/main" id="{18FA9532-0ABC-0B34-CDD4-56727DAD35AD}"/>
+              </a:ext>
+            </a:extLst>
+          </p:cNvPr>
+          <p:cNvGrpSpPr/>
+          <p:nvPr/>
+        </p:nvGrpSpPr>
+        <p:grpSpPr>
+          <a:xfrm>
+            <a:off x="722514" y="2042176"/>
+            <a:ext cx="6247005" cy="3569788"/>
+            <a:chOff x="2606388" y="1101090"/>
+            <a:chExt cx="6247005" cy="3569788"/>
+          </a:xfrm>
+        </p:grpSpPr>
+        <p:pic>
+          <p:nvPicPr>
+            <p:cNvPr id="16" name="圖片 15">
+              <a:extLst>
+                <a:ext uri="{FF2B5EF4-FFF2-40B4-BE49-F238E27FC236}">
+                  <a16:creationId xmlns:a16="http://schemas.microsoft.com/office/drawing/2014/main" id="{E04670F2-DDE7-371B-32BA-FADBF0ADE569}"/>
+                </a:ext>
+              </a:extLst>
+            </p:cNvPr>
+            <p:cNvPicPr>
+              <a:picLocks noChangeAspect="1"/>
+            </p:cNvPicPr>
+            <p:nvPr/>
+          </p:nvPicPr>
+          <p:blipFill>
+            <a:blip r:embed="rId2"/>
+            <a:stretch>
+              <a:fillRect/>
+            </a:stretch>
+          </p:blipFill>
+          <p:spPr>
+            <a:xfrm>
+              <a:off x="3190341" y="1365956"/>
+              <a:ext cx="5663052" cy="3304922"/>
+            </a:xfrm>
+            <a:prstGeom prst="rect">
+              <a:avLst/>
+            </a:prstGeom>
+          </p:spPr>
+        </p:pic>
+        <p:sp>
+          <p:nvSpPr>
+            <p:cNvPr id="17" name="文字方塊 16">
+              <a:extLst>
+                <a:ext uri="{FF2B5EF4-FFF2-40B4-BE49-F238E27FC236}">
+                  <a16:creationId xmlns:a16="http://schemas.microsoft.com/office/drawing/2014/main" id="{7A5B5C00-E5AC-F76C-36A0-3C23621350EB}"/>
+                </a:ext>
+              </a:extLst>
+            </p:cNvPr>
+            <p:cNvSpPr txBox="1"/>
+            <p:nvPr/>
+          </p:nvSpPr>
+          <p:spPr>
+            <a:xfrm>
+              <a:off x="2606388" y="1717170"/>
+              <a:ext cx="751103" cy="369332"/>
+            </a:xfrm>
+            <a:prstGeom prst="rect">
+              <a:avLst/>
+            </a:prstGeom>
+            <a:noFill/>
+          </p:spPr>
+          <p:txBody>
+            <a:bodyPr wrap="none" rtlCol="0">
+              <a:spAutoFit/>
+            </a:bodyPr>
+            <a:lstStyle/>
+            <a:p>
+              <a:r>
+                <a:rPr lang="en-US" altLang="zh-TW" dirty="0"/>
+                <a:t>START</a:t>
+              </a:r>
+              <a:endParaRPr lang="zh-TW" altLang="en-US" dirty="0"/>
+            </a:p>
+          </p:txBody>
+        </p:sp>
+        <p:sp>
+          <p:nvSpPr>
+            <p:cNvPr id="18" name="文字方塊 17">
+              <a:extLst>
+                <a:ext uri="{FF2B5EF4-FFF2-40B4-BE49-F238E27FC236}">
+                  <a16:creationId xmlns:a16="http://schemas.microsoft.com/office/drawing/2014/main" id="{C8E7A932-A5CD-669F-1ADD-9EF33F2B27EE}"/>
+                </a:ext>
+              </a:extLst>
+            </p:cNvPr>
+            <p:cNvSpPr txBox="1"/>
+            <p:nvPr/>
+          </p:nvSpPr>
+          <p:spPr>
+            <a:xfrm>
+              <a:off x="2662967" y="2299344"/>
+              <a:ext cx="788561" cy="369332"/>
+            </a:xfrm>
+            <a:prstGeom prst="rect">
+              <a:avLst/>
+            </a:prstGeom>
+            <a:noFill/>
+          </p:spPr>
+          <p:txBody>
+            <a:bodyPr wrap="square" rtlCol="0">
+              <a:spAutoFit/>
+            </a:bodyPr>
+            <a:lstStyle/>
+            <a:p>
+              <a:r>
+                <a:rPr lang="en-US" altLang="zh-TW" dirty="0"/>
+                <a:t>BUSY</a:t>
+              </a:r>
+              <a:endParaRPr lang="zh-TW" altLang="en-US" dirty="0"/>
+            </a:p>
+          </p:txBody>
+        </p:sp>
+        <p:sp>
+          <p:nvSpPr>
+            <p:cNvPr id="19" name="文字方塊 18">
+              <a:extLst>
+                <a:ext uri="{FF2B5EF4-FFF2-40B4-BE49-F238E27FC236}">
+                  <a16:creationId xmlns:a16="http://schemas.microsoft.com/office/drawing/2014/main" id="{A0BC7C50-6B13-48CD-5C77-3C5AFE3AF9EF}"/>
+                </a:ext>
+              </a:extLst>
+            </p:cNvPr>
+            <p:cNvSpPr txBox="1"/>
+            <p:nvPr/>
+          </p:nvSpPr>
+          <p:spPr>
+            <a:xfrm>
+              <a:off x="2847340" y="2967816"/>
+              <a:ext cx="672941" cy="369332"/>
+            </a:xfrm>
+            <a:prstGeom prst="rect">
+              <a:avLst/>
+            </a:prstGeom>
+            <a:noFill/>
+          </p:spPr>
+          <p:txBody>
+            <a:bodyPr wrap="square" rtlCol="0">
+              <a:spAutoFit/>
+            </a:bodyPr>
+            <a:lstStyle/>
+            <a:p>
+              <a:r>
+                <a:rPr lang="en-US" altLang="zh-TW"/>
+                <a:t>OK</a:t>
+              </a:r>
+              <a:endParaRPr lang="zh-TW" altLang="en-US"/>
+            </a:p>
+          </p:txBody>
+        </p:sp>
+        <p:sp>
+          <p:nvSpPr>
+            <p:cNvPr id="20" name="文字方塊 19">
+              <a:extLst>
+                <a:ext uri="{FF2B5EF4-FFF2-40B4-BE49-F238E27FC236}">
+                  <a16:creationId xmlns:a16="http://schemas.microsoft.com/office/drawing/2014/main" id="{2C4E81DF-3EFD-3BC0-D0D2-70CBDD5DA6D8}"/>
+                </a:ext>
+              </a:extLst>
+            </p:cNvPr>
+            <p:cNvSpPr txBox="1"/>
+            <p:nvPr/>
+          </p:nvSpPr>
+          <p:spPr>
+            <a:xfrm>
+              <a:off x="2847339" y="3337148"/>
+              <a:ext cx="672941" cy="369332"/>
+            </a:xfrm>
+            <a:prstGeom prst="rect">
+              <a:avLst/>
+            </a:prstGeom>
+            <a:noFill/>
+          </p:spPr>
+          <p:txBody>
+            <a:bodyPr wrap="square" rtlCol="0">
+              <a:spAutoFit/>
+            </a:bodyPr>
+            <a:lstStyle/>
+            <a:p>
+              <a:r>
+                <a:rPr lang="en-US" altLang="zh-TW"/>
+                <a:t>NG</a:t>
+              </a:r>
+              <a:endParaRPr lang="zh-TW" altLang="en-US"/>
+            </a:p>
+          </p:txBody>
+        </p:sp>
+        <p:cxnSp>
+          <p:nvCxnSpPr>
+            <p:cNvPr id="21" name="直線接點 20">
+              <a:extLst>
+                <a:ext uri="{FF2B5EF4-FFF2-40B4-BE49-F238E27FC236}">
+                  <a16:creationId xmlns:a16="http://schemas.microsoft.com/office/drawing/2014/main" id="{09A64586-77F1-5455-633A-53751C6B01A3}"/>
+                </a:ext>
+              </a:extLst>
+            </p:cNvPr>
+            <p:cNvCxnSpPr/>
+            <p:nvPr/>
+          </p:nvCxnSpPr>
+          <p:spPr>
+            <a:xfrm>
+              <a:off x="3694023" y="1101090"/>
+              <a:ext cx="0" cy="2444750"/>
+            </a:xfrm>
+            <a:prstGeom prst="line">
+              <a:avLst/>
+            </a:prstGeom>
+            <a:ln w="19050">
+              <a:prstDash val="sysDot"/>
+            </a:ln>
+          </p:spPr>
+          <p:style>
+            <a:lnRef idx="1">
+              <a:schemeClr val="accent1"/>
+            </a:lnRef>
+            <a:fillRef idx="0">
+              <a:schemeClr val="accent1"/>
+            </a:fillRef>
+            <a:effectRef idx="0">
+              <a:schemeClr val="accent1"/>
+            </a:effectRef>
+            <a:fontRef idx="minor">
+              <a:schemeClr val="tx1"/>
+            </a:fontRef>
+          </p:style>
+        </p:cxnSp>
+        <p:cxnSp>
+          <p:nvCxnSpPr>
+            <p:cNvPr id="22" name="直線接點 21">
+              <a:extLst>
+                <a:ext uri="{FF2B5EF4-FFF2-40B4-BE49-F238E27FC236}">
+                  <a16:creationId xmlns:a16="http://schemas.microsoft.com/office/drawing/2014/main" id="{9907305D-7F67-4D65-7604-7D9D3C2C4F07}"/>
+                </a:ext>
+              </a:extLst>
+            </p:cNvPr>
+            <p:cNvCxnSpPr/>
+            <p:nvPr/>
+          </p:nvCxnSpPr>
+          <p:spPr>
+            <a:xfrm>
+              <a:off x="3751173" y="1101090"/>
+              <a:ext cx="0" cy="2444750"/>
+            </a:xfrm>
+            <a:prstGeom prst="line">
+              <a:avLst/>
+            </a:prstGeom>
+            <a:ln w="19050">
+              <a:prstDash val="sysDot"/>
+            </a:ln>
+          </p:spPr>
+          <p:style>
+            <a:lnRef idx="1">
+              <a:schemeClr val="accent1"/>
+            </a:lnRef>
+            <a:fillRef idx="0">
+              <a:schemeClr val="accent1"/>
+            </a:fillRef>
+            <a:effectRef idx="0">
+              <a:schemeClr val="accent1"/>
+            </a:effectRef>
+            <a:fontRef idx="minor">
+              <a:schemeClr val="tx1"/>
+            </a:fontRef>
+          </p:style>
+        </p:cxnSp>
+        <p:cxnSp>
+          <p:nvCxnSpPr>
+            <p:cNvPr id="23" name="直線接點 22">
+              <a:extLst>
+                <a:ext uri="{FF2B5EF4-FFF2-40B4-BE49-F238E27FC236}">
+                  <a16:creationId xmlns:a16="http://schemas.microsoft.com/office/drawing/2014/main" id="{CE776323-B58E-CC85-D802-60FF1D1DFBDF}"/>
+                </a:ext>
+              </a:extLst>
+            </p:cNvPr>
+            <p:cNvCxnSpPr/>
+            <p:nvPr/>
+          </p:nvCxnSpPr>
+          <p:spPr>
+            <a:xfrm>
+              <a:off x="5865723" y="1188156"/>
+              <a:ext cx="0" cy="2444750"/>
+            </a:xfrm>
+            <a:prstGeom prst="line">
+              <a:avLst/>
+            </a:prstGeom>
+            <a:ln w="19050">
+              <a:prstDash val="sysDot"/>
+            </a:ln>
+          </p:spPr>
+          <p:style>
+            <a:lnRef idx="1">
+              <a:schemeClr val="accent1"/>
+            </a:lnRef>
+            <a:fillRef idx="0">
+              <a:schemeClr val="accent1"/>
+            </a:fillRef>
+            <a:effectRef idx="0">
+              <a:schemeClr val="accent1"/>
+            </a:effectRef>
+            <a:fontRef idx="minor">
+              <a:schemeClr val="tx1"/>
+            </a:fontRef>
+          </p:style>
+        </p:cxnSp>
+        <p:cxnSp>
+          <p:nvCxnSpPr>
+            <p:cNvPr id="24" name="直線接點 23">
+              <a:extLst>
+                <a:ext uri="{FF2B5EF4-FFF2-40B4-BE49-F238E27FC236}">
+                  <a16:creationId xmlns:a16="http://schemas.microsoft.com/office/drawing/2014/main" id="{43B27ED7-08F8-BDD8-108B-4D6E7576F8EC}"/>
+                </a:ext>
+              </a:extLst>
+            </p:cNvPr>
+            <p:cNvCxnSpPr/>
+            <p:nvPr/>
+          </p:nvCxnSpPr>
+          <p:spPr>
+            <a:xfrm>
+              <a:off x="6922998" y="1169106"/>
+              <a:ext cx="0" cy="2444750"/>
+            </a:xfrm>
+            <a:prstGeom prst="line">
+              <a:avLst/>
+            </a:prstGeom>
+            <a:ln w="19050">
+              <a:prstDash val="sysDot"/>
+            </a:ln>
+          </p:spPr>
+          <p:style>
+            <a:lnRef idx="1">
+              <a:schemeClr val="accent1"/>
+            </a:lnRef>
+            <a:fillRef idx="0">
+              <a:schemeClr val="accent1"/>
+            </a:fillRef>
+            <a:effectRef idx="0">
+              <a:schemeClr val="accent1"/>
+            </a:effectRef>
+            <a:fontRef idx="minor">
+              <a:schemeClr val="tx1"/>
+            </a:fontRef>
+          </p:style>
+        </p:cxnSp>
+        <p:cxnSp>
+          <p:nvCxnSpPr>
+            <p:cNvPr id="25" name="直線單箭頭接點 24">
+              <a:extLst>
+                <a:ext uri="{FF2B5EF4-FFF2-40B4-BE49-F238E27FC236}">
+                  <a16:creationId xmlns:a16="http://schemas.microsoft.com/office/drawing/2014/main" id="{886298B1-15C6-FCF8-FB7C-82E618F4DCDE}"/>
+                </a:ext>
+              </a:extLst>
+            </p:cNvPr>
+            <p:cNvCxnSpPr/>
+            <p:nvPr/>
+          </p:nvCxnSpPr>
+          <p:spPr>
+            <a:xfrm flipV="1">
+              <a:off x="3751173" y="1545590"/>
+              <a:ext cx="2114550" cy="9525"/>
+            </a:xfrm>
+            <a:prstGeom prst="straightConnector1">
+              <a:avLst/>
+            </a:prstGeom>
+            <a:ln>
+              <a:solidFill>
+                <a:srgbClr val="FF0000"/>
+              </a:solidFill>
+              <a:headEnd type="triangle" w="med" len="med"/>
+              <a:tailEnd type="triangle" w="med" len="med"/>
+            </a:ln>
+          </p:spPr>
+          <p:style>
+            <a:lnRef idx="1">
+              <a:schemeClr val="accent1"/>
+            </a:lnRef>
+            <a:fillRef idx="0">
+              <a:schemeClr val="accent1"/>
+            </a:fillRef>
+            <a:effectRef idx="0">
+              <a:schemeClr val="accent1"/>
+            </a:effectRef>
+            <a:fontRef idx="minor">
+              <a:schemeClr val="tx1"/>
+            </a:fontRef>
+          </p:style>
+        </p:cxnSp>
+        <p:sp>
+          <p:nvSpPr>
+            <p:cNvPr id="26" name="文字方塊 25">
+              <a:extLst>
+                <a:ext uri="{FF2B5EF4-FFF2-40B4-BE49-F238E27FC236}">
+                  <a16:creationId xmlns:a16="http://schemas.microsoft.com/office/drawing/2014/main" id="{AE592C2A-BA86-8DCC-FCDC-3E78A153A09D}"/>
+                </a:ext>
+              </a:extLst>
+            </p:cNvPr>
+            <p:cNvSpPr txBox="1"/>
+            <p:nvPr/>
+          </p:nvSpPr>
+          <p:spPr>
+            <a:xfrm>
+              <a:off x="4443198" y="1365956"/>
+              <a:ext cx="492443" cy="276999"/>
+            </a:xfrm>
+            <a:prstGeom prst="rect">
+              <a:avLst/>
+            </a:prstGeom>
+            <a:solidFill>
+              <a:schemeClr val="bg1"/>
+            </a:solidFill>
+          </p:spPr>
+          <p:txBody>
+            <a:bodyPr wrap="none" rtlCol="0">
+              <a:spAutoFit/>
+            </a:bodyPr>
+            <a:lstStyle/>
+            <a:p>
+              <a:r>
+                <a:rPr lang="zh-TW" altLang="en-US" sz="1200"/>
+                <a:t>燒錄</a:t>
+              </a:r>
+            </a:p>
+          </p:txBody>
+        </p:sp>
+        <p:sp>
+          <p:nvSpPr>
+            <p:cNvPr id="27" name="文字方塊 26">
+              <a:extLst>
+                <a:ext uri="{FF2B5EF4-FFF2-40B4-BE49-F238E27FC236}">
+                  <a16:creationId xmlns:a16="http://schemas.microsoft.com/office/drawing/2014/main" id="{E8627B4F-E002-AFE4-405D-5820792C470B}"/>
+                </a:ext>
+              </a:extLst>
+            </p:cNvPr>
+            <p:cNvSpPr txBox="1"/>
+            <p:nvPr/>
+          </p:nvSpPr>
+          <p:spPr>
+            <a:xfrm>
+              <a:off x="5865723" y="2659815"/>
+              <a:ext cx="1109711" cy="246221"/>
+            </a:xfrm>
+            <a:prstGeom prst="rect">
+              <a:avLst/>
+            </a:prstGeom>
+            <a:noFill/>
+          </p:spPr>
+          <p:txBody>
+            <a:bodyPr wrap="square" rtlCol="0">
+              <a:spAutoFit/>
+            </a:bodyPr>
+            <a:lstStyle/>
+            <a:p>
+              <a:r>
+                <a:rPr lang="en-US" altLang="zh-TW" sz="1000" dirty="0"/>
+                <a:t>Delay</a:t>
+              </a:r>
+              <a:endParaRPr lang="zh-TW" altLang="en-US" sz="1000" dirty="0"/>
+            </a:p>
+          </p:txBody>
+        </p:sp>
+        <p:cxnSp>
+          <p:nvCxnSpPr>
+            <p:cNvPr id="28" name="直線單箭頭接點 27">
+              <a:extLst>
+                <a:ext uri="{FF2B5EF4-FFF2-40B4-BE49-F238E27FC236}">
+                  <a16:creationId xmlns:a16="http://schemas.microsoft.com/office/drawing/2014/main" id="{A87525E6-B874-70CB-0D73-81B426243EC5}"/>
+                </a:ext>
+              </a:extLst>
+            </p:cNvPr>
+            <p:cNvCxnSpPr/>
+            <p:nvPr/>
+          </p:nvCxnSpPr>
+          <p:spPr>
+            <a:xfrm>
+              <a:off x="5865723" y="2915358"/>
+              <a:ext cx="1057275" cy="1832"/>
+            </a:xfrm>
+            <a:prstGeom prst="straightConnector1">
+              <a:avLst/>
+            </a:prstGeom>
+            <a:ln>
+              <a:solidFill>
+                <a:srgbClr val="FF0000"/>
+              </a:solidFill>
+              <a:headEnd type="triangle" w="med" len="med"/>
+              <a:tailEnd type="triangle" w="med" len="med"/>
+            </a:ln>
+          </p:spPr>
+          <p:style>
+            <a:lnRef idx="1">
+              <a:schemeClr val="accent1"/>
+            </a:lnRef>
+            <a:fillRef idx="0">
+              <a:schemeClr val="accent1"/>
+            </a:fillRef>
+            <a:effectRef idx="0">
+              <a:schemeClr val="accent1"/>
+            </a:effectRef>
+            <a:fontRef idx="minor">
+              <a:schemeClr val="tx1"/>
+            </a:fontRef>
+          </p:style>
+        </p:cxnSp>
+        <p:sp>
+          <p:nvSpPr>
+            <p:cNvPr id="29" name="文字方塊 28">
+              <a:extLst>
+                <a:ext uri="{FF2B5EF4-FFF2-40B4-BE49-F238E27FC236}">
+                  <a16:creationId xmlns:a16="http://schemas.microsoft.com/office/drawing/2014/main" id="{97AA7F0D-7880-4B52-2DFA-2307978CA798}"/>
+                </a:ext>
+              </a:extLst>
+            </p:cNvPr>
+            <p:cNvSpPr txBox="1"/>
+            <p:nvPr/>
+          </p:nvSpPr>
+          <p:spPr>
+            <a:xfrm>
+              <a:off x="3724956" y="2143717"/>
+              <a:ext cx="1109711" cy="246221"/>
+            </a:xfrm>
+            <a:prstGeom prst="rect">
+              <a:avLst/>
+            </a:prstGeom>
+            <a:noFill/>
+          </p:spPr>
+          <p:txBody>
+            <a:bodyPr wrap="square" rtlCol="0">
+              <a:spAutoFit/>
+            </a:bodyPr>
+            <a:lstStyle/>
+            <a:p>
+              <a:r>
+                <a:rPr lang="en-US" altLang="zh-TW" sz="1000" dirty="0"/>
+                <a:t>Debounce</a:t>
+              </a:r>
+              <a:endParaRPr lang="zh-TW" altLang="en-US" sz="1000" dirty="0"/>
+            </a:p>
+          </p:txBody>
+        </p:sp>
+        <p:cxnSp>
+          <p:nvCxnSpPr>
+            <p:cNvPr id="30" name="直線單箭頭接點 29">
+              <a:extLst>
+                <a:ext uri="{FF2B5EF4-FFF2-40B4-BE49-F238E27FC236}">
+                  <a16:creationId xmlns:a16="http://schemas.microsoft.com/office/drawing/2014/main" id="{F2892F34-9F08-9655-5878-4F3DFA834AA4}"/>
+                </a:ext>
+              </a:extLst>
+            </p:cNvPr>
+            <p:cNvCxnSpPr/>
+            <p:nvPr/>
+          </p:nvCxnSpPr>
+          <p:spPr>
+            <a:xfrm flipV="1">
+              <a:off x="3473012" y="2166031"/>
+              <a:ext cx="190079" cy="855"/>
+            </a:xfrm>
+            <a:prstGeom prst="straightConnector1">
+              <a:avLst/>
+            </a:prstGeom>
+            <a:ln>
+              <a:solidFill>
+                <a:srgbClr val="FF0000"/>
+              </a:solidFill>
+              <a:headEnd type="none" w="med" len="med"/>
+              <a:tailEnd type="triangle" w="med" len="med"/>
+            </a:ln>
+          </p:spPr>
+          <p:style>
+            <a:lnRef idx="1">
+              <a:schemeClr val="accent1"/>
+            </a:lnRef>
+            <a:fillRef idx="0">
+              <a:schemeClr val="accent1"/>
+            </a:fillRef>
+            <a:effectRef idx="0">
+              <a:schemeClr val="accent1"/>
+            </a:effectRef>
+            <a:fontRef idx="minor">
+              <a:schemeClr val="tx1"/>
+            </a:fontRef>
+          </p:style>
+        </p:cxnSp>
+        <p:cxnSp>
+          <p:nvCxnSpPr>
+            <p:cNvPr id="31" name="直線單箭頭接點 30">
+              <a:extLst>
+                <a:ext uri="{FF2B5EF4-FFF2-40B4-BE49-F238E27FC236}">
+                  <a16:creationId xmlns:a16="http://schemas.microsoft.com/office/drawing/2014/main" id="{460E60B1-B61E-C4F5-23BD-4F6EA3CD73EC}"/>
+                </a:ext>
+              </a:extLst>
+            </p:cNvPr>
+            <p:cNvCxnSpPr/>
+            <p:nvPr/>
+          </p:nvCxnSpPr>
+          <p:spPr>
+            <a:xfrm flipH="1" flipV="1">
+              <a:off x="3747932" y="2166031"/>
+              <a:ext cx="177801" cy="1"/>
+            </a:xfrm>
+            <a:prstGeom prst="straightConnector1">
+              <a:avLst/>
+            </a:prstGeom>
+            <a:ln>
+              <a:solidFill>
+                <a:srgbClr val="FF0000"/>
+              </a:solidFill>
+              <a:headEnd type="none" w="med" len="med"/>
+              <a:tailEnd type="triangle" w="med" len="med"/>
+            </a:ln>
+          </p:spPr>
+          <p:style>
+            <a:lnRef idx="1">
+              <a:schemeClr val="accent1"/>
+            </a:lnRef>
+            <a:fillRef idx="0">
+              <a:schemeClr val="accent1"/>
+            </a:fillRef>
+            <a:effectRef idx="0">
+              <a:schemeClr val="accent1"/>
+            </a:effectRef>
+            <a:fontRef idx="minor">
+              <a:schemeClr val="tx1"/>
+            </a:fontRef>
+          </p:style>
+        </p:cxnSp>
+      </p:grpSp>
+      <p:pic>
+        <p:nvPicPr>
+          <p:cNvPr id="33" name="圖片 32">
+            <a:extLst>
+              <a:ext uri="{FF2B5EF4-FFF2-40B4-BE49-F238E27FC236}">
+                <a16:creationId xmlns:a16="http://schemas.microsoft.com/office/drawing/2014/main" id="{A05CD010-C839-0AAA-4F6A-4FDF0166718B}"/>
+              </a:ext>
+            </a:extLst>
+          </p:cNvPr>
+          <p:cNvPicPr>
+            <a:picLocks noChangeAspect="1"/>
+          </p:cNvPicPr>
+          <p:nvPr/>
+        </p:nvPicPr>
+        <p:blipFill>
+          <a:blip r:embed="rId3"/>
+          <a:stretch>
+            <a:fillRect/>
+          </a:stretch>
+        </p:blipFill>
+        <p:spPr>
+          <a:xfrm>
+            <a:off x="2155074" y="768999"/>
+            <a:ext cx="3353268" cy="1019317"/>
+          </a:xfrm>
+          <a:prstGeom prst="rect">
+            <a:avLst/>
+          </a:prstGeom>
+        </p:spPr>
+      </p:pic>
+      <p:sp>
+        <p:nvSpPr>
+          <p:cNvPr id="35" name="矩形 34">
+            <a:extLst>
+              <a:ext uri="{FF2B5EF4-FFF2-40B4-BE49-F238E27FC236}">
+                <a16:creationId xmlns:a16="http://schemas.microsoft.com/office/drawing/2014/main" id="{06BD4E8B-3DFC-7BFF-AA28-EC9622247C1C}"/>
+              </a:ext>
+            </a:extLst>
+          </p:cNvPr>
+          <p:cNvSpPr/>
+          <p:nvPr/>
+        </p:nvSpPr>
+        <p:spPr>
+          <a:xfrm>
+            <a:off x="2196505" y="1246036"/>
+            <a:ext cx="3311837" cy="524924"/>
+          </a:xfrm>
+          <a:prstGeom prst="rect">
+            <a:avLst/>
+          </a:prstGeom>
+          <a:noFill/>
+          <a:ln w="38100">
+            <a:solidFill>
+              <a:srgbClr val="FF0000"/>
+            </a:solidFill>
+          </a:ln>
+        </p:spPr>
+        <p:style>
+          <a:lnRef idx="2">
+            <a:schemeClr val="accent1">
+              <a:shade val="15000"/>
+            </a:schemeClr>
+          </a:lnRef>
+          <a:fillRef idx="1">
+            <a:schemeClr val="accent1"/>
+          </a:fillRef>
+          <a:effectRef idx="0">
+            <a:schemeClr val="accent1"/>
+          </a:effectRef>
+          <a:fontRef idx="minor">
+            <a:schemeClr val="lt1"/>
+          </a:fontRef>
+        </p:style>
+        <p:txBody>
+          <a:bodyPr rtlCol="0" anchor="ctr"/>
+          <a:lstStyle/>
+          <a:p>
+            <a:pPr algn="ctr"/>
+            <a:endParaRPr lang="zh-TW" altLang="en-US"/>
+          </a:p>
+        </p:txBody>
+      </p:sp>
+    </p:spTree>
+    <p:extLst>
+      <p:ext uri="{BB962C8B-B14F-4D97-AF65-F5344CB8AC3E}">
+        <p14:creationId xmlns:p14="http://schemas.microsoft.com/office/powerpoint/2010/main" val="3388269947"/>
+      </p:ext>
+    </p:extLst>
+  </p:cSld>
+  <p:clrMapOvr>
+    <a:masterClrMapping/>
+  </p:clrMapOvr>
+</p:sld>
+</file>
+
 <file path=ppt/theme/theme1.xml><?xml version="1.0" encoding="utf-8"?>
 <a:theme xmlns:a="http://schemas.openxmlformats.org/drawingml/2006/main" name="Office 佈景主題">
   <a:themeElements>

--- a/assets/user_guide.pptx
+++ b/assets/user_guide.pptx
@@ -9,6 +9,7 @@
     <p:sldId id="257" r:id="rId3"/>
     <p:sldId id="258" r:id="rId4"/>
     <p:sldId id="259" r:id="rId5"/>
+    <p:sldId id="260" r:id="rId6"/>
   </p:sldIdLst>
   <p:sldSz cx="12192000" cy="6858000"/>
   <p:notesSz cx="6858000" cy="9144000"/>
@@ -6525,638 +6526,36 @@
           <a:chExt cx="0" cy="0"/>
         </a:xfrm>
       </p:grpSpPr>
-      <p:grpSp>
-        <p:nvGrpSpPr>
-          <p:cNvPr id="34" name="群組 33">
-            <a:extLst>
-              <a:ext uri="{FF2B5EF4-FFF2-40B4-BE49-F238E27FC236}">
-                <a16:creationId xmlns:a16="http://schemas.microsoft.com/office/drawing/2014/main" id="{18FA9532-0ABC-0B34-CDD4-56727DAD35AD}"/>
-              </a:ext>
-            </a:extLst>
-          </p:cNvPr>
-          <p:cNvGrpSpPr/>
-          <p:nvPr/>
-        </p:nvGrpSpPr>
-        <p:grpSpPr>
-          <a:xfrm>
-            <a:off x="722514" y="2042176"/>
-            <a:ext cx="6247005" cy="3569788"/>
-            <a:chOff x="2606388" y="1101090"/>
-            <a:chExt cx="6247005" cy="3569788"/>
-          </a:xfrm>
-        </p:grpSpPr>
-        <p:pic>
-          <p:nvPicPr>
-            <p:cNvPr id="16" name="圖片 15">
-              <a:extLst>
-                <a:ext uri="{FF2B5EF4-FFF2-40B4-BE49-F238E27FC236}">
-                  <a16:creationId xmlns:a16="http://schemas.microsoft.com/office/drawing/2014/main" id="{E04670F2-DDE7-371B-32BA-FADBF0ADE569}"/>
-                </a:ext>
-              </a:extLst>
-            </p:cNvPr>
-            <p:cNvPicPr>
-              <a:picLocks noChangeAspect="1"/>
-            </p:cNvPicPr>
-            <p:nvPr/>
-          </p:nvPicPr>
-          <p:blipFill>
-            <a:blip r:embed="rId2"/>
-            <a:stretch>
-              <a:fillRect/>
-            </a:stretch>
-          </p:blipFill>
-          <p:spPr>
-            <a:xfrm>
-              <a:off x="3190341" y="1365956"/>
-              <a:ext cx="5663052" cy="3304922"/>
-            </a:xfrm>
-            <a:prstGeom prst="rect">
-              <a:avLst/>
-            </a:prstGeom>
-          </p:spPr>
-        </p:pic>
-        <p:sp>
-          <p:nvSpPr>
-            <p:cNvPr id="17" name="文字方塊 16">
-              <a:extLst>
-                <a:ext uri="{FF2B5EF4-FFF2-40B4-BE49-F238E27FC236}">
-                  <a16:creationId xmlns:a16="http://schemas.microsoft.com/office/drawing/2014/main" id="{7A5B5C00-E5AC-F76C-36A0-3C23621350EB}"/>
-                </a:ext>
-              </a:extLst>
-            </p:cNvPr>
-            <p:cNvSpPr txBox="1"/>
-            <p:nvPr/>
-          </p:nvSpPr>
-          <p:spPr>
-            <a:xfrm>
-              <a:off x="2606388" y="1717170"/>
-              <a:ext cx="751103" cy="369332"/>
-            </a:xfrm>
-            <a:prstGeom prst="rect">
-              <a:avLst/>
-            </a:prstGeom>
-            <a:noFill/>
-          </p:spPr>
-          <p:txBody>
-            <a:bodyPr wrap="none" rtlCol="0">
-              <a:spAutoFit/>
-            </a:bodyPr>
-            <a:lstStyle/>
-            <a:p>
-              <a:r>
-                <a:rPr lang="en-US" altLang="zh-TW" dirty="0"/>
-                <a:t>START</a:t>
-              </a:r>
-              <a:endParaRPr lang="zh-TW" altLang="en-US" dirty="0"/>
-            </a:p>
-          </p:txBody>
-        </p:sp>
-        <p:sp>
-          <p:nvSpPr>
-            <p:cNvPr id="18" name="文字方塊 17">
-              <a:extLst>
-                <a:ext uri="{FF2B5EF4-FFF2-40B4-BE49-F238E27FC236}">
-                  <a16:creationId xmlns:a16="http://schemas.microsoft.com/office/drawing/2014/main" id="{C8E7A932-A5CD-669F-1ADD-9EF33F2B27EE}"/>
-                </a:ext>
-              </a:extLst>
-            </p:cNvPr>
-            <p:cNvSpPr txBox="1"/>
-            <p:nvPr/>
-          </p:nvSpPr>
-          <p:spPr>
-            <a:xfrm>
-              <a:off x="2662967" y="2299344"/>
-              <a:ext cx="788561" cy="369332"/>
-            </a:xfrm>
-            <a:prstGeom prst="rect">
-              <a:avLst/>
-            </a:prstGeom>
-            <a:noFill/>
-          </p:spPr>
-          <p:txBody>
-            <a:bodyPr wrap="square" rtlCol="0">
-              <a:spAutoFit/>
-            </a:bodyPr>
-            <a:lstStyle/>
-            <a:p>
-              <a:r>
-                <a:rPr lang="en-US" altLang="zh-TW" dirty="0"/>
-                <a:t>BUSY</a:t>
-              </a:r>
-              <a:endParaRPr lang="zh-TW" altLang="en-US" dirty="0"/>
-            </a:p>
-          </p:txBody>
-        </p:sp>
-        <p:sp>
-          <p:nvSpPr>
-            <p:cNvPr id="19" name="文字方塊 18">
-              <a:extLst>
-                <a:ext uri="{FF2B5EF4-FFF2-40B4-BE49-F238E27FC236}">
-                  <a16:creationId xmlns:a16="http://schemas.microsoft.com/office/drawing/2014/main" id="{A0BC7C50-6B13-48CD-5C77-3C5AFE3AF9EF}"/>
-                </a:ext>
-              </a:extLst>
-            </p:cNvPr>
-            <p:cNvSpPr txBox="1"/>
-            <p:nvPr/>
-          </p:nvSpPr>
-          <p:spPr>
-            <a:xfrm>
-              <a:off x="2847340" y="2967816"/>
-              <a:ext cx="672941" cy="369332"/>
-            </a:xfrm>
-            <a:prstGeom prst="rect">
-              <a:avLst/>
-            </a:prstGeom>
-            <a:noFill/>
-          </p:spPr>
-          <p:txBody>
-            <a:bodyPr wrap="square" rtlCol="0">
-              <a:spAutoFit/>
-            </a:bodyPr>
-            <a:lstStyle/>
-            <a:p>
-              <a:r>
-                <a:rPr lang="en-US" altLang="zh-TW"/>
-                <a:t>OK</a:t>
-              </a:r>
-              <a:endParaRPr lang="zh-TW" altLang="en-US"/>
-            </a:p>
-          </p:txBody>
-        </p:sp>
-        <p:sp>
-          <p:nvSpPr>
-            <p:cNvPr id="20" name="文字方塊 19">
-              <a:extLst>
-                <a:ext uri="{FF2B5EF4-FFF2-40B4-BE49-F238E27FC236}">
-                  <a16:creationId xmlns:a16="http://schemas.microsoft.com/office/drawing/2014/main" id="{2C4E81DF-3EFD-3BC0-D0D2-70CBDD5DA6D8}"/>
-                </a:ext>
-              </a:extLst>
-            </p:cNvPr>
-            <p:cNvSpPr txBox="1"/>
-            <p:nvPr/>
-          </p:nvSpPr>
-          <p:spPr>
-            <a:xfrm>
-              <a:off x="2847339" y="3337148"/>
-              <a:ext cx="672941" cy="369332"/>
-            </a:xfrm>
-            <a:prstGeom prst="rect">
-              <a:avLst/>
-            </a:prstGeom>
-            <a:noFill/>
-          </p:spPr>
-          <p:txBody>
-            <a:bodyPr wrap="square" rtlCol="0">
-              <a:spAutoFit/>
-            </a:bodyPr>
-            <a:lstStyle/>
-            <a:p>
-              <a:r>
-                <a:rPr lang="en-US" altLang="zh-TW"/>
-                <a:t>NG</a:t>
-              </a:r>
-              <a:endParaRPr lang="zh-TW" altLang="en-US"/>
-            </a:p>
-          </p:txBody>
-        </p:sp>
-        <p:cxnSp>
-          <p:nvCxnSpPr>
-            <p:cNvPr id="21" name="直線接點 20">
-              <a:extLst>
-                <a:ext uri="{FF2B5EF4-FFF2-40B4-BE49-F238E27FC236}">
-                  <a16:creationId xmlns:a16="http://schemas.microsoft.com/office/drawing/2014/main" id="{09A64586-77F1-5455-633A-53751C6B01A3}"/>
-                </a:ext>
-              </a:extLst>
-            </p:cNvPr>
-            <p:cNvCxnSpPr/>
-            <p:nvPr/>
-          </p:nvCxnSpPr>
-          <p:spPr>
-            <a:xfrm>
-              <a:off x="3694023" y="1101090"/>
-              <a:ext cx="0" cy="2444750"/>
-            </a:xfrm>
-            <a:prstGeom prst="line">
-              <a:avLst/>
-            </a:prstGeom>
-            <a:ln w="19050">
-              <a:prstDash val="sysDot"/>
-            </a:ln>
-          </p:spPr>
-          <p:style>
-            <a:lnRef idx="1">
-              <a:schemeClr val="accent1"/>
-            </a:lnRef>
-            <a:fillRef idx="0">
-              <a:schemeClr val="accent1"/>
-            </a:fillRef>
-            <a:effectRef idx="0">
-              <a:schemeClr val="accent1"/>
-            </a:effectRef>
-            <a:fontRef idx="minor">
-              <a:schemeClr val="tx1"/>
-            </a:fontRef>
-          </p:style>
-        </p:cxnSp>
-        <p:cxnSp>
-          <p:nvCxnSpPr>
-            <p:cNvPr id="22" name="直線接點 21">
-              <a:extLst>
-                <a:ext uri="{FF2B5EF4-FFF2-40B4-BE49-F238E27FC236}">
-                  <a16:creationId xmlns:a16="http://schemas.microsoft.com/office/drawing/2014/main" id="{9907305D-7F67-4D65-7604-7D9D3C2C4F07}"/>
-                </a:ext>
-              </a:extLst>
-            </p:cNvPr>
-            <p:cNvCxnSpPr/>
-            <p:nvPr/>
-          </p:nvCxnSpPr>
-          <p:spPr>
-            <a:xfrm>
-              <a:off x="3751173" y="1101090"/>
-              <a:ext cx="0" cy="2444750"/>
-            </a:xfrm>
-            <a:prstGeom prst="line">
-              <a:avLst/>
-            </a:prstGeom>
-            <a:ln w="19050">
-              <a:prstDash val="sysDot"/>
-            </a:ln>
-          </p:spPr>
-          <p:style>
-            <a:lnRef idx="1">
-              <a:schemeClr val="accent1"/>
-            </a:lnRef>
-            <a:fillRef idx="0">
-              <a:schemeClr val="accent1"/>
-            </a:fillRef>
-            <a:effectRef idx="0">
-              <a:schemeClr val="accent1"/>
-            </a:effectRef>
-            <a:fontRef idx="minor">
-              <a:schemeClr val="tx1"/>
-            </a:fontRef>
-          </p:style>
-        </p:cxnSp>
-        <p:cxnSp>
-          <p:nvCxnSpPr>
-            <p:cNvPr id="23" name="直線接點 22">
-              <a:extLst>
-                <a:ext uri="{FF2B5EF4-FFF2-40B4-BE49-F238E27FC236}">
-                  <a16:creationId xmlns:a16="http://schemas.microsoft.com/office/drawing/2014/main" id="{CE776323-B58E-CC85-D802-60FF1D1DFBDF}"/>
-                </a:ext>
-              </a:extLst>
-            </p:cNvPr>
-            <p:cNvCxnSpPr/>
-            <p:nvPr/>
-          </p:nvCxnSpPr>
-          <p:spPr>
-            <a:xfrm>
-              <a:off x="5865723" y="1188156"/>
-              <a:ext cx="0" cy="2444750"/>
-            </a:xfrm>
-            <a:prstGeom prst="line">
-              <a:avLst/>
-            </a:prstGeom>
-            <a:ln w="19050">
-              <a:prstDash val="sysDot"/>
-            </a:ln>
-          </p:spPr>
-          <p:style>
-            <a:lnRef idx="1">
-              <a:schemeClr val="accent1"/>
-            </a:lnRef>
-            <a:fillRef idx="0">
-              <a:schemeClr val="accent1"/>
-            </a:fillRef>
-            <a:effectRef idx="0">
-              <a:schemeClr val="accent1"/>
-            </a:effectRef>
-            <a:fontRef idx="minor">
-              <a:schemeClr val="tx1"/>
-            </a:fontRef>
-          </p:style>
-        </p:cxnSp>
-        <p:cxnSp>
-          <p:nvCxnSpPr>
-            <p:cNvPr id="24" name="直線接點 23">
-              <a:extLst>
-                <a:ext uri="{FF2B5EF4-FFF2-40B4-BE49-F238E27FC236}">
-                  <a16:creationId xmlns:a16="http://schemas.microsoft.com/office/drawing/2014/main" id="{43B27ED7-08F8-BDD8-108B-4D6E7576F8EC}"/>
-                </a:ext>
-              </a:extLst>
-            </p:cNvPr>
-            <p:cNvCxnSpPr/>
-            <p:nvPr/>
-          </p:nvCxnSpPr>
-          <p:spPr>
-            <a:xfrm>
-              <a:off x="6922998" y="1169106"/>
-              <a:ext cx="0" cy="2444750"/>
-            </a:xfrm>
-            <a:prstGeom prst="line">
-              <a:avLst/>
-            </a:prstGeom>
-            <a:ln w="19050">
-              <a:prstDash val="sysDot"/>
-            </a:ln>
-          </p:spPr>
-          <p:style>
-            <a:lnRef idx="1">
-              <a:schemeClr val="accent1"/>
-            </a:lnRef>
-            <a:fillRef idx="0">
-              <a:schemeClr val="accent1"/>
-            </a:fillRef>
-            <a:effectRef idx="0">
-              <a:schemeClr val="accent1"/>
-            </a:effectRef>
-            <a:fontRef idx="minor">
-              <a:schemeClr val="tx1"/>
-            </a:fontRef>
-          </p:style>
-        </p:cxnSp>
-        <p:cxnSp>
-          <p:nvCxnSpPr>
-            <p:cNvPr id="25" name="直線單箭頭接點 24">
-              <a:extLst>
-                <a:ext uri="{FF2B5EF4-FFF2-40B4-BE49-F238E27FC236}">
-                  <a16:creationId xmlns:a16="http://schemas.microsoft.com/office/drawing/2014/main" id="{886298B1-15C6-FCF8-FB7C-82E618F4DCDE}"/>
-                </a:ext>
-              </a:extLst>
-            </p:cNvPr>
-            <p:cNvCxnSpPr/>
-            <p:nvPr/>
-          </p:nvCxnSpPr>
-          <p:spPr>
-            <a:xfrm flipV="1">
-              <a:off x="3751173" y="1545590"/>
-              <a:ext cx="2114550" cy="9525"/>
-            </a:xfrm>
-            <a:prstGeom prst="straightConnector1">
-              <a:avLst/>
-            </a:prstGeom>
-            <a:ln>
-              <a:solidFill>
-                <a:srgbClr val="FF0000"/>
-              </a:solidFill>
-              <a:headEnd type="triangle" w="med" len="med"/>
-              <a:tailEnd type="triangle" w="med" len="med"/>
-            </a:ln>
-          </p:spPr>
-          <p:style>
-            <a:lnRef idx="1">
-              <a:schemeClr val="accent1"/>
-            </a:lnRef>
-            <a:fillRef idx="0">
-              <a:schemeClr val="accent1"/>
-            </a:fillRef>
-            <a:effectRef idx="0">
-              <a:schemeClr val="accent1"/>
-            </a:effectRef>
-            <a:fontRef idx="minor">
-              <a:schemeClr val="tx1"/>
-            </a:fontRef>
-          </p:style>
-        </p:cxnSp>
-        <p:sp>
-          <p:nvSpPr>
-            <p:cNvPr id="26" name="文字方塊 25">
-              <a:extLst>
-                <a:ext uri="{FF2B5EF4-FFF2-40B4-BE49-F238E27FC236}">
-                  <a16:creationId xmlns:a16="http://schemas.microsoft.com/office/drawing/2014/main" id="{AE592C2A-BA86-8DCC-FCDC-3E78A153A09D}"/>
-                </a:ext>
-              </a:extLst>
-            </p:cNvPr>
-            <p:cNvSpPr txBox="1"/>
-            <p:nvPr/>
-          </p:nvSpPr>
-          <p:spPr>
-            <a:xfrm>
-              <a:off x="4443198" y="1365956"/>
-              <a:ext cx="492443" cy="276999"/>
-            </a:xfrm>
-            <a:prstGeom prst="rect">
-              <a:avLst/>
-            </a:prstGeom>
-            <a:solidFill>
-              <a:schemeClr val="bg1"/>
-            </a:solidFill>
-          </p:spPr>
-          <p:txBody>
-            <a:bodyPr wrap="none" rtlCol="0">
-              <a:spAutoFit/>
-            </a:bodyPr>
-            <a:lstStyle/>
-            <a:p>
-              <a:r>
-                <a:rPr lang="zh-TW" altLang="en-US" sz="1200"/>
-                <a:t>燒錄</a:t>
-              </a:r>
-            </a:p>
-          </p:txBody>
-        </p:sp>
-        <p:sp>
-          <p:nvSpPr>
-            <p:cNvPr id="27" name="文字方塊 26">
-              <a:extLst>
-                <a:ext uri="{FF2B5EF4-FFF2-40B4-BE49-F238E27FC236}">
-                  <a16:creationId xmlns:a16="http://schemas.microsoft.com/office/drawing/2014/main" id="{E8627B4F-E002-AFE4-405D-5820792C470B}"/>
-                </a:ext>
-              </a:extLst>
-            </p:cNvPr>
-            <p:cNvSpPr txBox="1"/>
-            <p:nvPr/>
-          </p:nvSpPr>
-          <p:spPr>
-            <a:xfrm>
-              <a:off x="5865723" y="2659815"/>
-              <a:ext cx="1109711" cy="246221"/>
-            </a:xfrm>
-            <a:prstGeom prst="rect">
-              <a:avLst/>
-            </a:prstGeom>
-            <a:noFill/>
-          </p:spPr>
-          <p:txBody>
-            <a:bodyPr wrap="square" rtlCol="0">
-              <a:spAutoFit/>
-            </a:bodyPr>
-            <a:lstStyle/>
-            <a:p>
-              <a:r>
-                <a:rPr lang="en-US" altLang="zh-TW" sz="1000" dirty="0"/>
-                <a:t>Delay</a:t>
-              </a:r>
-              <a:endParaRPr lang="zh-TW" altLang="en-US" sz="1000" dirty="0"/>
-            </a:p>
-          </p:txBody>
-        </p:sp>
-        <p:cxnSp>
-          <p:nvCxnSpPr>
-            <p:cNvPr id="28" name="直線單箭頭接點 27">
-              <a:extLst>
-                <a:ext uri="{FF2B5EF4-FFF2-40B4-BE49-F238E27FC236}">
-                  <a16:creationId xmlns:a16="http://schemas.microsoft.com/office/drawing/2014/main" id="{A87525E6-B874-70CB-0D73-81B426243EC5}"/>
-                </a:ext>
-              </a:extLst>
-            </p:cNvPr>
-            <p:cNvCxnSpPr/>
-            <p:nvPr/>
-          </p:nvCxnSpPr>
-          <p:spPr>
-            <a:xfrm>
-              <a:off x="5865723" y="2915358"/>
-              <a:ext cx="1057275" cy="1832"/>
-            </a:xfrm>
-            <a:prstGeom prst="straightConnector1">
-              <a:avLst/>
-            </a:prstGeom>
-            <a:ln>
-              <a:solidFill>
-                <a:srgbClr val="FF0000"/>
-              </a:solidFill>
-              <a:headEnd type="triangle" w="med" len="med"/>
-              <a:tailEnd type="triangle" w="med" len="med"/>
-            </a:ln>
-          </p:spPr>
-          <p:style>
-            <a:lnRef idx="1">
-              <a:schemeClr val="accent1"/>
-            </a:lnRef>
-            <a:fillRef idx="0">
-              <a:schemeClr val="accent1"/>
-            </a:fillRef>
-            <a:effectRef idx="0">
-              <a:schemeClr val="accent1"/>
-            </a:effectRef>
-            <a:fontRef idx="minor">
-              <a:schemeClr val="tx1"/>
-            </a:fontRef>
-          </p:style>
-        </p:cxnSp>
-        <p:sp>
-          <p:nvSpPr>
-            <p:cNvPr id="29" name="文字方塊 28">
-              <a:extLst>
-                <a:ext uri="{FF2B5EF4-FFF2-40B4-BE49-F238E27FC236}">
-                  <a16:creationId xmlns:a16="http://schemas.microsoft.com/office/drawing/2014/main" id="{97AA7F0D-7880-4B52-2DFA-2307978CA798}"/>
-                </a:ext>
-              </a:extLst>
-            </p:cNvPr>
-            <p:cNvSpPr txBox="1"/>
-            <p:nvPr/>
-          </p:nvSpPr>
-          <p:spPr>
-            <a:xfrm>
-              <a:off x="3724956" y="2143717"/>
-              <a:ext cx="1109711" cy="246221"/>
-            </a:xfrm>
-            <a:prstGeom prst="rect">
-              <a:avLst/>
-            </a:prstGeom>
-            <a:noFill/>
-          </p:spPr>
-          <p:txBody>
-            <a:bodyPr wrap="square" rtlCol="0">
-              <a:spAutoFit/>
-            </a:bodyPr>
-            <a:lstStyle/>
-            <a:p>
-              <a:r>
-                <a:rPr lang="en-US" altLang="zh-TW" sz="1000" dirty="0"/>
-                <a:t>Debounce</a:t>
-              </a:r>
-              <a:endParaRPr lang="zh-TW" altLang="en-US" sz="1000" dirty="0"/>
-            </a:p>
-          </p:txBody>
-        </p:sp>
-        <p:cxnSp>
-          <p:nvCxnSpPr>
-            <p:cNvPr id="30" name="直線單箭頭接點 29">
-              <a:extLst>
-                <a:ext uri="{FF2B5EF4-FFF2-40B4-BE49-F238E27FC236}">
-                  <a16:creationId xmlns:a16="http://schemas.microsoft.com/office/drawing/2014/main" id="{F2892F34-9F08-9655-5878-4F3DFA834AA4}"/>
-                </a:ext>
-              </a:extLst>
-            </p:cNvPr>
-            <p:cNvCxnSpPr/>
-            <p:nvPr/>
-          </p:nvCxnSpPr>
-          <p:spPr>
-            <a:xfrm flipV="1">
-              <a:off x="3473012" y="2166031"/>
-              <a:ext cx="190079" cy="855"/>
-            </a:xfrm>
-            <a:prstGeom prst="straightConnector1">
-              <a:avLst/>
-            </a:prstGeom>
-            <a:ln>
-              <a:solidFill>
-                <a:srgbClr val="FF0000"/>
-              </a:solidFill>
-              <a:headEnd type="none" w="med" len="med"/>
-              <a:tailEnd type="triangle" w="med" len="med"/>
-            </a:ln>
-          </p:spPr>
-          <p:style>
-            <a:lnRef idx="1">
-              <a:schemeClr val="accent1"/>
-            </a:lnRef>
-            <a:fillRef idx="0">
-              <a:schemeClr val="accent1"/>
-            </a:fillRef>
-            <a:effectRef idx="0">
-              <a:schemeClr val="accent1"/>
-            </a:effectRef>
-            <a:fontRef idx="minor">
-              <a:schemeClr val="tx1"/>
-            </a:fontRef>
-          </p:style>
-        </p:cxnSp>
-        <p:cxnSp>
-          <p:nvCxnSpPr>
-            <p:cNvPr id="31" name="直線單箭頭接點 30">
-              <a:extLst>
-                <a:ext uri="{FF2B5EF4-FFF2-40B4-BE49-F238E27FC236}">
-                  <a16:creationId xmlns:a16="http://schemas.microsoft.com/office/drawing/2014/main" id="{460E60B1-B61E-C4F5-23BD-4F6EA3CD73EC}"/>
-                </a:ext>
-              </a:extLst>
-            </p:cNvPr>
-            <p:cNvCxnSpPr/>
-            <p:nvPr/>
-          </p:nvCxnSpPr>
-          <p:spPr>
-            <a:xfrm flipH="1" flipV="1">
-              <a:off x="3747932" y="2166031"/>
-              <a:ext cx="177801" cy="1"/>
-            </a:xfrm>
-            <a:prstGeom prst="straightConnector1">
-              <a:avLst/>
-            </a:prstGeom>
-            <a:ln>
-              <a:solidFill>
-                <a:srgbClr val="FF0000"/>
-              </a:solidFill>
-              <a:headEnd type="none" w="med" len="med"/>
-              <a:tailEnd type="triangle" w="med" len="med"/>
-            </a:ln>
-          </p:spPr>
-          <p:style>
-            <a:lnRef idx="1">
-              <a:schemeClr val="accent1"/>
-            </a:lnRef>
-            <a:fillRef idx="0">
-              <a:schemeClr val="accent1"/>
-            </a:fillRef>
-            <a:effectRef idx="0">
-              <a:schemeClr val="accent1"/>
-            </a:effectRef>
-            <a:fontRef idx="minor">
-              <a:schemeClr val="tx1"/>
-            </a:fontRef>
-          </p:style>
-        </p:cxnSp>
-      </p:grpSp>
+      <p:pic>
+        <p:nvPicPr>
+          <p:cNvPr id="10" name="圖片 9">
+            <a:extLst>
+              <a:ext uri="{FF2B5EF4-FFF2-40B4-BE49-F238E27FC236}">
+                <a16:creationId xmlns:a16="http://schemas.microsoft.com/office/drawing/2014/main" id="{AB1CCB29-5766-20DC-7DA3-FCF29E5F6047}"/>
+              </a:ext>
+            </a:extLst>
+          </p:cNvPr>
+          <p:cNvPicPr>
+            <a:picLocks noChangeAspect="1"/>
+          </p:cNvPicPr>
+          <p:nvPr/>
+        </p:nvPicPr>
+        <p:blipFill>
+          <a:blip r:embed="rId2"/>
+          <a:stretch>
+            <a:fillRect/>
+          </a:stretch>
+        </p:blipFill>
+        <p:spPr>
+          <a:xfrm>
+            <a:off x="2155074" y="2247997"/>
+            <a:ext cx="7923718" cy="3505259"/>
+          </a:xfrm>
+          <a:prstGeom prst="rect">
+            <a:avLst/>
+          </a:prstGeom>
+        </p:spPr>
+      </p:pic>
       <p:pic>
         <p:nvPicPr>
           <p:cNvPr id="33" name="圖片 32">
@@ -7179,7 +6578,7 @@
         </p:blipFill>
         <p:spPr>
           <a:xfrm>
-            <a:off x="2155074" y="768999"/>
+            <a:off x="2155074" y="1140190"/>
             <a:ext cx="3353268" cy="1019317"/>
           </a:xfrm>
           <a:prstGeom prst="rect">
@@ -7201,7 +6600,7 @@
         </p:nvSpPr>
         <p:spPr>
           <a:xfrm>
-            <a:off x="2196505" y="1246036"/>
+            <a:off x="2196505" y="1617227"/>
             <a:ext cx="3311837" cy="524924"/>
           </a:xfrm>
           <a:prstGeom prst="rect">
@@ -7239,10 +6638,1913 @@
           </a:p>
         </p:txBody>
       </p:sp>
+      <p:sp>
+        <p:nvSpPr>
+          <p:cNvPr id="4" name="文字方塊 3">
+            <a:extLst>
+              <a:ext uri="{FF2B5EF4-FFF2-40B4-BE49-F238E27FC236}">
+                <a16:creationId xmlns:a16="http://schemas.microsoft.com/office/drawing/2014/main" id="{9C7BBCEE-6BA4-BBE4-4DD0-23C3990E0AC5}"/>
+              </a:ext>
+            </a:extLst>
+          </p:cNvPr>
+          <p:cNvSpPr txBox="1"/>
+          <p:nvPr/>
+        </p:nvSpPr>
+        <p:spPr>
+          <a:xfrm>
+            <a:off x="2102264" y="3492029"/>
+            <a:ext cx="614527" cy="276999"/>
+          </a:xfrm>
+          <a:prstGeom prst="rect">
+            <a:avLst/>
+          </a:prstGeom>
+          <a:noFill/>
+        </p:spPr>
+        <p:txBody>
+          <a:bodyPr wrap="none" rtlCol="0">
+            <a:spAutoFit/>
+          </a:bodyPr>
+          <a:lstStyle/>
+          <a:p>
+            <a:r>
+              <a:rPr lang="en-US" altLang="zh-TW" sz="1200" b="1" dirty="0">
+                <a:solidFill>
+                  <a:srgbClr val="FF0000"/>
+                </a:solidFill>
+              </a:rPr>
+              <a:t>START</a:t>
+            </a:r>
+            <a:endParaRPr lang="zh-TW" altLang="en-US" sz="1200" b="1" dirty="0">
+              <a:solidFill>
+                <a:srgbClr val="FF0000"/>
+              </a:solidFill>
+            </a:endParaRPr>
+          </a:p>
+        </p:txBody>
+      </p:sp>
+      <p:sp>
+        <p:nvSpPr>
+          <p:cNvPr id="5" name="文字方塊 4">
+            <a:extLst>
+              <a:ext uri="{FF2B5EF4-FFF2-40B4-BE49-F238E27FC236}">
+                <a16:creationId xmlns:a16="http://schemas.microsoft.com/office/drawing/2014/main" id="{9C852DE0-C151-F947-7605-5FA475CC936F}"/>
+              </a:ext>
+            </a:extLst>
+          </p:cNvPr>
+          <p:cNvSpPr txBox="1"/>
+          <p:nvPr/>
+        </p:nvSpPr>
+        <p:spPr>
+          <a:xfrm>
+            <a:off x="2102264" y="4007547"/>
+            <a:ext cx="563809" cy="276999"/>
+          </a:xfrm>
+          <a:prstGeom prst="rect">
+            <a:avLst/>
+          </a:prstGeom>
+          <a:noFill/>
+        </p:spPr>
+        <p:txBody>
+          <a:bodyPr wrap="none" rtlCol="0">
+            <a:spAutoFit/>
+          </a:bodyPr>
+          <a:lstStyle/>
+          <a:p>
+            <a:r>
+              <a:rPr lang="en-US" altLang="zh-TW" sz="1200" b="1" dirty="0">
+                <a:solidFill>
+                  <a:srgbClr val="FF0000"/>
+                </a:solidFill>
+              </a:rPr>
+              <a:t>BUSY</a:t>
+            </a:r>
+            <a:endParaRPr lang="zh-TW" altLang="en-US" sz="1200" b="1" dirty="0">
+              <a:solidFill>
+                <a:srgbClr val="FF0000"/>
+              </a:solidFill>
+            </a:endParaRPr>
+          </a:p>
+        </p:txBody>
+      </p:sp>
+      <p:sp>
+        <p:nvSpPr>
+          <p:cNvPr id="6" name="文字方塊 5">
+            <a:extLst>
+              <a:ext uri="{FF2B5EF4-FFF2-40B4-BE49-F238E27FC236}">
+                <a16:creationId xmlns:a16="http://schemas.microsoft.com/office/drawing/2014/main" id="{6200E4EF-271E-7D54-7DD3-4BF066F181D3}"/>
+              </a:ext>
+            </a:extLst>
+          </p:cNvPr>
+          <p:cNvSpPr txBox="1"/>
+          <p:nvPr/>
+        </p:nvSpPr>
+        <p:spPr>
+          <a:xfrm>
+            <a:off x="2102264" y="4523065"/>
+            <a:ext cx="394660" cy="276999"/>
+          </a:xfrm>
+          <a:prstGeom prst="rect">
+            <a:avLst/>
+          </a:prstGeom>
+          <a:noFill/>
+        </p:spPr>
+        <p:txBody>
+          <a:bodyPr wrap="none" rtlCol="0">
+            <a:spAutoFit/>
+          </a:bodyPr>
+          <a:lstStyle/>
+          <a:p>
+            <a:r>
+              <a:rPr lang="en-US" altLang="zh-TW" sz="1200" b="1" dirty="0">
+                <a:solidFill>
+                  <a:srgbClr val="FF0000"/>
+                </a:solidFill>
+              </a:rPr>
+              <a:t>OK</a:t>
+            </a:r>
+            <a:endParaRPr lang="zh-TW" altLang="en-US" sz="1200" b="1" dirty="0">
+              <a:solidFill>
+                <a:srgbClr val="FF0000"/>
+              </a:solidFill>
+            </a:endParaRPr>
+          </a:p>
+        </p:txBody>
+      </p:sp>
+      <p:sp>
+        <p:nvSpPr>
+          <p:cNvPr id="7" name="文字方塊 6">
+            <a:extLst>
+              <a:ext uri="{FF2B5EF4-FFF2-40B4-BE49-F238E27FC236}">
+                <a16:creationId xmlns:a16="http://schemas.microsoft.com/office/drawing/2014/main" id="{1682AD4C-2B56-F73B-061E-2EEBC2725FE6}"/>
+              </a:ext>
+            </a:extLst>
+          </p:cNvPr>
+          <p:cNvSpPr txBox="1"/>
+          <p:nvPr/>
+        </p:nvSpPr>
+        <p:spPr>
+          <a:xfrm>
+            <a:off x="2096654" y="4900083"/>
+            <a:ext cx="405880" cy="276999"/>
+          </a:xfrm>
+          <a:prstGeom prst="rect">
+            <a:avLst/>
+          </a:prstGeom>
+          <a:noFill/>
+        </p:spPr>
+        <p:txBody>
+          <a:bodyPr wrap="none" rtlCol="0">
+            <a:spAutoFit/>
+          </a:bodyPr>
+          <a:lstStyle/>
+          <a:p>
+            <a:r>
+              <a:rPr lang="en-US" altLang="zh-TW" sz="1200" b="1" dirty="0">
+                <a:solidFill>
+                  <a:srgbClr val="FF0000"/>
+                </a:solidFill>
+              </a:rPr>
+              <a:t>NG</a:t>
+            </a:r>
+            <a:endParaRPr lang="zh-TW" altLang="en-US" sz="1200" b="1" dirty="0">
+              <a:solidFill>
+                <a:srgbClr val="FF0000"/>
+              </a:solidFill>
+            </a:endParaRPr>
+          </a:p>
+        </p:txBody>
+      </p:sp>
+      <p:sp>
+        <p:nvSpPr>
+          <p:cNvPr id="8" name="文字方塊 7">
+            <a:extLst>
+              <a:ext uri="{FF2B5EF4-FFF2-40B4-BE49-F238E27FC236}">
+                <a16:creationId xmlns:a16="http://schemas.microsoft.com/office/drawing/2014/main" id="{D0283E1C-172B-5377-4458-CA29D7D5341C}"/>
+              </a:ext>
+            </a:extLst>
+          </p:cNvPr>
+          <p:cNvSpPr txBox="1"/>
+          <p:nvPr/>
+        </p:nvSpPr>
+        <p:spPr>
+          <a:xfrm>
+            <a:off x="2093480" y="5387767"/>
+            <a:ext cx="572593" cy="276999"/>
+          </a:xfrm>
+          <a:prstGeom prst="rect">
+            <a:avLst/>
+          </a:prstGeom>
+          <a:noFill/>
+        </p:spPr>
+        <p:txBody>
+          <a:bodyPr wrap="none" rtlCol="0">
+            <a:spAutoFit/>
+          </a:bodyPr>
+          <a:lstStyle/>
+          <a:p>
+            <a:r>
+              <a:rPr lang="en-US" altLang="zh-TW" sz="1200" b="1" dirty="0">
+                <a:solidFill>
+                  <a:srgbClr val="FF0000"/>
+                </a:solidFill>
+              </a:rPr>
+              <a:t>VBUS</a:t>
+            </a:r>
+            <a:endParaRPr lang="zh-TW" altLang="en-US" sz="1200" b="1" dirty="0">
+              <a:solidFill>
+                <a:srgbClr val="FF0000"/>
+              </a:solidFill>
+            </a:endParaRPr>
+          </a:p>
+        </p:txBody>
+      </p:sp>
+      <p:sp>
+        <p:nvSpPr>
+          <p:cNvPr id="11" name="文字方塊 10">
+            <a:extLst>
+              <a:ext uri="{FF2B5EF4-FFF2-40B4-BE49-F238E27FC236}">
+                <a16:creationId xmlns:a16="http://schemas.microsoft.com/office/drawing/2014/main" id="{5FA5F95E-1E38-444F-20D4-BDC834F8EA6A}"/>
+              </a:ext>
+            </a:extLst>
+          </p:cNvPr>
+          <p:cNvSpPr txBox="1"/>
+          <p:nvPr/>
+        </p:nvSpPr>
+        <p:spPr>
+          <a:xfrm>
+            <a:off x="2124274" y="2546610"/>
+            <a:ext cx="548035" cy="276999"/>
+          </a:xfrm>
+          <a:prstGeom prst="rect">
+            <a:avLst/>
+          </a:prstGeom>
+          <a:noFill/>
+        </p:spPr>
+        <p:txBody>
+          <a:bodyPr wrap="none" rtlCol="0">
+            <a:spAutoFit/>
+          </a:bodyPr>
+          <a:lstStyle/>
+          <a:p>
+            <a:r>
+              <a:rPr lang="en-US" altLang="zh-TW" sz="1200" b="1" dirty="0">
+                <a:solidFill>
+                  <a:srgbClr val="FF0000"/>
+                </a:solidFill>
+              </a:rPr>
+              <a:t>PWM</a:t>
+            </a:r>
+            <a:endParaRPr lang="zh-TW" altLang="en-US" sz="1200" b="1" dirty="0">
+              <a:solidFill>
+                <a:srgbClr val="FF0000"/>
+              </a:solidFill>
+            </a:endParaRPr>
+          </a:p>
+        </p:txBody>
+      </p:sp>
+      <p:sp>
+        <p:nvSpPr>
+          <p:cNvPr id="12" name="文字方塊 11">
+            <a:extLst>
+              <a:ext uri="{FF2B5EF4-FFF2-40B4-BE49-F238E27FC236}">
+                <a16:creationId xmlns:a16="http://schemas.microsoft.com/office/drawing/2014/main" id="{7FF22F98-2251-C383-5250-E6406AD54647}"/>
+              </a:ext>
+            </a:extLst>
+          </p:cNvPr>
+          <p:cNvSpPr txBox="1"/>
+          <p:nvPr/>
+        </p:nvSpPr>
+        <p:spPr>
+          <a:xfrm>
+            <a:off x="2110198" y="3024976"/>
+            <a:ext cx="389850" cy="276999"/>
+          </a:xfrm>
+          <a:prstGeom prst="rect">
+            <a:avLst/>
+          </a:prstGeom>
+          <a:noFill/>
+        </p:spPr>
+        <p:txBody>
+          <a:bodyPr wrap="none" rtlCol="0">
+            <a:spAutoFit/>
+          </a:bodyPr>
+          <a:lstStyle/>
+          <a:p>
+            <a:r>
+              <a:rPr lang="en-US" altLang="zh-TW" sz="1200" b="1" dirty="0">
+                <a:solidFill>
+                  <a:srgbClr val="FF0000"/>
+                </a:solidFill>
+              </a:rPr>
+              <a:t>SO</a:t>
+            </a:r>
+            <a:endParaRPr lang="zh-TW" altLang="en-US" sz="1200" b="1" dirty="0">
+              <a:solidFill>
+                <a:srgbClr val="FF0000"/>
+              </a:solidFill>
+            </a:endParaRPr>
+          </a:p>
+        </p:txBody>
+      </p:sp>
+      <p:cxnSp>
+        <p:nvCxnSpPr>
+          <p:cNvPr id="14" name="直線接點 13">
+            <a:extLst>
+              <a:ext uri="{FF2B5EF4-FFF2-40B4-BE49-F238E27FC236}">
+                <a16:creationId xmlns:a16="http://schemas.microsoft.com/office/drawing/2014/main" id="{7207B424-F0F5-968D-6C1D-97B06CC73106}"/>
+              </a:ext>
+            </a:extLst>
+          </p:cNvPr>
+          <p:cNvCxnSpPr>
+            <a:cxnSpLocks/>
+          </p:cNvCxnSpPr>
+          <p:nvPr/>
+        </p:nvCxnSpPr>
+        <p:spPr>
+          <a:xfrm>
+            <a:off x="3375660" y="2164080"/>
+            <a:ext cx="0" cy="3688080"/>
+          </a:xfrm>
+          <a:prstGeom prst="line">
+            <a:avLst/>
+          </a:prstGeom>
+          <a:ln>
+            <a:solidFill>
+              <a:srgbClr val="FF0000"/>
+            </a:solidFill>
+            <a:prstDash val="sysDot"/>
+          </a:ln>
+        </p:spPr>
+        <p:style>
+          <a:lnRef idx="2">
+            <a:schemeClr val="accent1"/>
+          </a:lnRef>
+          <a:fillRef idx="0">
+            <a:schemeClr val="accent1"/>
+          </a:fillRef>
+          <a:effectRef idx="1">
+            <a:schemeClr val="accent1"/>
+          </a:effectRef>
+          <a:fontRef idx="minor">
+            <a:schemeClr val="tx1"/>
+          </a:fontRef>
+        </p:style>
+      </p:cxnSp>
+      <p:cxnSp>
+        <p:nvCxnSpPr>
+          <p:cNvPr id="32" name="直線接點 31">
+            <a:extLst>
+              <a:ext uri="{FF2B5EF4-FFF2-40B4-BE49-F238E27FC236}">
+                <a16:creationId xmlns:a16="http://schemas.microsoft.com/office/drawing/2014/main" id="{C6D81E41-E69B-E4AA-A137-F72A8E594B37}"/>
+              </a:ext>
+            </a:extLst>
+          </p:cNvPr>
+          <p:cNvCxnSpPr>
+            <a:cxnSpLocks/>
+          </p:cNvCxnSpPr>
+          <p:nvPr/>
+        </p:nvCxnSpPr>
+        <p:spPr>
+          <a:xfrm>
+            <a:off x="4373880" y="2164080"/>
+            <a:ext cx="0" cy="3688080"/>
+          </a:xfrm>
+          <a:prstGeom prst="line">
+            <a:avLst/>
+          </a:prstGeom>
+          <a:ln>
+            <a:solidFill>
+              <a:srgbClr val="FF0000"/>
+            </a:solidFill>
+            <a:prstDash val="sysDot"/>
+          </a:ln>
+        </p:spPr>
+        <p:style>
+          <a:lnRef idx="2">
+            <a:schemeClr val="accent1"/>
+          </a:lnRef>
+          <a:fillRef idx="0">
+            <a:schemeClr val="accent1"/>
+          </a:fillRef>
+          <a:effectRef idx="1">
+            <a:schemeClr val="accent1"/>
+          </a:effectRef>
+          <a:fontRef idx="minor">
+            <a:schemeClr val="tx1"/>
+          </a:fontRef>
+        </p:style>
+      </p:cxnSp>
+      <p:cxnSp>
+        <p:nvCxnSpPr>
+          <p:cNvPr id="36" name="直線接點 35">
+            <a:extLst>
+              <a:ext uri="{FF2B5EF4-FFF2-40B4-BE49-F238E27FC236}">
+                <a16:creationId xmlns:a16="http://schemas.microsoft.com/office/drawing/2014/main" id="{8E9C04DD-B51E-41A3-20A1-C74623DEB200}"/>
+              </a:ext>
+            </a:extLst>
+          </p:cNvPr>
+          <p:cNvCxnSpPr>
+            <a:cxnSpLocks/>
+          </p:cNvCxnSpPr>
+          <p:nvPr/>
+        </p:nvCxnSpPr>
+        <p:spPr>
+          <a:xfrm>
+            <a:off x="8663940" y="2164080"/>
+            <a:ext cx="22860" cy="3688080"/>
+          </a:xfrm>
+          <a:prstGeom prst="line">
+            <a:avLst/>
+          </a:prstGeom>
+          <a:ln>
+            <a:solidFill>
+              <a:srgbClr val="FF0000"/>
+            </a:solidFill>
+            <a:prstDash val="sysDot"/>
+          </a:ln>
+        </p:spPr>
+        <p:style>
+          <a:lnRef idx="2">
+            <a:schemeClr val="accent1"/>
+          </a:lnRef>
+          <a:fillRef idx="0">
+            <a:schemeClr val="accent1"/>
+          </a:fillRef>
+          <a:effectRef idx="1">
+            <a:schemeClr val="accent1"/>
+          </a:effectRef>
+          <a:fontRef idx="minor">
+            <a:schemeClr val="tx1"/>
+          </a:fontRef>
+        </p:style>
+      </p:cxnSp>
+      <p:cxnSp>
+        <p:nvCxnSpPr>
+          <p:cNvPr id="37" name="直線接點 36">
+            <a:extLst>
+              <a:ext uri="{FF2B5EF4-FFF2-40B4-BE49-F238E27FC236}">
+                <a16:creationId xmlns:a16="http://schemas.microsoft.com/office/drawing/2014/main" id="{1F18384F-AA39-A940-275D-D028DA00D0AA}"/>
+              </a:ext>
+            </a:extLst>
+          </p:cNvPr>
+          <p:cNvCxnSpPr>
+            <a:cxnSpLocks/>
+          </p:cNvCxnSpPr>
+          <p:nvPr/>
+        </p:nvCxnSpPr>
+        <p:spPr>
+          <a:xfrm>
+            <a:off x="9685020" y="2164080"/>
+            <a:ext cx="0" cy="3688080"/>
+          </a:xfrm>
+          <a:prstGeom prst="line">
+            <a:avLst/>
+          </a:prstGeom>
+          <a:ln>
+            <a:solidFill>
+              <a:srgbClr val="FF0000"/>
+            </a:solidFill>
+            <a:prstDash val="sysDot"/>
+          </a:ln>
+        </p:spPr>
+        <p:style>
+          <a:lnRef idx="2">
+            <a:schemeClr val="accent1"/>
+          </a:lnRef>
+          <a:fillRef idx="0">
+            <a:schemeClr val="accent1"/>
+          </a:fillRef>
+          <a:effectRef idx="1">
+            <a:schemeClr val="accent1"/>
+          </a:effectRef>
+          <a:fontRef idx="minor">
+            <a:schemeClr val="tx1"/>
+          </a:fontRef>
+        </p:style>
+      </p:cxnSp>
+      <p:cxnSp>
+        <p:nvCxnSpPr>
+          <p:cNvPr id="39" name="直線單箭頭接點 38">
+            <a:extLst>
+              <a:ext uri="{FF2B5EF4-FFF2-40B4-BE49-F238E27FC236}">
+                <a16:creationId xmlns:a16="http://schemas.microsoft.com/office/drawing/2014/main" id="{C0EF2B4F-239B-9D7B-BC60-CED0CD9CA5E6}"/>
+              </a:ext>
+            </a:extLst>
+          </p:cNvPr>
+          <p:cNvCxnSpPr/>
+          <p:nvPr/>
+        </p:nvCxnSpPr>
+        <p:spPr>
+          <a:xfrm>
+            <a:off x="3375660" y="3657600"/>
+            <a:ext cx="998220" cy="0"/>
+          </a:xfrm>
+          <a:prstGeom prst="straightConnector1">
+            <a:avLst/>
+          </a:prstGeom>
+          <a:ln>
+            <a:solidFill>
+              <a:srgbClr val="FF0000"/>
+            </a:solidFill>
+            <a:headEnd type="arrow" w="med" len="med"/>
+            <a:tailEnd type="arrow" w="med" len="med"/>
+          </a:ln>
+        </p:spPr>
+        <p:style>
+          <a:lnRef idx="2">
+            <a:schemeClr val="accent1"/>
+          </a:lnRef>
+          <a:fillRef idx="0">
+            <a:schemeClr val="accent1"/>
+          </a:fillRef>
+          <a:effectRef idx="1">
+            <a:schemeClr val="accent1"/>
+          </a:effectRef>
+          <a:fontRef idx="minor">
+            <a:schemeClr val="tx1"/>
+          </a:fontRef>
+        </p:style>
+      </p:cxnSp>
+      <p:sp>
+        <p:nvSpPr>
+          <p:cNvPr id="40" name="文字方塊 39">
+            <a:extLst>
+              <a:ext uri="{FF2B5EF4-FFF2-40B4-BE49-F238E27FC236}">
+                <a16:creationId xmlns:a16="http://schemas.microsoft.com/office/drawing/2014/main" id="{1169CECD-369E-7F77-61EB-4D7B6A7B14A7}"/>
+              </a:ext>
+            </a:extLst>
+          </p:cNvPr>
+          <p:cNvSpPr txBox="1"/>
+          <p:nvPr/>
+        </p:nvSpPr>
+        <p:spPr>
+          <a:xfrm>
+            <a:off x="8781584" y="4399954"/>
+            <a:ext cx="518091" cy="246221"/>
+          </a:xfrm>
+          <a:prstGeom prst="rect">
+            <a:avLst/>
+          </a:prstGeom>
+          <a:noFill/>
+        </p:spPr>
+        <p:txBody>
+          <a:bodyPr wrap="none" rtlCol="0">
+            <a:spAutoFit/>
+          </a:bodyPr>
+          <a:lstStyle/>
+          <a:p>
+            <a:r>
+              <a:rPr lang="en-US" altLang="zh-TW" sz="1000" b="1" dirty="0">
+                <a:solidFill>
+                  <a:srgbClr val="FF0000"/>
+                </a:solidFill>
+              </a:rPr>
+              <a:t>Delay</a:t>
+            </a:r>
+            <a:endParaRPr lang="zh-TW" altLang="en-US" sz="1000" b="1" dirty="0">
+              <a:solidFill>
+                <a:srgbClr val="FF0000"/>
+              </a:solidFill>
+            </a:endParaRPr>
+          </a:p>
+        </p:txBody>
+      </p:sp>
+      <p:sp>
+        <p:nvSpPr>
+          <p:cNvPr id="41" name="文字方塊 40">
+            <a:extLst>
+              <a:ext uri="{FF2B5EF4-FFF2-40B4-BE49-F238E27FC236}">
+                <a16:creationId xmlns:a16="http://schemas.microsoft.com/office/drawing/2014/main" id="{9D294050-EC69-E672-59EB-6DBF9D98F334}"/>
+              </a:ext>
+            </a:extLst>
+          </p:cNvPr>
+          <p:cNvSpPr txBox="1"/>
+          <p:nvPr/>
+        </p:nvSpPr>
+        <p:spPr>
+          <a:xfrm>
+            <a:off x="3493304" y="3429000"/>
+            <a:ext cx="785793" cy="246221"/>
+          </a:xfrm>
+          <a:prstGeom prst="rect">
+            <a:avLst/>
+          </a:prstGeom>
+          <a:noFill/>
+        </p:spPr>
+        <p:txBody>
+          <a:bodyPr wrap="none" rtlCol="0">
+            <a:spAutoFit/>
+          </a:bodyPr>
+          <a:lstStyle/>
+          <a:p>
+            <a:r>
+              <a:rPr lang="en-US" altLang="zh-TW" sz="1000" b="1" dirty="0">
+                <a:solidFill>
+                  <a:srgbClr val="FF0000"/>
+                </a:solidFill>
+              </a:rPr>
+              <a:t>Debounce</a:t>
+            </a:r>
+            <a:endParaRPr lang="zh-TW" altLang="en-US" sz="1000" b="1" dirty="0">
+              <a:solidFill>
+                <a:srgbClr val="FF0000"/>
+              </a:solidFill>
+            </a:endParaRPr>
+          </a:p>
+        </p:txBody>
+      </p:sp>
+      <p:cxnSp>
+        <p:nvCxnSpPr>
+          <p:cNvPr id="42" name="直線單箭頭接點 41">
+            <a:extLst>
+              <a:ext uri="{FF2B5EF4-FFF2-40B4-BE49-F238E27FC236}">
+                <a16:creationId xmlns:a16="http://schemas.microsoft.com/office/drawing/2014/main" id="{64B65C4E-123C-5201-8CC0-B053F35E6AF5}"/>
+              </a:ext>
+            </a:extLst>
+          </p:cNvPr>
+          <p:cNvCxnSpPr/>
+          <p:nvPr/>
+        </p:nvCxnSpPr>
+        <p:spPr>
+          <a:xfrm>
+            <a:off x="8686800" y="4646175"/>
+            <a:ext cx="998220" cy="0"/>
+          </a:xfrm>
+          <a:prstGeom prst="straightConnector1">
+            <a:avLst/>
+          </a:prstGeom>
+          <a:ln>
+            <a:solidFill>
+              <a:srgbClr val="FF0000"/>
+            </a:solidFill>
+            <a:headEnd type="arrow" w="med" len="med"/>
+            <a:tailEnd type="arrow" w="med" len="med"/>
+          </a:ln>
+        </p:spPr>
+        <p:style>
+          <a:lnRef idx="2">
+            <a:schemeClr val="accent1"/>
+          </a:lnRef>
+          <a:fillRef idx="0">
+            <a:schemeClr val="accent1"/>
+          </a:fillRef>
+          <a:effectRef idx="1">
+            <a:schemeClr val="accent1"/>
+          </a:effectRef>
+          <a:fontRef idx="minor">
+            <a:schemeClr val="tx1"/>
+          </a:fontRef>
+        </p:style>
+      </p:cxnSp>
+      <p:cxnSp>
+        <p:nvCxnSpPr>
+          <p:cNvPr id="47" name="直線單箭頭接點 46">
+            <a:extLst>
+              <a:ext uri="{FF2B5EF4-FFF2-40B4-BE49-F238E27FC236}">
+                <a16:creationId xmlns:a16="http://schemas.microsoft.com/office/drawing/2014/main" id="{1ABE6D41-57C9-EC70-E82A-B688C94C9A95}"/>
+              </a:ext>
+            </a:extLst>
+          </p:cNvPr>
+          <p:cNvCxnSpPr>
+            <a:cxnSpLocks/>
+          </p:cNvCxnSpPr>
+          <p:nvPr/>
+        </p:nvCxnSpPr>
+        <p:spPr>
+          <a:xfrm>
+            <a:off x="4373880" y="4146046"/>
+            <a:ext cx="4290060" cy="0"/>
+          </a:xfrm>
+          <a:prstGeom prst="straightConnector1">
+            <a:avLst/>
+          </a:prstGeom>
+          <a:ln>
+            <a:solidFill>
+              <a:srgbClr val="FF0000"/>
+            </a:solidFill>
+            <a:headEnd type="arrow" w="med" len="med"/>
+            <a:tailEnd type="arrow" w="med" len="med"/>
+          </a:ln>
+        </p:spPr>
+        <p:style>
+          <a:lnRef idx="2">
+            <a:schemeClr val="accent1"/>
+          </a:lnRef>
+          <a:fillRef idx="0">
+            <a:schemeClr val="accent1"/>
+          </a:fillRef>
+          <a:effectRef idx="1">
+            <a:schemeClr val="accent1"/>
+          </a:effectRef>
+          <a:fontRef idx="minor">
+            <a:schemeClr val="tx1"/>
+          </a:fontRef>
+        </p:style>
+      </p:cxnSp>
+      <p:sp>
+        <p:nvSpPr>
+          <p:cNvPr id="49" name="文字方塊 48">
+            <a:extLst>
+              <a:ext uri="{FF2B5EF4-FFF2-40B4-BE49-F238E27FC236}">
+                <a16:creationId xmlns:a16="http://schemas.microsoft.com/office/drawing/2014/main" id="{66761C50-3169-0FE1-2C1F-6DC6D4150904}"/>
+              </a:ext>
+            </a:extLst>
+          </p:cNvPr>
+          <p:cNvSpPr txBox="1"/>
+          <p:nvPr/>
+        </p:nvSpPr>
+        <p:spPr>
+          <a:xfrm>
+            <a:off x="5966529" y="3857866"/>
+            <a:ext cx="792205" cy="246221"/>
+          </a:xfrm>
+          <a:prstGeom prst="rect">
+            <a:avLst/>
+          </a:prstGeom>
+          <a:noFill/>
+        </p:spPr>
+        <p:txBody>
+          <a:bodyPr wrap="none" rtlCol="0">
+            <a:spAutoFit/>
+          </a:bodyPr>
+          <a:lstStyle/>
+          <a:p>
+            <a:r>
+              <a:rPr lang="en-US" altLang="zh-TW" sz="1000" b="1" dirty="0">
+                <a:solidFill>
+                  <a:srgbClr val="FF0000"/>
+                </a:solidFill>
+              </a:rPr>
+              <a:t>Burn(</a:t>
+            </a:r>
+            <a:r>
+              <a:rPr lang="zh-TW" altLang="en-US" sz="1000" b="1" dirty="0">
+                <a:solidFill>
+                  <a:srgbClr val="FF0000"/>
+                </a:solidFill>
+              </a:rPr>
+              <a:t>燒錄</a:t>
+            </a:r>
+            <a:r>
+              <a:rPr lang="en-US" altLang="zh-TW" sz="1000" b="1" dirty="0">
+                <a:solidFill>
+                  <a:srgbClr val="FF0000"/>
+                </a:solidFill>
+              </a:rPr>
+              <a:t>)</a:t>
+            </a:r>
+            <a:endParaRPr lang="zh-TW" altLang="en-US" sz="1000" b="1" dirty="0">
+              <a:solidFill>
+                <a:srgbClr val="FF0000"/>
+              </a:solidFill>
+            </a:endParaRPr>
+          </a:p>
+        </p:txBody>
+      </p:sp>
     </p:spTree>
     <p:extLst>
       <p:ext uri="{BB962C8B-B14F-4D97-AF65-F5344CB8AC3E}">
         <p14:creationId xmlns:p14="http://schemas.microsoft.com/office/powerpoint/2010/main" val="3388269947"/>
+      </p:ext>
+    </p:extLst>
+  </p:cSld>
+  <p:clrMapOvr>
+    <a:masterClrMapping/>
+  </p:clrMapOvr>
+</p:sld>
+</file>
+
+<file path=ppt/slides/slide5.xml><?xml version="1.0" encoding="utf-8"?>
+<p:sld xmlns:a="http://schemas.openxmlformats.org/drawingml/2006/main" xmlns:r="http://schemas.openxmlformats.org/officeDocument/2006/relationships" xmlns:p="http://schemas.openxmlformats.org/presentationml/2006/main">
+  <p:cSld>
+    <p:spTree>
+      <p:nvGrpSpPr>
+        <p:cNvPr id="1" name=""/>
+        <p:cNvGrpSpPr/>
+        <p:nvPr/>
+      </p:nvGrpSpPr>
+      <p:grpSpPr>
+        <a:xfrm>
+          <a:off x="0" y="0"/>
+          <a:ext cx="0" cy="0"/>
+          <a:chOff x="0" y="0"/>
+          <a:chExt cx="0" cy="0"/>
+        </a:xfrm>
+      </p:grpSpPr>
+      <p:sp>
+        <p:nvSpPr>
+          <p:cNvPr id="35" name="矩形 34">
+            <a:extLst>
+              <a:ext uri="{FF2B5EF4-FFF2-40B4-BE49-F238E27FC236}">
+                <a16:creationId xmlns:a16="http://schemas.microsoft.com/office/drawing/2014/main" id="{B27E3D54-E467-727E-6AE4-1F0F9D254E7B}"/>
+              </a:ext>
+            </a:extLst>
+          </p:cNvPr>
+          <p:cNvSpPr/>
+          <p:nvPr/>
+        </p:nvSpPr>
+        <p:spPr>
+          <a:xfrm>
+            <a:off x="5829300" y="2997135"/>
+            <a:ext cx="1397000" cy="1360627"/>
+          </a:xfrm>
+          <a:prstGeom prst="rect">
+            <a:avLst/>
+          </a:prstGeom>
+          <a:solidFill>
+            <a:srgbClr val="FFFF00"/>
+          </a:solidFill>
+        </p:spPr>
+        <p:style>
+          <a:lnRef idx="2">
+            <a:schemeClr val="accent1">
+              <a:shade val="15000"/>
+            </a:schemeClr>
+          </a:lnRef>
+          <a:fillRef idx="1">
+            <a:schemeClr val="accent1"/>
+          </a:fillRef>
+          <a:effectRef idx="0">
+            <a:schemeClr val="accent1"/>
+          </a:effectRef>
+          <a:fontRef idx="minor">
+            <a:schemeClr val="lt1"/>
+          </a:fontRef>
+        </p:style>
+        <p:txBody>
+          <a:bodyPr rtlCol="0" anchor="ctr"/>
+          <a:lstStyle/>
+          <a:p>
+            <a:pPr algn="ctr"/>
+            <a:endParaRPr lang="zh-TW" altLang="en-US"/>
+          </a:p>
+        </p:txBody>
+      </p:sp>
+      <p:pic>
+        <p:nvPicPr>
+          <p:cNvPr id="10" name="圖片 9">
+            <a:extLst>
+              <a:ext uri="{FF2B5EF4-FFF2-40B4-BE49-F238E27FC236}">
+                <a16:creationId xmlns:a16="http://schemas.microsoft.com/office/drawing/2014/main" id="{CA7779FC-4F2A-DA31-0084-62688EAC9FE6}"/>
+              </a:ext>
+            </a:extLst>
+          </p:cNvPr>
+          <p:cNvPicPr>
+            <a:picLocks noChangeAspect="1"/>
+          </p:cNvPicPr>
+          <p:nvPr/>
+        </p:nvPicPr>
+        <p:blipFill>
+          <a:blip r:embed="rId2"/>
+          <a:stretch>
+            <a:fillRect/>
+          </a:stretch>
+        </p:blipFill>
+        <p:spPr>
+          <a:xfrm rot="16200000">
+            <a:off x="1696346" y="1482674"/>
+            <a:ext cx="3378047" cy="4105131"/>
+          </a:xfrm>
+          <a:prstGeom prst="rect">
+            <a:avLst/>
+          </a:prstGeom>
+        </p:spPr>
+      </p:pic>
+      <p:cxnSp>
+        <p:nvCxnSpPr>
+          <p:cNvPr id="7" name="直線單箭頭接點 6">
+            <a:extLst>
+              <a:ext uri="{FF2B5EF4-FFF2-40B4-BE49-F238E27FC236}">
+                <a16:creationId xmlns:a16="http://schemas.microsoft.com/office/drawing/2014/main" id="{F5F061E4-24C4-26F7-EBCB-1149DF3820E8}"/>
+              </a:ext>
+            </a:extLst>
+          </p:cNvPr>
+          <p:cNvCxnSpPr>
+            <a:cxnSpLocks/>
+          </p:cNvCxnSpPr>
+          <p:nvPr/>
+        </p:nvCxnSpPr>
+        <p:spPr>
+          <a:xfrm flipH="1">
+            <a:off x="5225725" y="3604848"/>
+            <a:ext cx="577449" cy="0"/>
+          </a:xfrm>
+          <a:prstGeom prst="straightConnector1">
+            <a:avLst/>
+          </a:prstGeom>
+          <a:ln w="38100">
+            <a:solidFill>
+              <a:srgbClr val="FF0000"/>
+            </a:solidFill>
+            <a:tailEnd type="triangle"/>
+          </a:ln>
+        </p:spPr>
+        <p:style>
+          <a:lnRef idx="2">
+            <a:schemeClr val="accent1"/>
+          </a:lnRef>
+          <a:fillRef idx="0">
+            <a:schemeClr val="accent1"/>
+          </a:fillRef>
+          <a:effectRef idx="1">
+            <a:schemeClr val="accent1"/>
+          </a:effectRef>
+          <a:fontRef idx="minor">
+            <a:schemeClr val="tx1"/>
+          </a:fontRef>
+        </p:style>
+      </p:cxnSp>
+      <p:cxnSp>
+        <p:nvCxnSpPr>
+          <p:cNvPr id="12" name="直線單箭頭接點 11">
+            <a:extLst>
+              <a:ext uri="{FF2B5EF4-FFF2-40B4-BE49-F238E27FC236}">
+                <a16:creationId xmlns:a16="http://schemas.microsoft.com/office/drawing/2014/main" id="{90464E5E-98F2-3EE3-193D-AEB5E83CA3A1}"/>
+              </a:ext>
+            </a:extLst>
+          </p:cNvPr>
+          <p:cNvCxnSpPr>
+            <a:cxnSpLocks/>
+          </p:cNvCxnSpPr>
+          <p:nvPr/>
+        </p:nvCxnSpPr>
+        <p:spPr>
+          <a:xfrm flipH="1">
+            <a:off x="5238425" y="3429000"/>
+            <a:ext cx="577449" cy="0"/>
+          </a:xfrm>
+          <a:prstGeom prst="straightConnector1">
+            <a:avLst/>
+          </a:prstGeom>
+          <a:ln w="38100">
+            <a:solidFill>
+              <a:srgbClr val="FF0000"/>
+            </a:solidFill>
+            <a:tailEnd type="triangle"/>
+          </a:ln>
+        </p:spPr>
+        <p:style>
+          <a:lnRef idx="2">
+            <a:schemeClr val="accent1"/>
+          </a:lnRef>
+          <a:fillRef idx="0">
+            <a:schemeClr val="accent1"/>
+          </a:fillRef>
+          <a:effectRef idx="1">
+            <a:schemeClr val="accent1"/>
+          </a:effectRef>
+          <a:fontRef idx="minor">
+            <a:schemeClr val="tx1"/>
+          </a:fontRef>
+        </p:style>
+      </p:cxnSp>
+      <p:cxnSp>
+        <p:nvCxnSpPr>
+          <p:cNvPr id="13" name="直線單箭頭接點 12">
+            <a:extLst>
+              <a:ext uri="{FF2B5EF4-FFF2-40B4-BE49-F238E27FC236}">
+                <a16:creationId xmlns:a16="http://schemas.microsoft.com/office/drawing/2014/main" id="{F6ADE53F-50A0-6F60-146F-CCA47F0D8489}"/>
+              </a:ext>
+            </a:extLst>
+          </p:cNvPr>
+          <p:cNvCxnSpPr>
+            <a:cxnSpLocks/>
+          </p:cNvCxnSpPr>
+          <p:nvPr/>
+        </p:nvCxnSpPr>
+        <p:spPr>
+          <a:xfrm flipH="1">
+            <a:off x="5225724" y="3771900"/>
+            <a:ext cx="577449" cy="0"/>
+          </a:xfrm>
+          <a:prstGeom prst="straightConnector1">
+            <a:avLst/>
+          </a:prstGeom>
+          <a:ln w="38100">
+            <a:solidFill>
+              <a:srgbClr val="FF0000"/>
+            </a:solidFill>
+            <a:tailEnd type="triangle"/>
+          </a:ln>
+        </p:spPr>
+        <p:style>
+          <a:lnRef idx="2">
+            <a:schemeClr val="accent1"/>
+          </a:lnRef>
+          <a:fillRef idx="0">
+            <a:schemeClr val="accent1"/>
+          </a:fillRef>
+          <a:effectRef idx="1">
+            <a:schemeClr val="accent1"/>
+          </a:effectRef>
+          <a:fontRef idx="minor">
+            <a:schemeClr val="tx1"/>
+          </a:fontRef>
+        </p:style>
+      </p:cxnSp>
+      <p:cxnSp>
+        <p:nvCxnSpPr>
+          <p:cNvPr id="14" name="直線單箭頭接點 13">
+            <a:extLst>
+              <a:ext uri="{FF2B5EF4-FFF2-40B4-BE49-F238E27FC236}">
+                <a16:creationId xmlns:a16="http://schemas.microsoft.com/office/drawing/2014/main" id="{51F52249-907F-6501-CD2E-F614AF78023F}"/>
+              </a:ext>
+            </a:extLst>
+          </p:cNvPr>
+          <p:cNvCxnSpPr>
+            <a:cxnSpLocks/>
+          </p:cNvCxnSpPr>
+          <p:nvPr/>
+        </p:nvCxnSpPr>
+        <p:spPr>
+          <a:xfrm flipH="1">
+            <a:off x="5225724" y="3930650"/>
+            <a:ext cx="577449" cy="0"/>
+          </a:xfrm>
+          <a:prstGeom prst="straightConnector1">
+            <a:avLst/>
+          </a:prstGeom>
+          <a:ln w="38100">
+            <a:solidFill>
+              <a:srgbClr val="FF0000"/>
+            </a:solidFill>
+            <a:tailEnd type="triangle"/>
+          </a:ln>
+        </p:spPr>
+        <p:style>
+          <a:lnRef idx="2">
+            <a:schemeClr val="accent1"/>
+          </a:lnRef>
+          <a:fillRef idx="0">
+            <a:schemeClr val="accent1"/>
+          </a:fillRef>
+          <a:effectRef idx="1">
+            <a:schemeClr val="accent1"/>
+          </a:effectRef>
+          <a:fontRef idx="minor">
+            <a:schemeClr val="tx1"/>
+          </a:fontRef>
+        </p:style>
+      </p:cxnSp>
+      <p:sp>
+        <p:nvSpPr>
+          <p:cNvPr id="15" name="文字方塊 14">
+            <a:extLst>
+              <a:ext uri="{FF2B5EF4-FFF2-40B4-BE49-F238E27FC236}">
+                <a16:creationId xmlns:a16="http://schemas.microsoft.com/office/drawing/2014/main" id="{9667E7CF-18C2-F2A1-ECDF-FE646911E287}"/>
+              </a:ext>
+            </a:extLst>
+          </p:cNvPr>
+          <p:cNvSpPr txBox="1"/>
+          <p:nvPr/>
+        </p:nvSpPr>
+        <p:spPr>
+          <a:xfrm>
+            <a:off x="5799399" y="3305889"/>
+            <a:ext cx="460382" cy="246221"/>
+          </a:xfrm>
+          <a:prstGeom prst="rect">
+            <a:avLst/>
+          </a:prstGeom>
+          <a:noFill/>
+        </p:spPr>
+        <p:txBody>
+          <a:bodyPr wrap="none" rtlCol="0">
+            <a:spAutoFit/>
+          </a:bodyPr>
+          <a:lstStyle/>
+          <a:p>
+            <a:r>
+              <a:rPr lang="en-US" altLang="zh-TW" sz="1000" b="1" dirty="0">
+                <a:solidFill>
+                  <a:srgbClr val="FF0000"/>
+                </a:solidFill>
+              </a:rPr>
+              <a:t>GND</a:t>
+            </a:r>
+            <a:endParaRPr lang="zh-TW" altLang="en-US" sz="1000" b="1" dirty="0">
+              <a:solidFill>
+                <a:srgbClr val="FF0000"/>
+              </a:solidFill>
+            </a:endParaRPr>
+          </a:p>
+        </p:txBody>
+      </p:sp>
+      <p:sp>
+        <p:nvSpPr>
+          <p:cNvPr id="16" name="文字方塊 15">
+            <a:extLst>
+              <a:ext uri="{FF2B5EF4-FFF2-40B4-BE49-F238E27FC236}">
+                <a16:creationId xmlns:a16="http://schemas.microsoft.com/office/drawing/2014/main" id="{70997C46-5586-16ED-0DE4-D40ED6AA7846}"/>
+              </a:ext>
+            </a:extLst>
+          </p:cNvPr>
+          <p:cNvSpPr txBox="1"/>
+          <p:nvPr/>
+        </p:nvSpPr>
+        <p:spPr>
+          <a:xfrm>
+            <a:off x="5803173" y="3815841"/>
+            <a:ext cx="369012" cy="246221"/>
+          </a:xfrm>
+          <a:prstGeom prst="rect">
+            <a:avLst/>
+          </a:prstGeom>
+          <a:noFill/>
+        </p:spPr>
+        <p:txBody>
+          <a:bodyPr wrap="none" rtlCol="0">
+            <a:spAutoFit/>
+          </a:bodyPr>
+          <a:lstStyle/>
+          <a:p>
+            <a:r>
+              <a:rPr lang="en-US" altLang="zh-TW" sz="1000" b="1" dirty="0">
+                <a:solidFill>
+                  <a:srgbClr val="FF0000"/>
+                </a:solidFill>
+              </a:rPr>
+              <a:t>VM</a:t>
+            </a:r>
+            <a:endParaRPr lang="zh-TW" altLang="en-US" sz="1000" b="1" dirty="0">
+              <a:solidFill>
+                <a:srgbClr val="FF0000"/>
+              </a:solidFill>
+            </a:endParaRPr>
+          </a:p>
+        </p:txBody>
+      </p:sp>
+      <p:sp>
+        <p:nvSpPr>
+          <p:cNvPr id="17" name="文字方塊 16">
+            <a:extLst>
+              <a:ext uri="{FF2B5EF4-FFF2-40B4-BE49-F238E27FC236}">
+                <a16:creationId xmlns:a16="http://schemas.microsoft.com/office/drawing/2014/main" id="{8CC8A529-5BF4-1039-FDD7-23543F247DB9}"/>
+              </a:ext>
+            </a:extLst>
+          </p:cNvPr>
+          <p:cNvSpPr txBox="1"/>
+          <p:nvPr/>
+        </p:nvSpPr>
+        <p:spPr>
+          <a:xfrm>
+            <a:off x="5803173" y="3480486"/>
+            <a:ext cx="487634" cy="246221"/>
+          </a:xfrm>
+          <a:prstGeom prst="rect">
+            <a:avLst/>
+          </a:prstGeom>
+          <a:noFill/>
+        </p:spPr>
+        <p:txBody>
+          <a:bodyPr wrap="none" rtlCol="0">
+            <a:spAutoFit/>
+          </a:bodyPr>
+          <a:lstStyle/>
+          <a:p>
+            <a:r>
+              <a:rPr lang="en-US" altLang="zh-TW" sz="1000" b="1" dirty="0">
+                <a:solidFill>
+                  <a:srgbClr val="FF0000"/>
+                </a:solidFill>
+              </a:rPr>
+              <a:t>PWM</a:t>
+            </a:r>
+            <a:endParaRPr lang="zh-TW" altLang="en-US" sz="1000" b="1" dirty="0">
+              <a:solidFill>
+                <a:srgbClr val="FF0000"/>
+              </a:solidFill>
+            </a:endParaRPr>
+          </a:p>
+        </p:txBody>
+      </p:sp>
+      <p:sp>
+        <p:nvSpPr>
+          <p:cNvPr id="18" name="文字方塊 17">
+            <a:extLst>
+              <a:ext uri="{FF2B5EF4-FFF2-40B4-BE49-F238E27FC236}">
+                <a16:creationId xmlns:a16="http://schemas.microsoft.com/office/drawing/2014/main" id="{A3D6080F-4003-8A01-9BE0-5EF74A5CE781}"/>
+              </a:ext>
+            </a:extLst>
+          </p:cNvPr>
+          <p:cNvSpPr txBox="1"/>
+          <p:nvPr/>
+        </p:nvSpPr>
+        <p:spPr>
+          <a:xfrm>
+            <a:off x="5799399" y="3659254"/>
+            <a:ext cx="356188" cy="246221"/>
+          </a:xfrm>
+          <a:prstGeom prst="rect">
+            <a:avLst/>
+          </a:prstGeom>
+          <a:noFill/>
+        </p:spPr>
+        <p:txBody>
+          <a:bodyPr wrap="none" rtlCol="0">
+            <a:spAutoFit/>
+          </a:bodyPr>
+          <a:lstStyle/>
+          <a:p>
+            <a:r>
+              <a:rPr lang="en-US" altLang="zh-TW" sz="1000" b="1" dirty="0">
+                <a:solidFill>
+                  <a:srgbClr val="FF0000"/>
+                </a:solidFill>
+              </a:rPr>
+              <a:t>SO</a:t>
+            </a:r>
+            <a:endParaRPr lang="zh-TW" altLang="en-US" sz="1000" b="1" dirty="0">
+              <a:solidFill>
+                <a:srgbClr val="FF0000"/>
+              </a:solidFill>
+            </a:endParaRPr>
+          </a:p>
+        </p:txBody>
+      </p:sp>
+      <p:cxnSp>
+        <p:nvCxnSpPr>
+          <p:cNvPr id="19" name="直線單箭頭接點 18">
+            <a:extLst>
+              <a:ext uri="{FF2B5EF4-FFF2-40B4-BE49-F238E27FC236}">
+                <a16:creationId xmlns:a16="http://schemas.microsoft.com/office/drawing/2014/main" id="{20222C86-9648-8530-B5F5-4163F2763BA3}"/>
+              </a:ext>
+            </a:extLst>
+          </p:cNvPr>
+          <p:cNvCxnSpPr>
+            <a:cxnSpLocks/>
+            <a:stCxn id="26" idx="3"/>
+          </p:cNvCxnSpPr>
+          <p:nvPr/>
+        </p:nvCxnSpPr>
+        <p:spPr>
+          <a:xfrm>
+            <a:off x="1130577" y="4701444"/>
+            <a:ext cx="430396" cy="0"/>
+          </a:xfrm>
+          <a:prstGeom prst="straightConnector1">
+            <a:avLst/>
+          </a:prstGeom>
+          <a:ln w="38100">
+            <a:solidFill>
+              <a:srgbClr val="FF0000"/>
+            </a:solidFill>
+            <a:headEnd type="triangle" w="med" len="med"/>
+            <a:tailEnd type="none" w="med" len="med"/>
+          </a:ln>
+        </p:spPr>
+        <p:style>
+          <a:lnRef idx="2">
+            <a:schemeClr val="accent1"/>
+          </a:lnRef>
+          <a:fillRef idx="0">
+            <a:schemeClr val="accent1"/>
+          </a:fillRef>
+          <a:effectRef idx="1">
+            <a:schemeClr val="accent1"/>
+          </a:effectRef>
+          <a:fontRef idx="minor">
+            <a:schemeClr val="tx1"/>
+          </a:fontRef>
+        </p:style>
+      </p:cxnSp>
+      <p:cxnSp>
+        <p:nvCxnSpPr>
+          <p:cNvPr id="22" name="直線單箭頭接點 21">
+            <a:extLst>
+              <a:ext uri="{FF2B5EF4-FFF2-40B4-BE49-F238E27FC236}">
+                <a16:creationId xmlns:a16="http://schemas.microsoft.com/office/drawing/2014/main" id="{CC38B32C-24EB-B8DD-77F8-EEF0C3B55A8D}"/>
+              </a:ext>
+            </a:extLst>
+          </p:cNvPr>
+          <p:cNvCxnSpPr>
+            <a:cxnSpLocks/>
+          </p:cNvCxnSpPr>
+          <p:nvPr/>
+        </p:nvCxnSpPr>
+        <p:spPr>
+          <a:xfrm>
+            <a:off x="1104633" y="4868498"/>
+            <a:ext cx="456340" cy="0"/>
+          </a:xfrm>
+          <a:prstGeom prst="straightConnector1">
+            <a:avLst/>
+          </a:prstGeom>
+          <a:ln w="38100">
+            <a:solidFill>
+              <a:srgbClr val="FF0000"/>
+            </a:solidFill>
+            <a:headEnd type="triangle" w="med" len="med"/>
+            <a:tailEnd type="none" w="med" len="med"/>
+          </a:ln>
+        </p:spPr>
+        <p:style>
+          <a:lnRef idx="2">
+            <a:schemeClr val="accent1"/>
+          </a:lnRef>
+          <a:fillRef idx="0">
+            <a:schemeClr val="accent1"/>
+          </a:fillRef>
+          <a:effectRef idx="1">
+            <a:schemeClr val="accent1"/>
+          </a:effectRef>
+          <a:fontRef idx="minor">
+            <a:schemeClr val="tx1"/>
+          </a:fontRef>
+        </p:style>
+      </p:cxnSp>
+      <p:sp>
+        <p:nvSpPr>
+          <p:cNvPr id="26" name="文字方塊 25">
+            <a:extLst>
+              <a:ext uri="{FF2B5EF4-FFF2-40B4-BE49-F238E27FC236}">
+                <a16:creationId xmlns:a16="http://schemas.microsoft.com/office/drawing/2014/main" id="{1D526AE2-4DBD-44BB-5AB3-D3A47CF00677}"/>
+              </a:ext>
+            </a:extLst>
+          </p:cNvPr>
+          <p:cNvSpPr txBox="1"/>
+          <p:nvPr/>
+        </p:nvSpPr>
+        <p:spPr>
+          <a:xfrm>
+            <a:off x="623707" y="4578333"/>
+            <a:ext cx="506870" cy="246221"/>
+          </a:xfrm>
+          <a:prstGeom prst="rect">
+            <a:avLst/>
+          </a:prstGeom>
+          <a:noFill/>
+        </p:spPr>
+        <p:txBody>
+          <a:bodyPr wrap="none" rtlCol="0">
+            <a:spAutoFit/>
+          </a:bodyPr>
+          <a:lstStyle/>
+          <a:p>
+            <a:r>
+              <a:rPr lang="en-US" altLang="zh-TW" sz="1000" b="1" dirty="0">
+                <a:solidFill>
+                  <a:srgbClr val="FF0000"/>
+                </a:solidFill>
+              </a:rPr>
+              <a:t>BUSY</a:t>
+            </a:r>
+            <a:endParaRPr lang="zh-TW" altLang="en-US" sz="1000" b="1" dirty="0">
+              <a:solidFill>
+                <a:srgbClr val="FF0000"/>
+              </a:solidFill>
+            </a:endParaRPr>
+          </a:p>
+        </p:txBody>
+      </p:sp>
+      <p:sp>
+        <p:nvSpPr>
+          <p:cNvPr id="27" name="文字方塊 26">
+            <a:extLst>
+              <a:ext uri="{FF2B5EF4-FFF2-40B4-BE49-F238E27FC236}">
+                <a16:creationId xmlns:a16="http://schemas.microsoft.com/office/drawing/2014/main" id="{AFBBCFC5-AD82-58D3-F520-3DAC49B5A94B}"/>
+              </a:ext>
+            </a:extLst>
+          </p:cNvPr>
+          <p:cNvSpPr txBox="1"/>
+          <p:nvPr/>
+        </p:nvSpPr>
+        <p:spPr>
+          <a:xfrm>
+            <a:off x="692636" y="4745387"/>
+            <a:ext cx="359394" cy="246221"/>
+          </a:xfrm>
+          <a:prstGeom prst="rect">
+            <a:avLst/>
+          </a:prstGeom>
+          <a:noFill/>
+        </p:spPr>
+        <p:txBody>
+          <a:bodyPr wrap="none" rtlCol="0">
+            <a:spAutoFit/>
+          </a:bodyPr>
+          <a:lstStyle/>
+          <a:p>
+            <a:r>
+              <a:rPr lang="en-US" altLang="zh-TW" sz="1000" b="1" dirty="0">
+                <a:solidFill>
+                  <a:srgbClr val="FF0000"/>
+                </a:solidFill>
+              </a:rPr>
+              <a:t>OK</a:t>
+            </a:r>
+            <a:endParaRPr lang="zh-TW" altLang="en-US" sz="1000" b="1" dirty="0">
+              <a:solidFill>
+                <a:srgbClr val="FF0000"/>
+              </a:solidFill>
+            </a:endParaRPr>
+          </a:p>
+        </p:txBody>
+      </p:sp>
+      <p:cxnSp>
+        <p:nvCxnSpPr>
+          <p:cNvPr id="30" name="直線單箭頭接點 29">
+            <a:extLst>
+              <a:ext uri="{FF2B5EF4-FFF2-40B4-BE49-F238E27FC236}">
+                <a16:creationId xmlns:a16="http://schemas.microsoft.com/office/drawing/2014/main" id="{AABE5D72-D4C4-EAF5-4134-20840389FCC4}"/>
+              </a:ext>
+            </a:extLst>
+          </p:cNvPr>
+          <p:cNvCxnSpPr>
+            <a:cxnSpLocks/>
+          </p:cNvCxnSpPr>
+          <p:nvPr/>
+        </p:nvCxnSpPr>
+        <p:spPr>
+          <a:xfrm>
+            <a:off x="1130577" y="2898044"/>
+            <a:ext cx="430396" cy="0"/>
+          </a:xfrm>
+          <a:prstGeom prst="straightConnector1">
+            <a:avLst/>
+          </a:prstGeom>
+          <a:ln w="38100">
+            <a:solidFill>
+              <a:srgbClr val="FF0000"/>
+            </a:solidFill>
+            <a:tailEnd type="triangle"/>
+          </a:ln>
+        </p:spPr>
+        <p:style>
+          <a:lnRef idx="2">
+            <a:schemeClr val="accent1"/>
+          </a:lnRef>
+          <a:fillRef idx="0">
+            <a:schemeClr val="accent1"/>
+          </a:fillRef>
+          <a:effectRef idx="1">
+            <a:schemeClr val="accent1"/>
+          </a:effectRef>
+          <a:fontRef idx="minor">
+            <a:schemeClr val="tx1"/>
+          </a:fontRef>
+        </p:style>
+      </p:cxnSp>
+      <p:sp>
+        <p:nvSpPr>
+          <p:cNvPr id="33" name="文字方塊 32">
+            <a:extLst>
+              <a:ext uri="{FF2B5EF4-FFF2-40B4-BE49-F238E27FC236}">
+                <a16:creationId xmlns:a16="http://schemas.microsoft.com/office/drawing/2014/main" id="{BB84EDBB-1830-FAF0-AFEC-8A8105DA8A97}"/>
+              </a:ext>
+            </a:extLst>
+          </p:cNvPr>
+          <p:cNvSpPr txBox="1"/>
+          <p:nvPr/>
+        </p:nvSpPr>
+        <p:spPr>
+          <a:xfrm>
+            <a:off x="623707" y="2774933"/>
+            <a:ext cx="551754" cy="246221"/>
+          </a:xfrm>
+          <a:prstGeom prst="rect">
+            <a:avLst/>
+          </a:prstGeom>
+          <a:noFill/>
+        </p:spPr>
+        <p:txBody>
+          <a:bodyPr wrap="none" rtlCol="0">
+            <a:spAutoFit/>
+          </a:bodyPr>
+          <a:lstStyle/>
+          <a:p>
+            <a:r>
+              <a:rPr lang="en-US" altLang="zh-TW" sz="1000" b="1" dirty="0">
+                <a:solidFill>
+                  <a:srgbClr val="FF0000"/>
+                </a:solidFill>
+              </a:rPr>
+              <a:t>START</a:t>
+            </a:r>
+            <a:endParaRPr lang="zh-TW" altLang="en-US" sz="1000" b="1" dirty="0">
+              <a:solidFill>
+                <a:srgbClr val="FF0000"/>
+              </a:solidFill>
+            </a:endParaRPr>
+          </a:p>
+        </p:txBody>
+      </p:sp>
+      <p:sp>
+        <p:nvSpPr>
+          <p:cNvPr id="40" name="文字方塊 39">
+            <a:extLst>
+              <a:ext uri="{FF2B5EF4-FFF2-40B4-BE49-F238E27FC236}">
+                <a16:creationId xmlns:a16="http://schemas.microsoft.com/office/drawing/2014/main" id="{02F7ADD1-771F-9A5B-4444-2D6BAE9B0447}"/>
+              </a:ext>
+            </a:extLst>
+          </p:cNvPr>
+          <p:cNvSpPr txBox="1"/>
+          <p:nvPr/>
+        </p:nvSpPr>
+        <p:spPr>
+          <a:xfrm>
+            <a:off x="6316933" y="3477393"/>
+            <a:ext cx="598241" cy="400110"/>
+          </a:xfrm>
+          <a:prstGeom prst="rect">
+            <a:avLst/>
+          </a:prstGeom>
+          <a:noFill/>
+        </p:spPr>
+        <p:txBody>
+          <a:bodyPr wrap="none" rtlCol="0">
+            <a:spAutoFit/>
+          </a:bodyPr>
+          <a:lstStyle/>
+          <a:p>
+            <a:r>
+              <a:rPr lang="en-US" altLang="zh-TW" sz="1000" b="1" dirty="0">
+                <a:solidFill>
+                  <a:srgbClr val="0070C0"/>
+                </a:solidFill>
+              </a:rPr>
+              <a:t>MXXXX</a:t>
+            </a:r>
+          </a:p>
+          <a:p>
+            <a:r>
+              <a:rPr lang="en-US" altLang="zh-TW" sz="1000" b="1" dirty="0">
+                <a:solidFill>
+                  <a:srgbClr val="0070C0"/>
+                </a:solidFill>
+              </a:rPr>
+              <a:t>Chip</a:t>
+            </a:r>
+            <a:endParaRPr lang="zh-TW" altLang="en-US" sz="1000" b="1" dirty="0">
+              <a:solidFill>
+                <a:srgbClr val="0070C0"/>
+              </a:solidFill>
+            </a:endParaRPr>
+          </a:p>
+        </p:txBody>
+      </p:sp>
+      <p:cxnSp>
+        <p:nvCxnSpPr>
+          <p:cNvPr id="41" name="直線單箭頭接點 40">
+            <a:extLst>
+              <a:ext uri="{FF2B5EF4-FFF2-40B4-BE49-F238E27FC236}">
+                <a16:creationId xmlns:a16="http://schemas.microsoft.com/office/drawing/2014/main" id="{7A2F41BE-F3DA-B869-8B55-8A3077711CC6}"/>
+              </a:ext>
+            </a:extLst>
+          </p:cNvPr>
+          <p:cNvCxnSpPr>
+            <a:cxnSpLocks/>
+          </p:cNvCxnSpPr>
+          <p:nvPr/>
+        </p:nvCxnSpPr>
+        <p:spPr>
+          <a:xfrm>
+            <a:off x="1117605" y="4212494"/>
+            <a:ext cx="430396" cy="0"/>
+          </a:xfrm>
+          <a:prstGeom prst="straightConnector1">
+            <a:avLst/>
+          </a:prstGeom>
+          <a:ln w="38100">
+            <a:solidFill>
+              <a:srgbClr val="FF0000"/>
+            </a:solidFill>
+            <a:headEnd type="arrow" w="med" len="med"/>
+            <a:tailEnd type="none" w="med" len="med"/>
+          </a:ln>
+        </p:spPr>
+        <p:style>
+          <a:lnRef idx="2">
+            <a:schemeClr val="accent1"/>
+          </a:lnRef>
+          <a:fillRef idx="0">
+            <a:schemeClr val="accent1"/>
+          </a:fillRef>
+          <a:effectRef idx="1">
+            <a:schemeClr val="accent1"/>
+          </a:effectRef>
+          <a:fontRef idx="minor">
+            <a:schemeClr val="tx1"/>
+          </a:fontRef>
+        </p:style>
+      </p:cxnSp>
+      <p:cxnSp>
+        <p:nvCxnSpPr>
+          <p:cNvPr id="42" name="直線單箭頭接點 41">
+            <a:extLst>
+              <a:ext uri="{FF2B5EF4-FFF2-40B4-BE49-F238E27FC236}">
+                <a16:creationId xmlns:a16="http://schemas.microsoft.com/office/drawing/2014/main" id="{834875A9-FCFD-E04B-0A48-4701B1C8BA31}"/>
+              </a:ext>
+            </a:extLst>
+          </p:cNvPr>
+          <p:cNvCxnSpPr>
+            <a:cxnSpLocks/>
+          </p:cNvCxnSpPr>
+          <p:nvPr/>
+        </p:nvCxnSpPr>
+        <p:spPr>
+          <a:xfrm>
+            <a:off x="1117605" y="4062062"/>
+            <a:ext cx="430396" cy="0"/>
+          </a:xfrm>
+          <a:prstGeom prst="straightConnector1">
+            <a:avLst/>
+          </a:prstGeom>
+          <a:ln w="38100">
+            <a:solidFill>
+              <a:srgbClr val="FF0000"/>
+            </a:solidFill>
+            <a:headEnd type="triangle" w="med" len="med"/>
+            <a:tailEnd type="none" w="med" len="med"/>
+          </a:ln>
+        </p:spPr>
+        <p:style>
+          <a:lnRef idx="2">
+            <a:schemeClr val="accent1"/>
+          </a:lnRef>
+          <a:fillRef idx="0">
+            <a:schemeClr val="accent1"/>
+          </a:fillRef>
+          <a:effectRef idx="1">
+            <a:schemeClr val="accent1"/>
+          </a:effectRef>
+          <a:fontRef idx="minor">
+            <a:schemeClr val="tx1"/>
+          </a:fontRef>
+        </p:style>
+      </p:cxnSp>
+      <p:sp>
+        <p:nvSpPr>
+          <p:cNvPr id="43" name="文字方塊 42">
+            <a:extLst>
+              <a:ext uri="{FF2B5EF4-FFF2-40B4-BE49-F238E27FC236}">
+                <a16:creationId xmlns:a16="http://schemas.microsoft.com/office/drawing/2014/main" id="{AA21710A-A25D-2A66-B40A-81F2285E5113}"/>
+              </a:ext>
+            </a:extLst>
+          </p:cNvPr>
+          <p:cNvSpPr txBox="1"/>
+          <p:nvPr/>
+        </p:nvSpPr>
+        <p:spPr>
+          <a:xfrm>
+            <a:off x="630251" y="4090048"/>
+            <a:ext cx="439544" cy="246221"/>
+          </a:xfrm>
+          <a:prstGeom prst="rect">
+            <a:avLst/>
+          </a:prstGeom>
+          <a:noFill/>
+        </p:spPr>
+        <p:txBody>
+          <a:bodyPr wrap="none" rtlCol="0">
+            <a:spAutoFit/>
+          </a:bodyPr>
+          <a:lstStyle/>
+          <a:p>
+            <a:r>
+              <a:rPr lang="en-US" altLang="zh-TW" sz="1000" b="1" dirty="0">
+                <a:solidFill>
+                  <a:srgbClr val="FF0000"/>
+                </a:solidFill>
+              </a:rPr>
+              <a:t>3.3V</a:t>
+            </a:r>
+            <a:endParaRPr lang="zh-TW" altLang="en-US" sz="1000" b="1" dirty="0">
+              <a:solidFill>
+                <a:srgbClr val="FF0000"/>
+              </a:solidFill>
+            </a:endParaRPr>
+          </a:p>
+        </p:txBody>
+      </p:sp>
+      <p:sp>
+        <p:nvSpPr>
+          <p:cNvPr id="44" name="文字方塊 43">
+            <a:extLst>
+              <a:ext uri="{FF2B5EF4-FFF2-40B4-BE49-F238E27FC236}">
+                <a16:creationId xmlns:a16="http://schemas.microsoft.com/office/drawing/2014/main" id="{71A30434-9404-1736-E81E-07119332803B}"/>
+              </a:ext>
+            </a:extLst>
+          </p:cNvPr>
+          <p:cNvSpPr txBox="1"/>
+          <p:nvPr/>
+        </p:nvSpPr>
+        <p:spPr>
+          <a:xfrm>
+            <a:off x="634337" y="3932684"/>
+            <a:ext cx="460382" cy="246221"/>
+          </a:xfrm>
+          <a:prstGeom prst="rect">
+            <a:avLst/>
+          </a:prstGeom>
+          <a:noFill/>
+        </p:spPr>
+        <p:txBody>
+          <a:bodyPr wrap="none" rtlCol="0">
+            <a:spAutoFit/>
+          </a:bodyPr>
+          <a:lstStyle/>
+          <a:p>
+            <a:r>
+              <a:rPr lang="en-US" altLang="zh-TW" sz="1000" b="1" dirty="0">
+                <a:solidFill>
+                  <a:srgbClr val="FF0000"/>
+                </a:solidFill>
+              </a:rPr>
+              <a:t>GND</a:t>
+            </a:r>
+            <a:endParaRPr lang="zh-TW" altLang="en-US" sz="1000" b="1" dirty="0">
+              <a:solidFill>
+                <a:srgbClr val="FF0000"/>
+              </a:solidFill>
+            </a:endParaRPr>
+          </a:p>
+        </p:txBody>
+      </p:sp>
+      <p:sp>
+        <p:nvSpPr>
+          <p:cNvPr id="45" name="文字方塊 44">
+            <a:extLst>
+              <a:ext uri="{FF2B5EF4-FFF2-40B4-BE49-F238E27FC236}">
+                <a16:creationId xmlns:a16="http://schemas.microsoft.com/office/drawing/2014/main" id="{404491BD-5322-B188-6D97-8CFD53821EEB}"/>
+              </a:ext>
+            </a:extLst>
+          </p:cNvPr>
+          <p:cNvSpPr txBox="1"/>
+          <p:nvPr/>
+        </p:nvSpPr>
+        <p:spPr>
+          <a:xfrm>
+            <a:off x="692636" y="4944171"/>
+            <a:ext cx="369012" cy="246221"/>
+          </a:xfrm>
+          <a:prstGeom prst="rect">
+            <a:avLst/>
+          </a:prstGeom>
+          <a:noFill/>
+        </p:spPr>
+        <p:txBody>
+          <a:bodyPr wrap="none" rtlCol="0">
+            <a:spAutoFit/>
+          </a:bodyPr>
+          <a:lstStyle/>
+          <a:p>
+            <a:r>
+              <a:rPr lang="en-US" altLang="zh-TW" sz="1000" b="1" dirty="0">
+                <a:solidFill>
+                  <a:srgbClr val="FF0000"/>
+                </a:solidFill>
+              </a:rPr>
+              <a:t>NG</a:t>
+            </a:r>
+            <a:endParaRPr lang="zh-TW" altLang="en-US" sz="1000" b="1" dirty="0">
+              <a:solidFill>
+                <a:srgbClr val="FF0000"/>
+              </a:solidFill>
+            </a:endParaRPr>
+          </a:p>
+        </p:txBody>
+      </p:sp>
+      <p:cxnSp>
+        <p:nvCxnSpPr>
+          <p:cNvPr id="48" name="接點: 肘形 47">
+            <a:extLst>
+              <a:ext uri="{FF2B5EF4-FFF2-40B4-BE49-F238E27FC236}">
+                <a16:creationId xmlns:a16="http://schemas.microsoft.com/office/drawing/2014/main" id="{72801C29-4F34-D052-444A-75364BA9BDC8}"/>
+              </a:ext>
+            </a:extLst>
+          </p:cNvPr>
+          <p:cNvCxnSpPr/>
+          <p:nvPr/>
+        </p:nvCxnSpPr>
+        <p:spPr>
+          <a:xfrm flipV="1">
+            <a:off x="1117605" y="4868497"/>
+            <a:ext cx="673095" cy="198784"/>
+          </a:xfrm>
+          <a:prstGeom prst="bentConnector3">
+            <a:avLst>
+              <a:gd name="adj1" fmla="val 133020"/>
+            </a:avLst>
+          </a:prstGeom>
+          <a:ln w="38100">
+            <a:solidFill>
+              <a:srgbClr val="FF0000"/>
+            </a:solidFill>
+            <a:headEnd type="triangle" w="med" len="med"/>
+            <a:tailEnd type="none" w="med" len="med"/>
+          </a:ln>
+        </p:spPr>
+        <p:style>
+          <a:lnRef idx="2">
+            <a:schemeClr val="accent1"/>
+          </a:lnRef>
+          <a:fillRef idx="0">
+            <a:schemeClr val="accent1"/>
+          </a:fillRef>
+          <a:effectRef idx="1">
+            <a:schemeClr val="accent1"/>
+          </a:effectRef>
+          <a:fontRef idx="minor">
+            <a:schemeClr val="tx1"/>
+          </a:fontRef>
+        </p:style>
+      </p:cxnSp>
+      <p:sp>
+        <p:nvSpPr>
+          <p:cNvPr id="52" name="文字方塊 51">
+            <a:extLst>
+              <a:ext uri="{FF2B5EF4-FFF2-40B4-BE49-F238E27FC236}">
+                <a16:creationId xmlns:a16="http://schemas.microsoft.com/office/drawing/2014/main" id="{887FF3D1-1DED-EAB9-9EA9-93D73C74F376}"/>
+              </a:ext>
+            </a:extLst>
+          </p:cNvPr>
+          <p:cNvSpPr txBox="1"/>
+          <p:nvPr/>
+        </p:nvSpPr>
+        <p:spPr>
+          <a:xfrm>
+            <a:off x="294290" y="2347293"/>
+            <a:ext cx="1210588" cy="400110"/>
+          </a:xfrm>
+          <a:prstGeom prst="rect">
+            <a:avLst/>
+          </a:prstGeom>
+          <a:noFill/>
+        </p:spPr>
+        <p:txBody>
+          <a:bodyPr wrap="none" rtlCol="0">
+            <a:spAutoFit/>
+          </a:bodyPr>
+          <a:lstStyle/>
+          <a:p>
+            <a:r>
+              <a:rPr lang="zh-TW" altLang="en-US" sz="2000" b="1" dirty="0">
+                <a:solidFill>
+                  <a:srgbClr val="FF0000"/>
+                </a:solidFill>
+              </a:rPr>
+              <a:t>燒錄機台</a:t>
+            </a:r>
+          </a:p>
+        </p:txBody>
+      </p:sp>
+      <p:sp>
+        <p:nvSpPr>
+          <p:cNvPr id="53" name="矩形 52">
+            <a:extLst>
+              <a:ext uri="{FF2B5EF4-FFF2-40B4-BE49-F238E27FC236}">
+                <a16:creationId xmlns:a16="http://schemas.microsoft.com/office/drawing/2014/main" id="{7A5C1080-2400-01B9-0854-A7AE6DB658FF}"/>
+              </a:ext>
+            </a:extLst>
+          </p:cNvPr>
+          <p:cNvSpPr/>
+          <p:nvPr/>
+        </p:nvSpPr>
+        <p:spPr>
+          <a:xfrm>
+            <a:off x="336144" y="2254250"/>
+            <a:ext cx="1054506" cy="2970011"/>
+          </a:xfrm>
+          <a:prstGeom prst="rect">
+            <a:avLst/>
+          </a:prstGeom>
+          <a:noFill/>
+          <a:ln>
+            <a:solidFill>
+              <a:srgbClr val="C00000"/>
+            </a:solidFill>
+          </a:ln>
+        </p:spPr>
+        <p:style>
+          <a:lnRef idx="2">
+            <a:schemeClr val="accent1">
+              <a:shade val="15000"/>
+            </a:schemeClr>
+          </a:lnRef>
+          <a:fillRef idx="1">
+            <a:schemeClr val="accent1"/>
+          </a:fillRef>
+          <a:effectRef idx="0">
+            <a:schemeClr val="accent1"/>
+          </a:effectRef>
+          <a:fontRef idx="minor">
+            <a:schemeClr val="lt1"/>
+          </a:fontRef>
+        </p:style>
+        <p:txBody>
+          <a:bodyPr rtlCol="0" anchor="ctr"/>
+          <a:lstStyle/>
+          <a:p>
+            <a:pPr algn="ctr"/>
+            <a:endParaRPr lang="zh-TW" altLang="en-US"/>
+          </a:p>
+        </p:txBody>
+      </p:sp>
+    </p:spTree>
+    <p:extLst>
+      <p:ext uri="{BB962C8B-B14F-4D97-AF65-F5344CB8AC3E}">
+        <p14:creationId xmlns:p14="http://schemas.microsoft.com/office/powerpoint/2010/main" val="1494400651"/>
       </p:ext>
     </p:extLst>
   </p:cSld>

--- a/assets/user_guide.pptx
+++ b/assets/user_guide.pptx
@@ -263,7 +263,7 @@
           <a:p>
             <a:fld id="{364A8CB1-ED7E-4E48-82AD-90C05FBA8E94}" type="datetimeFigureOut">
               <a:rPr lang="zh-TW" altLang="en-US" smtClean="0"/>
-              <a:t>2025/3/14</a:t>
+              <a:t>2025/3/19</a:t>
             </a:fld>
             <a:endParaRPr lang="zh-TW" altLang="en-US"/>
           </a:p>
@@ -461,7 +461,7 @@
           <a:p>
             <a:fld id="{364A8CB1-ED7E-4E48-82AD-90C05FBA8E94}" type="datetimeFigureOut">
               <a:rPr lang="zh-TW" altLang="en-US" smtClean="0"/>
-              <a:t>2025/3/14</a:t>
+              <a:t>2025/3/19</a:t>
             </a:fld>
             <a:endParaRPr lang="zh-TW" altLang="en-US"/>
           </a:p>
@@ -669,7 +669,7 @@
           <a:p>
             <a:fld id="{364A8CB1-ED7E-4E48-82AD-90C05FBA8E94}" type="datetimeFigureOut">
               <a:rPr lang="zh-TW" altLang="en-US" smtClean="0"/>
-              <a:t>2025/3/14</a:t>
+              <a:t>2025/3/19</a:t>
             </a:fld>
             <a:endParaRPr lang="zh-TW" altLang="en-US"/>
           </a:p>
@@ -867,7 +867,7 @@
           <a:p>
             <a:fld id="{364A8CB1-ED7E-4E48-82AD-90C05FBA8E94}" type="datetimeFigureOut">
               <a:rPr lang="zh-TW" altLang="en-US" smtClean="0"/>
-              <a:t>2025/3/14</a:t>
+              <a:t>2025/3/19</a:t>
             </a:fld>
             <a:endParaRPr lang="zh-TW" altLang="en-US"/>
           </a:p>
@@ -1142,7 +1142,7 @@
           <a:p>
             <a:fld id="{364A8CB1-ED7E-4E48-82AD-90C05FBA8E94}" type="datetimeFigureOut">
               <a:rPr lang="zh-TW" altLang="en-US" smtClean="0"/>
-              <a:t>2025/3/14</a:t>
+              <a:t>2025/3/19</a:t>
             </a:fld>
             <a:endParaRPr lang="zh-TW" altLang="en-US"/>
           </a:p>
@@ -1407,7 +1407,7 @@
           <a:p>
             <a:fld id="{364A8CB1-ED7E-4E48-82AD-90C05FBA8E94}" type="datetimeFigureOut">
               <a:rPr lang="zh-TW" altLang="en-US" smtClean="0"/>
-              <a:t>2025/3/14</a:t>
+              <a:t>2025/3/19</a:t>
             </a:fld>
             <a:endParaRPr lang="zh-TW" altLang="en-US"/>
           </a:p>
@@ -1819,7 +1819,7 @@
           <a:p>
             <a:fld id="{364A8CB1-ED7E-4E48-82AD-90C05FBA8E94}" type="datetimeFigureOut">
               <a:rPr lang="zh-TW" altLang="en-US" smtClean="0"/>
-              <a:t>2025/3/14</a:t>
+              <a:t>2025/3/19</a:t>
             </a:fld>
             <a:endParaRPr lang="zh-TW" altLang="en-US"/>
           </a:p>
@@ -1960,7 +1960,7 @@
           <a:p>
             <a:fld id="{364A8CB1-ED7E-4E48-82AD-90C05FBA8E94}" type="datetimeFigureOut">
               <a:rPr lang="zh-TW" altLang="en-US" smtClean="0"/>
-              <a:t>2025/3/14</a:t>
+              <a:t>2025/3/19</a:t>
             </a:fld>
             <a:endParaRPr lang="zh-TW" altLang="en-US"/>
           </a:p>
@@ -2073,7 +2073,7 @@
           <a:p>
             <a:fld id="{364A8CB1-ED7E-4E48-82AD-90C05FBA8E94}" type="datetimeFigureOut">
               <a:rPr lang="zh-TW" altLang="en-US" smtClean="0"/>
-              <a:t>2025/3/14</a:t>
+              <a:t>2025/3/19</a:t>
             </a:fld>
             <a:endParaRPr lang="zh-TW" altLang="en-US"/>
           </a:p>
@@ -2384,7 +2384,7 @@
           <a:p>
             <a:fld id="{364A8CB1-ED7E-4E48-82AD-90C05FBA8E94}" type="datetimeFigureOut">
               <a:rPr lang="zh-TW" altLang="en-US" smtClean="0"/>
-              <a:t>2025/3/14</a:t>
+              <a:t>2025/3/19</a:t>
             </a:fld>
             <a:endParaRPr lang="zh-TW" altLang="en-US"/>
           </a:p>
@@ -2672,7 +2672,7 @@
           <a:p>
             <a:fld id="{364A8CB1-ED7E-4E48-82AD-90C05FBA8E94}" type="datetimeFigureOut">
               <a:rPr lang="zh-TW" altLang="en-US" smtClean="0"/>
-              <a:t>2025/3/14</a:t>
+              <a:t>2025/3/19</a:t>
             </a:fld>
             <a:endParaRPr lang="zh-TW" altLang="en-US"/>
           </a:p>
@@ -2913,7 +2913,7 @@
           <a:p>
             <a:fld id="{364A8CB1-ED7E-4E48-82AD-90C05FBA8E94}" type="datetimeFigureOut">
               <a:rPr lang="zh-TW" altLang="en-US" smtClean="0"/>
-              <a:t>2025/3/14</a:t>
+              <a:t>2025/3/19</a:t>
             </a:fld>
             <a:endParaRPr lang="zh-TW" altLang="en-US"/>
           </a:p>
@@ -6526,881 +6526,996 @@
           <a:chExt cx="0" cy="0"/>
         </a:xfrm>
       </p:grpSpPr>
-      <p:pic>
-        <p:nvPicPr>
-          <p:cNvPr id="10" name="圖片 9">
-            <a:extLst>
-              <a:ext uri="{FF2B5EF4-FFF2-40B4-BE49-F238E27FC236}">
-                <a16:creationId xmlns:a16="http://schemas.microsoft.com/office/drawing/2014/main" id="{AB1CCB29-5766-20DC-7DA3-FCF29E5F6047}"/>
-              </a:ext>
-            </a:extLst>
-          </p:cNvPr>
-          <p:cNvPicPr>
-            <a:picLocks noChangeAspect="1"/>
-          </p:cNvPicPr>
+      <p:grpSp>
+        <p:nvGrpSpPr>
+          <p:cNvPr id="20" name="群組 19">
+            <a:extLst>
+              <a:ext uri="{FF2B5EF4-FFF2-40B4-BE49-F238E27FC236}">
+                <a16:creationId xmlns:a16="http://schemas.microsoft.com/office/drawing/2014/main" id="{76C104A7-E787-963C-26DD-4A7A491F67E3}"/>
+              </a:ext>
+            </a:extLst>
+          </p:cNvPr>
+          <p:cNvGrpSpPr/>
           <p:nvPr/>
-        </p:nvPicPr>
-        <p:blipFill>
-          <a:blip r:embed="rId2"/>
-          <a:stretch>
-            <a:fillRect/>
-          </a:stretch>
-        </p:blipFill>
-        <p:spPr>
+        </p:nvGrpSpPr>
+        <p:grpSpPr>
           <a:xfrm>
-            <a:off x="2155074" y="2247997"/>
-            <a:ext cx="7923718" cy="3505259"/>
-          </a:xfrm>
-          <a:prstGeom prst="rect">
-            <a:avLst/>
-          </a:prstGeom>
-        </p:spPr>
-      </p:pic>
-      <p:pic>
-        <p:nvPicPr>
-          <p:cNvPr id="33" name="圖片 32">
-            <a:extLst>
-              <a:ext uri="{FF2B5EF4-FFF2-40B4-BE49-F238E27FC236}">
-                <a16:creationId xmlns:a16="http://schemas.microsoft.com/office/drawing/2014/main" id="{A05CD010-C839-0AAA-4F6A-4FDF0166718B}"/>
-              </a:ext>
-            </a:extLst>
-          </p:cNvPr>
-          <p:cNvPicPr>
-            <a:picLocks noChangeAspect="1"/>
-          </p:cNvPicPr>
-          <p:nvPr/>
-        </p:nvPicPr>
-        <p:blipFill>
-          <a:blip r:embed="rId3"/>
-          <a:stretch>
-            <a:fillRect/>
-          </a:stretch>
-        </p:blipFill>
-        <p:spPr>
-          <a:xfrm>
-            <a:off x="2155074" y="1140190"/>
-            <a:ext cx="3353268" cy="1019317"/>
-          </a:xfrm>
-          <a:prstGeom prst="rect">
-            <a:avLst/>
-          </a:prstGeom>
-        </p:spPr>
-      </p:pic>
-      <p:sp>
-        <p:nvSpPr>
-          <p:cNvPr id="35" name="矩形 34">
-            <a:extLst>
-              <a:ext uri="{FF2B5EF4-FFF2-40B4-BE49-F238E27FC236}">
-                <a16:creationId xmlns:a16="http://schemas.microsoft.com/office/drawing/2014/main" id="{06BD4E8B-3DFC-7BFF-AA28-EC9622247C1C}"/>
-              </a:ext>
-            </a:extLst>
-          </p:cNvPr>
-          <p:cNvSpPr/>
-          <p:nvPr/>
-        </p:nvSpPr>
-        <p:spPr>
-          <a:xfrm>
-            <a:off x="2196505" y="1617227"/>
-            <a:ext cx="3311837" cy="524924"/>
-          </a:xfrm>
-          <a:prstGeom prst="rect">
-            <a:avLst/>
-          </a:prstGeom>
-          <a:noFill/>
-          <a:ln w="38100">
-            <a:solidFill>
-              <a:srgbClr val="FF0000"/>
-            </a:solidFill>
-          </a:ln>
-        </p:spPr>
-        <p:style>
-          <a:lnRef idx="2">
-            <a:schemeClr val="accent1">
-              <a:shade val="15000"/>
-            </a:schemeClr>
-          </a:lnRef>
-          <a:fillRef idx="1">
-            <a:schemeClr val="accent1"/>
-          </a:fillRef>
-          <a:effectRef idx="0">
-            <a:schemeClr val="accent1"/>
-          </a:effectRef>
-          <a:fontRef idx="minor">
-            <a:schemeClr val="lt1"/>
-          </a:fontRef>
-        </p:style>
-        <p:txBody>
-          <a:bodyPr rtlCol="0" anchor="ctr"/>
-          <a:lstStyle/>
-          <a:p>
-            <a:pPr algn="ctr"/>
-            <a:endParaRPr lang="zh-TW" altLang="en-US"/>
-          </a:p>
-        </p:txBody>
-      </p:sp>
-      <p:sp>
-        <p:nvSpPr>
-          <p:cNvPr id="4" name="文字方塊 3">
-            <a:extLst>
-              <a:ext uri="{FF2B5EF4-FFF2-40B4-BE49-F238E27FC236}">
-                <a16:creationId xmlns:a16="http://schemas.microsoft.com/office/drawing/2014/main" id="{9C7BBCEE-6BA4-BBE4-4DD0-23C3990E0AC5}"/>
-              </a:ext>
-            </a:extLst>
-          </p:cNvPr>
-          <p:cNvSpPr txBox="1"/>
-          <p:nvPr/>
-        </p:nvSpPr>
-        <p:spPr>
-          <a:xfrm>
-            <a:off x="2102264" y="3492029"/>
-            <a:ext cx="614527" cy="276999"/>
-          </a:xfrm>
-          <a:prstGeom prst="rect">
-            <a:avLst/>
-          </a:prstGeom>
-          <a:noFill/>
-        </p:spPr>
-        <p:txBody>
-          <a:bodyPr wrap="none" rtlCol="0">
-            <a:spAutoFit/>
-          </a:bodyPr>
-          <a:lstStyle/>
-          <a:p>
-            <a:r>
-              <a:rPr lang="en-US" altLang="zh-TW" sz="1200" b="1" dirty="0">
+            <a:off x="971951" y="962453"/>
+            <a:ext cx="10244689" cy="4805062"/>
+            <a:chOff x="971951" y="962453"/>
+            <a:chExt cx="10244689" cy="4805062"/>
+          </a:xfrm>
+        </p:grpSpPr>
+        <p:pic>
+          <p:nvPicPr>
+            <p:cNvPr id="13" name="圖片 12">
+              <a:extLst>
+                <a:ext uri="{FF2B5EF4-FFF2-40B4-BE49-F238E27FC236}">
+                  <a16:creationId xmlns:a16="http://schemas.microsoft.com/office/drawing/2014/main" id="{05A5F38D-A7AC-AAD1-E0CC-C476AAB53668}"/>
+                </a:ext>
+              </a:extLst>
+            </p:cNvPr>
+            <p:cNvPicPr>
+              <a:picLocks noChangeAspect="1"/>
+            </p:cNvPicPr>
+            <p:nvPr/>
+          </p:nvPicPr>
+          <p:blipFill>
+            <a:blip r:embed="rId2"/>
+            <a:stretch>
+              <a:fillRect/>
+            </a:stretch>
+          </p:blipFill>
+          <p:spPr>
+            <a:xfrm>
+              <a:off x="975360" y="2069970"/>
+              <a:ext cx="10241280" cy="3671994"/>
+            </a:xfrm>
+            <a:prstGeom prst="rect">
+              <a:avLst/>
+            </a:prstGeom>
+          </p:spPr>
+        </p:pic>
+        <p:grpSp>
+          <p:nvGrpSpPr>
+            <p:cNvPr id="19" name="群組 18">
+              <a:extLst>
+                <a:ext uri="{FF2B5EF4-FFF2-40B4-BE49-F238E27FC236}">
+                  <a16:creationId xmlns:a16="http://schemas.microsoft.com/office/drawing/2014/main" id="{C5D52621-3BCF-1744-8FF3-F6B12B19EFEE}"/>
+                </a:ext>
+              </a:extLst>
+            </p:cNvPr>
+            <p:cNvGrpSpPr/>
+            <p:nvPr/>
+          </p:nvGrpSpPr>
+          <p:grpSpPr>
+            <a:xfrm>
+              <a:off x="971951" y="962453"/>
+              <a:ext cx="3353268" cy="1019317"/>
+              <a:chOff x="1249564" y="942070"/>
+              <a:chExt cx="3353268" cy="1019317"/>
+            </a:xfrm>
+          </p:grpSpPr>
+          <p:pic>
+            <p:nvPicPr>
+              <p:cNvPr id="33" name="圖片 32">
+                <a:extLst>
+                  <a:ext uri="{FF2B5EF4-FFF2-40B4-BE49-F238E27FC236}">
+                    <a16:creationId xmlns:a16="http://schemas.microsoft.com/office/drawing/2014/main" id="{A05CD010-C839-0AAA-4F6A-4FDF0166718B}"/>
+                  </a:ext>
+                </a:extLst>
+              </p:cNvPr>
+              <p:cNvPicPr>
+                <a:picLocks noChangeAspect="1"/>
+              </p:cNvPicPr>
+              <p:nvPr/>
+            </p:nvPicPr>
+            <p:blipFill>
+              <a:blip r:embed="rId3"/>
+              <a:stretch>
+                <a:fillRect/>
+              </a:stretch>
+            </p:blipFill>
+            <p:spPr>
+              <a:xfrm>
+                <a:off x="1249564" y="942070"/>
+                <a:ext cx="3353268" cy="1019317"/>
+              </a:xfrm>
+              <a:prstGeom prst="rect">
+                <a:avLst/>
+              </a:prstGeom>
+            </p:spPr>
+          </p:pic>
+          <p:sp>
+            <p:nvSpPr>
+              <p:cNvPr id="35" name="矩形 34">
+                <a:extLst>
+                  <a:ext uri="{FF2B5EF4-FFF2-40B4-BE49-F238E27FC236}">
+                    <a16:creationId xmlns:a16="http://schemas.microsoft.com/office/drawing/2014/main" id="{06BD4E8B-3DFC-7BFF-AA28-EC9622247C1C}"/>
+                  </a:ext>
+                </a:extLst>
+              </p:cNvPr>
+              <p:cNvSpPr/>
+              <p:nvPr/>
+            </p:nvSpPr>
+            <p:spPr>
+              <a:xfrm>
+                <a:off x="1290995" y="1419107"/>
+                <a:ext cx="3311837" cy="524924"/>
+              </a:xfrm>
+              <a:prstGeom prst="rect">
+                <a:avLst/>
+              </a:prstGeom>
+              <a:noFill/>
+              <a:ln w="38100">
                 <a:solidFill>
                   <a:srgbClr val="FF0000"/>
                 </a:solidFill>
-              </a:rPr>
-              <a:t>START</a:t>
-            </a:r>
-            <a:endParaRPr lang="zh-TW" altLang="en-US" sz="1200" b="1" dirty="0">
+              </a:ln>
+            </p:spPr>
+            <p:style>
+              <a:lnRef idx="2">
+                <a:schemeClr val="accent1">
+                  <a:shade val="15000"/>
+                </a:schemeClr>
+              </a:lnRef>
+              <a:fillRef idx="1">
+                <a:schemeClr val="accent1"/>
+              </a:fillRef>
+              <a:effectRef idx="0">
+                <a:schemeClr val="accent1"/>
+              </a:effectRef>
+              <a:fontRef idx="minor">
+                <a:schemeClr val="lt1"/>
+              </a:fontRef>
+            </p:style>
+            <p:txBody>
+              <a:bodyPr rtlCol="0" anchor="ctr"/>
+              <a:lstStyle/>
+              <a:p>
+                <a:pPr algn="ctr"/>
+                <a:endParaRPr lang="zh-TW" altLang="en-US"/>
+              </a:p>
+            </p:txBody>
+          </p:sp>
+        </p:grpSp>
+        <p:sp>
+          <p:nvSpPr>
+            <p:cNvPr id="4" name="文字方塊 3">
+              <a:extLst>
+                <a:ext uri="{FF2B5EF4-FFF2-40B4-BE49-F238E27FC236}">
+                  <a16:creationId xmlns:a16="http://schemas.microsoft.com/office/drawing/2014/main" id="{9C7BBCEE-6BA4-BBE4-4DD0-23C3990E0AC5}"/>
+                </a:ext>
+              </a:extLst>
+            </p:cNvPr>
+            <p:cNvSpPr txBox="1"/>
+            <p:nvPr/>
+          </p:nvSpPr>
+          <p:spPr>
+            <a:xfrm>
+              <a:off x="1129642" y="3890527"/>
+              <a:ext cx="614527" cy="276999"/>
+            </a:xfrm>
+            <a:prstGeom prst="rect">
+              <a:avLst/>
+            </a:prstGeom>
+            <a:solidFill>
+              <a:schemeClr val="bg1"/>
+            </a:solidFill>
+          </p:spPr>
+          <p:txBody>
+            <a:bodyPr wrap="none" rtlCol="0">
+              <a:spAutoFit/>
+            </a:bodyPr>
+            <a:lstStyle/>
+            <a:p>
+              <a:pPr algn="r"/>
+              <a:r>
+                <a:rPr lang="en-US" altLang="zh-TW" sz="1200" b="1" dirty="0">
+                  <a:solidFill>
+                    <a:srgbClr val="FF0000"/>
+                  </a:solidFill>
+                </a:rPr>
+                <a:t>START</a:t>
+              </a:r>
+              <a:endParaRPr lang="zh-TW" altLang="en-US" sz="1200" b="1" dirty="0">
+                <a:solidFill>
+                  <a:srgbClr val="FF0000"/>
+                </a:solidFill>
+              </a:endParaRPr>
+            </a:p>
+          </p:txBody>
+        </p:sp>
+        <p:sp>
+          <p:nvSpPr>
+            <p:cNvPr id="5" name="文字方塊 4">
+              <a:extLst>
+                <a:ext uri="{FF2B5EF4-FFF2-40B4-BE49-F238E27FC236}">
+                  <a16:creationId xmlns:a16="http://schemas.microsoft.com/office/drawing/2014/main" id="{9C852DE0-C151-F947-7605-5FA475CC936F}"/>
+                </a:ext>
+              </a:extLst>
+            </p:cNvPr>
+            <p:cNvSpPr txBox="1"/>
+            <p:nvPr/>
+          </p:nvSpPr>
+          <p:spPr>
+            <a:xfrm>
+              <a:off x="1116240" y="4399524"/>
+              <a:ext cx="627929" cy="276999"/>
+            </a:xfrm>
+            <a:prstGeom prst="rect">
+              <a:avLst/>
+            </a:prstGeom>
+            <a:solidFill>
+              <a:schemeClr val="bg1"/>
+            </a:solidFill>
+          </p:spPr>
+          <p:txBody>
+            <a:bodyPr wrap="none" rtlCol="0">
+              <a:spAutoFit/>
+            </a:bodyPr>
+            <a:lstStyle/>
+            <a:p>
+              <a:pPr algn="r"/>
+              <a:r>
+                <a:rPr lang="zh-TW" altLang="en-US" sz="1200" b="1" dirty="0">
+                  <a:solidFill>
+                    <a:srgbClr val="FF0000"/>
+                  </a:solidFill>
+                </a:rPr>
+                <a:t>  </a:t>
+              </a:r>
+              <a:r>
+                <a:rPr lang="en-US" altLang="zh-TW" sz="1200" b="1" dirty="0">
+                  <a:solidFill>
+                    <a:srgbClr val="FF0000"/>
+                  </a:solidFill>
+                </a:rPr>
+                <a:t>BUSY</a:t>
+              </a:r>
+              <a:endParaRPr lang="zh-TW" altLang="en-US" sz="1200" b="1" dirty="0">
+                <a:solidFill>
+                  <a:srgbClr val="FF0000"/>
+                </a:solidFill>
+              </a:endParaRPr>
+            </a:p>
+          </p:txBody>
+        </p:sp>
+        <p:sp>
+          <p:nvSpPr>
+            <p:cNvPr id="6" name="文字方塊 5">
+              <a:extLst>
+                <a:ext uri="{FF2B5EF4-FFF2-40B4-BE49-F238E27FC236}">
+                  <a16:creationId xmlns:a16="http://schemas.microsoft.com/office/drawing/2014/main" id="{6200E4EF-271E-7D54-7DD3-4BF066F181D3}"/>
+                </a:ext>
+              </a:extLst>
+            </p:cNvPr>
+            <p:cNvSpPr txBox="1"/>
+            <p:nvPr/>
+          </p:nvSpPr>
+          <p:spPr>
+            <a:xfrm>
+              <a:off x="1125089" y="4904153"/>
+              <a:ext cx="619080" cy="276999"/>
+            </a:xfrm>
+            <a:prstGeom prst="rect">
+              <a:avLst/>
+            </a:prstGeom>
+            <a:solidFill>
+              <a:schemeClr val="bg1"/>
+            </a:solidFill>
+          </p:spPr>
+          <p:txBody>
+            <a:bodyPr wrap="none" rtlCol="0">
+              <a:spAutoFit/>
+            </a:bodyPr>
+            <a:lstStyle/>
+            <a:p>
+              <a:pPr algn="r"/>
+              <a:r>
+                <a:rPr lang="zh-TW" altLang="en-US" sz="1200" b="1" dirty="0">
+                  <a:solidFill>
+                    <a:srgbClr val="FF0000"/>
+                  </a:solidFill>
+                </a:rPr>
+                <a:t>       </a:t>
+              </a:r>
+              <a:r>
+                <a:rPr lang="en-US" altLang="zh-TW" sz="1200" b="1" dirty="0">
+                  <a:solidFill>
+                    <a:srgbClr val="FF0000"/>
+                  </a:solidFill>
+                </a:rPr>
+                <a:t>OK</a:t>
+              </a:r>
+              <a:endParaRPr lang="zh-TW" altLang="en-US" sz="1200" b="1" dirty="0">
+                <a:solidFill>
+                  <a:srgbClr val="FF0000"/>
+                </a:solidFill>
+              </a:endParaRPr>
+            </a:p>
+          </p:txBody>
+        </p:sp>
+        <p:sp>
+          <p:nvSpPr>
+            <p:cNvPr id="7" name="文字方塊 6">
+              <a:extLst>
+                <a:ext uri="{FF2B5EF4-FFF2-40B4-BE49-F238E27FC236}">
+                  <a16:creationId xmlns:a16="http://schemas.microsoft.com/office/drawing/2014/main" id="{1682AD4C-2B56-F73B-061E-2EEBC2725FE6}"/>
+                </a:ext>
+              </a:extLst>
+            </p:cNvPr>
+            <p:cNvSpPr txBox="1"/>
+            <p:nvPr/>
+          </p:nvSpPr>
+          <p:spPr>
+            <a:xfrm>
+              <a:off x="1113867" y="5408782"/>
+              <a:ext cx="630302" cy="276999"/>
+            </a:xfrm>
+            <a:prstGeom prst="rect">
+              <a:avLst/>
+            </a:prstGeom>
+            <a:solidFill>
+              <a:schemeClr val="bg1"/>
+            </a:solidFill>
+          </p:spPr>
+          <p:txBody>
+            <a:bodyPr wrap="none" rtlCol="0">
+              <a:spAutoFit/>
+            </a:bodyPr>
+            <a:lstStyle/>
+            <a:p>
+              <a:pPr algn="r"/>
+              <a:r>
+                <a:rPr lang="zh-TW" altLang="en-US" sz="1200" b="1" dirty="0">
+                  <a:solidFill>
+                    <a:srgbClr val="FF0000"/>
+                  </a:solidFill>
+                </a:rPr>
+                <a:t>       </a:t>
+              </a:r>
+              <a:r>
+                <a:rPr lang="en-US" altLang="zh-TW" sz="1200" b="1" dirty="0">
+                  <a:solidFill>
+                    <a:srgbClr val="FF0000"/>
+                  </a:solidFill>
+                </a:rPr>
+                <a:t>NG</a:t>
+              </a:r>
+              <a:endParaRPr lang="zh-TW" altLang="en-US" sz="1200" b="1" dirty="0">
+                <a:solidFill>
+                  <a:srgbClr val="FF0000"/>
+                </a:solidFill>
+              </a:endParaRPr>
+            </a:p>
+          </p:txBody>
+        </p:sp>
+        <p:sp>
+          <p:nvSpPr>
+            <p:cNvPr id="8" name="文字方塊 7">
+              <a:extLst>
+                <a:ext uri="{FF2B5EF4-FFF2-40B4-BE49-F238E27FC236}">
+                  <a16:creationId xmlns:a16="http://schemas.microsoft.com/office/drawing/2014/main" id="{D0283E1C-172B-5377-4458-CA29D7D5341C}"/>
+                </a:ext>
+              </a:extLst>
+            </p:cNvPr>
+            <p:cNvSpPr txBox="1"/>
+            <p:nvPr/>
+          </p:nvSpPr>
+          <p:spPr>
+            <a:xfrm>
+              <a:off x="1145927" y="2392339"/>
+              <a:ext cx="598242" cy="276999"/>
+            </a:xfrm>
+            <a:prstGeom prst="rect">
+              <a:avLst/>
+            </a:prstGeom>
+            <a:solidFill>
+              <a:schemeClr val="bg1"/>
+            </a:solidFill>
+          </p:spPr>
+          <p:txBody>
+            <a:bodyPr wrap="none" rtlCol="0">
+              <a:spAutoFit/>
+            </a:bodyPr>
+            <a:lstStyle/>
+            <a:p>
+              <a:pPr algn="r"/>
+              <a:r>
+                <a:rPr lang="zh-TW" altLang="en-US" sz="1200" b="1" dirty="0">
+                  <a:solidFill>
+                    <a:srgbClr val="FF0000"/>
+                  </a:solidFill>
+                </a:rPr>
+                <a:t>      </a:t>
+              </a:r>
+              <a:r>
+                <a:rPr lang="en-US" altLang="zh-TW" sz="1200" b="1" dirty="0">
+                  <a:solidFill>
+                    <a:srgbClr val="FF0000"/>
+                  </a:solidFill>
+                </a:rPr>
+                <a:t>VM</a:t>
+              </a:r>
+              <a:endParaRPr lang="zh-TW" altLang="en-US" sz="1200" b="1" dirty="0">
+                <a:solidFill>
+                  <a:srgbClr val="FF0000"/>
+                </a:solidFill>
+              </a:endParaRPr>
+            </a:p>
+          </p:txBody>
+        </p:sp>
+        <p:sp>
+          <p:nvSpPr>
+            <p:cNvPr id="11" name="文字方塊 10">
+              <a:extLst>
+                <a:ext uri="{FF2B5EF4-FFF2-40B4-BE49-F238E27FC236}">
+                  <a16:creationId xmlns:a16="http://schemas.microsoft.com/office/drawing/2014/main" id="{5FA5F95E-1E38-444F-20D4-BDC834F8EA6A}"/>
+                </a:ext>
+              </a:extLst>
+            </p:cNvPr>
+            <p:cNvSpPr txBox="1"/>
+            <p:nvPr/>
+          </p:nvSpPr>
+          <p:spPr>
+            <a:xfrm>
+              <a:off x="1132014" y="2884637"/>
+              <a:ext cx="612155" cy="276999"/>
+            </a:xfrm>
+            <a:prstGeom prst="rect">
+              <a:avLst/>
+            </a:prstGeom>
+            <a:solidFill>
+              <a:schemeClr val="bg1"/>
+            </a:solidFill>
+          </p:spPr>
+          <p:txBody>
+            <a:bodyPr wrap="none" rtlCol="0">
+              <a:spAutoFit/>
+            </a:bodyPr>
+            <a:lstStyle/>
+            <a:p>
+              <a:pPr algn="r"/>
+              <a:r>
+                <a:rPr lang="zh-TW" altLang="en-US" sz="1200" b="1" dirty="0">
+                  <a:solidFill>
+                    <a:srgbClr val="FF0000"/>
+                  </a:solidFill>
+                </a:rPr>
+                <a:t>  </a:t>
+              </a:r>
+              <a:r>
+                <a:rPr lang="en-US" altLang="zh-TW" sz="1200" b="1" dirty="0">
+                  <a:solidFill>
+                    <a:srgbClr val="FF0000"/>
+                  </a:solidFill>
+                </a:rPr>
+                <a:t>PWM</a:t>
+              </a:r>
+              <a:endParaRPr lang="zh-TW" altLang="en-US" sz="1200" b="1" dirty="0">
+                <a:solidFill>
+                  <a:srgbClr val="FF0000"/>
+                </a:solidFill>
+              </a:endParaRPr>
+            </a:p>
+          </p:txBody>
+        </p:sp>
+        <p:sp>
+          <p:nvSpPr>
+            <p:cNvPr id="12" name="文字方塊 11">
+              <a:extLst>
+                <a:ext uri="{FF2B5EF4-FFF2-40B4-BE49-F238E27FC236}">
+                  <a16:creationId xmlns:a16="http://schemas.microsoft.com/office/drawing/2014/main" id="{7FF22F98-2251-C383-5250-E6406AD54647}"/>
+                </a:ext>
+              </a:extLst>
+            </p:cNvPr>
+            <p:cNvSpPr txBox="1"/>
+            <p:nvPr/>
+          </p:nvSpPr>
+          <p:spPr>
+            <a:xfrm>
+              <a:off x="1129897" y="3400155"/>
+              <a:ext cx="614272" cy="276999"/>
+            </a:xfrm>
+            <a:prstGeom prst="rect">
+              <a:avLst/>
+            </a:prstGeom>
+            <a:solidFill>
+              <a:schemeClr val="bg1"/>
+            </a:solidFill>
+          </p:spPr>
+          <p:txBody>
+            <a:bodyPr wrap="none" rtlCol="0">
+              <a:spAutoFit/>
+            </a:bodyPr>
+            <a:lstStyle/>
+            <a:p>
+              <a:pPr algn="r"/>
+              <a:r>
+                <a:rPr lang="zh-TW" altLang="en-US" sz="1200" b="1" dirty="0">
+                  <a:solidFill>
+                    <a:srgbClr val="FF0000"/>
+                  </a:solidFill>
+                </a:rPr>
+                <a:t>       </a:t>
+              </a:r>
+              <a:r>
+                <a:rPr lang="en-US" altLang="zh-TW" sz="1200" b="1" dirty="0">
+                  <a:solidFill>
+                    <a:srgbClr val="FF0000"/>
+                  </a:solidFill>
+                </a:rPr>
+                <a:t>SO</a:t>
+              </a:r>
+              <a:endParaRPr lang="zh-TW" altLang="en-US" sz="1200" b="1" dirty="0">
+                <a:solidFill>
+                  <a:srgbClr val="FF0000"/>
+                </a:solidFill>
+              </a:endParaRPr>
+            </a:p>
+          </p:txBody>
+        </p:sp>
+        <p:cxnSp>
+          <p:nvCxnSpPr>
+            <p:cNvPr id="14" name="直線接點 13">
+              <a:extLst>
+                <a:ext uri="{FF2B5EF4-FFF2-40B4-BE49-F238E27FC236}">
+                  <a16:creationId xmlns:a16="http://schemas.microsoft.com/office/drawing/2014/main" id="{7207B424-F0F5-968D-6C1D-97B06CC73106}"/>
+                </a:ext>
+              </a:extLst>
+            </p:cNvPr>
+            <p:cNvCxnSpPr>
+              <a:cxnSpLocks/>
+            </p:cNvCxnSpPr>
+            <p:nvPr/>
+          </p:nvCxnSpPr>
+          <p:spPr>
+            <a:xfrm>
+              <a:off x="2330450" y="2076130"/>
+              <a:ext cx="0" cy="3688080"/>
+            </a:xfrm>
+            <a:prstGeom prst="line">
+              <a:avLst/>
+            </a:prstGeom>
+            <a:ln>
               <a:solidFill>
                 <a:srgbClr val="FF0000"/>
               </a:solidFill>
-            </a:endParaRPr>
-          </a:p>
-        </p:txBody>
-      </p:sp>
-      <p:sp>
-        <p:nvSpPr>
-          <p:cNvPr id="5" name="文字方塊 4">
-            <a:extLst>
-              <a:ext uri="{FF2B5EF4-FFF2-40B4-BE49-F238E27FC236}">
-                <a16:creationId xmlns:a16="http://schemas.microsoft.com/office/drawing/2014/main" id="{9C852DE0-C151-F947-7605-5FA475CC936F}"/>
-              </a:ext>
-            </a:extLst>
-          </p:cNvPr>
-          <p:cNvSpPr txBox="1"/>
-          <p:nvPr/>
-        </p:nvSpPr>
-        <p:spPr>
-          <a:xfrm>
-            <a:off x="2102264" y="4007547"/>
-            <a:ext cx="563809" cy="276999"/>
-          </a:xfrm>
-          <a:prstGeom prst="rect">
-            <a:avLst/>
-          </a:prstGeom>
-          <a:noFill/>
-        </p:spPr>
-        <p:txBody>
-          <a:bodyPr wrap="none" rtlCol="0">
-            <a:spAutoFit/>
-          </a:bodyPr>
-          <a:lstStyle/>
-          <a:p>
-            <a:r>
-              <a:rPr lang="en-US" altLang="zh-TW" sz="1200" b="1" dirty="0">
+              <a:prstDash val="sysDot"/>
+            </a:ln>
+          </p:spPr>
+          <p:style>
+            <a:lnRef idx="2">
+              <a:schemeClr val="accent1"/>
+            </a:lnRef>
+            <a:fillRef idx="0">
+              <a:schemeClr val="accent1"/>
+            </a:fillRef>
+            <a:effectRef idx="1">
+              <a:schemeClr val="accent1"/>
+            </a:effectRef>
+            <a:fontRef idx="minor">
+              <a:schemeClr val="tx1"/>
+            </a:fontRef>
+          </p:style>
+        </p:cxnSp>
+        <p:cxnSp>
+          <p:nvCxnSpPr>
+            <p:cNvPr id="32" name="直線接點 31">
+              <a:extLst>
+                <a:ext uri="{FF2B5EF4-FFF2-40B4-BE49-F238E27FC236}">
+                  <a16:creationId xmlns:a16="http://schemas.microsoft.com/office/drawing/2014/main" id="{C6D81E41-E69B-E4AA-A137-F72A8E594B37}"/>
+                </a:ext>
+              </a:extLst>
+            </p:cNvPr>
+            <p:cNvCxnSpPr>
+              <a:cxnSpLocks/>
+            </p:cNvCxnSpPr>
+            <p:nvPr/>
+          </p:nvCxnSpPr>
+          <p:spPr>
+            <a:xfrm>
+              <a:off x="2966720" y="2079435"/>
+              <a:ext cx="0" cy="3688080"/>
+            </a:xfrm>
+            <a:prstGeom prst="line">
+              <a:avLst/>
+            </a:prstGeom>
+            <a:ln>
+              <a:solidFill>
+                <a:srgbClr val="FF0000"/>
+              </a:solidFill>
+              <a:prstDash val="sysDot"/>
+            </a:ln>
+          </p:spPr>
+          <p:style>
+            <a:lnRef idx="2">
+              <a:schemeClr val="accent1"/>
+            </a:lnRef>
+            <a:fillRef idx="0">
+              <a:schemeClr val="accent1"/>
+            </a:fillRef>
+            <a:effectRef idx="1">
+              <a:schemeClr val="accent1"/>
+            </a:effectRef>
+            <a:fontRef idx="minor">
+              <a:schemeClr val="tx1"/>
+            </a:fontRef>
+          </p:style>
+        </p:cxnSp>
+        <p:cxnSp>
+          <p:nvCxnSpPr>
+            <p:cNvPr id="36" name="直線接點 35">
+              <a:extLst>
+                <a:ext uri="{FF2B5EF4-FFF2-40B4-BE49-F238E27FC236}">
+                  <a16:creationId xmlns:a16="http://schemas.microsoft.com/office/drawing/2014/main" id="{8E9C04DD-B51E-41A3-20A1-C74623DEB200}"/>
+                </a:ext>
+              </a:extLst>
+            </p:cNvPr>
+            <p:cNvCxnSpPr>
+              <a:cxnSpLocks/>
+            </p:cNvCxnSpPr>
+            <p:nvPr/>
+          </p:nvCxnSpPr>
+          <p:spPr>
+            <a:xfrm>
+              <a:off x="10307319" y="2069027"/>
+              <a:ext cx="22860" cy="3688080"/>
+            </a:xfrm>
+            <a:prstGeom prst="line">
+              <a:avLst/>
+            </a:prstGeom>
+            <a:ln>
+              <a:solidFill>
+                <a:srgbClr val="FF0000"/>
+              </a:solidFill>
+              <a:prstDash val="sysDot"/>
+            </a:ln>
+          </p:spPr>
+          <p:style>
+            <a:lnRef idx="2">
+              <a:schemeClr val="accent1"/>
+            </a:lnRef>
+            <a:fillRef idx="0">
+              <a:schemeClr val="accent1"/>
+            </a:fillRef>
+            <a:effectRef idx="1">
+              <a:schemeClr val="accent1"/>
+            </a:effectRef>
+            <a:fontRef idx="minor">
+              <a:schemeClr val="tx1"/>
+            </a:fontRef>
+          </p:style>
+        </p:cxnSp>
+        <p:cxnSp>
+          <p:nvCxnSpPr>
+            <p:cNvPr id="37" name="直線接點 36">
+              <a:extLst>
+                <a:ext uri="{FF2B5EF4-FFF2-40B4-BE49-F238E27FC236}">
+                  <a16:creationId xmlns:a16="http://schemas.microsoft.com/office/drawing/2014/main" id="{1F18384F-AA39-A940-275D-D028DA00D0AA}"/>
+                </a:ext>
+              </a:extLst>
+            </p:cNvPr>
+            <p:cNvCxnSpPr>
+              <a:cxnSpLocks/>
+            </p:cNvCxnSpPr>
+            <p:nvPr/>
+          </p:nvCxnSpPr>
+          <p:spPr>
+            <a:xfrm>
+              <a:off x="10982960" y="2069027"/>
+              <a:ext cx="0" cy="3688080"/>
+            </a:xfrm>
+            <a:prstGeom prst="line">
+              <a:avLst/>
+            </a:prstGeom>
+            <a:ln>
+              <a:solidFill>
+                <a:srgbClr val="FF0000"/>
+              </a:solidFill>
+              <a:prstDash val="sysDot"/>
+            </a:ln>
+          </p:spPr>
+          <p:style>
+            <a:lnRef idx="2">
+              <a:schemeClr val="accent1"/>
+            </a:lnRef>
+            <a:fillRef idx="0">
+              <a:schemeClr val="accent1"/>
+            </a:fillRef>
+            <a:effectRef idx="1">
+              <a:schemeClr val="accent1"/>
+            </a:effectRef>
+            <a:fontRef idx="minor">
+              <a:schemeClr val="tx1"/>
+            </a:fontRef>
+          </p:style>
+        </p:cxnSp>
+        <p:cxnSp>
+          <p:nvCxnSpPr>
+            <p:cNvPr id="39" name="直線單箭頭接點 38">
+              <a:extLst>
+                <a:ext uri="{FF2B5EF4-FFF2-40B4-BE49-F238E27FC236}">
+                  <a16:creationId xmlns:a16="http://schemas.microsoft.com/office/drawing/2014/main" id="{C0EF2B4F-239B-9D7B-BC60-CED0CD9CA5E6}"/>
+                </a:ext>
+              </a:extLst>
+            </p:cNvPr>
+            <p:cNvCxnSpPr>
+              <a:cxnSpLocks/>
+            </p:cNvCxnSpPr>
+            <p:nvPr/>
+          </p:nvCxnSpPr>
+          <p:spPr>
+            <a:xfrm>
+              <a:off x="2330450" y="3513254"/>
+              <a:ext cx="636270" cy="0"/>
+            </a:xfrm>
+            <a:prstGeom prst="straightConnector1">
+              <a:avLst/>
+            </a:prstGeom>
+            <a:ln>
+              <a:solidFill>
+                <a:srgbClr val="FF0000"/>
+              </a:solidFill>
+              <a:headEnd type="arrow" w="med" len="med"/>
+              <a:tailEnd type="arrow" w="med" len="med"/>
+            </a:ln>
+          </p:spPr>
+          <p:style>
+            <a:lnRef idx="2">
+              <a:schemeClr val="accent1"/>
+            </a:lnRef>
+            <a:fillRef idx="0">
+              <a:schemeClr val="accent1"/>
+            </a:fillRef>
+            <a:effectRef idx="1">
+              <a:schemeClr val="accent1"/>
+            </a:effectRef>
+            <a:fontRef idx="minor">
+              <a:schemeClr val="tx1"/>
+            </a:fontRef>
+          </p:style>
+        </p:cxnSp>
+        <p:sp>
+          <p:nvSpPr>
+            <p:cNvPr id="40" name="文字方塊 39">
+              <a:extLst>
+                <a:ext uri="{FF2B5EF4-FFF2-40B4-BE49-F238E27FC236}">
+                  <a16:creationId xmlns:a16="http://schemas.microsoft.com/office/drawing/2014/main" id="{1169CECD-369E-7F77-61EB-4D7B6A7B14A7}"/>
+                </a:ext>
+              </a:extLst>
+            </p:cNvPr>
+            <p:cNvSpPr txBox="1"/>
+            <p:nvPr/>
+          </p:nvSpPr>
+          <p:spPr>
+            <a:xfrm>
+              <a:off x="10397524" y="4799857"/>
+              <a:ext cx="518091" cy="246221"/>
+            </a:xfrm>
+            <a:prstGeom prst="rect">
+              <a:avLst/>
+            </a:prstGeom>
+            <a:noFill/>
+          </p:spPr>
+          <p:txBody>
+            <a:bodyPr wrap="none" rtlCol="0">
+              <a:spAutoFit/>
+            </a:bodyPr>
+            <a:lstStyle/>
+            <a:p>
+              <a:r>
+                <a:rPr lang="en-US" altLang="zh-TW" sz="1000" b="1" dirty="0">
+                  <a:solidFill>
+                    <a:srgbClr val="FF0000"/>
+                  </a:solidFill>
+                </a:rPr>
+                <a:t>Delay</a:t>
+              </a:r>
+              <a:endParaRPr lang="zh-TW" altLang="en-US" sz="1000" b="1" dirty="0">
                 <a:solidFill>
                   <a:srgbClr val="FF0000"/>
                 </a:solidFill>
-              </a:rPr>
-              <a:t>BUSY</a:t>
-            </a:r>
-            <a:endParaRPr lang="zh-TW" altLang="en-US" sz="1200" b="1" dirty="0">
+              </a:endParaRPr>
+            </a:p>
+          </p:txBody>
+        </p:sp>
+        <p:sp>
+          <p:nvSpPr>
+            <p:cNvPr id="41" name="文字方塊 40">
+              <a:extLst>
+                <a:ext uri="{FF2B5EF4-FFF2-40B4-BE49-F238E27FC236}">
+                  <a16:creationId xmlns:a16="http://schemas.microsoft.com/office/drawing/2014/main" id="{9D294050-EC69-E672-59EB-6DBF9D98F334}"/>
+                </a:ext>
+              </a:extLst>
+            </p:cNvPr>
+            <p:cNvSpPr txBox="1"/>
+            <p:nvPr/>
+          </p:nvSpPr>
+          <p:spPr>
+            <a:xfrm>
+              <a:off x="2276644" y="3179833"/>
+              <a:ext cx="785793" cy="246221"/>
+            </a:xfrm>
+            <a:prstGeom prst="rect">
+              <a:avLst/>
+            </a:prstGeom>
+            <a:noFill/>
+          </p:spPr>
+          <p:txBody>
+            <a:bodyPr wrap="none" rtlCol="0">
+              <a:spAutoFit/>
+            </a:bodyPr>
+            <a:lstStyle/>
+            <a:p>
+              <a:r>
+                <a:rPr lang="en-US" altLang="zh-TW" sz="1000" b="1" dirty="0">
+                  <a:solidFill>
+                    <a:srgbClr val="FF0000"/>
+                  </a:solidFill>
+                </a:rPr>
+                <a:t>Debounce</a:t>
+              </a:r>
+              <a:endParaRPr lang="zh-TW" altLang="en-US" sz="1000" b="1" dirty="0">
+                <a:solidFill>
+                  <a:srgbClr val="FF0000"/>
+                </a:solidFill>
+              </a:endParaRPr>
+            </a:p>
+          </p:txBody>
+        </p:sp>
+        <p:cxnSp>
+          <p:nvCxnSpPr>
+            <p:cNvPr id="42" name="直線單箭頭接點 41">
+              <a:extLst>
+                <a:ext uri="{FF2B5EF4-FFF2-40B4-BE49-F238E27FC236}">
+                  <a16:creationId xmlns:a16="http://schemas.microsoft.com/office/drawing/2014/main" id="{64B65C4E-123C-5201-8CC0-B053F35E6AF5}"/>
+                </a:ext>
+              </a:extLst>
+            </p:cNvPr>
+            <p:cNvCxnSpPr>
+              <a:cxnSpLocks/>
+            </p:cNvCxnSpPr>
+            <p:nvPr/>
+          </p:nvCxnSpPr>
+          <p:spPr>
+            <a:xfrm flipV="1">
+              <a:off x="10330180" y="5034277"/>
+              <a:ext cx="652780" cy="8375"/>
+            </a:xfrm>
+            <a:prstGeom prst="straightConnector1">
+              <a:avLst/>
+            </a:prstGeom>
+            <a:ln>
               <a:solidFill>
                 <a:srgbClr val="FF0000"/>
               </a:solidFill>
-            </a:endParaRPr>
-          </a:p>
-        </p:txBody>
-      </p:sp>
-      <p:sp>
-        <p:nvSpPr>
-          <p:cNvPr id="6" name="文字方塊 5">
-            <a:extLst>
-              <a:ext uri="{FF2B5EF4-FFF2-40B4-BE49-F238E27FC236}">
-                <a16:creationId xmlns:a16="http://schemas.microsoft.com/office/drawing/2014/main" id="{6200E4EF-271E-7D54-7DD3-4BF066F181D3}"/>
-              </a:ext>
-            </a:extLst>
-          </p:cNvPr>
-          <p:cNvSpPr txBox="1"/>
-          <p:nvPr/>
-        </p:nvSpPr>
-        <p:spPr>
-          <a:xfrm>
-            <a:off x="2102264" y="4523065"/>
-            <a:ext cx="394660" cy="276999"/>
-          </a:xfrm>
-          <a:prstGeom prst="rect">
-            <a:avLst/>
-          </a:prstGeom>
-          <a:noFill/>
-        </p:spPr>
-        <p:txBody>
-          <a:bodyPr wrap="none" rtlCol="0">
-            <a:spAutoFit/>
-          </a:bodyPr>
-          <a:lstStyle/>
-          <a:p>
-            <a:r>
-              <a:rPr lang="en-US" altLang="zh-TW" sz="1200" b="1" dirty="0">
+              <a:headEnd type="arrow" w="med" len="med"/>
+              <a:tailEnd type="arrow" w="med" len="med"/>
+            </a:ln>
+          </p:spPr>
+          <p:style>
+            <a:lnRef idx="2">
+              <a:schemeClr val="accent1"/>
+            </a:lnRef>
+            <a:fillRef idx="0">
+              <a:schemeClr val="accent1"/>
+            </a:fillRef>
+            <a:effectRef idx="1">
+              <a:schemeClr val="accent1"/>
+            </a:effectRef>
+            <a:fontRef idx="minor">
+              <a:schemeClr val="tx1"/>
+            </a:fontRef>
+          </p:style>
+        </p:cxnSp>
+        <p:cxnSp>
+          <p:nvCxnSpPr>
+            <p:cNvPr id="47" name="直線單箭頭接點 46">
+              <a:extLst>
+                <a:ext uri="{FF2B5EF4-FFF2-40B4-BE49-F238E27FC236}">
+                  <a16:creationId xmlns:a16="http://schemas.microsoft.com/office/drawing/2014/main" id="{1ABE6D41-57C9-EC70-E82A-B688C94C9A95}"/>
+                </a:ext>
+              </a:extLst>
+            </p:cNvPr>
+            <p:cNvCxnSpPr>
+              <a:cxnSpLocks/>
+            </p:cNvCxnSpPr>
+            <p:nvPr/>
+          </p:nvCxnSpPr>
+          <p:spPr>
+            <a:xfrm flipV="1">
+              <a:off x="2966720" y="4399524"/>
+              <a:ext cx="7363459" cy="48531"/>
+            </a:xfrm>
+            <a:prstGeom prst="straightConnector1">
+              <a:avLst/>
+            </a:prstGeom>
+            <a:ln>
+              <a:solidFill>
+                <a:srgbClr val="FF0000"/>
+              </a:solidFill>
+              <a:headEnd type="arrow" w="med" len="med"/>
+              <a:tailEnd type="arrow" w="med" len="med"/>
+            </a:ln>
+          </p:spPr>
+          <p:style>
+            <a:lnRef idx="2">
+              <a:schemeClr val="accent1"/>
+            </a:lnRef>
+            <a:fillRef idx="0">
+              <a:schemeClr val="accent1"/>
+            </a:fillRef>
+            <a:effectRef idx="1">
+              <a:schemeClr val="accent1"/>
+            </a:effectRef>
+            <a:fontRef idx="minor">
+              <a:schemeClr val="tx1"/>
+            </a:fontRef>
+          </p:style>
+        </p:cxnSp>
+        <p:sp>
+          <p:nvSpPr>
+            <p:cNvPr id="49" name="文字方塊 48">
+              <a:extLst>
+                <a:ext uri="{FF2B5EF4-FFF2-40B4-BE49-F238E27FC236}">
+                  <a16:creationId xmlns:a16="http://schemas.microsoft.com/office/drawing/2014/main" id="{66761C50-3169-0FE1-2C1F-6DC6D4150904}"/>
+                </a:ext>
+              </a:extLst>
+            </p:cNvPr>
+            <p:cNvSpPr txBox="1"/>
+            <p:nvPr/>
+          </p:nvSpPr>
+          <p:spPr>
+            <a:xfrm>
+              <a:off x="5604647" y="4201834"/>
+              <a:ext cx="792205" cy="246221"/>
+            </a:xfrm>
+            <a:prstGeom prst="rect">
+              <a:avLst/>
+            </a:prstGeom>
+            <a:noFill/>
+          </p:spPr>
+          <p:txBody>
+            <a:bodyPr wrap="square" rtlCol="0">
+              <a:spAutoFit/>
+            </a:bodyPr>
+            <a:lstStyle/>
+            <a:p>
+              <a:r>
+                <a:rPr lang="en-US" altLang="zh-TW" sz="1000" b="1" dirty="0">
+                  <a:solidFill>
+                    <a:srgbClr val="FF0000"/>
+                  </a:solidFill>
+                </a:rPr>
+                <a:t>Burn(</a:t>
+              </a:r>
+              <a:r>
+                <a:rPr lang="zh-TW" altLang="en-US" sz="1000" b="1" dirty="0">
+                  <a:solidFill>
+                    <a:srgbClr val="FF0000"/>
+                  </a:solidFill>
+                </a:rPr>
+                <a:t>燒錄</a:t>
+              </a:r>
+              <a:r>
+                <a:rPr lang="en-US" altLang="zh-TW" sz="1000" b="1" dirty="0">
+                  <a:solidFill>
+                    <a:srgbClr val="FF0000"/>
+                  </a:solidFill>
+                </a:rPr>
+                <a:t>)</a:t>
+              </a:r>
+              <a:endParaRPr lang="zh-TW" altLang="en-US" sz="1000" b="1" dirty="0">
                 <a:solidFill>
                   <a:srgbClr val="FF0000"/>
                 </a:solidFill>
-              </a:rPr>
-              <a:t>OK</a:t>
-            </a:r>
-            <a:endParaRPr lang="zh-TW" altLang="en-US" sz="1200" b="1" dirty="0">
-              <a:solidFill>
-                <a:srgbClr val="FF0000"/>
-              </a:solidFill>
-            </a:endParaRPr>
-          </a:p>
-        </p:txBody>
-      </p:sp>
-      <p:sp>
-        <p:nvSpPr>
-          <p:cNvPr id="7" name="文字方塊 6">
-            <a:extLst>
-              <a:ext uri="{FF2B5EF4-FFF2-40B4-BE49-F238E27FC236}">
-                <a16:creationId xmlns:a16="http://schemas.microsoft.com/office/drawing/2014/main" id="{1682AD4C-2B56-F73B-061E-2EEBC2725FE6}"/>
-              </a:ext>
-            </a:extLst>
-          </p:cNvPr>
-          <p:cNvSpPr txBox="1"/>
-          <p:nvPr/>
-        </p:nvSpPr>
-        <p:spPr>
-          <a:xfrm>
-            <a:off x="2096654" y="4900083"/>
-            <a:ext cx="405880" cy="276999"/>
-          </a:xfrm>
-          <a:prstGeom prst="rect">
-            <a:avLst/>
-          </a:prstGeom>
-          <a:noFill/>
-        </p:spPr>
-        <p:txBody>
-          <a:bodyPr wrap="none" rtlCol="0">
-            <a:spAutoFit/>
-          </a:bodyPr>
-          <a:lstStyle/>
-          <a:p>
-            <a:r>
-              <a:rPr lang="en-US" altLang="zh-TW" sz="1200" b="1" dirty="0">
-                <a:solidFill>
-                  <a:srgbClr val="FF0000"/>
-                </a:solidFill>
-              </a:rPr>
-              <a:t>NG</a:t>
-            </a:r>
-            <a:endParaRPr lang="zh-TW" altLang="en-US" sz="1200" b="1" dirty="0">
-              <a:solidFill>
-                <a:srgbClr val="FF0000"/>
-              </a:solidFill>
-            </a:endParaRPr>
-          </a:p>
-        </p:txBody>
-      </p:sp>
-      <p:sp>
-        <p:nvSpPr>
-          <p:cNvPr id="8" name="文字方塊 7">
-            <a:extLst>
-              <a:ext uri="{FF2B5EF4-FFF2-40B4-BE49-F238E27FC236}">
-                <a16:creationId xmlns:a16="http://schemas.microsoft.com/office/drawing/2014/main" id="{D0283E1C-172B-5377-4458-CA29D7D5341C}"/>
-              </a:ext>
-            </a:extLst>
-          </p:cNvPr>
-          <p:cNvSpPr txBox="1"/>
-          <p:nvPr/>
-        </p:nvSpPr>
-        <p:spPr>
-          <a:xfrm>
-            <a:off x="2093480" y="5387767"/>
-            <a:ext cx="572593" cy="276999"/>
-          </a:xfrm>
-          <a:prstGeom prst="rect">
-            <a:avLst/>
-          </a:prstGeom>
-          <a:noFill/>
-        </p:spPr>
-        <p:txBody>
-          <a:bodyPr wrap="none" rtlCol="0">
-            <a:spAutoFit/>
-          </a:bodyPr>
-          <a:lstStyle/>
-          <a:p>
-            <a:r>
-              <a:rPr lang="en-US" altLang="zh-TW" sz="1200" b="1" dirty="0">
-                <a:solidFill>
-                  <a:srgbClr val="FF0000"/>
-                </a:solidFill>
-              </a:rPr>
-              <a:t>VBUS</a:t>
-            </a:r>
-            <a:endParaRPr lang="zh-TW" altLang="en-US" sz="1200" b="1" dirty="0">
-              <a:solidFill>
-                <a:srgbClr val="FF0000"/>
-              </a:solidFill>
-            </a:endParaRPr>
-          </a:p>
-        </p:txBody>
-      </p:sp>
-      <p:sp>
-        <p:nvSpPr>
-          <p:cNvPr id="11" name="文字方塊 10">
-            <a:extLst>
-              <a:ext uri="{FF2B5EF4-FFF2-40B4-BE49-F238E27FC236}">
-                <a16:creationId xmlns:a16="http://schemas.microsoft.com/office/drawing/2014/main" id="{5FA5F95E-1E38-444F-20D4-BDC834F8EA6A}"/>
-              </a:ext>
-            </a:extLst>
-          </p:cNvPr>
-          <p:cNvSpPr txBox="1"/>
-          <p:nvPr/>
-        </p:nvSpPr>
-        <p:spPr>
-          <a:xfrm>
-            <a:off x="2124274" y="2546610"/>
-            <a:ext cx="548035" cy="276999"/>
-          </a:xfrm>
-          <a:prstGeom prst="rect">
-            <a:avLst/>
-          </a:prstGeom>
-          <a:noFill/>
-        </p:spPr>
-        <p:txBody>
-          <a:bodyPr wrap="none" rtlCol="0">
-            <a:spAutoFit/>
-          </a:bodyPr>
-          <a:lstStyle/>
-          <a:p>
-            <a:r>
-              <a:rPr lang="en-US" altLang="zh-TW" sz="1200" b="1" dirty="0">
-                <a:solidFill>
-                  <a:srgbClr val="FF0000"/>
-                </a:solidFill>
-              </a:rPr>
-              <a:t>PWM</a:t>
-            </a:r>
-            <a:endParaRPr lang="zh-TW" altLang="en-US" sz="1200" b="1" dirty="0">
-              <a:solidFill>
-                <a:srgbClr val="FF0000"/>
-              </a:solidFill>
-            </a:endParaRPr>
-          </a:p>
-        </p:txBody>
-      </p:sp>
-      <p:sp>
-        <p:nvSpPr>
-          <p:cNvPr id="12" name="文字方塊 11">
-            <a:extLst>
-              <a:ext uri="{FF2B5EF4-FFF2-40B4-BE49-F238E27FC236}">
-                <a16:creationId xmlns:a16="http://schemas.microsoft.com/office/drawing/2014/main" id="{7FF22F98-2251-C383-5250-E6406AD54647}"/>
-              </a:ext>
-            </a:extLst>
-          </p:cNvPr>
-          <p:cNvSpPr txBox="1"/>
-          <p:nvPr/>
-        </p:nvSpPr>
-        <p:spPr>
-          <a:xfrm>
-            <a:off x="2110198" y="3024976"/>
-            <a:ext cx="389850" cy="276999"/>
-          </a:xfrm>
-          <a:prstGeom prst="rect">
-            <a:avLst/>
-          </a:prstGeom>
-          <a:noFill/>
-        </p:spPr>
-        <p:txBody>
-          <a:bodyPr wrap="none" rtlCol="0">
-            <a:spAutoFit/>
-          </a:bodyPr>
-          <a:lstStyle/>
-          <a:p>
-            <a:r>
-              <a:rPr lang="en-US" altLang="zh-TW" sz="1200" b="1" dirty="0">
-                <a:solidFill>
-                  <a:srgbClr val="FF0000"/>
-                </a:solidFill>
-              </a:rPr>
-              <a:t>SO</a:t>
-            </a:r>
-            <a:endParaRPr lang="zh-TW" altLang="en-US" sz="1200" b="1" dirty="0">
-              <a:solidFill>
-                <a:srgbClr val="FF0000"/>
-              </a:solidFill>
-            </a:endParaRPr>
-          </a:p>
-        </p:txBody>
-      </p:sp>
-      <p:cxnSp>
-        <p:nvCxnSpPr>
-          <p:cNvPr id="14" name="直線接點 13">
-            <a:extLst>
-              <a:ext uri="{FF2B5EF4-FFF2-40B4-BE49-F238E27FC236}">
-                <a16:creationId xmlns:a16="http://schemas.microsoft.com/office/drawing/2014/main" id="{7207B424-F0F5-968D-6C1D-97B06CC73106}"/>
-              </a:ext>
-            </a:extLst>
-          </p:cNvPr>
-          <p:cNvCxnSpPr>
-            <a:cxnSpLocks/>
-          </p:cNvCxnSpPr>
-          <p:nvPr/>
-        </p:nvCxnSpPr>
-        <p:spPr>
-          <a:xfrm>
-            <a:off x="3375660" y="2164080"/>
-            <a:ext cx="0" cy="3688080"/>
-          </a:xfrm>
-          <a:prstGeom prst="line">
-            <a:avLst/>
-          </a:prstGeom>
-          <a:ln>
-            <a:solidFill>
-              <a:srgbClr val="FF0000"/>
-            </a:solidFill>
-            <a:prstDash val="sysDot"/>
-          </a:ln>
-        </p:spPr>
-        <p:style>
-          <a:lnRef idx="2">
-            <a:schemeClr val="accent1"/>
-          </a:lnRef>
-          <a:fillRef idx="0">
-            <a:schemeClr val="accent1"/>
-          </a:fillRef>
-          <a:effectRef idx="1">
-            <a:schemeClr val="accent1"/>
-          </a:effectRef>
-          <a:fontRef idx="minor">
-            <a:schemeClr val="tx1"/>
-          </a:fontRef>
-        </p:style>
-      </p:cxnSp>
-      <p:cxnSp>
-        <p:nvCxnSpPr>
-          <p:cNvPr id="32" name="直線接點 31">
-            <a:extLst>
-              <a:ext uri="{FF2B5EF4-FFF2-40B4-BE49-F238E27FC236}">
-                <a16:creationId xmlns:a16="http://schemas.microsoft.com/office/drawing/2014/main" id="{C6D81E41-E69B-E4AA-A137-F72A8E594B37}"/>
-              </a:ext>
-            </a:extLst>
-          </p:cNvPr>
-          <p:cNvCxnSpPr>
-            <a:cxnSpLocks/>
-          </p:cNvCxnSpPr>
-          <p:nvPr/>
-        </p:nvCxnSpPr>
-        <p:spPr>
-          <a:xfrm>
-            <a:off x="4373880" y="2164080"/>
-            <a:ext cx="0" cy="3688080"/>
-          </a:xfrm>
-          <a:prstGeom prst="line">
-            <a:avLst/>
-          </a:prstGeom>
-          <a:ln>
-            <a:solidFill>
-              <a:srgbClr val="FF0000"/>
-            </a:solidFill>
-            <a:prstDash val="sysDot"/>
-          </a:ln>
-        </p:spPr>
-        <p:style>
-          <a:lnRef idx="2">
-            <a:schemeClr val="accent1"/>
-          </a:lnRef>
-          <a:fillRef idx="0">
-            <a:schemeClr val="accent1"/>
-          </a:fillRef>
-          <a:effectRef idx="1">
-            <a:schemeClr val="accent1"/>
-          </a:effectRef>
-          <a:fontRef idx="minor">
-            <a:schemeClr val="tx1"/>
-          </a:fontRef>
-        </p:style>
-      </p:cxnSp>
-      <p:cxnSp>
-        <p:nvCxnSpPr>
-          <p:cNvPr id="36" name="直線接點 35">
-            <a:extLst>
-              <a:ext uri="{FF2B5EF4-FFF2-40B4-BE49-F238E27FC236}">
-                <a16:creationId xmlns:a16="http://schemas.microsoft.com/office/drawing/2014/main" id="{8E9C04DD-B51E-41A3-20A1-C74623DEB200}"/>
-              </a:ext>
-            </a:extLst>
-          </p:cNvPr>
-          <p:cNvCxnSpPr>
-            <a:cxnSpLocks/>
-          </p:cNvCxnSpPr>
-          <p:nvPr/>
-        </p:nvCxnSpPr>
-        <p:spPr>
-          <a:xfrm>
-            <a:off x="8663940" y="2164080"/>
-            <a:ext cx="22860" cy="3688080"/>
-          </a:xfrm>
-          <a:prstGeom prst="line">
-            <a:avLst/>
-          </a:prstGeom>
-          <a:ln>
-            <a:solidFill>
-              <a:srgbClr val="FF0000"/>
-            </a:solidFill>
-            <a:prstDash val="sysDot"/>
-          </a:ln>
-        </p:spPr>
-        <p:style>
-          <a:lnRef idx="2">
-            <a:schemeClr val="accent1"/>
-          </a:lnRef>
-          <a:fillRef idx="0">
-            <a:schemeClr val="accent1"/>
-          </a:fillRef>
-          <a:effectRef idx="1">
-            <a:schemeClr val="accent1"/>
-          </a:effectRef>
-          <a:fontRef idx="minor">
-            <a:schemeClr val="tx1"/>
-          </a:fontRef>
-        </p:style>
-      </p:cxnSp>
-      <p:cxnSp>
-        <p:nvCxnSpPr>
-          <p:cNvPr id="37" name="直線接點 36">
-            <a:extLst>
-              <a:ext uri="{FF2B5EF4-FFF2-40B4-BE49-F238E27FC236}">
-                <a16:creationId xmlns:a16="http://schemas.microsoft.com/office/drawing/2014/main" id="{1F18384F-AA39-A940-275D-D028DA00D0AA}"/>
-              </a:ext>
-            </a:extLst>
-          </p:cNvPr>
-          <p:cNvCxnSpPr>
-            <a:cxnSpLocks/>
-          </p:cNvCxnSpPr>
-          <p:nvPr/>
-        </p:nvCxnSpPr>
-        <p:spPr>
-          <a:xfrm>
-            <a:off x="9685020" y="2164080"/>
-            <a:ext cx="0" cy="3688080"/>
-          </a:xfrm>
-          <a:prstGeom prst="line">
-            <a:avLst/>
-          </a:prstGeom>
-          <a:ln>
-            <a:solidFill>
-              <a:srgbClr val="FF0000"/>
-            </a:solidFill>
-            <a:prstDash val="sysDot"/>
-          </a:ln>
-        </p:spPr>
-        <p:style>
-          <a:lnRef idx="2">
-            <a:schemeClr val="accent1"/>
-          </a:lnRef>
-          <a:fillRef idx="0">
-            <a:schemeClr val="accent1"/>
-          </a:fillRef>
-          <a:effectRef idx="1">
-            <a:schemeClr val="accent1"/>
-          </a:effectRef>
-          <a:fontRef idx="minor">
-            <a:schemeClr val="tx1"/>
-          </a:fontRef>
-        </p:style>
-      </p:cxnSp>
-      <p:cxnSp>
-        <p:nvCxnSpPr>
-          <p:cNvPr id="39" name="直線單箭頭接點 38">
-            <a:extLst>
-              <a:ext uri="{FF2B5EF4-FFF2-40B4-BE49-F238E27FC236}">
-                <a16:creationId xmlns:a16="http://schemas.microsoft.com/office/drawing/2014/main" id="{C0EF2B4F-239B-9D7B-BC60-CED0CD9CA5E6}"/>
-              </a:ext>
-            </a:extLst>
-          </p:cNvPr>
-          <p:cNvCxnSpPr/>
-          <p:nvPr/>
-        </p:nvCxnSpPr>
-        <p:spPr>
-          <a:xfrm>
-            <a:off x="3375660" y="3657600"/>
-            <a:ext cx="998220" cy="0"/>
-          </a:xfrm>
-          <a:prstGeom prst="straightConnector1">
-            <a:avLst/>
-          </a:prstGeom>
-          <a:ln>
-            <a:solidFill>
-              <a:srgbClr val="FF0000"/>
-            </a:solidFill>
-            <a:headEnd type="arrow" w="med" len="med"/>
-            <a:tailEnd type="arrow" w="med" len="med"/>
-          </a:ln>
-        </p:spPr>
-        <p:style>
-          <a:lnRef idx="2">
-            <a:schemeClr val="accent1"/>
-          </a:lnRef>
-          <a:fillRef idx="0">
-            <a:schemeClr val="accent1"/>
-          </a:fillRef>
-          <a:effectRef idx="1">
-            <a:schemeClr val="accent1"/>
-          </a:effectRef>
-          <a:fontRef idx="minor">
-            <a:schemeClr val="tx1"/>
-          </a:fontRef>
-        </p:style>
-      </p:cxnSp>
-      <p:sp>
-        <p:nvSpPr>
-          <p:cNvPr id="40" name="文字方塊 39">
-            <a:extLst>
-              <a:ext uri="{FF2B5EF4-FFF2-40B4-BE49-F238E27FC236}">
-                <a16:creationId xmlns:a16="http://schemas.microsoft.com/office/drawing/2014/main" id="{1169CECD-369E-7F77-61EB-4D7B6A7B14A7}"/>
-              </a:ext>
-            </a:extLst>
-          </p:cNvPr>
-          <p:cNvSpPr txBox="1"/>
-          <p:nvPr/>
-        </p:nvSpPr>
-        <p:spPr>
-          <a:xfrm>
-            <a:off x="8781584" y="4399954"/>
-            <a:ext cx="518091" cy="246221"/>
-          </a:xfrm>
-          <a:prstGeom prst="rect">
-            <a:avLst/>
-          </a:prstGeom>
-          <a:noFill/>
-        </p:spPr>
-        <p:txBody>
-          <a:bodyPr wrap="none" rtlCol="0">
-            <a:spAutoFit/>
-          </a:bodyPr>
-          <a:lstStyle/>
-          <a:p>
-            <a:r>
-              <a:rPr lang="en-US" altLang="zh-TW" sz="1000" b="1" dirty="0">
-                <a:solidFill>
-                  <a:srgbClr val="FF0000"/>
-                </a:solidFill>
-              </a:rPr>
-              <a:t>Delay</a:t>
-            </a:r>
-            <a:endParaRPr lang="zh-TW" altLang="en-US" sz="1000" b="1" dirty="0">
-              <a:solidFill>
-                <a:srgbClr val="FF0000"/>
-              </a:solidFill>
-            </a:endParaRPr>
-          </a:p>
-        </p:txBody>
-      </p:sp>
-      <p:sp>
-        <p:nvSpPr>
-          <p:cNvPr id="41" name="文字方塊 40">
-            <a:extLst>
-              <a:ext uri="{FF2B5EF4-FFF2-40B4-BE49-F238E27FC236}">
-                <a16:creationId xmlns:a16="http://schemas.microsoft.com/office/drawing/2014/main" id="{9D294050-EC69-E672-59EB-6DBF9D98F334}"/>
-              </a:ext>
-            </a:extLst>
-          </p:cNvPr>
-          <p:cNvSpPr txBox="1"/>
-          <p:nvPr/>
-        </p:nvSpPr>
-        <p:spPr>
-          <a:xfrm>
-            <a:off x="3493304" y="3429000"/>
-            <a:ext cx="785793" cy="246221"/>
-          </a:xfrm>
-          <a:prstGeom prst="rect">
-            <a:avLst/>
-          </a:prstGeom>
-          <a:noFill/>
-        </p:spPr>
-        <p:txBody>
-          <a:bodyPr wrap="none" rtlCol="0">
-            <a:spAutoFit/>
-          </a:bodyPr>
-          <a:lstStyle/>
-          <a:p>
-            <a:r>
-              <a:rPr lang="en-US" altLang="zh-TW" sz="1000" b="1" dirty="0">
-                <a:solidFill>
-                  <a:srgbClr val="FF0000"/>
-                </a:solidFill>
-              </a:rPr>
-              <a:t>Debounce</a:t>
-            </a:r>
-            <a:endParaRPr lang="zh-TW" altLang="en-US" sz="1000" b="1" dirty="0">
-              <a:solidFill>
-                <a:srgbClr val="FF0000"/>
-              </a:solidFill>
-            </a:endParaRPr>
-          </a:p>
-        </p:txBody>
-      </p:sp>
-      <p:cxnSp>
-        <p:nvCxnSpPr>
-          <p:cNvPr id="42" name="直線單箭頭接點 41">
-            <a:extLst>
-              <a:ext uri="{FF2B5EF4-FFF2-40B4-BE49-F238E27FC236}">
-                <a16:creationId xmlns:a16="http://schemas.microsoft.com/office/drawing/2014/main" id="{64B65C4E-123C-5201-8CC0-B053F35E6AF5}"/>
-              </a:ext>
-            </a:extLst>
-          </p:cNvPr>
-          <p:cNvCxnSpPr/>
-          <p:nvPr/>
-        </p:nvCxnSpPr>
-        <p:spPr>
-          <a:xfrm>
-            <a:off x="8686800" y="4646175"/>
-            <a:ext cx="998220" cy="0"/>
-          </a:xfrm>
-          <a:prstGeom prst="straightConnector1">
-            <a:avLst/>
-          </a:prstGeom>
-          <a:ln>
-            <a:solidFill>
-              <a:srgbClr val="FF0000"/>
-            </a:solidFill>
-            <a:headEnd type="arrow" w="med" len="med"/>
-            <a:tailEnd type="arrow" w="med" len="med"/>
-          </a:ln>
-        </p:spPr>
-        <p:style>
-          <a:lnRef idx="2">
-            <a:schemeClr val="accent1"/>
-          </a:lnRef>
-          <a:fillRef idx="0">
-            <a:schemeClr val="accent1"/>
-          </a:fillRef>
-          <a:effectRef idx="1">
-            <a:schemeClr val="accent1"/>
-          </a:effectRef>
-          <a:fontRef idx="minor">
-            <a:schemeClr val="tx1"/>
-          </a:fontRef>
-        </p:style>
-      </p:cxnSp>
-      <p:cxnSp>
-        <p:nvCxnSpPr>
-          <p:cNvPr id="47" name="直線單箭頭接點 46">
-            <a:extLst>
-              <a:ext uri="{FF2B5EF4-FFF2-40B4-BE49-F238E27FC236}">
-                <a16:creationId xmlns:a16="http://schemas.microsoft.com/office/drawing/2014/main" id="{1ABE6D41-57C9-EC70-E82A-B688C94C9A95}"/>
-              </a:ext>
-            </a:extLst>
-          </p:cNvPr>
-          <p:cNvCxnSpPr>
-            <a:cxnSpLocks/>
-          </p:cNvCxnSpPr>
-          <p:nvPr/>
-        </p:nvCxnSpPr>
-        <p:spPr>
-          <a:xfrm>
-            <a:off x="4373880" y="4146046"/>
-            <a:ext cx="4290060" cy="0"/>
-          </a:xfrm>
-          <a:prstGeom prst="straightConnector1">
-            <a:avLst/>
-          </a:prstGeom>
-          <a:ln>
-            <a:solidFill>
-              <a:srgbClr val="FF0000"/>
-            </a:solidFill>
-            <a:headEnd type="arrow" w="med" len="med"/>
-            <a:tailEnd type="arrow" w="med" len="med"/>
-          </a:ln>
-        </p:spPr>
-        <p:style>
-          <a:lnRef idx="2">
-            <a:schemeClr val="accent1"/>
-          </a:lnRef>
-          <a:fillRef idx="0">
-            <a:schemeClr val="accent1"/>
-          </a:fillRef>
-          <a:effectRef idx="1">
-            <a:schemeClr val="accent1"/>
-          </a:effectRef>
-          <a:fontRef idx="minor">
-            <a:schemeClr val="tx1"/>
-          </a:fontRef>
-        </p:style>
-      </p:cxnSp>
-      <p:sp>
-        <p:nvSpPr>
-          <p:cNvPr id="49" name="文字方塊 48">
-            <a:extLst>
-              <a:ext uri="{FF2B5EF4-FFF2-40B4-BE49-F238E27FC236}">
-                <a16:creationId xmlns:a16="http://schemas.microsoft.com/office/drawing/2014/main" id="{66761C50-3169-0FE1-2C1F-6DC6D4150904}"/>
-              </a:ext>
-            </a:extLst>
-          </p:cNvPr>
-          <p:cNvSpPr txBox="1"/>
-          <p:nvPr/>
-        </p:nvSpPr>
-        <p:spPr>
-          <a:xfrm>
-            <a:off x="5966529" y="3857866"/>
-            <a:ext cx="792205" cy="246221"/>
-          </a:xfrm>
-          <a:prstGeom prst="rect">
-            <a:avLst/>
-          </a:prstGeom>
-          <a:noFill/>
-        </p:spPr>
-        <p:txBody>
-          <a:bodyPr wrap="none" rtlCol="0">
-            <a:spAutoFit/>
-          </a:bodyPr>
-          <a:lstStyle/>
-          <a:p>
-            <a:r>
-              <a:rPr lang="en-US" altLang="zh-TW" sz="1000" b="1" dirty="0">
-                <a:solidFill>
-                  <a:srgbClr val="FF0000"/>
-                </a:solidFill>
-              </a:rPr>
-              <a:t>Burn(</a:t>
-            </a:r>
-            <a:r>
-              <a:rPr lang="zh-TW" altLang="en-US" sz="1000" b="1" dirty="0">
-                <a:solidFill>
-                  <a:srgbClr val="FF0000"/>
-                </a:solidFill>
-              </a:rPr>
-              <a:t>燒錄</a:t>
-            </a:r>
-            <a:r>
-              <a:rPr lang="en-US" altLang="zh-TW" sz="1000" b="1" dirty="0">
-                <a:solidFill>
-                  <a:srgbClr val="FF0000"/>
-                </a:solidFill>
-              </a:rPr>
-              <a:t>)</a:t>
-            </a:r>
-            <a:endParaRPr lang="zh-TW" altLang="en-US" sz="1000" b="1" dirty="0">
-              <a:solidFill>
-                <a:srgbClr val="FF0000"/>
-              </a:solidFill>
-            </a:endParaRPr>
-          </a:p>
-        </p:txBody>
-      </p:sp>
+              </a:endParaRPr>
+            </a:p>
+          </p:txBody>
+        </p:sp>
+      </p:grpSp>
     </p:spTree>
     <p:extLst>
       <p:ext uri="{BB962C8B-B14F-4D97-AF65-F5344CB8AC3E}">
@@ -8541,6 +8656,36 @@
           </a:p>
         </p:txBody>
       </p:sp>
+      <p:pic>
+        <p:nvPicPr>
+          <p:cNvPr id="2" name="圖片 1">
+            <a:extLst>
+              <a:ext uri="{FF2B5EF4-FFF2-40B4-BE49-F238E27FC236}">
+                <a16:creationId xmlns:a16="http://schemas.microsoft.com/office/drawing/2014/main" id="{D56CDB04-F046-FBB7-8209-F039D68B1535}"/>
+              </a:ext>
+            </a:extLst>
+          </p:cNvPr>
+          <p:cNvPicPr>
+            <a:picLocks noChangeAspect="1"/>
+          </p:cNvPicPr>
+          <p:nvPr/>
+        </p:nvPicPr>
+        <p:blipFill>
+          <a:blip r:embed="rId3"/>
+          <a:stretch>
+            <a:fillRect/>
+          </a:stretch>
+        </p:blipFill>
+        <p:spPr>
+          <a:xfrm>
+            <a:off x="7387646" y="2416363"/>
+            <a:ext cx="4225714" cy="2329024"/>
+          </a:xfrm>
+          <a:prstGeom prst="rect">
+            <a:avLst/>
+          </a:prstGeom>
+        </p:spPr>
+      </p:pic>
     </p:spTree>
     <p:extLst>
       <p:ext uri="{BB962C8B-B14F-4D97-AF65-F5344CB8AC3E}">

--- a/assets/user_guide.pptx
+++ b/assets/user_guide.pptx
@@ -6526,12 +6526,42 @@
           <a:chExt cx="0" cy="0"/>
         </a:xfrm>
       </p:grpSpPr>
+      <p:pic>
+        <p:nvPicPr>
+          <p:cNvPr id="3" name="圖片 2">
+            <a:extLst>
+              <a:ext uri="{FF2B5EF4-FFF2-40B4-BE49-F238E27FC236}">
+                <a16:creationId xmlns:a16="http://schemas.microsoft.com/office/drawing/2014/main" id="{CAE17852-8088-9C24-AD9F-6C40E83F73B1}"/>
+              </a:ext>
+            </a:extLst>
+          </p:cNvPr>
+          <p:cNvPicPr>
+            <a:picLocks noChangeAspect="1"/>
+          </p:cNvPicPr>
+          <p:nvPr/>
+        </p:nvPicPr>
+        <p:blipFill>
+          <a:blip r:embed="rId2"/>
+          <a:stretch>
+            <a:fillRect/>
+          </a:stretch>
+        </p:blipFill>
+        <p:spPr>
+          <a:xfrm>
+            <a:off x="1013382" y="2069028"/>
+            <a:ext cx="9579713" cy="3434790"/>
+          </a:xfrm>
+          <a:prstGeom prst="rect">
+            <a:avLst/>
+          </a:prstGeom>
+        </p:spPr>
+      </p:pic>
       <p:grpSp>
         <p:nvGrpSpPr>
-          <p:cNvPr id="20" name="群組 19">
-            <a:extLst>
-              <a:ext uri="{FF2B5EF4-FFF2-40B4-BE49-F238E27FC236}">
-                <a16:creationId xmlns:a16="http://schemas.microsoft.com/office/drawing/2014/main" id="{76C104A7-E787-963C-26DD-4A7A491F67E3}"/>
+          <p:cNvPr id="19" name="群組 18">
+            <a:extLst>
+              <a:ext uri="{FF2B5EF4-FFF2-40B4-BE49-F238E27FC236}">
+                <a16:creationId xmlns:a16="http://schemas.microsoft.com/office/drawing/2014/main" id="{C5D52621-3BCF-1744-8FF3-F6B12B19EFEE}"/>
               </a:ext>
             </a:extLst>
           </p:cNvPr>
@@ -6541,17 +6571,17 @@
         <p:grpSpPr>
           <a:xfrm>
             <a:off x="971951" y="962453"/>
-            <a:ext cx="10244689" cy="4805062"/>
-            <a:chOff x="971951" y="962453"/>
-            <a:chExt cx="10244689" cy="4805062"/>
+            <a:ext cx="3353268" cy="1019317"/>
+            <a:chOff x="1249564" y="942070"/>
+            <a:chExt cx="3353268" cy="1019317"/>
           </a:xfrm>
         </p:grpSpPr>
         <p:pic>
           <p:nvPicPr>
-            <p:cNvPr id="13" name="圖片 12">
+            <p:cNvPr id="33" name="圖片 32">
               <a:extLst>
                 <a:ext uri="{FF2B5EF4-FFF2-40B4-BE49-F238E27FC236}">
-                  <a16:creationId xmlns:a16="http://schemas.microsoft.com/office/drawing/2014/main" id="{05A5F38D-A7AC-AAD1-E0CC-C476AAB53668}"/>
+                  <a16:creationId xmlns:a16="http://schemas.microsoft.com/office/drawing/2014/main" id="{A05CD010-C839-0AAA-4F6A-4FDF0166718B}"/>
                 </a:ext>
               </a:extLst>
             </p:cNvPr>
@@ -6561,961 +6591,896 @@
             <p:nvPr/>
           </p:nvPicPr>
           <p:blipFill>
-            <a:blip r:embed="rId2"/>
+            <a:blip r:embed="rId3"/>
             <a:stretch>
               <a:fillRect/>
             </a:stretch>
           </p:blipFill>
           <p:spPr>
             <a:xfrm>
-              <a:off x="975360" y="2069970"/>
-              <a:ext cx="10241280" cy="3671994"/>
+              <a:off x="1249564" y="942070"/>
+              <a:ext cx="3353268" cy="1019317"/>
             </a:xfrm>
             <a:prstGeom prst="rect">
               <a:avLst/>
             </a:prstGeom>
           </p:spPr>
         </p:pic>
-        <p:grpSp>
-          <p:nvGrpSpPr>
-            <p:cNvPr id="19" name="群組 18">
+        <p:sp>
+          <p:nvSpPr>
+            <p:cNvPr id="35" name="矩形 34">
               <a:extLst>
                 <a:ext uri="{FF2B5EF4-FFF2-40B4-BE49-F238E27FC236}">
-                  <a16:creationId xmlns:a16="http://schemas.microsoft.com/office/drawing/2014/main" id="{C5D52621-3BCF-1744-8FF3-F6B12B19EFEE}"/>
+                  <a16:creationId xmlns:a16="http://schemas.microsoft.com/office/drawing/2014/main" id="{06BD4E8B-3DFC-7BFF-AA28-EC9622247C1C}"/>
                 </a:ext>
               </a:extLst>
             </p:cNvPr>
-            <p:cNvGrpSpPr/>
-            <p:nvPr/>
-          </p:nvGrpSpPr>
-          <p:grpSpPr>
-            <a:xfrm>
-              <a:off x="971951" y="962453"/>
-              <a:ext cx="3353268" cy="1019317"/>
-              <a:chOff x="1249564" y="942070"/>
-              <a:chExt cx="3353268" cy="1019317"/>
-            </a:xfrm>
-          </p:grpSpPr>
-          <p:pic>
-            <p:nvPicPr>
-              <p:cNvPr id="33" name="圖片 32">
-                <a:extLst>
-                  <a:ext uri="{FF2B5EF4-FFF2-40B4-BE49-F238E27FC236}">
-                    <a16:creationId xmlns:a16="http://schemas.microsoft.com/office/drawing/2014/main" id="{A05CD010-C839-0AAA-4F6A-4FDF0166718B}"/>
-                  </a:ext>
-                </a:extLst>
-              </p:cNvPr>
-              <p:cNvPicPr>
-                <a:picLocks noChangeAspect="1"/>
-              </p:cNvPicPr>
-              <p:nvPr/>
-            </p:nvPicPr>
-            <p:blipFill>
-              <a:blip r:embed="rId3"/>
-              <a:stretch>
-                <a:fillRect/>
-              </a:stretch>
-            </p:blipFill>
-            <p:spPr>
-              <a:xfrm>
-                <a:off x="1249564" y="942070"/>
-                <a:ext cx="3353268" cy="1019317"/>
-              </a:xfrm>
-              <a:prstGeom prst="rect">
-                <a:avLst/>
-              </a:prstGeom>
-            </p:spPr>
-          </p:pic>
-          <p:sp>
-            <p:nvSpPr>
-              <p:cNvPr id="35" name="矩形 34">
-                <a:extLst>
-                  <a:ext uri="{FF2B5EF4-FFF2-40B4-BE49-F238E27FC236}">
-                    <a16:creationId xmlns:a16="http://schemas.microsoft.com/office/drawing/2014/main" id="{06BD4E8B-3DFC-7BFF-AA28-EC9622247C1C}"/>
-                  </a:ext>
-                </a:extLst>
-              </p:cNvPr>
-              <p:cNvSpPr/>
-              <p:nvPr/>
-            </p:nvSpPr>
-            <p:spPr>
-              <a:xfrm>
-                <a:off x="1290995" y="1419107"/>
-                <a:ext cx="3311837" cy="524924"/>
-              </a:xfrm>
-              <a:prstGeom prst="rect">
-                <a:avLst/>
-              </a:prstGeom>
-              <a:noFill/>
-              <a:ln w="38100">
-                <a:solidFill>
-                  <a:srgbClr val="FF0000"/>
-                </a:solidFill>
-              </a:ln>
-            </p:spPr>
-            <p:style>
-              <a:lnRef idx="2">
-                <a:schemeClr val="accent1">
-                  <a:shade val="15000"/>
-                </a:schemeClr>
-              </a:lnRef>
-              <a:fillRef idx="1">
-                <a:schemeClr val="accent1"/>
-              </a:fillRef>
-              <a:effectRef idx="0">
-                <a:schemeClr val="accent1"/>
-              </a:effectRef>
-              <a:fontRef idx="minor">
-                <a:schemeClr val="lt1"/>
-              </a:fontRef>
-            </p:style>
-            <p:txBody>
-              <a:bodyPr rtlCol="0" anchor="ctr"/>
-              <a:lstStyle/>
-              <a:p>
-                <a:pPr algn="ctr"/>
-                <a:endParaRPr lang="zh-TW" altLang="en-US"/>
-              </a:p>
-            </p:txBody>
-          </p:sp>
-        </p:grpSp>
-        <p:sp>
-          <p:nvSpPr>
-            <p:cNvPr id="4" name="文字方塊 3">
-              <a:extLst>
-                <a:ext uri="{FF2B5EF4-FFF2-40B4-BE49-F238E27FC236}">
-                  <a16:creationId xmlns:a16="http://schemas.microsoft.com/office/drawing/2014/main" id="{9C7BBCEE-6BA4-BBE4-4DD0-23C3990E0AC5}"/>
-                </a:ext>
-              </a:extLst>
-            </p:cNvPr>
-            <p:cNvSpPr txBox="1"/>
+            <p:cNvSpPr/>
             <p:nvPr/>
           </p:nvSpPr>
           <p:spPr>
             <a:xfrm>
-              <a:off x="1129642" y="3890527"/>
-              <a:ext cx="614527" cy="276999"/>
-            </a:xfrm>
-            <a:prstGeom prst="rect">
-              <a:avLst/>
-            </a:prstGeom>
-            <a:solidFill>
-              <a:schemeClr val="bg1"/>
-            </a:solidFill>
-          </p:spPr>
-          <p:txBody>
-            <a:bodyPr wrap="none" rtlCol="0">
-              <a:spAutoFit/>
-            </a:bodyPr>
-            <a:lstStyle/>
-            <a:p>
-              <a:pPr algn="r"/>
-              <a:r>
-                <a:rPr lang="en-US" altLang="zh-TW" sz="1200" b="1" dirty="0">
-                  <a:solidFill>
-                    <a:srgbClr val="FF0000"/>
-                  </a:solidFill>
-                </a:rPr>
-                <a:t>START</a:t>
-              </a:r>
-              <a:endParaRPr lang="zh-TW" altLang="en-US" sz="1200" b="1" dirty="0">
-                <a:solidFill>
-                  <a:srgbClr val="FF0000"/>
-                </a:solidFill>
-              </a:endParaRPr>
-            </a:p>
-          </p:txBody>
-        </p:sp>
-        <p:sp>
-          <p:nvSpPr>
-            <p:cNvPr id="5" name="文字方塊 4">
-              <a:extLst>
-                <a:ext uri="{FF2B5EF4-FFF2-40B4-BE49-F238E27FC236}">
-                  <a16:creationId xmlns:a16="http://schemas.microsoft.com/office/drawing/2014/main" id="{9C852DE0-C151-F947-7605-5FA475CC936F}"/>
-                </a:ext>
-              </a:extLst>
-            </p:cNvPr>
-            <p:cNvSpPr txBox="1"/>
-            <p:nvPr/>
-          </p:nvSpPr>
-          <p:spPr>
-            <a:xfrm>
-              <a:off x="1116240" y="4399524"/>
-              <a:ext cx="627929" cy="276999"/>
-            </a:xfrm>
-            <a:prstGeom prst="rect">
-              <a:avLst/>
-            </a:prstGeom>
-            <a:solidFill>
-              <a:schemeClr val="bg1"/>
-            </a:solidFill>
-          </p:spPr>
-          <p:txBody>
-            <a:bodyPr wrap="none" rtlCol="0">
-              <a:spAutoFit/>
-            </a:bodyPr>
-            <a:lstStyle/>
-            <a:p>
-              <a:pPr algn="r"/>
-              <a:r>
-                <a:rPr lang="zh-TW" altLang="en-US" sz="1200" b="1" dirty="0">
-                  <a:solidFill>
-                    <a:srgbClr val="FF0000"/>
-                  </a:solidFill>
-                </a:rPr>
-                <a:t>  </a:t>
-              </a:r>
-              <a:r>
-                <a:rPr lang="en-US" altLang="zh-TW" sz="1200" b="1" dirty="0">
-                  <a:solidFill>
-                    <a:srgbClr val="FF0000"/>
-                  </a:solidFill>
-                </a:rPr>
-                <a:t>BUSY</a:t>
-              </a:r>
-              <a:endParaRPr lang="zh-TW" altLang="en-US" sz="1200" b="1" dirty="0">
-                <a:solidFill>
-                  <a:srgbClr val="FF0000"/>
-                </a:solidFill>
-              </a:endParaRPr>
-            </a:p>
-          </p:txBody>
-        </p:sp>
-        <p:sp>
-          <p:nvSpPr>
-            <p:cNvPr id="6" name="文字方塊 5">
-              <a:extLst>
-                <a:ext uri="{FF2B5EF4-FFF2-40B4-BE49-F238E27FC236}">
-                  <a16:creationId xmlns:a16="http://schemas.microsoft.com/office/drawing/2014/main" id="{6200E4EF-271E-7D54-7DD3-4BF066F181D3}"/>
-                </a:ext>
-              </a:extLst>
-            </p:cNvPr>
-            <p:cNvSpPr txBox="1"/>
-            <p:nvPr/>
-          </p:nvSpPr>
-          <p:spPr>
-            <a:xfrm>
-              <a:off x="1125089" y="4904153"/>
-              <a:ext cx="619080" cy="276999"/>
-            </a:xfrm>
-            <a:prstGeom prst="rect">
-              <a:avLst/>
-            </a:prstGeom>
-            <a:solidFill>
-              <a:schemeClr val="bg1"/>
-            </a:solidFill>
-          </p:spPr>
-          <p:txBody>
-            <a:bodyPr wrap="none" rtlCol="0">
-              <a:spAutoFit/>
-            </a:bodyPr>
-            <a:lstStyle/>
-            <a:p>
-              <a:pPr algn="r"/>
-              <a:r>
-                <a:rPr lang="zh-TW" altLang="en-US" sz="1200" b="1" dirty="0">
-                  <a:solidFill>
-                    <a:srgbClr val="FF0000"/>
-                  </a:solidFill>
-                </a:rPr>
-                <a:t>       </a:t>
-              </a:r>
-              <a:r>
-                <a:rPr lang="en-US" altLang="zh-TW" sz="1200" b="1" dirty="0">
-                  <a:solidFill>
-                    <a:srgbClr val="FF0000"/>
-                  </a:solidFill>
-                </a:rPr>
-                <a:t>OK</a:t>
-              </a:r>
-              <a:endParaRPr lang="zh-TW" altLang="en-US" sz="1200" b="1" dirty="0">
-                <a:solidFill>
-                  <a:srgbClr val="FF0000"/>
-                </a:solidFill>
-              </a:endParaRPr>
-            </a:p>
-          </p:txBody>
-        </p:sp>
-        <p:sp>
-          <p:nvSpPr>
-            <p:cNvPr id="7" name="文字方塊 6">
-              <a:extLst>
-                <a:ext uri="{FF2B5EF4-FFF2-40B4-BE49-F238E27FC236}">
-                  <a16:creationId xmlns:a16="http://schemas.microsoft.com/office/drawing/2014/main" id="{1682AD4C-2B56-F73B-061E-2EEBC2725FE6}"/>
-                </a:ext>
-              </a:extLst>
-            </p:cNvPr>
-            <p:cNvSpPr txBox="1"/>
-            <p:nvPr/>
-          </p:nvSpPr>
-          <p:spPr>
-            <a:xfrm>
-              <a:off x="1113867" y="5408782"/>
-              <a:ext cx="630302" cy="276999"/>
-            </a:xfrm>
-            <a:prstGeom prst="rect">
-              <a:avLst/>
-            </a:prstGeom>
-            <a:solidFill>
-              <a:schemeClr val="bg1"/>
-            </a:solidFill>
-          </p:spPr>
-          <p:txBody>
-            <a:bodyPr wrap="none" rtlCol="0">
-              <a:spAutoFit/>
-            </a:bodyPr>
-            <a:lstStyle/>
-            <a:p>
-              <a:pPr algn="r"/>
-              <a:r>
-                <a:rPr lang="zh-TW" altLang="en-US" sz="1200" b="1" dirty="0">
-                  <a:solidFill>
-                    <a:srgbClr val="FF0000"/>
-                  </a:solidFill>
-                </a:rPr>
-                <a:t>       </a:t>
-              </a:r>
-              <a:r>
-                <a:rPr lang="en-US" altLang="zh-TW" sz="1200" b="1" dirty="0">
-                  <a:solidFill>
-                    <a:srgbClr val="FF0000"/>
-                  </a:solidFill>
-                </a:rPr>
-                <a:t>NG</a:t>
-              </a:r>
-              <a:endParaRPr lang="zh-TW" altLang="en-US" sz="1200" b="1" dirty="0">
-                <a:solidFill>
-                  <a:srgbClr val="FF0000"/>
-                </a:solidFill>
-              </a:endParaRPr>
-            </a:p>
-          </p:txBody>
-        </p:sp>
-        <p:sp>
-          <p:nvSpPr>
-            <p:cNvPr id="8" name="文字方塊 7">
-              <a:extLst>
-                <a:ext uri="{FF2B5EF4-FFF2-40B4-BE49-F238E27FC236}">
-                  <a16:creationId xmlns:a16="http://schemas.microsoft.com/office/drawing/2014/main" id="{D0283E1C-172B-5377-4458-CA29D7D5341C}"/>
-                </a:ext>
-              </a:extLst>
-            </p:cNvPr>
-            <p:cNvSpPr txBox="1"/>
-            <p:nvPr/>
-          </p:nvSpPr>
-          <p:spPr>
-            <a:xfrm>
-              <a:off x="1145927" y="2392339"/>
-              <a:ext cx="598242" cy="276999"/>
-            </a:xfrm>
-            <a:prstGeom prst="rect">
-              <a:avLst/>
-            </a:prstGeom>
-            <a:solidFill>
-              <a:schemeClr val="bg1"/>
-            </a:solidFill>
-          </p:spPr>
-          <p:txBody>
-            <a:bodyPr wrap="none" rtlCol="0">
-              <a:spAutoFit/>
-            </a:bodyPr>
-            <a:lstStyle/>
-            <a:p>
-              <a:pPr algn="r"/>
-              <a:r>
-                <a:rPr lang="zh-TW" altLang="en-US" sz="1200" b="1" dirty="0">
-                  <a:solidFill>
-                    <a:srgbClr val="FF0000"/>
-                  </a:solidFill>
-                </a:rPr>
-                <a:t>      </a:t>
-              </a:r>
-              <a:r>
-                <a:rPr lang="en-US" altLang="zh-TW" sz="1200" b="1" dirty="0">
-                  <a:solidFill>
-                    <a:srgbClr val="FF0000"/>
-                  </a:solidFill>
-                </a:rPr>
-                <a:t>VM</a:t>
-              </a:r>
-              <a:endParaRPr lang="zh-TW" altLang="en-US" sz="1200" b="1" dirty="0">
-                <a:solidFill>
-                  <a:srgbClr val="FF0000"/>
-                </a:solidFill>
-              </a:endParaRPr>
-            </a:p>
-          </p:txBody>
-        </p:sp>
-        <p:sp>
-          <p:nvSpPr>
-            <p:cNvPr id="11" name="文字方塊 10">
-              <a:extLst>
-                <a:ext uri="{FF2B5EF4-FFF2-40B4-BE49-F238E27FC236}">
-                  <a16:creationId xmlns:a16="http://schemas.microsoft.com/office/drawing/2014/main" id="{5FA5F95E-1E38-444F-20D4-BDC834F8EA6A}"/>
-                </a:ext>
-              </a:extLst>
-            </p:cNvPr>
-            <p:cNvSpPr txBox="1"/>
-            <p:nvPr/>
-          </p:nvSpPr>
-          <p:spPr>
-            <a:xfrm>
-              <a:off x="1132014" y="2884637"/>
-              <a:ext cx="612155" cy="276999"/>
-            </a:xfrm>
-            <a:prstGeom prst="rect">
-              <a:avLst/>
-            </a:prstGeom>
-            <a:solidFill>
-              <a:schemeClr val="bg1"/>
-            </a:solidFill>
-          </p:spPr>
-          <p:txBody>
-            <a:bodyPr wrap="none" rtlCol="0">
-              <a:spAutoFit/>
-            </a:bodyPr>
-            <a:lstStyle/>
-            <a:p>
-              <a:pPr algn="r"/>
-              <a:r>
-                <a:rPr lang="zh-TW" altLang="en-US" sz="1200" b="1" dirty="0">
-                  <a:solidFill>
-                    <a:srgbClr val="FF0000"/>
-                  </a:solidFill>
-                </a:rPr>
-                <a:t>  </a:t>
-              </a:r>
-              <a:r>
-                <a:rPr lang="en-US" altLang="zh-TW" sz="1200" b="1" dirty="0">
-                  <a:solidFill>
-                    <a:srgbClr val="FF0000"/>
-                  </a:solidFill>
-                </a:rPr>
-                <a:t>PWM</a:t>
-              </a:r>
-              <a:endParaRPr lang="zh-TW" altLang="en-US" sz="1200" b="1" dirty="0">
-                <a:solidFill>
-                  <a:srgbClr val="FF0000"/>
-                </a:solidFill>
-              </a:endParaRPr>
-            </a:p>
-          </p:txBody>
-        </p:sp>
-        <p:sp>
-          <p:nvSpPr>
-            <p:cNvPr id="12" name="文字方塊 11">
-              <a:extLst>
-                <a:ext uri="{FF2B5EF4-FFF2-40B4-BE49-F238E27FC236}">
-                  <a16:creationId xmlns:a16="http://schemas.microsoft.com/office/drawing/2014/main" id="{7FF22F98-2251-C383-5250-E6406AD54647}"/>
-                </a:ext>
-              </a:extLst>
-            </p:cNvPr>
-            <p:cNvSpPr txBox="1"/>
-            <p:nvPr/>
-          </p:nvSpPr>
-          <p:spPr>
-            <a:xfrm>
-              <a:off x="1129897" y="3400155"/>
-              <a:ext cx="614272" cy="276999"/>
-            </a:xfrm>
-            <a:prstGeom prst="rect">
-              <a:avLst/>
-            </a:prstGeom>
-            <a:solidFill>
-              <a:schemeClr val="bg1"/>
-            </a:solidFill>
-          </p:spPr>
-          <p:txBody>
-            <a:bodyPr wrap="none" rtlCol="0">
-              <a:spAutoFit/>
-            </a:bodyPr>
-            <a:lstStyle/>
-            <a:p>
-              <a:pPr algn="r"/>
-              <a:r>
-                <a:rPr lang="zh-TW" altLang="en-US" sz="1200" b="1" dirty="0">
-                  <a:solidFill>
-                    <a:srgbClr val="FF0000"/>
-                  </a:solidFill>
-                </a:rPr>
-                <a:t>       </a:t>
-              </a:r>
-              <a:r>
-                <a:rPr lang="en-US" altLang="zh-TW" sz="1200" b="1" dirty="0">
-                  <a:solidFill>
-                    <a:srgbClr val="FF0000"/>
-                  </a:solidFill>
-                </a:rPr>
-                <a:t>SO</a:t>
-              </a:r>
-              <a:endParaRPr lang="zh-TW" altLang="en-US" sz="1200" b="1" dirty="0">
-                <a:solidFill>
-                  <a:srgbClr val="FF0000"/>
-                </a:solidFill>
-              </a:endParaRPr>
-            </a:p>
-          </p:txBody>
-        </p:sp>
-        <p:cxnSp>
-          <p:nvCxnSpPr>
-            <p:cNvPr id="14" name="直線接點 13">
-              <a:extLst>
-                <a:ext uri="{FF2B5EF4-FFF2-40B4-BE49-F238E27FC236}">
-                  <a16:creationId xmlns:a16="http://schemas.microsoft.com/office/drawing/2014/main" id="{7207B424-F0F5-968D-6C1D-97B06CC73106}"/>
-                </a:ext>
-              </a:extLst>
-            </p:cNvPr>
-            <p:cNvCxnSpPr>
-              <a:cxnSpLocks/>
-            </p:cNvCxnSpPr>
-            <p:nvPr/>
-          </p:nvCxnSpPr>
-          <p:spPr>
-            <a:xfrm>
-              <a:off x="2330450" y="2076130"/>
-              <a:ext cx="0" cy="3688080"/>
-            </a:xfrm>
-            <a:prstGeom prst="line">
-              <a:avLst/>
-            </a:prstGeom>
-            <a:ln>
-              <a:solidFill>
-                <a:srgbClr val="FF0000"/>
-              </a:solidFill>
-              <a:prstDash val="sysDot"/>
-            </a:ln>
-          </p:spPr>
-          <p:style>
-            <a:lnRef idx="2">
-              <a:schemeClr val="accent1"/>
-            </a:lnRef>
-            <a:fillRef idx="0">
-              <a:schemeClr val="accent1"/>
-            </a:fillRef>
-            <a:effectRef idx="1">
-              <a:schemeClr val="accent1"/>
-            </a:effectRef>
-            <a:fontRef idx="minor">
-              <a:schemeClr val="tx1"/>
-            </a:fontRef>
-          </p:style>
-        </p:cxnSp>
-        <p:cxnSp>
-          <p:nvCxnSpPr>
-            <p:cNvPr id="32" name="直線接點 31">
-              <a:extLst>
-                <a:ext uri="{FF2B5EF4-FFF2-40B4-BE49-F238E27FC236}">
-                  <a16:creationId xmlns:a16="http://schemas.microsoft.com/office/drawing/2014/main" id="{C6D81E41-E69B-E4AA-A137-F72A8E594B37}"/>
-                </a:ext>
-              </a:extLst>
-            </p:cNvPr>
-            <p:cNvCxnSpPr>
-              <a:cxnSpLocks/>
-            </p:cNvCxnSpPr>
-            <p:nvPr/>
-          </p:nvCxnSpPr>
-          <p:spPr>
-            <a:xfrm>
-              <a:off x="2966720" y="2079435"/>
-              <a:ext cx="0" cy="3688080"/>
-            </a:xfrm>
-            <a:prstGeom prst="line">
-              <a:avLst/>
-            </a:prstGeom>
-            <a:ln>
-              <a:solidFill>
-                <a:srgbClr val="FF0000"/>
-              </a:solidFill>
-              <a:prstDash val="sysDot"/>
-            </a:ln>
-          </p:spPr>
-          <p:style>
-            <a:lnRef idx="2">
-              <a:schemeClr val="accent1"/>
-            </a:lnRef>
-            <a:fillRef idx="0">
-              <a:schemeClr val="accent1"/>
-            </a:fillRef>
-            <a:effectRef idx="1">
-              <a:schemeClr val="accent1"/>
-            </a:effectRef>
-            <a:fontRef idx="minor">
-              <a:schemeClr val="tx1"/>
-            </a:fontRef>
-          </p:style>
-        </p:cxnSp>
-        <p:cxnSp>
-          <p:nvCxnSpPr>
-            <p:cNvPr id="36" name="直線接點 35">
-              <a:extLst>
-                <a:ext uri="{FF2B5EF4-FFF2-40B4-BE49-F238E27FC236}">
-                  <a16:creationId xmlns:a16="http://schemas.microsoft.com/office/drawing/2014/main" id="{8E9C04DD-B51E-41A3-20A1-C74623DEB200}"/>
-                </a:ext>
-              </a:extLst>
-            </p:cNvPr>
-            <p:cNvCxnSpPr>
-              <a:cxnSpLocks/>
-            </p:cNvCxnSpPr>
-            <p:nvPr/>
-          </p:nvCxnSpPr>
-          <p:spPr>
-            <a:xfrm>
-              <a:off x="10307319" y="2069027"/>
-              <a:ext cx="22860" cy="3688080"/>
-            </a:xfrm>
-            <a:prstGeom prst="line">
-              <a:avLst/>
-            </a:prstGeom>
-            <a:ln>
-              <a:solidFill>
-                <a:srgbClr val="FF0000"/>
-              </a:solidFill>
-              <a:prstDash val="sysDot"/>
-            </a:ln>
-          </p:spPr>
-          <p:style>
-            <a:lnRef idx="2">
-              <a:schemeClr val="accent1"/>
-            </a:lnRef>
-            <a:fillRef idx="0">
-              <a:schemeClr val="accent1"/>
-            </a:fillRef>
-            <a:effectRef idx="1">
-              <a:schemeClr val="accent1"/>
-            </a:effectRef>
-            <a:fontRef idx="minor">
-              <a:schemeClr val="tx1"/>
-            </a:fontRef>
-          </p:style>
-        </p:cxnSp>
-        <p:cxnSp>
-          <p:nvCxnSpPr>
-            <p:cNvPr id="37" name="直線接點 36">
-              <a:extLst>
-                <a:ext uri="{FF2B5EF4-FFF2-40B4-BE49-F238E27FC236}">
-                  <a16:creationId xmlns:a16="http://schemas.microsoft.com/office/drawing/2014/main" id="{1F18384F-AA39-A940-275D-D028DA00D0AA}"/>
-                </a:ext>
-              </a:extLst>
-            </p:cNvPr>
-            <p:cNvCxnSpPr>
-              <a:cxnSpLocks/>
-            </p:cNvCxnSpPr>
-            <p:nvPr/>
-          </p:nvCxnSpPr>
-          <p:spPr>
-            <a:xfrm>
-              <a:off x="10982960" y="2069027"/>
-              <a:ext cx="0" cy="3688080"/>
-            </a:xfrm>
-            <a:prstGeom prst="line">
-              <a:avLst/>
-            </a:prstGeom>
-            <a:ln>
-              <a:solidFill>
-                <a:srgbClr val="FF0000"/>
-              </a:solidFill>
-              <a:prstDash val="sysDot"/>
-            </a:ln>
-          </p:spPr>
-          <p:style>
-            <a:lnRef idx="2">
-              <a:schemeClr val="accent1"/>
-            </a:lnRef>
-            <a:fillRef idx="0">
-              <a:schemeClr val="accent1"/>
-            </a:fillRef>
-            <a:effectRef idx="1">
-              <a:schemeClr val="accent1"/>
-            </a:effectRef>
-            <a:fontRef idx="minor">
-              <a:schemeClr val="tx1"/>
-            </a:fontRef>
-          </p:style>
-        </p:cxnSp>
-        <p:cxnSp>
-          <p:nvCxnSpPr>
-            <p:cNvPr id="39" name="直線單箭頭接點 38">
-              <a:extLst>
-                <a:ext uri="{FF2B5EF4-FFF2-40B4-BE49-F238E27FC236}">
-                  <a16:creationId xmlns:a16="http://schemas.microsoft.com/office/drawing/2014/main" id="{C0EF2B4F-239B-9D7B-BC60-CED0CD9CA5E6}"/>
-                </a:ext>
-              </a:extLst>
-            </p:cNvPr>
-            <p:cNvCxnSpPr>
-              <a:cxnSpLocks/>
-            </p:cNvCxnSpPr>
-            <p:nvPr/>
-          </p:nvCxnSpPr>
-          <p:spPr>
-            <a:xfrm>
-              <a:off x="2330450" y="3513254"/>
-              <a:ext cx="636270" cy="0"/>
-            </a:xfrm>
-            <a:prstGeom prst="straightConnector1">
-              <a:avLst/>
-            </a:prstGeom>
-            <a:ln>
-              <a:solidFill>
-                <a:srgbClr val="FF0000"/>
-              </a:solidFill>
-              <a:headEnd type="arrow" w="med" len="med"/>
-              <a:tailEnd type="arrow" w="med" len="med"/>
-            </a:ln>
-          </p:spPr>
-          <p:style>
-            <a:lnRef idx="2">
-              <a:schemeClr val="accent1"/>
-            </a:lnRef>
-            <a:fillRef idx="0">
-              <a:schemeClr val="accent1"/>
-            </a:fillRef>
-            <a:effectRef idx="1">
-              <a:schemeClr val="accent1"/>
-            </a:effectRef>
-            <a:fontRef idx="minor">
-              <a:schemeClr val="tx1"/>
-            </a:fontRef>
-          </p:style>
-        </p:cxnSp>
-        <p:sp>
-          <p:nvSpPr>
-            <p:cNvPr id="40" name="文字方塊 39">
-              <a:extLst>
-                <a:ext uri="{FF2B5EF4-FFF2-40B4-BE49-F238E27FC236}">
-                  <a16:creationId xmlns:a16="http://schemas.microsoft.com/office/drawing/2014/main" id="{1169CECD-369E-7F77-61EB-4D7B6A7B14A7}"/>
-                </a:ext>
-              </a:extLst>
-            </p:cNvPr>
-            <p:cNvSpPr txBox="1"/>
-            <p:nvPr/>
-          </p:nvSpPr>
-          <p:spPr>
-            <a:xfrm>
-              <a:off x="10397524" y="4799857"/>
-              <a:ext cx="518091" cy="246221"/>
+              <a:off x="1290995" y="1419107"/>
+              <a:ext cx="3311837" cy="524924"/>
             </a:xfrm>
             <a:prstGeom prst="rect">
               <a:avLst/>
             </a:prstGeom>
             <a:noFill/>
-          </p:spPr>
-          <p:txBody>
-            <a:bodyPr wrap="none" rtlCol="0">
-              <a:spAutoFit/>
-            </a:bodyPr>
-            <a:lstStyle/>
-            <a:p>
-              <a:r>
-                <a:rPr lang="en-US" altLang="zh-TW" sz="1000" b="1" dirty="0">
-                  <a:solidFill>
-                    <a:srgbClr val="FF0000"/>
-                  </a:solidFill>
-                </a:rPr>
-                <a:t>Delay</a:t>
-              </a:r>
-              <a:endParaRPr lang="zh-TW" altLang="en-US" sz="1000" b="1" dirty="0">
-                <a:solidFill>
-                  <a:srgbClr val="FF0000"/>
-                </a:solidFill>
-              </a:endParaRPr>
-            </a:p>
-          </p:txBody>
-        </p:sp>
-        <p:sp>
-          <p:nvSpPr>
-            <p:cNvPr id="41" name="文字方塊 40">
-              <a:extLst>
-                <a:ext uri="{FF2B5EF4-FFF2-40B4-BE49-F238E27FC236}">
-                  <a16:creationId xmlns:a16="http://schemas.microsoft.com/office/drawing/2014/main" id="{9D294050-EC69-E672-59EB-6DBF9D98F334}"/>
-                </a:ext>
-              </a:extLst>
-            </p:cNvPr>
-            <p:cNvSpPr txBox="1"/>
-            <p:nvPr/>
-          </p:nvSpPr>
-          <p:spPr>
-            <a:xfrm>
-              <a:off x="2276644" y="3179833"/>
-              <a:ext cx="785793" cy="246221"/>
-            </a:xfrm>
-            <a:prstGeom prst="rect">
-              <a:avLst/>
-            </a:prstGeom>
-            <a:noFill/>
-          </p:spPr>
-          <p:txBody>
-            <a:bodyPr wrap="none" rtlCol="0">
-              <a:spAutoFit/>
-            </a:bodyPr>
-            <a:lstStyle/>
-            <a:p>
-              <a:r>
-                <a:rPr lang="en-US" altLang="zh-TW" sz="1000" b="1" dirty="0">
-                  <a:solidFill>
-                    <a:srgbClr val="FF0000"/>
-                  </a:solidFill>
-                </a:rPr>
-                <a:t>Debounce</a:t>
-              </a:r>
-              <a:endParaRPr lang="zh-TW" altLang="en-US" sz="1000" b="1" dirty="0">
-                <a:solidFill>
-                  <a:srgbClr val="FF0000"/>
-                </a:solidFill>
-              </a:endParaRPr>
-            </a:p>
-          </p:txBody>
-        </p:sp>
-        <p:cxnSp>
-          <p:nvCxnSpPr>
-            <p:cNvPr id="42" name="直線單箭頭接點 41">
-              <a:extLst>
-                <a:ext uri="{FF2B5EF4-FFF2-40B4-BE49-F238E27FC236}">
-                  <a16:creationId xmlns:a16="http://schemas.microsoft.com/office/drawing/2014/main" id="{64B65C4E-123C-5201-8CC0-B053F35E6AF5}"/>
-                </a:ext>
-              </a:extLst>
-            </p:cNvPr>
-            <p:cNvCxnSpPr>
-              <a:cxnSpLocks/>
-            </p:cNvCxnSpPr>
-            <p:nvPr/>
-          </p:nvCxnSpPr>
-          <p:spPr>
-            <a:xfrm flipV="1">
-              <a:off x="10330180" y="5034277"/>
-              <a:ext cx="652780" cy="8375"/>
-            </a:xfrm>
-            <a:prstGeom prst="straightConnector1">
-              <a:avLst/>
-            </a:prstGeom>
-            <a:ln>
+            <a:ln w="38100">
               <a:solidFill>
                 <a:srgbClr val="FF0000"/>
               </a:solidFill>
-              <a:headEnd type="arrow" w="med" len="med"/>
-              <a:tailEnd type="arrow" w="med" len="med"/>
             </a:ln>
           </p:spPr>
           <p:style>
             <a:lnRef idx="2">
-              <a:schemeClr val="accent1"/>
+              <a:schemeClr val="accent1">
+                <a:shade val="15000"/>
+              </a:schemeClr>
             </a:lnRef>
-            <a:fillRef idx="0">
+            <a:fillRef idx="1">
               <a:schemeClr val="accent1"/>
             </a:fillRef>
-            <a:effectRef idx="1">
+            <a:effectRef idx="0">
               <a:schemeClr val="accent1"/>
             </a:effectRef>
             <a:fontRef idx="minor">
-              <a:schemeClr val="tx1"/>
+              <a:schemeClr val="lt1"/>
             </a:fontRef>
           </p:style>
-        </p:cxnSp>
-        <p:cxnSp>
-          <p:nvCxnSpPr>
-            <p:cNvPr id="47" name="直線單箭頭接點 46">
-              <a:extLst>
-                <a:ext uri="{FF2B5EF4-FFF2-40B4-BE49-F238E27FC236}">
-                  <a16:creationId xmlns:a16="http://schemas.microsoft.com/office/drawing/2014/main" id="{1ABE6D41-57C9-EC70-E82A-B688C94C9A95}"/>
-                </a:ext>
-              </a:extLst>
-            </p:cNvPr>
-            <p:cNvCxnSpPr>
-              <a:cxnSpLocks/>
-            </p:cNvCxnSpPr>
-            <p:nvPr/>
-          </p:nvCxnSpPr>
-          <p:spPr>
-            <a:xfrm flipV="1">
-              <a:off x="2966720" y="4399524"/>
-              <a:ext cx="7363459" cy="48531"/>
-            </a:xfrm>
-            <a:prstGeom prst="straightConnector1">
-              <a:avLst/>
-            </a:prstGeom>
-            <a:ln>
-              <a:solidFill>
-                <a:srgbClr val="FF0000"/>
-              </a:solidFill>
-              <a:headEnd type="arrow" w="med" len="med"/>
-              <a:tailEnd type="arrow" w="med" len="med"/>
-            </a:ln>
-          </p:spPr>
-          <p:style>
-            <a:lnRef idx="2">
-              <a:schemeClr val="accent1"/>
-            </a:lnRef>
-            <a:fillRef idx="0">
-              <a:schemeClr val="accent1"/>
-            </a:fillRef>
-            <a:effectRef idx="1">
-              <a:schemeClr val="accent1"/>
-            </a:effectRef>
-            <a:fontRef idx="minor">
-              <a:schemeClr val="tx1"/>
-            </a:fontRef>
-          </p:style>
-        </p:cxnSp>
-        <p:sp>
-          <p:nvSpPr>
-            <p:cNvPr id="49" name="文字方塊 48">
-              <a:extLst>
-                <a:ext uri="{FF2B5EF4-FFF2-40B4-BE49-F238E27FC236}">
-                  <a16:creationId xmlns:a16="http://schemas.microsoft.com/office/drawing/2014/main" id="{66761C50-3169-0FE1-2C1F-6DC6D4150904}"/>
-                </a:ext>
-              </a:extLst>
-            </p:cNvPr>
-            <p:cNvSpPr txBox="1"/>
-            <p:nvPr/>
-          </p:nvSpPr>
-          <p:spPr>
-            <a:xfrm>
-              <a:off x="5604647" y="4201834"/>
-              <a:ext cx="792205" cy="246221"/>
-            </a:xfrm>
-            <a:prstGeom prst="rect">
-              <a:avLst/>
-            </a:prstGeom>
-            <a:noFill/>
-          </p:spPr>
           <p:txBody>
-            <a:bodyPr wrap="square" rtlCol="0">
-              <a:spAutoFit/>
-            </a:bodyPr>
+            <a:bodyPr rtlCol="0" anchor="ctr"/>
             <a:lstStyle/>
             <a:p>
-              <a:r>
-                <a:rPr lang="en-US" altLang="zh-TW" sz="1000" b="1" dirty="0">
-                  <a:solidFill>
-                    <a:srgbClr val="FF0000"/>
-                  </a:solidFill>
-                </a:rPr>
-                <a:t>Burn(</a:t>
-              </a:r>
-              <a:r>
-                <a:rPr lang="zh-TW" altLang="en-US" sz="1000" b="1" dirty="0">
-                  <a:solidFill>
-                    <a:srgbClr val="FF0000"/>
-                  </a:solidFill>
-                </a:rPr>
-                <a:t>燒錄</a:t>
-              </a:r>
-              <a:r>
-                <a:rPr lang="en-US" altLang="zh-TW" sz="1000" b="1" dirty="0">
-                  <a:solidFill>
-                    <a:srgbClr val="FF0000"/>
-                  </a:solidFill>
-                </a:rPr>
-                <a:t>)</a:t>
-              </a:r>
-              <a:endParaRPr lang="zh-TW" altLang="en-US" sz="1000" b="1" dirty="0">
-                <a:solidFill>
-                  <a:srgbClr val="FF0000"/>
-                </a:solidFill>
-              </a:endParaRPr>
+              <a:pPr algn="ctr"/>
+              <a:endParaRPr lang="zh-TW" altLang="en-US"/>
             </a:p>
           </p:txBody>
         </p:sp>
       </p:grpSp>
+      <p:sp>
+        <p:nvSpPr>
+          <p:cNvPr id="4" name="文字方塊 3">
+            <a:extLst>
+              <a:ext uri="{FF2B5EF4-FFF2-40B4-BE49-F238E27FC236}">
+                <a16:creationId xmlns:a16="http://schemas.microsoft.com/office/drawing/2014/main" id="{9C7BBCEE-6BA4-BBE4-4DD0-23C3990E0AC5}"/>
+              </a:ext>
+            </a:extLst>
+          </p:cNvPr>
+          <p:cNvSpPr txBox="1"/>
+          <p:nvPr/>
+        </p:nvSpPr>
+        <p:spPr>
+          <a:xfrm>
+            <a:off x="1147690" y="3747352"/>
+            <a:ext cx="614527" cy="276999"/>
+          </a:xfrm>
+          <a:prstGeom prst="rect">
+            <a:avLst/>
+          </a:prstGeom>
+          <a:noFill/>
+        </p:spPr>
+        <p:txBody>
+          <a:bodyPr wrap="none" rtlCol="0">
+            <a:spAutoFit/>
+          </a:bodyPr>
+          <a:lstStyle/>
+          <a:p>
+            <a:pPr algn="r"/>
+            <a:r>
+              <a:rPr lang="en-US" altLang="zh-TW" sz="1200" b="1" dirty="0">
+                <a:solidFill>
+                  <a:srgbClr val="FF0000"/>
+                </a:solidFill>
+              </a:rPr>
+              <a:t>START</a:t>
+            </a:r>
+            <a:endParaRPr lang="zh-TW" altLang="en-US" sz="1200" b="1" dirty="0">
+              <a:solidFill>
+                <a:srgbClr val="FF0000"/>
+              </a:solidFill>
+            </a:endParaRPr>
+          </a:p>
+        </p:txBody>
+      </p:sp>
+      <p:sp>
+        <p:nvSpPr>
+          <p:cNvPr id="5" name="文字方塊 4">
+            <a:extLst>
+              <a:ext uri="{FF2B5EF4-FFF2-40B4-BE49-F238E27FC236}">
+                <a16:creationId xmlns:a16="http://schemas.microsoft.com/office/drawing/2014/main" id="{9C852DE0-C151-F947-7605-5FA475CC936F}"/>
+              </a:ext>
+            </a:extLst>
+          </p:cNvPr>
+          <p:cNvSpPr txBox="1"/>
+          <p:nvPr/>
+        </p:nvSpPr>
+        <p:spPr>
+          <a:xfrm>
+            <a:off x="1142454" y="4217605"/>
+            <a:ext cx="627929" cy="276999"/>
+          </a:xfrm>
+          <a:prstGeom prst="rect">
+            <a:avLst/>
+          </a:prstGeom>
+          <a:noFill/>
+        </p:spPr>
+        <p:txBody>
+          <a:bodyPr wrap="none" rtlCol="0">
+            <a:spAutoFit/>
+          </a:bodyPr>
+          <a:lstStyle/>
+          <a:p>
+            <a:pPr algn="r"/>
+            <a:r>
+              <a:rPr lang="zh-TW" altLang="en-US" sz="1200" b="1" dirty="0">
+                <a:solidFill>
+                  <a:srgbClr val="FF0000"/>
+                </a:solidFill>
+              </a:rPr>
+              <a:t>  </a:t>
+            </a:r>
+            <a:r>
+              <a:rPr lang="en-US" altLang="zh-TW" sz="1200" b="1" dirty="0">
+                <a:solidFill>
+                  <a:srgbClr val="FF0000"/>
+                </a:solidFill>
+              </a:rPr>
+              <a:t>BUSY</a:t>
+            </a:r>
+            <a:endParaRPr lang="zh-TW" altLang="en-US" sz="1200" b="1" dirty="0">
+              <a:solidFill>
+                <a:srgbClr val="FF0000"/>
+              </a:solidFill>
+            </a:endParaRPr>
+          </a:p>
+        </p:txBody>
+      </p:sp>
+      <p:sp>
+        <p:nvSpPr>
+          <p:cNvPr id="6" name="文字方塊 5">
+            <a:extLst>
+              <a:ext uri="{FF2B5EF4-FFF2-40B4-BE49-F238E27FC236}">
+                <a16:creationId xmlns:a16="http://schemas.microsoft.com/office/drawing/2014/main" id="{6200E4EF-271E-7D54-7DD3-4BF066F181D3}"/>
+              </a:ext>
+            </a:extLst>
+          </p:cNvPr>
+          <p:cNvSpPr txBox="1"/>
+          <p:nvPr/>
+        </p:nvSpPr>
+        <p:spPr>
+          <a:xfrm>
+            <a:off x="1151303" y="4688078"/>
+            <a:ext cx="619080" cy="276999"/>
+          </a:xfrm>
+          <a:prstGeom prst="rect">
+            <a:avLst/>
+          </a:prstGeom>
+          <a:noFill/>
+        </p:spPr>
+        <p:txBody>
+          <a:bodyPr wrap="none" rtlCol="0">
+            <a:spAutoFit/>
+          </a:bodyPr>
+          <a:lstStyle/>
+          <a:p>
+            <a:pPr algn="r"/>
+            <a:r>
+              <a:rPr lang="zh-TW" altLang="en-US" sz="1200" b="1" dirty="0">
+                <a:solidFill>
+                  <a:srgbClr val="FF0000"/>
+                </a:solidFill>
+              </a:rPr>
+              <a:t>       </a:t>
+            </a:r>
+            <a:r>
+              <a:rPr lang="en-US" altLang="zh-TW" sz="1200" b="1" dirty="0">
+                <a:solidFill>
+                  <a:srgbClr val="FF0000"/>
+                </a:solidFill>
+              </a:rPr>
+              <a:t>OK</a:t>
+            </a:r>
+            <a:endParaRPr lang="zh-TW" altLang="en-US" sz="1200" b="1" dirty="0">
+              <a:solidFill>
+                <a:srgbClr val="FF0000"/>
+              </a:solidFill>
+            </a:endParaRPr>
+          </a:p>
+        </p:txBody>
+      </p:sp>
+      <p:sp>
+        <p:nvSpPr>
+          <p:cNvPr id="7" name="文字方塊 6">
+            <a:extLst>
+              <a:ext uri="{FF2B5EF4-FFF2-40B4-BE49-F238E27FC236}">
+                <a16:creationId xmlns:a16="http://schemas.microsoft.com/office/drawing/2014/main" id="{1682AD4C-2B56-F73B-061E-2EEBC2725FE6}"/>
+              </a:ext>
+            </a:extLst>
+          </p:cNvPr>
+          <p:cNvSpPr txBox="1"/>
+          <p:nvPr/>
+        </p:nvSpPr>
+        <p:spPr>
+          <a:xfrm>
+            <a:off x="1140081" y="5179719"/>
+            <a:ext cx="630302" cy="276999"/>
+          </a:xfrm>
+          <a:prstGeom prst="rect">
+            <a:avLst/>
+          </a:prstGeom>
+          <a:noFill/>
+        </p:spPr>
+        <p:txBody>
+          <a:bodyPr wrap="none" rtlCol="0">
+            <a:spAutoFit/>
+          </a:bodyPr>
+          <a:lstStyle/>
+          <a:p>
+            <a:pPr algn="r"/>
+            <a:r>
+              <a:rPr lang="zh-TW" altLang="en-US" sz="1200" b="1" dirty="0">
+                <a:solidFill>
+                  <a:srgbClr val="FF0000"/>
+                </a:solidFill>
+              </a:rPr>
+              <a:t>       </a:t>
+            </a:r>
+            <a:r>
+              <a:rPr lang="en-US" altLang="zh-TW" sz="1200" b="1" dirty="0">
+                <a:solidFill>
+                  <a:srgbClr val="FF0000"/>
+                </a:solidFill>
+              </a:rPr>
+              <a:t>NG</a:t>
+            </a:r>
+            <a:endParaRPr lang="zh-TW" altLang="en-US" sz="1200" b="1" dirty="0">
+              <a:solidFill>
+                <a:srgbClr val="FF0000"/>
+              </a:solidFill>
+            </a:endParaRPr>
+          </a:p>
+        </p:txBody>
+      </p:sp>
+      <p:sp>
+        <p:nvSpPr>
+          <p:cNvPr id="8" name="文字方塊 7">
+            <a:extLst>
+              <a:ext uri="{FF2B5EF4-FFF2-40B4-BE49-F238E27FC236}">
+                <a16:creationId xmlns:a16="http://schemas.microsoft.com/office/drawing/2014/main" id="{D0283E1C-172B-5377-4458-CA29D7D5341C}"/>
+              </a:ext>
+            </a:extLst>
+          </p:cNvPr>
+          <p:cNvSpPr txBox="1"/>
+          <p:nvPr/>
+        </p:nvSpPr>
+        <p:spPr>
+          <a:xfrm>
+            <a:off x="1145926" y="2335458"/>
+            <a:ext cx="598242" cy="276999"/>
+          </a:xfrm>
+          <a:prstGeom prst="rect">
+            <a:avLst/>
+          </a:prstGeom>
+          <a:noFill/>
+        </p:spPr>
+        <p:txBody>
+          <a:bodyPr wrap="none" rtlCol="0">
+            <a:spAutoFit/>
+          </a:bodyPr>
+          <a:lstStyle/>
+          <a:p>
+            <a:pPr algn="r"/>
+            <a:r>
+              <a:rPr lang="zh-TW" altLang="en-US" sz="1200" b="1" dirty="0">
+                <a:solidFill>
+                  <a:srgbClr val="FF0000"/>
+                </a:solidFill>
+              </a:rPr>
+              <a:t>      </a:t>
+            </a:r>
+            <a:r>
+              <a:rPr lang="en-US" altLang="zh-TW" sz="1200" b="1" dirty="0">
+                <a:solidFill>
+                  <a:srgbClr val="FF0000"/>
+                </a:solidFill>
+              </a:rPr>
+              <a:t>VM</a:t>
+            </a:r>
+            <a:endParaRPr lang="zh-TW" altLang="en-US" sz="1200" b="1" dirty="0">
+              <a:solidFill>
+                <a:srgbClr val="FF0000"/>
+              </a:solidFill>
+            </a:endParaRPr>
+          </a:p>
+        </p:txBody>
+      </p:sp>
+      <p:sp>
+        <p:nvSpPr>
+          <p:cNvPr id="11" name="文字方塊 10">
+            <a:extLst>
+              <a:ext uri="{FF2B5EF4-FFF2-40B4-BE49-F238E27FC236}">
+                <a16:creationId xmlns:a16="http://schemas.microsoft.com/office/drawing/2014/main" id="{5FA5F95E-1E38-444F-20D4-BDC834F8EA6A}"/>
+              </a:ext>
+            </a:extLst>
+          </p:cNvPr>
+          <p:cNvSpPr txBox="1"/>
+          <p:nvPr/>
+        </p:nvSpPr>
+        <p:spPr>
+          <a:xfrm>
+            <a:off x="1132013" y="2827756"/>
+            <a:ext cx="612155" cy="276999"/>
+          </a:xfrm>
+          <a:prstGeom prst="rect">
+            <a:avLst/>
+          </a:prstGeom>
+          <a:noFill/>
+        </p:spPr>
+        <p:txBody>
+          <a:bodyPr wrap="none" rtlCol="0">
+            <a:spAutoFit/>
+          </a:bodyPr>
+          <a:lstStyle/>
+          <a:p>
+            <a:pPr algn="r"/>
+            <a:r>
+              <a:rPr lang="zh-TW" altLang="en-US" sz="1200" b="1" dirty="0">
+                <a:solidFill>
+                  <a:srgbClr val="FF0000"/>
+                </a:solidFill>
+              </a:rPr>
+              <a:t>  </a:t>
+            </a:r>
+            <a:r>
+              <a:rPr lang="en-US" altLang="zh-TW" sz="1200" b="1" dirty="0">
+                <a:solidFill>
+                  <a:srgbClr val="FF0000"/>
+                </a:solidFill>
+              </a:rPr>
+              <a:t>PWM</a:t>
+            </a:r>
+            <a:endParaRPr lang="zh-TW" altLang="en-US" sz="1200" b="1" dirty="0">
+              <a:solidFill>
+                <a:srgbClr val="FF0000"/>
+              </a:solidFill>
+            </a:endParaRPr>
+          </a:p>
+        </p:txBody>
+      </p:sp>
+      <p:sp>
+        <p:nvSpPr>
+          <p:cNvPr id="12" name="文字方塊 11">
+            <a:extLst>
+              <a:ext uri="{FF2B5EF4-FFF2-40B4-BE49-F238E27FC236}">
+                <a16:creationId xmlns:a16="http://schemas.microsoft.com/office/drawing/2014/main" id="{7FF22F98-2251-C383-5250-E6406AD54647}"/>
+              </a:ext>
+            </a:extLst>
+          </p:cNvPr>
+          <p:cNvSpPr txBox="1"/>
+          <p:nvPr/>
+        </p:nvSpPr>
+        <p:spPr>
+          <a:xfrm>
+            <a:off x="1142454" y="3287554"/>
+            <a:ext cx="614272" cy="276999"/>
+          </a:xfrm>
+          <a:prstGeom prst="rect">
+            <a:avLst/>
+          </a:prstGeom>
+          <a:noFill/>
+        </p:spPr>
+        <p:txBody>
+          <a:bodyPr wrap="none" rtlCol="0">
+            <a:spAutoFit/>
+          </a:bodyPr>
+          <a:lstStyle/>
+          <a:p>
+            <a:pPr algn="r"/>
+            <a:r>
+              <a:rPr lang="zh-TW" altLang="en-US" sz="1200" b="1" dirty="0">
+                <a:solidFill>
+                  <a:srgbClr val="FF0000"/>
+                </a:solidFill>
+              </a:rPr>
+              <a:t>       </a:t>
+            </a:r>
+            <a:r>
+              <a:rPr lang="en-US" altLang="zh-TW" sz="1200" b="1" dirty="0">
+                <a:solidFill>
+                  <a:srgbClr val="FF0000"/>
+                </a:solidFill>
+              </a:rPr>
+              <a:t>SO</a:t>
+            </a:r>
+            <a:endParaRPr lang="zh-TW" altLang="en-US" sz="1200" b="1" dirty="0">
+              <a:solidFill>
+                <a:srgbClr val="FF0000"/>
+              </a:solidFill>
+            </a:endParaRPr>
+          </a:p>
+        </p:txBody>
+      </p:sp>
+      <p:cxnSp>
+        <p:nvCxnSpPr>
+          <p:cNvPr id="14" name="直線接點 13">
+            <a:extLst>
+              <a:ext uri="{FF2B5EF4-FFF2-40B4-BE49-F238E27FC236}">
+                <a16:creationId xmlns:a16="http://schemas.microsoft.com/office/drawing/2014/main" id="{7207B424-F0F5-968D-6C1D-97B06CC73106}"/>
+              </a:ext>
+            </a:extLst>
+          </p:cNvPr>
+          <p:cNvCxnSpPr>
+            <a:cxnSpLocks/>
+          </p:cNvCxnSpPr>
+          <p:nvPr/>
+        </p:nvCxnSpPr>
+        <p:spPr>
+          <a:xfrm>
+            <a:off x="2276644" y="2041811"/>
+            <a:ext cx="0" cy="3462007"/>
+          </a:xfrm>
+          <a:prstGeom prst="line">
+            <a:avLst/>
+          </a:prstGeom>
+          <a:ln>
+            <a:solidFill>
+              <a:srgbClr val="FF0000"/>
+            </a:solidFill>
+            <a:prstDash val="sysDot"/>
+          </a:ln>
+        </p:spPr>
+        <p:style>
+          <a:lnRef idx="2">
+            <a:schemeClr val="accent1"/>
+          </a:lnRef>
+          <a:fillRef idx="0">
+            <a:schemeClr val="accent1"/>
+          </a:fillRef>
+          <a:effectRef idx="1">
+            <a:schemeClr val="accent1"/>
+          </a:effectRef>
+          <a:fontRef idx="minor">
+            <a:schemeClr val="tx1"/>
+          </a:fontRef>
+        </p:style>
+      </p:cxnSp>
+      <p:cxnSp>
+        <p:nvCxnSpPr>
+          <p:cNvPr id="32" name="直線接點 31">
+            <a:extLst>
+              <a:ext uri="{FF2B5EF4-FFF2-40B4-BE49-F238E27FC236}">
+                <a16:creationId xmlns:a16="http://schemas.microsoft.com/office/drawing/2014/main" id="{C6D81E41-E69B-E4AA-A137-F72A8E594B37}"/>
+              </a:ext>
+            </a:extLst>
+          </p:cNvPr>
+          <p:cNvCxnSpPr>
+            <a:cxnSpLocks/>
+          </p:cNvCxnSpPr>
+          <p:nvPr/>
+        </p:nvCxnSpPr>
+        <p:spPr>
+          <a:xfrm>
+            <a:off x="2862217" y="2069027"/>
+            <a:ext cx="0" cy="3434791"/>
+          </a:xfrm>
+          <a:prstGeom prst="line">
+            <a:avLst/>
+          </a:prstGeom>
+          <a:ln>
+            <a:solidFill>
+              <a:srgbClr val="FF0000"/>
+            </a:solidFill>
+            <a:prstDash val="sysDot"/>
+          </a:ln>
+        </p:spPr>
+        <p:style>
+          <a:lnRef idx="2">
+            <a:schemeClr val="accent1"/>
+          </a:lnRef>
+          <a:fillRef idx="0">
+            <a:schemeClr val="accent1"/>
+          </a:fillRef>
+          <a:effectRef idx="1">
+            <a:schemeClr val="accent1"/>
+          </a:effectRef>
+          <a:fontRef idx="minor">
+            <a:schemeClr val="tx1"/>
+          </a:fontRef>
+        </p:style>
+      </p:cxnSp>
+      <p:cxnSp>
+        <p:nvCxnSpPr>
+          <p:cNvPr id="36" name="直線接點 35">
+            <a:extLst>
+              <a:ext uri="{FF2B5EF4-FFF2-40B4-BE49-F238E27FC236}">
+                <a16:creationId xmlns:a16="http://schemas.microsoft.com/office/drawing/2014/main" id="{8E9C04DD-B51E-41A3-20A1-C74623DEB200}"/>
+              </a:ext>
+            </a:extLst>
+          </p:cNvPr>
+          <p:cNvCxnSpPr>
+            <a:cxnSpLocks/>
+          </p:cNvCxnSpPr>
+          <p:nvPr/>
+        </p:nvCxnSpPr>
+        <p:spPr>
+          <a:xfrm>
+            <a:off x="9744607" y="2069027"/>
+            <a:ext cx="0" cy="3434791"/>
+          </a:xfrm>
+          <a:prstGeom prst="line">
+            <a:avLst/>
+          </a:prstGeom>
+          <a:ln>
+            <a:solidFill>
+              <a:srgbClr val="FF0000"/>
+            </a:solidFill>
+            <a:prstDash val="sysDot"/>
+          </a:ln>
+        </p:spPr>
+        <p:style>
+          <a:lnRef idx="2">
+            <a:schemeClr val="accent1"/>
+          </a:lnRef>
+          <a:fillRef idx="0">
+            <a:schemeClr val="accent1"/>
+          </a:fillRef>
+          <a:effectRef idx="1">
+            <a:schemeClr val="accent1"/>
+          </a:effectRef>
+          <a:fontRef idx="minor">
+            <a:schemeClr val="tx1"/>
+          </a:fontRef>
+        </p:style>
+      </p:cxnSp>
+      <p:cxnSp>
+        <p:nvCxnSpPr>
+          <p:cNvPr id="37" name="直線接點 36">
+            <a:extLst>
+              <a:ext uri="{FF2B5EF4-FFF2-40B4-BE49-F238E27FC236}">
+                <a16:creationId xmlns:a16="http://schemas.microsoft.com/office/drawing/2014/main" id="{1F18384F-AA39-A940-275D-D028DA00D0AA}"/>
+              </a:ext>
+            </a:extLst>
+          </p:cNvPr>
+          <p:cNvCxnSpPr>
+            <a:cxnSpLocks/>
+          </p:cNvCxnSpPr>
+          <p:nvPr/>
+        </p:nvCxnSpPr>
+        <p:spPr>
+          <a:xfrm>
+            <a:off x="10364141" y="2069027"/>
+            <a:ext cx="0" cy="3434791"/>
+          </a:xfrm>
+          <a:prstGeom prst="line">
+            <a:avLst/>
+          </a:prstGeom>
+          <a:ln>
+            <a:solidFill>
+              <a:srgbClr val="FF0000"/>
+            </a:solidFill>
+            <a:prstDash val="sysDot"/>
+          </a:ln>
+        </p:spPr>
+        <p:style>
+          <a:lnRef idx="2">
+            <a:schemeClr val="accent1"/>
+          </a:lnRef>
+          <a:fillRef idx="0">
+            <a:schemeClr val="accent1"/>
+          </a:fillRef>
+          <a:effectRef idx="1">
+            <a:schemeClr val="accent1"/>
+          </a:effectRef>
+          <a:fontRef idx="minor">
+            <a:schemeClr val="tx1"/>
+          </a:fontRef>
+        </p:style>
+      </p:cxnSp>
+      <p:cxnSp>
+        <p:nvCxnSpPr>
+          <p:cNvPr id="39" name="直線單箭頭接點 38">
+            <a:extLst>
+              <a:ext uri="{FF2B5EF4-FFF2-40B4-BE49-F238E27FC236}">
+                <a16:creationId xmlns:a16="http://schemas.microsoft.com/office/drawing/2014/main" id="{C0EF2B4F-239B-9D7B-BC60-CED0CD9CA5E6}"/>
+              </a:ext>
+            </a:extLst>
+          </p:cNvPr>
+          <p:cNvCxnSpPr>
+            <a:cxnSpLocks/>
+          </p:cNvCxnSpPr>
+          <p:nvPr/>
+        </p:nvCxnSpPr>
+        <p:spPr>
+          <a:xfrm>
+            <a:off x="2276644" y="3887555"/>
+            <a:ext cx="585573" cy="0"/>
+          </a:xfrm>
+          <a:prstGeom prst="straightConnector1">
+            <a:avLst/>
+          </a:prstGeom>
+          <a:ln>
+            <a:solidFill>
+              <a:srgbClr val="FF0000"/>
+            </a:solidFill>
+            <a:headEnd type="arrow" w="med" len="med"/>
+            <a:tailEnd type="arrow" w="med" len="med"/>
+          </a:ln>
+        </p:spPr>
+        <p:style>
+          <a:lnRef idx="2">
+            <a:schemeClr val="accent1"/>
+          </a:lnRef>
+          <a:fillRef idx="0">
+            <a:schemeClr val="accent1"/>
+          </a:fillRef>
+          <a:effectRef idx="1">
+            <a:schemeClr val="accent1"/>
+          </a:effectRef>
+          <a:fontRef idx="minor">
+            <a:schemeClr val="tx1"/>
+          </a:fontRef>
+        </p:style>
+      </p:cxnSp>
+      <p:sp>
+        <p:nvSpPr>
+          <p:cNvPr id="40" name="文字方塊 39">
+            <a:extLst>
+              <a:ext uri="{FF2B5EF4-FFF2-40B4-BE49-F238E27FC236}">
+                <a16:creationId xmlns:a16="http://schemas.microsoft.com/office/drawing/2014/main" id="{1169CECD-369E-7F77-61EB-4D7B6A7B14A7}"/>
+              </a:ext>
+            </a:extLst>
+          </p:cNvPr>
+          <p:cNvSpPr txBox="1"/>
+          <p:nvPr/>
+        </p:nvSpPr>
+        <p:spPr>
+          <a:xfrm>
+            <a:off x="9770268" y="4609110"/>
+            <a:ext cx="518091" cy="246221"/>
+          </a:xfrm>
+          <a:prstGeom prst="rect">
+            <a:avLst/>
+          </a:prstGeom>
+          <a:noFill/>
+        </p:spPr>
+        <p:txBody>
+          <a:bodyPr wrap="none" rtlCol="0">
+            <a:spAutoFit/>
+          </a:bodyPr>
+          <a:lstStyle/>
+          <a:p>
+            <a:r>
+              <a:rPr lang="en-US" altLang="zh-TW" sz="1000" b="1" dirty="0">
+                <a:solidFill>
+                  <a:srgbClr val="FF0000"/>
+                </a:solidFill>
+              </a:rPr>
+              <a:t>Delay</a:t>
+            </a:r>
+            <a:endParaRPr lang="zh-TW" altLang="en-US" sz="1000" b="1" dirty="0">
+              <a:solidFill>
+                <a:srgbClr val="FF0000"/>
+              </a:solidFill>
+            </a:endParaRPr>
+          </a:p>
+        </p:txBody>
+      </p:sp>
+      <p:sp>
+        <p:nvSpPr>
+          <p:cNvPr id="41" name="文字方塊 40">
+            <a:extLst>
+              <a:ext uri="{FF2B5EF4-FFF2-40B4-BE49-F238E27FC236}">
+                <a16:creationId xmlns:a16="http://schemas.microsoft.com/office/drawing/2014/main" id="{9D294050-EC69-E672-59EB-6DBF9D98F334}"/>
+              </a:ext>
+            </a:extLst>
+          </p:cNvPr>
+          <p:cNvSpPr txBox="1"/>
+          <p:nvPr/>
+        </p:nvSpPr>
+        <p:spPr>
+          <a:xfrm>
+            <a:off x="2811071" y="3762740"/>
+            <a:ext cx="785793" cy="246221"/>
+          </a:xfrm>
+          <a:prstGeom prst="rect">
+            <a:avLst/>
+          </a:prstGeom>
+          <a:noFill/>
+        </p:spPr>
+        <p:txBody>
+          <a:bodyPr wrap="none" rtlCol="0">
+            <a:spAutoFit/>
+          </a:bodyPr>
+          <a:lstStyle/>
+          <a:p>
+            <a:r>
+              <a:rPr lang="en-US" altLang="zh-TW" sz="1000" b="1" dirty="0">
+                <a:solidFill>
+                  <a:srgbClr val="FF0000"/>
+                </a:solidFill>
+              </a:rPr>
+              <a:t>Debounce</a:t>
+            </a:r>
+            <a:endParaRPr lang="zh-TW" altLang="en-US" sz="1000" b="1" dirty="0">
+              <a:solidFill>
+                <a:srgbClr val="FF0000"/>
+              </a:solidFill>
+            </a:endParaRPr>
+          </a:p>
+        </p:txBody>
+      </p:sp>
+      <p:cxnSp>
+        <p:nvCxnSpPr>
+          <p:cNvPr id="42" name="直線單箭頭接點 41">
+            <a:extLst>
+              <a:ext uri="{FF2B5EF4-FFF2-40B4-BE49-F238E27FC236}">
+                <a16:creationId xmlns:a16="http://schemas.microsoft.com/office/drawing/2014/main" id="{64B65C4E-123C-5201-8CC0-B053F35E6AF5}"/>
+              </a:ext>
+            </a:extLst>
+          </p:cNvPr>
+          <p:cNvCxnSpPr>
+            <a:cxnSpLocks/>
+          </p:cNvCxnSpPr>
+          <p:nvPr/>
+        </p:nvCxnSpPr>
+        <p:spPr>
+          <a:xfrm flipV="1">
+            <a:off x="9753068" y="4826577"/>
+            <a:ext cx="644456" cy="9127"/>
+          </a:xfrm>
+          <a:prstGeom prst="straightConnector1">
+            <a:avLst/>
+          </a:prstGeom>
+          <a:ln>
+            <a:solidFill>
+              <a:srgbClr val="FF0000"/>
+            </a:solidFill>
+            <a:headEnd type="arrow" w="med" len="med"/>
+            <a:tailEnd type="arrow" w="med" len="med"/>
+          </a:ln>
+        </p:spPr>
+        <p:style>
+          <a:lnRef idx="2">
+            <a:schemeClr val="accent1"/>
+          </a:lnRef>
+          <a:fillRef idx="0">
+            <a:schemeClr val="accent1"/>
+          </a:fillRef>
+          <a:effectRef idx="1">
+            <a:schemeClr val="accent1"/>
+          </a:effectRef>
+          <a:fontRef idx="minor">
+            <a:schemeClr val="tx1"/>
+          </a:fontRef>
+        </p:style>
+      </p:cxnSp>
+      <p:cxnSp>
+        <p:nvCxnSpPr>
+          <p:cNvPr id="47" name="直線單箭頭接點 46">
+            <a:extLst>
+              <a:ext uri="{FF2B5EF4-FFF2-40B4-BE49-F238E27FC236}">
+                <a16:creationId xmlns:a16="http://schemas.microsoft.com/office/drawing/2014/main" id="{1ABE6D41-57C9-EC70-E82A-B688C94C9A95}"/>
+              </a:ext>
+            </a:extLst>
+          </p:cNvPr>
+          <p:cNvCxnSpPr>
+            <a:cxnSpLocks/>
+          </p:cNvCxnSpPr>
+          <p:nvPr/>
+        </p:nvCxnSpPr>
+        <p:spPr>
+          <a:xfrm flipV="1">
+            <a:off x="2862217" y="4419628"/>
+            <a:ext cx="6856730" cy="24265"/>
+          </a:xfrm>
+          <a:prstGeom prst="straightConnector1">
+            <a:avLst/>
+          </a:prstGeom>
+          <a:ln>
+            <a:solidFill>
+              <a:srgbClr val="FF0000"/>
+            </a:solidFill>
+            <a:headEnd type="arrow" w="med" len="med"/>
+            <a:tailEnd type="arrow" w="med" len="med"/>
+          </a:ln>
+        </p:spPr>
+        <p:style>
+          <a:lnRef idx="2">
+            <a:schemeClr val="accent1"/>
+          </a:lnRef>
+          <a:fillRef idx="0">
+            <a:schemeClr val="accent1"/>
+          </a:fillRef>
+          <a:effectRef idx="1">
+            <a:schemeClr val="accent1"/>
+          </a:effectRef>
+          <a:fontRef idx="minor">
+            <a:schemeClr val="tx1"/>
+          </a:fontRef>
+        </p:style>
+      </p:cxnSp>
+      <p:sp>
+        <p:nvSpPr>
+          <p:cNvPr id="49" name="文字方塊 48">
+            <a:extLst>
+              <a:ext uri="{FF2B5EF4-FFF2-40B4-BE49-F238E27FC236}">
+                <a16:creationId xmlns:a16="http://schemas.microsoft.com/office/drawing/2014/main" id="{66761C50-3169-0FE1-2C1F-6DC6D4150904}"/>
+              </a:ext>
+            </a:extLst>
+          </p:cNvPr>
+          <p:cNvSpPr txBox="1"/>
+          <p:nvPr/>
+        </p:nvSpPr>
+        <p:spPr>
+          <a:xfrm>
+            <a:off x="5604647" y="4201834"/>
+            <a:ext cx="792205" cy="246221"/>
+          </a:xfrm>
+          <a:prstGeom prst="rect">
+            <a:avLst/>
+          </a:prstGeom>
+          <a:noFill/>
+        </p:spPr>
+        <p:txBody>
+          <a:bodyPr wrap="square" rtlCol="0">
+            <a:spAutoFit/>
+          </a:bodyPr>
+          <a:lstStyle/>
+          <a:p>
+            <a:r>
+              <a:rPr lang="en-US" altLang="zh-TW" sz="1000" b="1" dirty="0">
+                <a:solidFill>
+                  <a:srgbClr val="FF0000"/>
+                </a:solidFill>
+              </a:rPr>
+              <a:t>Burn(</a:t>
+            </a:r>
+            <a:r>
+              <a:rPr lang="zh-TW" altLang="en-US" sz="1000" b="1" dirty="0">
+                <a:solidFill>
+                  <a:srgbClr val="FF0000"/>
+                </a:solidFill>
+              </a:rPr>
+              <a:t>燒錄</a:t>
+            </a:r>
+            <a:r>
+              <a:rPr lang="en-US" altLang="zh-TW" sz="1000" b="1" dirty="0">
+                <a:solidFill>
+                  <a:srgbClr val="FF0000"/>
+                </a:solidFill>
+              </a:rPr>
+              <a:t>)</a:t>
+            </a:r>
+            <a:endParaRPr lang="zh-TW" altLang="en-US" sz="1000" b="1" dirty="0">
+              <a:solidFill>
+                <a:srgbClr val="FF0000"/>
+              </a:solidFill>
+            </a:endParaRPr>
+          </a:p>
+        </p:txBody>
+      </p:sp>
     </p:spTree>
     <p:extLst>
       <p:ext uri="{BB962C8B-B14F-4D97-AF65-F5344CB8AC3E}">

--- a/assets/user_guide.pptx
+++ b/assets/user_guide.pptx
@@ -6528,10 +6528,10 @@
       </p:grpSpPr>
       <p:pic>
         <p:nvPicPr>
-          <p:cNvPr id="3" name="圖片 2">
-            <a:extLst>
-              <a:ext uri="{FF2B5EF4-FFF2-40B4-BE49-F238E27FC236}">
-                <a16:creationId xmlns:a16="http://schemas.microsoft.com/office/drawing/2014/main" id="{CAE17852-8088-9C24-AD9F-6C40E83F73B1}"/>
+          <p:cNvPr id="13" name="圖片 12">
+            <a:extLst>
+              <a:ext uri="{FF2B5EF4-FFF2-40B4-BE49-F238E27FC236}">
+                <a16:creationId xmlns:a16="http://schemas.microsoft.com/office/drawing/2014/main" id="{15944CA3-D4EA-92E3-EE9D-5DDEDFCC3ED2}"/>
               </a:ext>
             </a:extLst>
           </p:cNvPr>
@@ -6548,8 +6548,8 @@
         </p:blipFill>
         <p:spPr>
           <a:xfrm>
-            <a:off x="1013382" y="2069028"/>
-            <a:ext cx="9579713" cy="3434790"/>
+            <a:off x="1025017" y="2011369"/>
+            <a:ext cx="9776085" cy="3917518"/>
           </a:xfrm>
           <a:prstGeom prst="rect">
             <a:avLst/>
@@ -6673,7 +6673,7 @@
         </p:nvSpPr>
         <p:spPr>
           <a:xfrm>
-            <a:off x="1147690" y="3747352"/>
+            <a:off x="1554397" y="4067608"/>
             <a:ext cx="614527" cy="276999"/>
           </a:xfrm>
           <a:prstGeom prst="rect">
@@ -6718,7 +6718,7 @@
         </p:nvSpPr>
         <p:spPr>
           <a:xfrm>
-            <a:off x="1142454" y="4217605"/>
+            <a:off x="1540995" y="4646628"/>
             <a:ext cx="627929" cy="276999"/>
           </a:xfrm>
           <a:prstGeom prst="rect">
@@ -6771,7 +6771,7 @@
         </p:nvSpPr>
         <p:spPr>
           <a:xfrm>
-            <a:off x="1151303" y="4688078"/>
+            <a:off x="1549844" y="5141572"/>
             <a:ext cx="619080" cy="276999"/>
           </a:xfrm>
           <a:prstGeom prst="rect">
@@ -6824,7 +6824,7 @@
         </p:nvSpPr>
         <p:spPr>
           <a:xfrm>
-            <a:off x="1140081" y="5179719"/>
+            <a:off x="1538622" y="5633951"/>
             <a:ext cx="630302" cy="276999"/>
           </a:xfrm>
           <a:prstGeom prst="rect">
@@ -6877,7 +6877,7 @@
         </p:nvSpPr>
         <p:spPr>
           <a:xfrm>
-            <a:off x="1145926" y="2335458"/>
+            <a:off x="1570682" y="2498700"/>
             <a:ext cx="598242" cy="276999"/>
           </a:xfrm>
           <a:prstGeom prst="rect">
@@ -6930,7 +6930,7 @@
         </p:nvSpPr>
         <p:spPr>
           <a:xfrm>
-            <a:off x="1132013" y="2827756"/>
+            <a:off x="1556769" y="3026282"/>
             <a:ext cx="612155" cy="276999"/>
           </a:xfrm>
           <a:prstGeom prst="rect">
@@ -6983,7 +6983,7 @@
         </p:nvSpPr>
         <p:spPr>
           <a:xfrm>
-            <a:off x="1142454" y="3287554"/>
+            <a:off x="1554652" y="3572664"/>
             <a:ext cx="614272" cy="276999"/>
           </a:xfrm>
           <a:prstGeom prst="rect">
@@ -7024,10 +7024,10 @@
       </p:sp>
       <p:cxnSp>
         <p:nvCxnSpPr>
-          <p:cNvPr id="14" name="直線接點 13">
-            <a:extLst>
-              <a:ext uri="{FF2B5EF4-FFF2-40B4-BE49-F238E27FC236}">
-                <a16:creationId xmlns:a16="http://schemas.microsoft.com/office/drawing/2014/main" id="{7207B424-F0F5-968D-6C1D-97B06CC73106}"/>
+          <p:cNvPr id="32" name="直線接點 31">
+            <a:extLst>
+              <a:ext uri="{FF2B5EF4-FFF2-40B4-BE49-F238E27FC236}">
+                <a16:creationId xmlns:a16="http://schemas.microsoft.com/office/drawing/2014/main" id="{C6D81E41-E69B-E4AA-A137-F72A8E594B37}"/>
               </a:ext>
             </a:extLst>
           </p:cNvPr>
@@ -7038,140 +7038,8 @@
         </p:nvCxnSpPr>
         <p:spPr>
           <a:xfrm>
-            <a:off x="2276644" y="2041811"/>
-            <a:ext cx="0" cy="3462007"/>
-          </a:xfrm>
-          <a:prstGeom prst="line">
-            <a:avLst/>
-          </a:prstGeom>
-          <a:ln>
-            <a:solidFill>
-              <a:srgbClr val="FF0000"/>
-            </a:solidFill>
-            <a:prstDash val="sysDot"/>
-          </a:ln>
-        </p:spPr>
-        <p:style>
-          <a:lnRef idx="2">
-            <a:schemeClr val="accent1"/>
-          </a:lnRef>
-          <a:fillRef idx="0">
-            <a:schemeClr val="accent1"/>
-          </a:fillRef>
-          <a:effectRef idx="1">
-            <a:schemeClr val="accent1"/>
-          </a:effectRef>
-          <a:fontRef idx="minor">
-            <a:schemeClr val="tx1"/>
-          </a:fontRef>
-        </p:style>
-      </p:cxnSp>
-      <p:cxnSp>
-        <p:nvCxnSpPr>
-          <p:cNvPr id="32" name="直線接點 31">
-            <a:extLst>
-              <a:ext uri="{FF2B5EF4-FFF2-40B4-BE49-F238E27FC236}">
-                <a16:creationId xmlns:a16="http://schemas.microsoft.com/office/drawing/2014/main" id="{C6D81E41-E69B-E4AA-A137-F72A8E594B37}"/>
-              </a:ext>
-            </a:extLst>
-          </p:cNvPr>
-          <p:cNvCxnSpPr>
-            <a:cxnSpLocks/>
-          </p:cNvCxnSpPr>
-          <p:nvPr/>
-        </p:nvCxnSpPr>
-        <p:spPr>
-          <a:xfrm>
-            <a:off x="2862217" y="2069027"/>
-            <a:ext cx="0" cy="3434791"/>
-          </a:xfrm>
-          <a:prstGeom prst="line">
-            <a:avLst/>
-          </a:prstGeom>
-          <a:ln>
-            <a:solidFill>
-              <a:srgbClr val="FF0000"/>
-            </a:solidFill>
-            <a:prstDash val="sysDot"/>
-          </a:ln>
-        </p:spPr>
-        <p:style>
-          <a:lnRef idx="2">
-            <a:schemeClr val="accent1"/>
-          </a:lnRef>
-          <a:fillRef idx="0">
-            <a:schemeClr val="accent1"/>
-          </a:fillRef>
-          <a:effectRef idx="1">
-            <a:schemeClr val="accent1"/>
-          </a:effectRef>
-          <a:fontRef idx="minor">
-            <a:schemeClr val="tx1"/>
-          </a:fontRef>
-        </p:style>
-      </p:cxnSp>
-      <p:cxnSp>
-        <p:nvCxnSpPr>
-          <p:cNvPr id="36" name="直線接點 35">
-            <a:extLst>
-              <a:ext uri="{FF2B5EF4-FFF2-40B4-BE49-F238E27FC236}">
-                <a16:creationId xmlns:a16="http://schemas.microsoft.com/office/drawing/2014/main" id="{8E9C04DD-B51E-41A3-20A1-C74623DEB200}"/>
-              </a:ext>
-            </a:extLst>
-          </p:cNvPr>
-          <p:cNvCxnSpPr>
-            <a:cxnSpLocks/>
-          </p:cNvCxnSpPr>
-          <p:nvPr/>
-        </p:nvCxnSpPr>
-        <p:spPr>
-          <a:xfrm>
-            <a:off x="9744607" y="2069027"/>
-            <a:ext cx="0" cy="3434791"/>
-          </a:xfrm>
-          <a:prstGeom prst="line">
-            <a:avLst/>
-          </a:prstGeom>
-          <a:ln>
-            <a:solidFill>
-              <a:srgbClr val="FF0000"/>
-            </a:solidFill>
-            <a:prstDash val="sysDot"/>
-          </a:ln>
-        </p:spPr>
-        <p:style>
-          <a:lnRef idx="2">
-            <a:schemeClr val="accent1"/>
-          </a:lnRef>
-          <a:fillRef idx="0">
-            <a:schemeClr val="accent1"/>
-          </a:fillRef>
-          <a:effectRef idx="1">
-            <a:schemeClr val="accent1"/>
-          </a:effectRef>
-          <a:fontRef idx="minor">
-            <a:schemeClr val="tx1"/>
-          </a:fontRef>
-        </p:style>
-      </p:cxnSp>
-      <p:cxnSp>
-        <p:nvCxnSpPr>
-          <p:cNvPr id="37" name="直線接點 36">
-            <a:extLst>
-              <a:ext uri="{FF2B5EF4-FFF2-40B4-BE49-F238E27FC236}">
-                <a16:creationId xmlns:a16="http://schemas.microsoft.com/office/drawing/2014/main" id="{1F18384F-AA39-A940-275D-D028DA00D0AA}"/>
-              </a:ext>
-            </a:extLst>
-          </p:cNvPr>
-          <p:cNvCxnSpPr>
-            <a:cxnSpLocks/>
-          </p:cNvCxnSpPr>
-          <p:nvPr/>
-        </p:nvCxnSpPr>
-        <p:spPr>
-          <a:xfrm>
-            <a:off x="10364141" y="2069027"/>
-            <a:ext cx="0" cy="3434791"/>
+            <a:off x="2736155" y="2031736"/>
+            <a:ext cx="0" cy="3879214"/>
           </a:xfrm>
           <a:prstGeom prst="line">
             <a:avLst/>
@@ -7214,8 +7082,8 @@
         </p:nvCxnSpPr>
         <p:spPr>
           <a:xfrm>
-            <a:off x="2276644" y="3887555"/>
-            <a:ext cx="585573" cy="0"/>
+            <a:off x="2499092" y="4188784"/>
+            <a:ext cx="237063" cy="13050"/>
           </a:xfrm>
           <a:prstGeom prst="straightConnector1">
             <a:avLst/>
@@ -7257,7 +7125,7 @@
         </p:nvSpPr>
         <p:spPr>
           <a:xfrm>
-            <a:off x="9770268" y="4609110"/>
+            <a:off x="9948923" y="5156960"/>
             <a:ext cx="518091" cy="246221"/>
           </a:xfrm>
           <a:prstGeom prst="rect">
@@ -7301,7 +7169,7 @@
         </p:nvSpPr>
         <p:spPr>
           <a:xfrm>
-            <a:off x="2811071" y="3762740"/>
+            <a:off x="2687544" y="4067608"/>
             <a:ext cx="785793" cy="246221"/>
           </a:xfrm>
           <a:prstGeom prst="rect">
@@ -7346,9 +7214,9 @@
           <p:nvPr/>
         </p:nvCxnSpPr>
         <p:spPr>
-          <a:xfrm flipV="1">
-            <a:off x="9753068" y="4826577"/>
-            <a:ext cx="644456" cy="9127"/>
+          <a:xfrm>
+            <a:off x="10397524" y="5273721"/>
+            <a:ext cx="253493" cy="0"/>
           </a:xfrm>
           <a:prstGeom prst="straightConnector1">
             <a:avLst/>
@@ -7392,8 +7260,8 @@
         </p:nvCxnSpPr>
         <p:spPr>
           <a:xfrm flipV="1">
-            <a:off x="2862217" y="4419628"/>
-            <a:ext cx="6856730" cy="24265"/>
+            <a:off x="2717342" y="4700971"/>
+            <a:ext cx="7680182" cy="39019"/>
           </a:xfrm>
           <a:prstGeom prst="straightConnector1">
             <a:avLst/>
@@ -7435,7 +7303,7 @@
         </p:nvSpPr>
         <p:spPr>
           <a:xfrm>
-            <a:off x="5604647" y="4201834"/>
+            <a:off x="5516956" y="4454750"/>
             <a:ext cx="792205" cy="246221"/>
           </a:xfrm>
           <a:prstGeom prst="rect">
@@ -7481,6 +7349,94 @@
           </a:p>
         </p:txBody>
       </p:sp>
+      <p:cxnSp>
+        <p:nvCxnSpPr>
+          <p:cNvPr id="18" name="直線接點 17">
+            <a:extLst>
+              <a:ext uri="{FF2B5EF4-FFF2-40B4-BE49-F238E27FC236}">
+                <a16:creationId xmlns:a16="http://schemas.microsoft.com/office/drawing/2014/main" id="{1F8A5DDD-C84E-DDCA-09DD-CC64A55CBBE8}"/>
+              </a:ext>
+            </a:extLst>
+          </p:cNvPr>
+          <p:cNvCxnSpPr>
+            <a:cxnSpLocks/>
+          </p:cNvCxnSpPr>
+          <p:nvPr/>
+        </p:nvCxnSpPr>
+        <p:spPr>
+          <a:xfrm>
+            <a:off x="2513210" y="2031736"/>
+            <a:ext cx="0" cy="3879214"/>
+          </a:xfrm>
+          <a:prstGeom prst="line">
+            <a:avLst/>
+          </a:prstGeom>
+          <a:ln>
+            <a:solidFill>
+              <a:srgbClr val="FF0000"/>
+            </a:solidFill>
+            <a:prstDash val="sysDot"/>
+          </a:ln>
+        </p:spPr>
+        <p:style>
+          <a:lnRef idx="2">
+            <a:schemeClr val="accent1"/>
+          </a:lnRef>
+          <a:fillRef idx="0">
+            <a:schemeClr val="accent1"/>
+          </a:fillRef>
+          <a:effectRef idx="1">
+            <a:schemeClr val="accent1"/>
+          </a:effectRef>
+          <a:fontRef idx="minor">
+            <a:schemeClr val="tx1"/>
+          </a:fontRef>
+        </p:style>
+      </p:cxnSp>
+      <p:cxnSp>
+        <p:nvCxnSpPr>
+          <p:cNvPr id="23" name="直線接點 22">
+            <a:extLst>
+              <a:ext uri="{FF2B5EF4-FFF2-40B4-BE49-F238E27FC236}">
+                <a16:creationId xmlns:a16="http://schemas.microsoft.com/office/drawing/2014/main" id="{2A99FD20-7300-C097-F930-4A2D8D63AD85}"/>
+              </a:ext>
+            </a:extLst>
+          </p:cNvPr>
+          <p:cNvCxnSpPr>
+            <a:cxnSpLocks/>
+          </p:cNvCxnSpPr>
+          <p:nvPr/>
+        </p:nvCxnSpPr>
+        <p:spPr>
+          <a:xfrm>
+            <a:off x="10397524" y="2031736"/>
+            <a:ext cx="0" cy="3879214"/>
+          </a:xfrm>
+          <a:prstGeom prst="line">
+            <a:avLst/>
+          </a:prstGeom>
+          <a:ln>
+            <a:solidFill>
+              <a:srgbClr val="FF0000"/>
+            </a:solidFill>
+            <a:prstDash val="sysDot"/>
+          </a:ln>
+        </p:spPr>
+        <p:style>
+          <a:lnRef idx="2">
+            <a:schemeClr val="accent1"/>
+          </a:lnRef>
+          <a:fillRef idx="0">
+            <a:schemeClr val="accent1"/>
+          </a:fillRef>
+          <a:effectRef idx="1">
+            <a:schemeClr val="accent1"/>
+          </a:effectRef>
+          <a:fontRef idx="minor">
+            <a:schemeClr val="tx1"/>
+          </a:fontRef>
+        </p:style>
+      </p:cxnSp>
     </p:spTree>
     <p:extLst>
       <p:ext uri="{BB962C8B-B14F-4D97-AF65-F5344CB8AC3E}">
